--- a/assets/ppt/intro/in1-evangelize-compilers.pptx
+++ b/assets/ppt/intro/in1-evangelize-compilers.pptx
@@ -1,38 +1,38 @@
 
 <file path=ppt/presentation.xml><?xml version="1.0" encoding="utf-8"?>
-<p:presentation xmlns:a="http://schemas.openxmlformats.org/drawingml/2006/main" xmlns:r="http://schemas.openxmlformats.org/officeDocument/2006/relationships" xmlns:mc="http://schemas.openxmlformats.org/markup-compatibility/2006" xmlns:mv="urn:schemas-microsoft-com:mac:vml" xmlns:p="http://schemas.openxmlformats.org/presentationml/2006/main" xmlns:c="http://schemas.openxmlformats.org/drawingml/2006/chart" xmlns:dgm="http://schemas.openxmlformats.org/drawingml/2006/diagram" xmlns:o="urn:schemas-microsoft-com:office:office" xmlns:v="urn:schemas-microsoft-com:vml" xmlns:pvml="urn:schemas-microsoft-com:office:powerpoint" xmlns:com="http://schemas.openxmlformats.org/drawingml/2006/compatibility" xmlns:p14="http://schemas.microsoft.com/office/powerpoint/2010/main" autoCompressPictures="0" strictFirstAndLastChars="0" saveSubsetFonts="1">
+<p:presentation xmlns:a="http://schemas.openxmlformats.org/drawingml/2006/main" xmlns:r="http://schemas.openxmlformats.org/officeDocument/2006/relationships" xmlns:p="http://schemas.openxmlformats.org/presentationml/2006/main" strictFirstAndLastChars="0" saveSubsetFonts="1" autoCompressPictures="0">
   <p:sldMasterIdLst>
-    <p:sldMasterId id="2147483660" r:id="rId3"/>
+    <p:sldMasterId id="2147483660" r:id="rId1"/>
   </p:sldMasterIdLst>
   <p:notesMasterIdLst>
-    <p:notesMasterId r:id="rId4"/>
+    <p:notesMasterId r:id="rId22"/>
   </p:notesMasterIdLst>
   <p:sldIdLst>
-    <p:sldId id="256" r:id="rId5"/>
-    <p:sldId id="257" r:id="rId6"/>
-    <p:sldId id="258" r:id="rId7"/>
-    <p:sldId id="259" r:id="rId8"/>
-    <p:sldId id="260" r:id="rId9"/>
-    <p:sldId id="261" r:id="rId10"/>
-    <p:sldId id="262" r:id="rId11"/>
-    <p:sldId id="263" r:id="rId12"/>
-    <p:sldId id="264" r:id="rId13"/>
-    <p:sldId id="265" r:id="rId14"/>
-    <p:sldId id="266" r:id="rId15"/>
-    <p:sldId id="267" r:id="rId16"/>
-    <p:sldId id="268" r:id="rId17"/>
-    <p:sldId id="269" r:id="rId18"/>
-    <p:sldId id="270" r:id="rId19"/>
-    <p:sldId id="271" r:id="rId20"/>
-    <p:sldId id="272" r:id="rId21"/>
-    <p:sldId id="273" r:id="rId22"/>
-    <p:sldId id="274" r:id="rId23"/>
-    <p:sldId id="275" r:id="rId24"/>
+    <p:sldId id="256" r:id="rId2"/>
+    <p:sldId id="257" r:id="rId3"/>
+    <p:sldId id="258" r:id="rId4"/>
+    <p:sldId id="259" r:id="rId5"/>
+    <p:sldId id="260" r:id="rId6"/>
+    <p:sldId id="261" r:id="rId7"/>
+    <p:sldId id="262" r:id="rId8"/>
+    <p:sldId id="263" r:id="rId9"/>
+    <p:sldId id="264" r:id="rId10"/>
+    <p:sldId id="265" r:id="rId11"/>
+    <p:sldId id="266" r:id="rId12"/>
+    <p:sldId id="267" r:id="rId13"/>
+    <p:sldId id="268" r:id="rId14"/>
+    <p:sldId id="269" r:id="rId15"/>
+    <p:sldId id="270" r:id="rId16"/>
+    <p:sldId id="271" r:id="rId17"/>
+    <p:sldId id="272" r:id="rId18"/>
+    <p:sldId id="273" r:id="rId19"/>
+    <p:sldId id="274" r:id="rId20"/>
+    <p:sldId id="275" r:id="rId21"/>
   </p:sldIdLst>
-  <p:sldSz cy="6858000" cx="9144000"/>
+  <p:sldSz cx="9144000" cy="6858000" type="screen4x3"/>
   <p:notesSz cx="6858000" cy="9144000"/>
   <p:defaultTextStyle>
-    <a:defPPr lvl="0" marR="0" rtl="0" algn="l">
+    <a:defPPr marR="0" lvl="0" algn="l" rtl="0">
       <a:lnSpc>
         <a:spcPct val="100000"/>
       </a:lnSpc>
@@ -43,7 +43,7 @@
         <a:spcPts val="0"/>
       </a:spcAft>
     </a:defPPr>
-    <a:lvl1pPr lvl="0" marR="0" rtl="0" algn="l">
+    <a:lvl1pPr marR="0" lvl="0" algn="l" rtl="0">
       <a:lnSpc>
         <a:spcPct val="100000"/>
       </a:lnSpc>
@@ -54,7 +54,7 @@
         <a:spcPts val="0"/>
       </a:spcAft>
       <a:buNone/>
-      <a:defRPr b="0" i="0" sz="1400" u="none" cap="none" strike="noStrike">
+      <a:defRPr sz="1400" b="0" i="0" u="none" strike="noStrike" cap="none">
         <a:solidFill>
           <a:srgbClr val="000000"/>
         </a:solidFill>
@@ -64,7 +64,7 @@
         <a:sym typeface="Arial"/>
       </a:defRPr>
     </a:lvl1pPr>
-    <a:lvl2pPr lvl="1" marR="0" rtl="0" algn="l">
+    <a:lvl2pPr marR="0" lvl="1" algn="l" rtl="0">
       <a:lnSpc>
         <a:spcPct val="100000"/>
       </a:lnSpc>
@@ -75,7 +75,7 @@
         <a:spcPts val="0"/>
       </a:spcAft>
       <a:buNone/>
-      <a:defRPr b="0" i="0" sz="1400" u="none" cap="none" strike="noStrike">
+      <a:defRPr sz="1400" b="0" i="0" u="none" strike="noStrike" cap="none">
         <a:solidFill>
           <a:srgbClr val="000000"/>
         </a:solidFill>
@@ -85,7 +85,7 @@
         <a:sym typeface="Arial"/>
       </a:defRPr>
     </a:lvl2pPr>
-    <a:lvl3pPr lvl="2" marR="0" rtl="0" algn="l">
+    <a:lvl3pPr marR="0" lvl="2" algn="l" rtl="0">
       <a:lnSpc>
         <a:spcPct val="100000"/>
       </a:lnSpc>
@@ -96,7 +96,7 @@
         <a:spcPts val="0"/>
       </a:spcAft>
       <a:buNone/>
-      <a:defRPr b="0" i="0" sz="1400" u="none" cap="none" strike="noStrike">
+      <a:defRPr sz="1400" b="0" i="0" u="none" strike="noStrike" cap="none">
         <a:solidFill>
           <a:srgbClr val="000000"/>
         </a:solidFill>
@@ -106,7 +106,7 @@
         <a:sym typeface="Arial"/>
       </a:defRPr>
     </a:lvl3pPr>
-    <a:lvl4pPr lvl="3" marR="0" rtl="0" algn="l">
+    <a:lvl4pPr marR="0" lvl="3" algn="l" rtl="0">
       <a:lnSpc>
         <a:spcPct val="100000"/>
       </a:lnSpc>
@@ -117,7 +117,7 @@
         <a:spcPts val="0"/>
       </a:spcAft>
       <a:buNone/>
-      <a:defRPr b="0" i="0" sz="1400" u="none" cap="none" strike="noStrike">
+      <a:defRPr sz="1400" b="0" i="0" u="none" strike="noStrike" cap="none">
         <a:solidFill>
           <a:srgbClr val="000000"/>
         </a:solidFill>
@@ -127,7 +127,7 @@
         <a:sym typeface="Arial"/>
       </a:defRPr>
     </a:lvl4pPr>
-    <a:lvl5pPr lvl="4" marR="0" rtl="0" algn="l">
+    <a:lvl5pPr marR="0" lvl="4" algn="l" rtl="0">
       <a:lnSpc>
         <a:spcPct val="100000"/>
       </a:lnSpc>
@@ -138,7 +138,7 @@
         <a:spcPts val="0"/>
       </a:spcAft>
       <a:buNone/>
-      <a:defRPr b="0" i="0" sz="1400" u="none" cap="none" strike="noStrike">
+      <a:defRPr sz="1400" b="0" i="0" u="none" strike="noStrike" cap="none">
         <a:solidFill>
           <a:srgbClr val="000000"/>
         </a:solidFill>
@@ -148,7 +148,7 @@
         <a:sym typeface="Arial"/>
       </a:defRPr>
     </a:lvl5pPr>
-    <a:lvl6pPr lvl="5" marR="0" rtl="0" algn="l">
+    <a:lvl6pPr marR="0" lvl="5" algn="l" rtl="0">
       <a:lnSpc>
         <a:spcPct val="100000"/>
       </a:lnSpc>
@@ -159,7 +159,7 @@
         <a:spcPts val="0"/>
       </a:spcAft>
       <a:buNone/>
-      <a:defRPr b="0" i="0" sz="1400" u="none" cap="none" strike="noStrike">
+      <a:defRPr sz="1400" b="0" i="0" u="none" strike="noStrike" cap="none">
         <a:solidFill>
           <a:srgbClr val="000000"/>
         </a:solidFill>
@@ -169,7 +169,7 @@
         <a:sym typeface="Arial"/>
       </a:defRPr>
     </a:lvl6pPr>
-    <a:lvl7pPr lvl="6" marR="0" rtl="0" algn="l">
+    <a:lvl7pPr marR="0" lvl="6" algn="l" rtl="0">
       <a:lnSpc>
         <a:spcPct val="100000"/>
       </a:lnSpc>
@@ -180,7 +180,7 @@
         <a:spcPts val="0"/>
       </a:spcAft>
       <a:buNone/>
-      <a:defRPr b="0" i="0" sz="1400" u="none" cap="none" strike="noStrike">
+      <a:defRPr sz="1400" b="0" i="0" u="none" strike="noStrike" cap="none">
         <a:solidFill>
           <a:srgbClr val="000000"/>
         </a:solidFill>
@@ -190,7 +190,7 @@
         <a:sym typeface="Arial"/>
       </a:defRPr>
     </a:lvl7pPr>
-    <a:lvl8pPr lvl="7" marR="0" rtl="0" algn="l">
+    <a:lvl8pPr marR="0" lvl="7" algn="l" rtl="0">
       <a:lnSpc>
         <a:spcPct val="100000"/>
       </a:lnSpc>
@@ -201,7 +201,7 @@
         <a:spcPts val="0"/>
       </a:spcAft>
       <a:buNone/>
-      <a:defRPr b="0" i="0" sz="1400" u="none" cap="none" strike="noStrike">
+      <a:defRPr sz="1400" b="0" i="0" u="none" strike="noStrike" cap="none">
         <a:solidFill>
           <a:srgbClr val="000000"/>
         </a:solidFill>
@@ -211,7 +211,7 @@
         <a:sym typeface="Arial"/>
       </a:defRPr>
     </a:lvl8pPr>
-    <a:lvl9pPr lvl="8" marR="0" rtl="0" algn="l">
+    <a:lvl9pPr marR="0" lvl="8" algn="l" rtl="0">
       <a:lnSpc>
         <a:spcPct val="100000"/>
       </a:lnSpc>
@@ -222,7 +222,7 @@
         <a:spcPts val="0"/>
       </a:spcAft>
       <a:buNone/>
-      <a:defRPr b="0" i="0" sz="1400" u="none" cap="none" strike="noStrike">
+      <a:defRPr sz="1400" b="0" i="0" u="none" strike="noStrike" cap="none">
         <a:solidFill>
           <a:srgbClr val="000000"/>
         </a:solidFill>
@@ -237,18 +237,19 @@
 </file>
 
 <file path=ppt/notesMasters/notesMaster1.xml><?xml version="1.0" encoding="utf-8"?>
-<p:notesMaster xmlns:a="http://schemas.openxmlformats.org/drawingml/2006/main" xmlns:r="http://schemas.openxmlformats.org/officeDocument/2006/relationships" xmlns:mc="http://schemas.openxmlformats.org/markup-compatibility/2006" xmlns:mv="urn:schemas-microsoft-com:mac:vml" xmlns:p="http://schemas.openxmlformats.org/presentationml/2006/main" xmlns:c="http://schemas.openxmlformats.org/drawingml/2006/chart" xmlns:dgm="http://schemas.openxmlformats.org/drawingml/2006/diagram" xmlns:o="urn:schemas-microsoft-com:office:office" xmlns:v="urn:schemas-microsoft-com:vml" xmlns:pvml="urn:schemas-microsoft-com:office:powerpoint" xmlns:com="http://schemas.openxmlformats.org/drawingml/2006/compatibility" xmlns:p14="http://schemas.microsoft.com/office/powerpoint/2010/main">
+<p:notesMaster xmlns:a="http://schemas.openxmlformats.org/drawingml/2006/main" xmlns:r="http://schemas.openxmlformats.org/officeDocument/2006/relationships" xmlns:p="http://schemas.openxmlformats.org/presentationml/2006/main">
   <p:cSld>
     <p:bg>
       <p:bgPr>
         <a:solidFill>
           <a:schemeClr val="lt1"/>
         </a:solidFill>
+        <a:effectLst/>
       </p:bgPr>
     </p:bg>
     <p:spTree>
       <p:nvGrpSpPr>
-        <p:cNvPr id="2" name="Shape 2"/>
+        <p:cNvPr id="1" name="Shape 2"/>
         <p:cNvGrpSpPr/>
         <p:nvPr/>
       </p:nvGrpSpPr>
@@ -263,9 +264,11 @@
       <p:sp>
         <p:nvSpPr>
           <p:cNvPr id="3" name="Shape 3"/>
-          <p:cNvSpPr txBox="1"/>
+          <p:cNvSpPr txBox="1">
+            <a:spLocks noGrp="1"/>
+          </p:cNvSpPr>
           <p:nvPr>
-            <p:ph idx="2" type="hdr"/>
+            <p:ph type="hdr" idx="2"/>
           </p:nvPr>
         </p:nvSpPr>
         <p:spPr>
@@ -282,14 +285,14 @@
           </a:ln>
         </p:spPr>
         <p:txBody>
-          <a:bodyPr anchorCtr="0" anchor="t" bIns="91425" lIns="91425" rIns="91425" tIns="91425"/>
+          <a:bodyPr lIns="91425" tIns="91425" rIns="91425" bIns="91425" anchor="t" anchorCtr="0"/>
           <a:lstStyle>
-            <a:lvl1pPr indent="0" lvl="0" marL="0" marR="0" rtl="0" algn="l">
-              <a:spcBef>
-                <a:spcPts val="0"/>
-              </a:spcBef>
-              <a:buNone/>
-              <a:defRPr b="0" i="0" sz="1200" u="none" cap="none" strike="noStrike">
+            <a:lvl1pPr marL="0" marR="0" lvl="0" indent="0" algn="l" rtl="0">
+              <a:spcBef>
+                <a:spcPts val="0"/>
+              </a:spcBef>
+              <a:buNone/>
+              <a:defRPr sz="1200" b="0" i="0" u="none" strike="noStrike" cap="none">
                 <a:solidFill>
                   <a:schemeClr val="dk1"/>
                 </a:solidFill>
@@ -299,12 +302,12 @@
                 <a:sym typeface="Calibri"/>
               </a:defRPr>
             </a:lvl1pPr>
-            <a:lvl2pPr indent="0" lvl="1" marL="457200" marR="0" rtl="0" algn="l">
-              <a:spcBef>
-                <a:spcPts val="0"/>
-              </a:spcBef>
-              <a:buNone/>
-              <a:defRPr b="0" i="0" sz="1800" u="none" cap="none" strike="noStrike">
+            <a:lvl2pPr marL="457200" marR="0" lvl="1" indent="0" algn="l" rtl="0">
+              <a:spcBef>
+                <a:spcPts val="0"/>
+              </a:spcBef>
+              <a:buNone/>
+              <a:defRPr sz="1800" b="0" i="0" u="none" strike="noStrike" cap="none">
                 <a:solidFill>
                   <a:schemeClr val="dk1"/>
                 </a:solidFill>
@@ -314,12 +317,12 @@
                 <a:sym typeface="Calibri"/>
               </a:defRPr>
             </a:lvl2pPr>
-            <a:lvl3pPr indent="0" lvl="2" marL="914400" marR="0" rtl="0" algn="l">
-              <a:spcBef>
-                <a:spcPts val="0"/>
-              </a:spcBef>
-              <a:buNone/>
-              <a:defRPr b="0" i="0" sz="1800" u="none" cap="none" strike="noStrike">
+            <a:lvl3pPr marL="914400" marR="0" lvl="2" indent="0" algn="l" rtl="0">
+              <a:spcBef>
+                <a:spcPts val="0"/>
+              </a:spcBef>
+              <a:buNone/>
+              <a:defRPr sz="1800" b="0" i="0" u="none" strike="noStrike" cap="none">
                 <a:solidFill>
                   <a:schemeClr val="dk1"/>
                 </a:solidFill>
@@ -329,12 +332,12 @@
                 <a:sym typeface="Calibri"/>
               </a:defRPr>
             </a:lvl3pPr>
-            <a:lvl4pPr indent="0" lvl="3" marL="1371600" marR="0" rtl="0" algn="l">
-              <a:spcBef>
-                <a:spcPts val="0"/>
-              </a:spcBef>
-              <a:buNone/>
-              <a:defRPr b="0" i="0" sz="1800" u="none" cap="none" strike="noStrike">
+            <a:lvl4pPr marL="1371600" marR="0" lvl="3" indent="0" algn="l" rtl="0">
+              <a:spcBef>
+                <a:spcPts val="0"/>
+              </a:spcBef>
+              <a:buNone/>
+              <a:defRPr sz="1800" b="0" i="0" u="none" strike="noStrike" cap="none">
                 <a:solidFill>
                   <a:schemeClr val="dk1"/>
                 </a:solidFill>
@@ -344,12 +347,12 @@
                 <a:sym typeface="Calibri"/>
               </a:defRPr>
             </a:lvl4pPr>
-            <a:lvl5pPr indent="0" lvl="4" marL="1828800" marR="0" rtl="0" algn="l">
-              <a:spcBef>
-                <a:spcPts val="0"/>
-              </a:spcBef>
-              <a:buNone/>
-              <a:defRPr b="0" i="0" sz="1800" u="none" cap="none" strike="noStrike">
+            <a:lvl5pPr marL="1828800" marR="0" lvl="4" indent="0" algn="l" rtl="0">
+              <a:spcBef>
+                <a:spcPts val="0"/>
+              </a:spcBef>
+              <a:buNone/>
+              <a:defRPr sz="1800" b="0" i="0" u="none" strike="noStrike" cap="none">
                 <a:solidFill>
                   <a:schemeClr val="dk1"/>
                 </a:solidFill>
@@ -359,12 +362,12 @@
                 <a:sym typeface="Calibri"/>
               </a:defRPr>
             </a:lvl5pPr>
-            <a:lvl6pPr indent="0" lvl="5" marL="2286000" marR="0" rtl="0" algn="l">
-              <a:spcBef>
-                <a:spcPts val="0"/>
-              </a:spcBef>
-              <a:buNone/>
-              <a:defRPr b="0" i="0" sz="1800" u="none" cap="none" strike="noStrike">
+            <a:lvl6pPr marL="2286000" marR="0" lvl="5" indent="0" algn="l" rtl="0">
+              <a:spcBef>
+                <a:spcPts val="0"/>
+              </a:spcBef>
+              <a:buNone/>
+              <a:defRPr sz="1800" b="0" i="0" u="none" strike="noStrike" cap="none">
                 <a:solidFill>
                   <a:schemeClr val="dk1"/>
                 </a:solidFill>
@@ -374,12 +377,12 @@
                 <a:sym typeface="Calibri"/>
               </a:defRPr>
             </a:lvl6pPr>
-            <a:lvl7pPr indent="0" lvl="6" marL="2743200" marR="0" rtl="0" algn="l">
-              <a:spcBef>
-                <a:spcPts val="0"/>
-              </a:spcBef>
-              <a:buNone/>
-              <a:defRPr b="0" i="0" sz="1800" u="none" cap="none" strike="noStrike">
+            <a:lvl7pPr marL="2743200" marR="0" lvl="6" indent="0" algn="l" rtl="0">
+              <a:spcBef>
+                <a:spcPts val="0"/>
+              </a:spcBef>
+              <a:buNone/>
+              <a:defRPr sz="1800" b="0" i="0" u="none" strike="noStrike" cap="none">
                 <a:solidFill>
                   <a:schemeClr val="dk1"/>
                 </a:solidFill>
@@ -389,12 +392,12 @@
                 <a:sym typeface="Calibri"/>
               </a:defRPr>
             </a:lvl7pPr>
-            <a:lvl8pPr indent="0" lvl="7" marL="3200400" marR="0" rtl="0" algn="l">
-              <a:spcBef>
-                <a:spcPts val="0"/>
-              </a:spcBef>
-              <a:buNone/>
-              <a:defRPr b="0" i="0" sz="1800" u="none" cap="none" strike="noStrike">
+            <a:lvl8pPr marL="3200400" marR="0" lvl="7" indent="0" algn="l" rtl="0">
+              <a:spcBef>
+                <a:spcPts val="0"/>
+              </a:spcBef>
+              <a:buNone/>
+              <a:defRPr sz="1800" b="0" i="0" u="none" strike="noStrike" cap="none">
                 <a:solidFill>
                   <a:schemeClr val="dk1"/>
                 </a:solidFill>
@@ -404,12 +407,12 @@
                 <a:sym typeface="Calibri"/>
               </a:defRPr>
             </a:lvl8pPr>
-            <a:lvl9pPr indent="0" lvl="8" marL="3657600" marR="0" rtl="0" algn="l">
-              <a:spcBef>
-                <a:spcPts val="0"/>
-              </a:spcBef>
-              <a:buNone/>
-              <a:defRPr b="0" i="0" sz="1800" u="none" cap="none" strike="noStrike">
+            <a:lvl9pPr marL="3657600" marR="0" lvl="8" indent="0" algn="l" rtl="0">
+              <a:spcBef>
+                <a:spcPts val="0"/>
+              </a:spcBef>
+              <a:buNone/>
+              <a:defRPr sz="1800" b="0" i="0" u="none" strike="noStrike" cap="none">
                 <a:solidFill>
                   <a:schemeClr val="dk1"/>
                 </a:solidFill>
@@ -420,15 +423,19 @@
               </a:defRPr>
             </a:lvl9pPr>
           </a:lstStyle>
-          <a:p/>
+          <a:p>
+            <a:endParaRPr/>
+          </a:p>
         </p:txBody>
       </p:sp>
       <p:sp>
         <p:nvSpPr>
           <p:cNvPr id="4" name="Shape 4"/>
-          <p:cNvSpPr txBox="1"/>
+          <p:cNvSpPr txBox="1">
+            <a:spLocks noGrp="1"/>
+          </p:cNvSpPr>
           <p:nvPr>
-            <p:ph idx="10" type="dt"/>
+            <p:ph type="dt" idx="10"/>
           </p:nvPr>
         </p:nvSpPr>
         <p:spPr>
@@ -445,14 +452,14 @@
           </a:ln>
         </p:spPr>
         <p:txBody>
-          <a:bodyPr anchorCtr="0" anchor="t" bIns="91425" lIns="91425" rIns="91425" tIns="91425"/>
+          <a:bodyPr lIns="91425" tIns="91425" rIns="91425" bIns="91425" anchor="t" anchorCtr="0"/>
           <a:lstStyle>
-            <a:lvl1pPr indent="0" lvl="0" marL="0" marR="0" rtl="0" algn="r">
-              <a:spcBef>
-                <a:spcPts val="0"/>
-              </a:spcBef>
-              <a:buNone/>
-              <a:defRPr b="0" i="0" sz="1200" u="none" cap="none" strike="noStrike">
+            <a:lvl1pPr marL="0" marR="0" lvl="0" indent="0" algn="r" rtl="0">
+              <a:spcBef>
+                <a:spcPts val="0"/>
+              </a:spcBef>
+              <a:buNone/>
+              <a:defRPr sz="1200" b="0" i="0" u="none" strike="noStrike" cap="none">
                 <a:solidFill>
                   <a:schemeClr val="dk1"/>
                 </a:solidFill>
@@ -462,12 +469,12 @@
                 <a:sym typeface="Calibri"/>
               </a:defRPr>
             </a:lvl1pPr>
-            <a:lvl2pPr indent="0" lvl="1" marL="457200" marR="0" rtl="0" algn="l">
-              <a:spcBef>
-                <a:spcPts val="0"/>
-              </a:spcBef>
-              <a:buNone/>
-              <a:defRPr b="0" i="0" sz="1800" u="none" cap="none" strike="noStrike">
+            <a:lvl2pPr marL="457200" marR="0" lvl="1" indent="0" algn="l" rtl="0">
+              <a:spcBef>
+                <a:spcPts val="0"/>
+              </a:spcBef>
+              <a:buNone/>
+              <a:defRPr sz="1800" b="0" i="0" u="none" strike="noStrike" cap="none">
                 <a:solidFill>
                   <a:schemeClr val="dk1"/>
                 </a:solidFill>
@@ -477,12 +484,12 @@
                 <a:sym typeface="Calibri"/>
               </a:defRPr>
             </a:lvl2pPr>
-            <a:lvl3pPr indent="0" lvl="2" marL="914400" marR="0" rtl="0" algn="l">
-              <a:spcBef>
-                <a:spcPts val="0"/>
-              </a:spcBef>
-              <a:buNone/>
-              <a:defRPr b="0" i="0" sz="1800" u="none" cap="none" strike="noStrike">
+            <a:lvl3pPr marL="914400" marR="0" lvl="2" indent="0" algn="l" rtl="0">
+              <a:spcBef>
+                <a:spcPts val="0"/>
+              </a:spcBef>
+              <a:buNone/>
+              <a:defRPr sz="1800" b="0" i="0" u="none" strike="noStrike" cap="none">
                 <a:solidFill>
                   <a:schemeClr val="dk1"/>
                 </a:solidFill>
@@ -492,12 +499,12 @@
                 <a:sym typeface="Calibri"/>
               </a:defRPr>
             </a:lvl3pPr>
-            <a:lvl4pPr indent="0" lvl="3" marL="1371600" marR="0" rtl="0" algn="l">
-              <a:spcBef>
-                <a:spcPts val="0"/>
-              </a:spcBef>
-              <a:buNone/>
-              <a:defRPr b="0" i="0" sz="1800" u="none" cap="none" strike="noStrike">
+            <a:lvl4pPr marL="1371600" marR="0" lvl="3" indent="0" algn="l" rtl="0">
+              <a:spcBef>
+                <a:spcPts val="0"/>
+              </a:spcBef>
+              <a:buNone/>
+              <a:defRPr sz="1800" b="0" i="0" u="none" strike="noStrike" cap="none">
                 <a:solidFill>
                   <a:schemeClr val="dk1"/>
                 </a:solidFill>
@@ -507,12 +514,12 @@
                 <a:sym typeface="Calibri"/>
               </a:defRPr>
             </a:lvl4pPr>
-            <a:lvl5pPr indent="0" lvl="4" marL="1828800" marR="0" rtl="0" algn="l">
-              <a:spcBef>
-                <a:spcPts val="0"/>
-              </a:spcBef>
-              <a:buNone/>
-              <a:defRPr b="0" i="0" sz="1800" u="none" cap="none" strike="noStrike">
+            <a:lvl5pPr marL="1828800" marR="0" lvl="4" indent="0" algn="l" rtl="0">
+              <a:spcBef>
+                <a:spcPts val="0"/>
+              </a:spcBef>
+              <a:buNone/>
+              <a:defRPr sz="1800" b="0" i="0" u="none" strike="noStrike" cap="none">
                 <a:solidFill>
                   <a:schemeClr val="dk1"/>
                 </a:solidFill>
@@ -522,12 +529,12 @@
                 <a:sym typeface="Calibri"/>
               </a:defRPr>
             </a:lvl5pPr>
-            <a:lvl6pPr indent="0" lvl="5" marL="2286000" marR="0" rtl="0" algn="l">
-              <a:spcBef>
-                <a:spcPts val="0"/>
-              </a:spcBef>
-              <a:buNone/>
-              <a:defRPr b="0" i="0" sz="1800" u="none" cap="none" strike="noStrike">
+            <a:lvl6pPr marL="2286000" marR="0" lvl="5" indent="0" algn="l" rtl="0">
+              <a:spcBef>
+                <a:spcPts val="0"/>
+              </a:spcBef>
+              <a:buNone/>
+              <a:defRPr sz="1800" b="0" i="0" u="none" strike="noStrike" cap="none">
                 <a:solidFill>
                   <a:schemeClr val="dk1"/>
                 </a:solidFill>
@@ -537,12 +544,12 @@
                 <a:sym typeface="Calibri"/>
               </a:defRPr>
             </a:lvl6pPr>
-            <a:lvl7pPr indent="0" lvl="6" marL="2743200" marR="0" rtl="0" algn="l">
-              <a:spcBef>
-                <a:spcPts val="0"/>
-              </a:spcBef>
-              <a:buNone/>
-              <a:defRPr b="0" i="0" sz="1800" u="none" cap="none" strike="noStrike">
+            <a:lvl7pPr marL="2743200" marR="0" lvl="6" indent="0" algn="l" rtl="0">
+              <a:spcBef>
+                <a:spcPts val="0"/>
+              </a:spcBef>
+              <a:buNone/>
+              <a:defRPr sz="1800" b="0" i="0" u="none" strike="noStrike" cap="none">
                 <a:solidFill>
                   <a:schemeClr val="dk1"/>
                 </a:solidFill>
@@ -552,12 +559,12 @@
                 <a:sym typeface="Calibri"/>
               </a:defRPr>
             </a:lvl7pPr>
-            <a:lvl8pPr indent="0" lvl="7" marL="3200400" marR="0" rtl="0" algn="l">
-              <a:spcBef>
-                <a:spcPts val="0"/>
-              </a:spcBef>
-              <a:buNone/>
-              <a:defRPr b="0" i="0" sz="1800" u="none" cap="none" strike="noStrike">
+            <a:lvl8pPr marL="3200400" marR="0" lvl="7" indent="0" algn="l" rtl="0">
+              <a:spcBef>
+                <a:spcPts val="0"/>
+              </a:spcBef>
+              <a:buNone/>
+              <a:defRPr sz="1800" b="0" i="0" u="none" strike="noStrike" cap="none">
                 <a:solidFill>
                   <a:schemeClr val="dk1"/>
                 </a:solidFill>
@@ -567,12 +574,12 @@
                 <a:sym typeface="Calibri"/>
               </a:defRPr>
             </a:lvl8pPr>
-            <a:lvl9pPr indent="0" lvl="8" marL="3657600" marR="0" rtl="0" algn="l">
-              <a:spcBef>
-                <a:spcPts val="0"/>
-              </a:spcBef>
-              <a:buNone/>
-              <a:defRPr b="0" i="0" sz="1800" u="none" cap="none" strike="noStrike">
+            <a:lvl9pPr marL="3657600" marR="0" lvl="8" indent="0" algn="l" rtl="0">
+              <a:spcBef>
+                <a:spcPts val="0"/>
+              </a:spcBef>
+              <a:buNone/>
+              <a:defRPr sz="1800" b="0" i="0" u="none" strike="noStrike" cap="none">
                 <a:solidFill>
                   <a:schemeClr val="dk1"/>
                 </a:solidFill>
@@ -583,15 +590,19 @@
               </a:defRPr>
             </a:lvl9pPr>
           </a:lstStyle>
-          <a:p/>
+          <a:p>
+            <a:endParaRPr/>
+          </a:p>
         </p:txBody>
       </p:sp>
       <p:sp>
         <p:nvSpPr>
           <p:cNvPr id="5" name="Shape 5"/>
-          <p:cNvSpPr/>
+          <p:cNvSpPr>
+            <a:spLocks noGrp="1" noRot="1" noChangeAspect="1"/>
+          </p:cNvSpPr>
           <p:nvPr>
-            <p:ph idx="3" type="sldImg"/>
+            <p:ph type="sldImg" idx="3"/>
           </p:nvPr>
         </p:nvSpPr>
         <p:spPr>
@@ -600,8 +611,13 @@
             <a:ext cx="4572000" cy="3429000"/>
           </a:xfrm>
           <a:custGeom>
+            <a:avLst/>
+            <a:gdLst/>
+            <a:ahLst/>
+            <a:cxnLst/>
+            <a:rect l="0" t="0" r="0" b="0"/>
             <a:pathLst>
-              <a:path extrusionOk="0" h="120000" w="120000">
+              <a:path w="120000" h="120000" extrusionOk="0">
                 <a:moveTo>
                   <a:pt x="0" y="0"/>
                 </a:moveTo>
@@ -619,23 +635,25 @@
             </a:pathLst>
           </a:custGeom>
           <a:noFill/>
-          <a:ln cap="flat" cmpd="sng" w="12700">
+          <a:ln w="12700" cap="flat" cmpd="sng">
             <a:solidFill>
               <a:srgbClr val="000000"/>
             </a:solidFill>
             <a:prstDash val="solid"/>
             <a:round/>
-            <a:headEnd len="med" w="med" type="none"/>
-            <a:tailEnd len="med" w="med" type="none"/>
+            <a:headEnd type="none" w="med" len="med"/>
+            <a:tailEnd type="none" w="med" len="med"/>
           </a:ln>
         </p:spPr>
       </p:sp>
       <p:sp>
         <p:nvSpPr>
           <p:cNvPr id="6" name="Shape 6"/>
-          <p:cNvSpPr txBox="1"/>
+          <p:cNvSpPr txBox="1">
+            <a:spLocks noGrp="1"/>
+          </p:cNvSpPr>
           <p:nvPr>
-            <p:ph idx="1" type="body"/>
+            <p:ph type="body" idx="1"/>
           </p:nvPr>
         </p:nvSpPr>
         <p:spPr>
@@ -652,14 +670,14 @@
           </a:ln>
         </p:spPr>
         <p:txBody>
-          <a:bodyPr anchorCtr="0" anchor="t" bIns="91425" lIns="91425" rIns="91425" tIns="91425"/>
+          <a:bodyPr lIns="91425" tIns="91425" rIns="91425" bIns="91425" anchor="t" anchorCtr="0"/>
           <a:lstStyle>
-            <a:lvl1pPr indent="0" lvl="0" marL="0" marR="0" rtl="0" algn="l">
-              <a:spcBef>
-                <a:spcPts val="0"/>
-              </a:spcBef>
-              <a:buNone/>
-              <a:defRPr b="0" i="0" sz="1200" u="none" cap="none" strike="noStrike">
+            <a:lvl1pPr marL="0" marR="0" lvl="0" indent="0" algn="l" rtl="0">
+              <a:spcBef>
+                <a:spcPts val="0"/>
+              </a:spcBef>
+              <a:buNone/>
+              <a:defRPr sz="1200" b="0" i="0" u="none" strike="noStrike" cap="none">
                 <a:solidFill>
                   <a:schemeClr val="dk1"/>
                 </a:solidFill>
@@ -669,12 +687,12 @@
                 <a:sym typeface="Calibri"/>
               </a:defRPr>
             </a:lvl1pPr>
-            <a:lvl2pPr indent="0" lvl="1" marL="457200" marR="0" rtl="0" algn="l">
-              <a:spcBef>
-                <a:spcPts val="0"/>
-              </a:spcBef>
-              <a:buNone/>
-              <a:defRPr b="0" i="0" sz="1200" u="none" cap="none" strike="noStrike">
+            <a:lvl2pPr marL="457200" marR="0" lvl="1" indent="0" algn="l" rtl="0">
+              <a:spcBef>
+                <a:spcPts val="0"/>
+              </a:spcBef>
+              <a:buNone/>
+              <a:defRPr sz="1200" b="0" i="0" u="none" strike="noStrike" cap="none">
                 <a:solidFill>
                   <a:schemeClr val="dk1"/>
                 </a:solidFill>
@@ -684,12 +702,12 @@
                 <a:sym typeface="Calibri"/>
               </a:defRPr>
             </a:lvl2pPr>
-            <a:lvl3pPr indent="0" lvl="2" marL="914400" marR="0" rtl="0" algn="l">
-              <a:spcBef>
-                <a:spcPts val="0"/>
-              </a:spcBef>
-              <a:buNone/>
-              <a:defRPr b="0" i="0" sz="1200" u="none" cap="none" strike="noStrike">
+            <a:lvl3pPr marL="914400" marR="0" lvl="2" indent="0" algn="l" rtl="0">
+              <a:spcBef>
+                <a:spcPts val="0"/>
+              </a:spcBef>
+              <a:buNone/>
+              <a:defRPr sz="1200" b="0" i="0" u="none" strike="noStrike" cap="none">
                 <a:solidFill>
                   <a:schemeClr val="dk1"/>
                 </a:solidFill>
@@ -699,12 +717,12 @@
                 <a:sym typeface="Calibri"/>
               </a:defRPr>
             </a:lvl3pPr>
-            <a:lvl4pPr indent="0" lvl="3" marL="1371600" marR="0" rtl="0" algn="l">
-              <a:spcBef>
-                <a:spcPts val="0"/>
-              </a:spcBef>
-              <a:buNone/>
-              <a:defRPr b="0" i="0" sz="1200" u="none" cap="none" strike="noStrike">
+            <a:lvl4pPr marL="1371600" marR="0" lvl="3" indent="0" algn="l" rtl="0">
+              <a:spcBef>
+                <a:spcPts val="0"/>
+              </a:spcBef>
+              <a:buNone/>
+              <a:defRPr sz="1200" b="0" i="0" u="none" strike="noStrike" cap="none">
                 <a:solidFill>
                   <a:schemeClr val="dk1"/>
                 </a:solidFill>
@@ -714,12 +732,12 @@
                 <a:sym typeface="Calibri"/>
               </a:defRPr>
             </a:lvl4pPr>
-            <a:lvl5pPr indent="0" lvl="4" marL="1828800" marR="0" rtl="0" algn="l">
-              <a:spcBef>
-                <a:spcPts val="0"/>
-              </a:spcBef>
-              <a:buNone/>
-              <a:defRPr b="0" i="0" sz="1200" u="none" cap="none" strike="noStrike">
+            <a:lvl5pPr marL="1828800" marR="0" lvl="4" indent="0" algn="l" rtl="0">
+              <a:spcBef>
+                <a:spcPts val="0"/>
+              </a:spcBef>
+              <a:buNone/>
+              <a:defRPr sz="1200" b="0" i="0" u="none" strike="noStrike" cap="none">
                 <a:solidFill>
                   <a:schemeClr val="dk1"/>
                 </a:solidFill>
@@ -729,12 +747,12 @@
                 <a:sym typeface="Calibri"/>
               </a:defRPr>
             </a:lvl5pPr>
-            <a:lvl6pPr indent="0" lvl="5" marL="2286000" marR="0" rtl="0" algn="l">
-              <a:spcBef>
-                <a:spcPts val="0"/>
-              </a:spcBef>
-              <a:buNone/>
-              <a:defRPr b="0" i="0" sz="1200" u="none" cap="none" strike="noStrike">
+            <a:lvl6pPr marL="2286000" marR="0" lvl="5" indent="0" algn="l" rtl="0">
+              <a:spcBef>
+                <a:spcPts val="0"/>
+              </a:spcBef>
+              <a:buNone/>
+              <a:defRPr sz="1200" b="0" i="0" u="none" strike="noStrike" cap="none">
                 <a:solidFill>
                   <a:schemeClr val="dk1"/>
                 </a:solidFill>
@@ -744,12 +762,12 @@
                 <a:sym typeface="Calibri"/>
               </a:defRPr>
             </a:lvl6pPr>
-            <a:lvl7pPr indent="0" lvl="6" marL="2743200" marR="0" rtl="0" algn="l">
-              <a:spcBef>
-                <a:spcPts val="0"/>
-              </a:spcBef>
-              <a:buNone/>
-              <a:defRPr b="0" i="0" sz="1200" u="none" cap="none" strike="noStrike">
+            <a:lvl7pPr marL="2743200" marR="0" lvl="6" indent="0" algn="l" rtl="0">
+              <a:spcBef>
+                <a:spcPts val="0"/>
+              </a:spcBef>
+              <a:buNone/>
+              <a:defRPr sz="1200" b="0" i="0" u="none" strike="noStrike" cap="none">
                 <a:solidFill>
                   <a:schemeClr val="dk1"/>
                 </a:solidFill>
@@ -759,12 +777,12 @@
                 <a:sym typeface="Calibri"/>
               </a:defRPr>
             </a:lvl7pPr>
-            <a:lvl8pPr indent="0" lvl="7" marL="3200400" marR="0" rtl="0" algn="l">
-              <a:spcBef>
-                <a:spcPts val="0"/>
-              </a:spcBef>
-              <a:buNone/>
-              <a:defRPr b="0" i="0" sz="1200" u="none" cap="none" strike="noStrike">
+            <a:lvl8pPr marL="3200400" marR="0" lvl="7" indent="0" algn="l" rtl="0">
+              <a:spcBef>
+                <a:spcPts val="0"/>
+              </a:spcBef>
+              <a:buNone/>
+              <a:defRPr sz="1200" b="0" i="0" u="none" strike="noStrike" cap="none">
                 <a:solidFill>
                   <a:schemeClr val="dk1"/>
                 </a:solidFill>
@@ -774,12 +792,12 @@
                 <a:sym typeface="Calibri"/>
               </a:defRPr>
             </a:lvl8pPr>
-            <a:lvl9pPr indent="0" lvl="8" marL="3657600" marR="0" rtl="0" algn="l">
-              <a:spcBef>
-                <a:spcPts val="0"/>
-              </a:spcBef>
-              <a:buNone/>
-              <a:defRPr b="0" i="0" sz="1200" u="none" cap="none" strike="noStrike">
+            <a:lvl9pPr marL="3657600" marR="0" lvl="8" indent="0" algn="l" rtl="0">
+              <a:spcBef>
+                <a:spcPts val="0"/>
+              </a:spcBef>
+              <a:buNone/>
+              <a:defRPr sz="1200" b="0" i="0" u="none" strike="noStrike" cap="none">
                 <a:solidFill>
                   <a:schemeClr val="dk1"/>
                 </a:solidFill>
@@ -790,15 +808,19 @@
               </a:defRPr>
             </a:lvl9pPr>
           </a:lstStyle>
-          <a:p/>
+          <a:p>
+            <a:endParaRPr/>
+          </a:p>
         </p:txBody>
       </p:sp>
       <p:sp>
         <p:nvSpPr>
           <p:cNvPr id="7" name="Shape 7"/>
-          <p:cNvSpPr txBox="1"/>
+          <p:cNvSpPr txBox="1">
+            <a:spLocks noGrp="1"/>
+          </p:cNvSpPr>
           <p:nvPr>
-            <p:ph idx="11" type="ftr"/>
+            <p:ph type="ftr" idx="11"/>
           </p:nvPr>
         </p:nvSpPr>
         <p:spPr>
@@ -815,14 +837,14 @@
           </a:ln>
         </p:spPr>
         <p:txBody>
-          <a:bodyPr anchorCtr="0" anchor="b" bIns="91425" lIns="91425" rIns="91425" tIns="91425"/>
+          <a:bodyPr lIns="91425" tIns="91425" rIns="91425" bIns="91425" anchor="b" anchorCtr="0"/>
           <a:lstStyle>
-            <a:lvl1pPr indent="0" lvl="0" marL="0" marR="0" rtl="0" algn="l">
-              <a:spcBef>
-                <a:spcPts val="0"/>
-              </a:spcBef>
-              <a:buNone/>
-              <a:defRPr b="0" i="0" sz="1200" u="none" cap="none" strike="noStrike">
+            <a:lvl1pPr marL="0" marR="0" lvl="0" indent="0" algn="l" rtl="0">
+              <a:spcBef>
+                <a:spcPts val="0"/>
+              </a:spcBef>
+              <a:buNone/>
+              <a:defRPr sz="1200" b="0" i="0" u="none" strike="noStrike" cap="none">
                 <a:solidFill>
                   <a:schemeClr val="dk1"/>
                 </a:solidFill>
@@ -832,12 +854,12 @@
                 <a:sym typeface="Calibri"/>
               </a:defRPr>
             </a:lvl1pPr>
-            <a:lvl2pPr indent="0" lvl="1" marL="457200" marR="0" rtl="0" algn="l">
-              <a:spcBef>
-                <a:spcPts val="0"/>
-              </a:spcBef>
-              <a:buNone/>
-              <a:defRPr b="0" i="0" sz="1800" u="none" cap="none" strike="noStrike">
+            <a:lvl2pPr marL="457200" marR="0" lvl="1" indent="0" algn="l" rtl="0">
+              <a:spcBef>
+                <a:spcPts val="0"/>
+              </a:spcBef>
+              <a:buNone/>
+              <a:defRPr sz="1800" b="0" i="0" u="none" strike="noStrike" cap="none">
                 <a:solidFill>
                   <a:schemeClr val="dk1"/>
                 </a:solidFill>
@@ -847,12 +869,12 @@
                 <a:sym typeface="Calibri"/>
               </a:defRPr>
             </a:lvl2pPr>
-            <a:lvl3pPr indent="0" lvl="2" marL="914400" marR="0" rtl="0" algn="l">
-              <a:spcBef>
-                <a:spcPts val="0"/>
-              </a:spcBef>
-              <a:buNone/>
-              <a:defRPr b="0" i="0" sz="1800" u="none" cap="none" strike="noStrike">
+            <a:lvl3pPr marL="914400" marR="0" lvl="2" indent="0" algn="l" rtl="0">
+              <a:spcBef>
+                <a:spcPts val="0"/>
+              </a:spcBef>
+              <a:buNone/>
+              <a:defRPr sz="1800" b="0" i="0" u="none" strike="noStrike" cap="none">
                 <a:solidFill>
                   <a:schemeClr val="dk1"/>
                 </a:solidFill>
@@ -862,12 +884,12 @@
                 <a:sym typeface="Calibri"/>
               </a:defRPr>
             </a:lvl3pPr>
-            <a:lvl4pPr indent="0" lvl="3" marL="1371600" marR="0" rtl="0" algn="l">
-              <a:spcBef>
-                <a:spcPts val="0"/>
-              </a:spcBef>
-              <a:buNone/>
-              <a:defRPr b="0" i="0" sz="1800" u="none" cap="none" strike="noStrike">
+            <a:lvl4pPr marL="1371600" marR="0" lvl="3" indent="0" algn="l" rtl="0">
+              <a:spcBef>
+                <a:spcPts val="0"/>
+              </a:spcBef>
+              <a:buNone/>
+              <a:defRPr sz="1800" b="0" i="0" u="none" strike="noStrike" cap="none">
                 <a:solidFill>
                   <a:schemeClr val="dk1"/>
                 </a:solidFill>
@@ -877,12 +899,12 @@
                 <a:sym typeface="Calibri"/>
               </a:defRPr>
             </a:lvl4pPr>
-            <a:lvl5pPr indent="0" lvl="4" marL="1828800" marR="0" rtl="0" algn="l">
-              <a:spcBef>
-                <a:spcPts val="0"/>
-              </a:spcBef>
-              <a:buNone/>
-              <a:defRPr b="0" i="0" sz="1800" u="none" cap="none" strike="noStrike">
+            <a:lvl5pPr marL="1828800" marR="0" lvl="4" indent="0" algn="l" rtl="0">
+              <a:spcBef>
+                <a:spcPts val="0"/>
+              </a:spcBef>
+              <a:buNone/>
+              <a:defRPr sz="1800" b="0" i="0" u="none" strike="noStrike" cap="none">
                 <a:solidFill>
                   <a:schemeClr val="dk1"/>
                 </a:solidFill>
@@ -892,12 +914,12 @@
                 <a:sym typeface="Calibri"/>
               </a:defRPr>
             </a:lvl5pPr>
-            <a:lvl6pPr indent="0" lvl="5" marL="2286000" marR="0" rtl="0" algn="l">
-              <a:spcBef>
-                <a:spcPts val="0"/>
-              </a:spcBef>
-              <a:buNone/>
-              <a:defRPr b="0" i="0" sz="1800" u="none" cap="none" strike="noStrike">
+            <a:lvl6pPr marL="2286000" marR="0" lvl="5" indent="0" algn="l" rtl="0">
+              <a:spcBef>
+                <a:spcPts val="0"/>
+              </a:spcBef>
+              <a:buNone/>
+              <a:defRPr sz="1800" b="0" i="0" u="none" strike="noStrike" cap="none">
                 <a:solidFill>
                   <a:schemeClr val="dk1"/>
                 </a:solidFill>
@@ -907,12 +929,12 @@
                 <a:sym typeface="Calibri"/>
               </a:defRPr>
             </a:lvl6pPr>
-            <a:lvl7pPr indent="0" lvl="6" marL="2743200" marR="0" rtl="0" algn="l">
-              <a:spcBef>
-                <a:spcPts val="0"/>
-              </a:spcBef>
-              <a:buNone/>
-              <a:defRPr b="0" i="0" sz="1800" u="none" cap="none" strike="noStrike">
+            <a:lvl7pPr marL="2743200" marR="0" lvl="6" indent="0" algn="l" rtl="0">
+              <a:spcBef>
+                <a:spcPts val="0"/>
+              </a:spcBef>
+              <a:buNone/>
+              <a:defRPr sz="1800" b="0" i="0" u="none" strike="noStrike" cap="none">
                 <a:solidFill>
                   <a:schemeClr val="dk1"/>
                 </a:solidFill>
@@ -922,12 +944,12 @@
                 <a:sym typeface="Calibri"/>
               </a:defRPr>
             </a:lvl7pPr>
-            <a:lvl8pPr indent="0" lvl="7" marL="3200400" marR="0" rtl="0" algn="l">
-              <a:spcBef>
-                <a:spcPts val="0"/>
-              </a:spcBef>
-              <a:buNone/>
-              <a:defRPr b="0" i="0" sz="1800" u="none" cap="none" strike="noStrike">
+            <a:lvl8pPr marL="3200400" marR="0" lvl="7" indent="0" algn="l" rtl="0">
+              <a:spcBef>
+                <a:spcPts val="0"/>
+              </a:spcBef>
+              <a:buNone/>
+              <a:defRPr sz="1800" b="0" i="0" u="none" strike="noStrike" cap="none">
                 <a:solidFill>
                   <a:schemeClr val="dk1"/>
                 </a:solidFill>
@@ -937,12 +959,12 @@
                 <a:sym typeface="Calibri"/>
               </a:defRPr>
             </a:lvl8pPr>
-            <a:lvl9pPr indent="0" lvl="8" marL="3657600" marR="0" rtl="0" algn="l">
-              <a:spcBef>
-                <a:spcPts val="0"/>
-              </a:spcBef>
-              <a:buNone/>
-              <a:defRPr b="0" i="0" sz="1800" u="none" cap="none" strike="noStrike">
+            <a:lvl9pPr marL="3657600" marR="0" lvl="8" indent="0" algn="l" rtl="0">
+              <a:spcBef>
+                <a:spcPts val="0"/>
+              </a:spcBef>
+              <a:buNone/>
+              <a:defRPr sz="1800" b="0" i="0" u="none" strike="noStrike" cap="none">
                 <a:solidFill>
                   <a:schemeClr val="dk1"/>
                 </a:solidFill>
@@ -953,15 +975,19 @@
               </a:defRPr>
             </a:lvl9pPr>
           </a:lstStyle>
-          <a:p/>
+          <a:p>
+            <a:endParaRPr/>
+          </a:p>
         </p:txBody>
       </p:sp>
       <p:sp>
         <p:nvSpPr>
           <p:cNvPr id="8" name="Shape 8"/>
-          <p:cNvSpPr txBox="1"/>
+          <p:cNvSpPr txBox="1">
+            <a:spLocks noGrp="1"/>
+          </p:cNvSpPr>
           <p:nvPr>
-            <p:ph idx="12" type="sldNum"/>
+            <p:ph type="sldNum" idx="12"/>
           </p:nvPr>
         </p:nvSpPr>
         <p:spPr>
@@ -978,12 +1004,12 @@
           </a:ln>
         </p:spPr>
         <p:txBody>
-          <a:bodyPr anchorCtr="0" anchor="b" bIns="45700" lIns="91425" rIns="91425" tIns="45700">
+          <a:bodyPr lIns="91425" tIns="45700" rIns="91425" bIns="45700" anchor="b" anchorCtr="0">
             <a:noAutofit/>
           </a:bodyPr>
           <a:lstStyle/>
           <a:p>
-            <a:pPr indent="0" lvl="0" marL="0" marR="0" rtl="0" algn="r">
+            <a:pPr marL="0" marR="0" lvl="0" indent="0" algn="r" rtl="0">
               <a:spcBef>
                 <a:spcPts val="0"/>
               </a:spcBef>
@@ -991,7 +1017,7 @@
               <a:buNone/>
             </a:pPr>
             <a:fld id="{00000000-1234-1234-1234-123412341234}" type="slidenum">
-              <a:rPr b="0" i="0" lang="en-US" sz="1200" u="none" cap="none" strike="noStrike">
+              <a:rPr lang="en-US" sz="1200" b="0" i="0" u="none" strike="noStrike" cap="none">
                 <a:solidFill>
                   <a:schemeClr val="dk1"/>
                 </a:solidFill>
@@ -1002,21 +1028,122 @@
               </a:rPr>
               <a:t>‹#›</a:t>
             </a:fld>
+            <a:endParaRPr lang="en-US" sz="1200" b="0" i="0" u="none" strike="noStrike" cap="none">
+              <a:solidFill>
+                <a:schemeClr val="dk1"/>
+              </a:solidFill>
+              <a:latin typeface="Calibri"/>
+              <a:ea typeface="Calibri"/>
+              <a:cs typeface="Calibri"/>
+              <a:sym typeface="Calibri"/>
+            </a:endParaRPr>
           </a:p>
         </p:txBody>
       </p:sp>
     </p:spTree>
   </p:cSld>
-  <p:clrMap accent1="accent1" accent2="accent2" accent3="accent3" accent4="accent4" accent5="accent5" accent6="accent6" bg1="lt1" bg2="dk2" tx1="dk1" tx2="lt2" folHlink="folHlink" hlink="hlink"/>
+  <p:clrMap bg1="lt1" tx1="dk1" bg2="dk2" tx2="lt2" accent1="accent1" accent2="accent2" accent3="accent3" accent4="accent4" accent5="accent5" accent6="accent6" hlink="hlink" folHlink="folHlink"/>
+  <p:notesStyle>
+    <a:lvl1pPr marL="0" algn="l" defTabSz="914400" rtl="0" eaLnBrk="1" latinLnBrk="0" hangingPunct="1">
+      <a:defRPr sz="1200" kern="1200">
+        <a:solidFill>
+          <a:schemeClr val="tx1"/>
+        </a:solidFill>
+        <a:latin typeface="+mn-lt"/>
+        <a:ea typeface="+mn-ea"/>
+        <a:cs typeface="+mn-cs"/>
+      </a:defRPr>
+    </a:lvl1pPr>
+    <a:lvl2pPr marL="457200" algn="l" defTabSz="914400" rtl="0" eaLnBrk="1" latinLnBrk="0" hangingPunct="1">
+      <a:defRPr sz="1200" kern="1200">
+        <a:solidFill>
+          <a:schemeClr val="tx1"/>
+        </a:solidFill>
+        <a:latin typeface="+mn-lt"/>
+        <a:ea typeface="+mn-ea"/>
+        <a:cs typeface="+mn-cs"/>
+      </a:defRPr>
+    </a:lvl2pPr>
+    <a:lvl3pPr marL="914400" algn="l" defTabSz="914400" rtl="0" eaLnBrk="1" latinLnBrk="0" hangingPunct="1">
+      <a:defRPr sz="1200" kern="1200">
+        <a:solidFill>
+          <a:schemeClr val="tx1"/>
+        </a:solidFill>
+        <a:latin typeface="+mn-lt"/>
+        <a:ea typeface="+mn-ea"/>
+        <a:cs typeface="+mn-cs"/>
+      </a:defRPr>
+    </a:lvl3pPr>
+    <a:lvl4pPr marL="1371600" algn="l" defTabSz="914400" rtl="0" eaLnBrk="1" latinLnBrk="0" hangingPunct="1">
+      <a:defRPr sz="1200" kern="1200">
+        <a:solidFill>
+          <a:schemeClr val="tx1"/>
+        </a:solidFill>
+        <a:latin typeface="+mn-lt"/>
+        <a:ea typeface="+mn-ea"/>
+        <a:cs typeface="+mn-cs"/>
+      </a:defRPr>
+    </a:lvl4pPr>
+    <a:lvl5pPr marL="1828800" algn="l" defTabSz="914400" rtl="0" eaLnBrk="1" latinLnBrk="0" hangingPunct="1">
+      <a:defRPr sz="1200" kern="1200">
+        <a:solidFill>
+          <a:schemeClr val="tx1"/>
+        </a:solidFill>
+        <a:latin typeface="+mn-lt"/>
+        <a:ea typeface="+mn-ea"/>
+        <a:cs typeface="+mn-cs"/>
+      </a:defRPr>
+    </a:lvl5pPr>
+    <a:lvl6pPr marL="2286000" algn="l" defTabSz="914400" rtl="0" eaLnBrk="1" latinLnBrk="0" hangingPunct="1">
+      <a:defRPr sz="1200" kern="1200">
+        <a:solidFill>
+          <a:schemeClr val="tx1"/>
+        </a:solidFill>
+        <a:latin typeface="+mn-lt"/>
+        <a:ea typeface="+mn-ea"/>
+        <a:cs typeface="+mn-cs"/>
+      </a:defRPr>
+    </a:lvl6pPr>
+    <a:lvl7pPr marL="2743200" algn="l" defTabSz="914400" rtl="0" eaLnBrk="1" latinLnBrk="0" hangingPunct="1">
+      <a:defRPr sz="1200" kern="1200">
+        <a:solidFill>
+          <a:schemeClr val="tx1"/>
+        </a:solidFill>
+        <a:latin typeface="+mn-lt"/>
+        <a:ea typeface="+mn-ea"/>
+        <a:cs typeface="+mn-cs"/>
+      </a:defRPr>
+    </a:lvl7pPr>
+    <a:lvl8pPr marL="3200400" algn="l" defTabSz="914400" rtl="0" eaLnBrk="1" latinLnBrk="0" hangingPunct="1">
+      <a:defRPr sz="1200" kern="1200">
+        <a:solidFill>
+          <a:schemeClr val="tx1"/>
+        </a:solidFill>
+        <a:latin typeface="+mn-lt"/>
+        <a:ea typeface="+mn-ea"/>
+        <a:cs typeface="+mn-cs"/>
+      </a:defRPr>
+    </a:lvl8pPr>
+    <a:lvl9pPr marL="3657600" algn="l" defTabSz="914400" rtl="0" eaLnBrk="1" latinLnBrk="0" hangingPunct="1">
+      <a:defRPr sz="1200" kern="1200">
+        <a:solidFill>
+          <a:schemeClr val="tx1"/>
+        </a:solidFill>
+        <a:latin typeface="+mn-lt"/>
+        <a:ea typeface="+mn-ea"/>
+        <a:cs typeface="+mn-cs"/>
+      </a:defRPr>
+    </a:lvl9pPr>
+  </p:notesStyle>
 </p:notesMaster>
 </file>
 
 <file path=ppt/notesSlides/notesSlide1.xml><?xml version="1.0" encoding="utf-8"?>
-<p:notes xmlns:a="http://schemas.openxmlformats.org/drawingml/2006/main" xmlns:r="http://schemas.openxmlformats.org/officeDocument/2006/relationships" xmlns:mc="http://schemas.openxmlformats.org/markup-compatibility/2006" xmlns:mv="urn:schemas-microsoft-com:mac:vml" xmlns:p="http://schemas.openxmlformats.org/presentationml/2006/main" xmlns:c="http://schemas.openxmlformats.org/drawingml/2006/chart" xmlns:dgm="http://schemas.openxmlformats.org/drawingml/2006/diagram" xmlns:o="urn:schemas-microsoft-com:office:office" xmlns:v="urn:schemas-microsoft-com:vml" xmlns:pvml="urn:schemas-microsoft-com:office:powerpoint" xmlns:com="http://schemas.openxmlformats.org/drawingml/2006/compatibility" xmlns:p14="http://schemas.microsoft.com/office/powerpoint/2010/main" showMasterPhAnim="0" showMasterSp="0">
+<p:notes xmlns:a="http://schemas.openxmlformats.org/drawingml/2006/main" xmlns:r="http://schemas.openxmlformats.org/officeDocument/2006/relationships" xmlns:p="http://schemas.openxmlformats.org/presentationml/2006/main" showMasterSp="0" showMasterPhAnim="0">
   <p:cSld>
     <p:spTree>
       <p:nvGrpSpPr>
-        <p:cNvPr id="60" name="Shape 60"/>
+        <p:cNvPr id="1" name="Shape 60"/>
         <p:cNvGrpSpPr/>
         <p:nvPr/>
       </p:nvGrpSpPr>
@@ -1031,9 +1158,11 @@
       <p:sp>
         <p:nvSpPr>
           <p:cNvPr id="61" name="Shape 61"/>
-          <p:cNvSpPr txBox="1"/>
+          <p:cNvSpPr txBox="1">
+            <a:spLocks noGrp="1"/>
+          </p:cNvSpPr>
           <p:nvPr>
-            <p:ph idx="1" type="body"/>
+            <p:ph type="body" idx="1"/>
           </p:nvPr>
         </p:nvSpPr>
         <p:spPr>
@@ -1046,7 +1175,7 @@
           </a:prstGeom>
         </p:spPr>
         <p:txBody>
-          <a:bodyPr anchorCtr="0" anchor="t" bIns="91425" lIns="91425" rIns="91425" tIns="91425">
+          <a:bodyPr lIns="91425" tIns="91425" rIns="91425" bIns="91425" anchor="t" anchorCtr="0">
             <a:noAutofit/>
           </a:bodyPr>
           <a:lstStyle/>
@@ -1057,19 +1186,18 @@
               </a:spcBef>
               <a:buNone/>
             </a:pPr>
-            <a:r>
-              <a:t/>
-            </a:r>
-            <a:endParaRPr/>
+            <a:endParaRPr dirty="0"/>
           </a:p>
         </p:txBody>
       </p:sp>
       <p:sp>
         <p:nvSpPr>
           <p:cNvPr id="62" name="Shape 62"/>
-          <p:cNvSpPr/>
+          <p:cNvSpPr>
+            <a:spLocks noGrp="1" noRot="1" noChangeAspect="1"/>
+          </p:cNvSpPr>
           <p:nvPr>
-            <p:ph idx="2" type="sldImg"/>
+            <p:ph type="sldImg" idx="2"/>
           </p:nvPr>
         </p:nvSpPr>
         <p:spPr>
@@ -1078,8 +1206,13 @@
             <a:ext cx="4572000" cy="3429000"/>
           </a:xfrm>
           <a:custGeom>
+            <a:avLst/>
+            <a:gdLst/>
+            <a:ahLst/>
+            <a:cxnLst/>
+            <a:rect l="0" t="0" r="0" b="0"/>
             <a:pathLst>
-              <a:path extrusionOk="0" h="120000" w="120000">
+              <a:path w="120000" h="120000" extrusionOk="0">
                 <a:moveTo>
                   <a:pt x="0" y="0"/>
                 </a:moveTo>
@@ -1107,11 +1240,11 @@
 </file>
 
 <file path=ppt/notesSlides/notesSlide10.xml><?xml version="1.0" encoding="utf-8"?>
-<p:notes xmlns:a="http://schemas.openxmlformats.org/drawingml/2006/main" xmlns:r="http://schemas.openxmlformats.org/officeDocument/2006/relationships" xmlns:mc="http://schemas.openxmlformats.org/markup-compatibility/2006" xmlns:mv="urn:schemas-microsoft-com:mac:vml" xmlns:p="http://schemas.openxmlformats.org/presentationml/2006/main" xmlns:c="http://schemas.openxmlformats.org/drawingml/2006/chart" xmlns:dgm="http://schemas.openxmlformats.org/drawingml/2006/diagram" xmlns:o="urn:schemas-microsoft-com:office:office" xmlns:v="urn:schemas-microsoft-com:vml" xmlns:pvml="urn:schemas-microsoft-com:office:powerpoint" xmlns:com="http://schemas.openxmlformats.org/drawingml/2006/compatibility" xmlns:p14="http://schemas.microsoft.com/office/powerpoint/2010/main" showMasterPhAnim="0" showMasterSp="0">
+<p:notes xmlns:a="http://schemas.openxmlformats.org/drawingml/2006/main" xmlns:r="http://schemas.openxmlformats.org/officeDocument/2006/relationships" xmlns:p="http://schemas.openxmlformats.org/presentationml/2006/main" showMasterSp="0" showMasterPhAnim="0">
   <p:cSld>
     <p:spTree>
       <p:nvGrpSpPr>
-        <p:cNvPr id="116" name="Shape 116"/>
+        <p:cNvPr id="1" name="Shape 116"/>
         <p:cNvGrpSpPr/>
         <p:nvPr/>
       </p:nvGrpSpPr>
@@ -1126,9 +1259,11 @@
       <p:sp>
         <p:nvSpPr>
           <p:cNvPr id="117" name="Shape 117"/>
-          <p:cNvSpPr txBox="1"/>
+          <p:cNvSpPr txBox="1">
+            <a:spLocks noGrp="1"/>
+          </p:cNvSpPr>
           <p:nvPr>
-            <p:ph idx="1" type="body"/>
+            <p:ph type="body" idx="1"/>
           </p:nvPr>
         </p:nvSpPr>
         <p:spPr>
@@ -1141,7 +1276,7 @@
           </a:prstGeom>
         </p:spPr>
         <p:txBody>
-          <a:bodyPr anchorCtr="0" anchor="t" bIns="91425" lIns="91425" rIns="91425" tIns="91425">
+          <a:bodyPr lIns="91425" tIns="91425" rIns="91425" bIns="91425" anchor="t" anchorCtr="0">
             <a:noAutofit/>
           </a:bodyPr>
           <a:lstStyle/>
@@ -1152,9 +1287,6 @@
               </a:spcBef>
               <a:buNone/>
             </a:pPr>
-            <a:r>
-              <a:t/>
-            </a:r>
             <a:endParaRPr/>
           </a:p>
         </p:txBody>
@@ -1162,9 +1294,11 @@
       <p:sp>
         <p:nvSpPr>
           <p:cNvPr id="118" name="Shape 118"/>
-          <p:cNvSpPr/>
+          <p:cNvSpPr>
+            <a:spLocks noGrp="1" noRot="1" noChangeAspect="1"/>
+          </p:cNvSpPr>
           <p:nvPr>
-            <p:ph idx="2" type="sldImg"/>
+            <p:ph type="sldImg" idx="2"/>
           </p:nvPr>
         </p:nvSpPr>
         <p:spPr>
@@ -1173,8 +1307,13 @@
             <a:ext cx="4572000" cy="3429000"/>
           </a:xfrm>
           <a:custGeom>
+            <a:avLst/>
+            <a:gdLst/>
+            <a:ahLst/>
+            <a:cxnLst/>
+            <a:rect l="0" t="0" r="0" b="0"/>
             <a:pathLst>
-              <a:path extrusionOk="0" h="120000" w="120000">
+              <a:path w="120000" h="120000" extrusionOk="0">
                 <a:moveTo>
                   <a:pt x="0" y="0"/>
                 </a:moveTo>
@@ -1202,11 +1341,11 @@
 </file>
 
 <file path=ppt/notesSlides/notesSlide11.xml><?xml version="1.0" encoding="utf-8"?>
-<p:notes xmlns:a="http://schemas.openxmlformats.org/drawingml/2006/main" xmlns:r="http://schemas.openxmlformats.org/officeDocument/2006/relationships" xmlns:mc="http://schemas.openxmlformats.org/markup-compatibility/2006" xmlns:mv="urn:schemas-microsoft-com:mac:vml" xmlns:p="http://schemas.openxmlformats.org/presentationml/2006/main" xmlns:c="http://schemas.openxmlformats.org/drawingml/2006/chart" xmlns:dgm="http://schemas.openxmlformats.org/drawingml/2006/diagram" xmlns:o="urn:schemas-microsoft-com:office:office" xmlns:v="urn:schemas-microsoft-com:vml" xmlns:pvml="urn:schemas-microsoft-com:office:powerpoint" xmlns:com="http://schemas.openxmlformats.org/drawingml/2006/compatibility" xmlns:p14="http://schemas.microsoft.com/office/powerpoint/2010/main" showMasterPhAnim="0" showMasterSp="0">
+<p:notes xmlns:a="http://schemas.openxmlformats.org/drawingml/2006/main" xmlns:r="http://schemas.openxmlformats.org/officeDocument/2006/relationships" xmlns:p="http://schemas.openxmlformats.org/presentationml/2006/main" showMasterSp="0" showMasterPhAnim="0">
   <p:cSld>
     <p:spTree>
       <p:nvGrpSpPr>
-        <p:cNvPr id="122" name="Shape 122"/>
+        <p:cNvPr id="1" name="Shape 122"/>
         <p:cNvGrpSpPr/>
         <p:nvPr/>
       </p:nvGrpSpPr>
@@ -1221,9 +1360,11 @@
       <p:sp>
         <p:nvSpPr>
           <p:cNvPr id="123" name="Shape 123"/>
-          <p:cNvSpPr txBox="1"/>
+          <p:cNvSpPr txBox="1">
+            <a:spLocks noGrp="1"/>
+          </p:cNvSpPr>
           <p:nvPr>
-            <p:ph idx="1" type="body"/>
+            <p:ph type="body" idx="1"/>
           </p:nvPr>
         </p:nvSpPr>
         <p:spPr>
@@ -1236,7 +1377,7 @@
           </a:prstGeom>
         </p:spPr>
         <p:txBody>
-          <a:bodyPr anchorCtr="0" anchor="t" bIns="91425" lIns="91425" rIns="91425" tIns="91425">
+          <a:bodyPr lIns="91425" tIns="91425" rIns="91425" bIns="91425" anchor="t" anchorCtr="0">
             <a:noAutofit/>
           </a:bodyPr>
           <a:lstStyle/>
@@ -1247,9 +1388,6 @@
               </a:spcBef>
               <a:buNone/>
             </a:pPr>
-            <a:r>
-              <a:t/>
-            </a:r>
             <a:endParaRPr/>
           </a:p>
         </p:txBody>
@@ -1257,9 +1395,11 @@
       <p:sp>
         <p:nvSpPr>
           <p:cNvPr id="124" name="Shape 124"/>
-          <p:cNvSpPr/>
+          <p:cNvSpPr>
+            <a:spLocks noGrp="1" noRot="1" noChangeAspect="1"/>
+          </p:cNvSpPr>
           <p:nvPr>
-            <p:ph idx="2" type="sldImg"/>
+            <p:ph type="sldImg" idx="2"/>
           </p:nvPr>
         </p:nvSpPr>
         <p:spPr>
@@ -1268,8 +1408,13 @@
             <a:ext cx="4572000" cy="3429000"/>
           </a:xfrm>
           <a:custGeom>
+            <a:avLst/>
+            <a:gdLst/>
+            <a:ahLst/>
+            <a:cxnLst/>
+            <a:rect l="0" t="0" r="0" b="0"/>
             <a:pathLst>
-              <a:path extrusionOk="0" h="120000" w="120000">
+              <a:path w="120000" h="120000" extrusionOk="0">
                 <a:moveTo>
                   <a:pt x="0" y="0"/>
                 </a:moveTo>
@@ -1297,11 +1442,11 @@
 </file>
 
 <file path=ppt/notesSlides/notesSlide12.xml><?xml version="1.0" encoding="utf-8"?>
-<p:notes xmlns:a="http://schemas.openxmlformats.org/drawingml/2006/main" xmlns:r="http://schemas.openxmlformats.org/officeDocument/2006/relationships" xmlns:mc="http://schemas.openxmlformats.org/markup-compatibility/2006" xmlns:mv="urn:schemas-microsoft-com:mac:vml" xmlns:p="http://schemas.openxmlformats.org/presentationml/2006/main" xmlns:c="http://schemas.openxmlformats.org/drawingml/2006/chart" xmlns:dgm="http://schemas.openxmlformats.org/drawingml/2006/diagram" xmlns:o="urn:schemas-microsoft-com:office:office" xmlns:v="urn:schemas-microsoft-com:vml" xmlns:pvml="urn:schemas-microsoft-com:office:powerpoint" xmlns:com="http://schemas.openxmlformats.org/drawingml/2006/compatibility" xmlns:p14="http://schemas.microsoft.com/office/powerpoint/2010/main" showMasterPhAnim="0" showMasterSp="0">
+<p:notes xmlns:a="http://schemas.openxmlformats.org/drawingml/2006/main" xmlns:r="http://schemas.openxmlformats.org/officeDocument/2006/relationships" xmlns:p="http://schemas.openxmlformats.org/presentationml/2006/main" showMasterSp="0" showMasterPhAnim="0">
   <p:cSld>
     <p:spTree>
       <p:nvGrpSpPr>
-        <p:cNvPr id="128" name="Shape 128"/>
+        <p:cNvPr id="1" name="Shape 128"/>
         <p:cNvGrpSpPr/>
         <p:nvPr/>
       </p:nvGrpSpPr>
@@ -1316,9 +1461,11 @@
       <p:sp>
         <p:nvSpPr>
           <p:cNvPr id="129" name="Shape 129"/>
-          <p:cNvSpPr txBox="1"/>
+          <p:cNvSpPr txBox="1">
+            <a:spLocks noGrp="1"/>
+          </p:cNvSpPr>
           <p:nvPr>
-            <p:ph idx="1" type="body"/>
+            <p:ph type="body" idx="1"/>
           </p:nvPr>
         </p:nvSpPr>
         <p:spPr>
@@ -1331,7 +1478,7 @@
           </a:prstGeom>
         </p:spPr>
         <p:txBody>
-          <a:bodyPr anchorCtr="0" anchor="t" bIns="91425" lIns="91425" rIns="91425" tIns="91425">
+          <a:bodyPr lIns="91425" tIns="91425" rIns="91425" bIns="91425" anchor="t" anchorCtr="0">
             <a:noAutofit/>
           </a:bodyPr>
           <a:lstStyle/>
@@ -1342,9 +1489,6 @@
               </a:spcBef>
               <a:buNone/>
             </a:pPr>
-            <a:r>
-              <a:t/>
-            </a:r>
             <a:endParaRPr/>
           </a:p>
         </p:txBody>
@@ -1352,9 +1496,11 @@
       <p:sp>
         <p:nvSpPr>
           <p:cNvPr id="130" name="Shape 130"/>
-          <p:cNvSpPr/>
+          <p:cNvSpPr>
+            <a:spLocks noGrp="1" noRot="1" noChangeAspect="1"/>
+          </p:cNvSpPr>
           <p:nvPr>
-            <p:ph idx="2" type="sldImg"/>
+            <p:ph type="sldImg" idx="2"/>
           </p:nvPr>
         </p:nvSpPr>
         <p:spPr>
@@ -1363,8 +1509,13 @@
             <a:ext cx="4572000" cy="3429000"/>
           </a:xfrm>
           <a:custGeom>
+            <a:avLst/>
+            <a:gdLst/>
+            <a:ahLst/>
+            <a:cxnLst/>
+            <a:rect l="0" t="0" r="0" b="0"/>
             <a:pathLst>
-              <a:path extrusionOk="0" h="120000" w="120000">
+              <a:path w="120000" h="120000" extrusionOk="0">
                 <a:moveTo>
                   <a:pt x="0" y="0"/>
                 </a:moveTo>
@@ -1392,11 +1543,11 @@
 </file>
 
 <file path=ppt/notesSlides/notesSlide13.xml><?xml version="1.0" encoding="utf-8"?>
-<p:notes xmlns:a="http://schemas.openxmlformats.org/drawingml/2006/main" xmlns:r="http://schemas.openxmlformats.org/officeDocument/2006/relationships" xmlns:mc="http://schemas.openxmlformats.org/markup-compatibility/2006" xmlns:mv="urn:schemas-microsoft-com:mac:vml" xmlns:p="http://schemas.openxmlformats.org/presentationml/2006/main" xmlns:c="http://schemas.openxmlformats.org/drawingml/2006/chart" xmlns:dgm="http://schemas.openxmlformats.org/drawingml/2006/diagram" xmlns:o="urn:schemas-microsoft-com:office:office" xmlns:v="urn:schemas-microsoft-com:vml" xmlns:pvml="urn:schemas-microsoft-com:office:powerpoint" xmlns:com="http://schemas.openxmlformats.org/drawingml/2006/compatibility" xmlns:p14="http://schemas.microsoft.com/office/powerpoint/2010/main" showMasterPhAnim="0" showMasterSp="0">
+<p:notes xmlns:a="http://schemas.openxmlformats.org/drawingml/2006/main" xmlns:r="http://schemas.openxmlformats.org/officeDocument/2006/relationships" xmlns:p="http://schemas.openxmlformats.org/presentationml/2006/main" showMasterSp="0" showMasterPhAnim="0">
   <p:cSld>
     <p:spTree>
       <p:nvGrpSpPr>
-        <p:cNvPr id="134" name="Shape 134"/>
+        <p:cNvPr id="1" name="Shape 134"/>
         <p:cNvGrpSpPr/>
         <p:nvPr/>
       </p:nvGrpSpPr>
@@ -1411,9 +1562,11 @@
       <p:sp>
         <p:nvSpPr>
           <p:cNvPr id="135" name="Shape 135"/>
-          <p:cNvSpPr txBox="1"/>
+          <p:cNvSpPr txBox="1">
+            <a:spLocks noGrp="1"/>
+          </p:cNvSpPr>
           <p:nvPr>
-            <p:ph idx="1" type="body"/>
+            <p:ph type="body" idx="1"/>
           </p:nvPr>
         </p:nvSpPr>
         <p:spPr>
@@ -1426,7 +1579,7 @@
           </a:prstGeom>
         </p:spPr>
         <p:txBody>
-          <a:bodyPr anchorCtr="0" anchor="t" bIns="91425" lIns="91425" rIns="91425" tIns="91425">
+          <a:bodyPr lIns="91425" tIns="91425" rIns="91425" bIns="91425" anchor="t" anchorCtr="0">
             <a:noAutofit/>
           </a:bodyPr>
           <a:lstStyle/>
@@ -1437,9 +1590,6 @@
               </a:spcBef>
               <a:buNone/>
             </a:pPr>
-            <a:r>
-              <a:t/>
-            </a:r>
             <a:endParaRPr/>
           </a:p>
         </p:txBody>
@@ -1447,9 +1597,11 @@
       <p:sp>
         <p:nvSpPr>
           <p:cNvPr id="136" name="Shape 136"/>
-          <p:cNvSpPr/>
+          <p:cNvSpPr>
+            <a:spLocks noGrp="1" noRot="1" noChangeAspect="1"/>
+          </p:cNvSpPr>
           <p:nvPr>
-            <p:ph idx="2" type="sldImg"/>
+            <p:ph type="sldImg" idx="2"/>
           </p:nvPr>
         </p:nvSpPr>
         <p:spPr>
@@ -1458,8 +1610,13 @@
             <a:ext cx="4572000" cy="3429000"/>
           </a:xfrm>
           <a:custGeom>
+            <a:avLst/>
+            <a:gdLst/>
+            <a:ahLst/>
+            <a:cxnLst/>
+            <a:rect l="0" t="0" r="0" b="0"/>
             <a:pathLst>
-              <a:path extrusionOk="0" h="120000" w="120000">
+              <a:path w="120000" h="120000" extrusionOk="0">
                 <a:moveTo>
                   <a:pt x="0" y="0"/>
                 </a:moveTo>
@@ -1487,11 +1644,11 @@
 </file>
 
 <file path=ppt/notesSlides/notesSlide14.xml><?xml version="1.0" encoding="utf-8"?>
-<p:notes xmlns:a="http://schemas.openxmlformats.org/drawingml/2006/main" xmlns:r="http://schemas.openxmlformats.org/officeDocument/2006/relationships" xmlns:mc="http://schemas.openxmlformats.org/markup-compatibility/2006" xmlns:mv="urn:schemas-microsoft-com:mac:vml" xmlns:p="http://schemas.openxmlformats.org/presentationml/2006/main" xmlns:c="http://schemas.openxmlformats.org/drawingml/2006/chart" xmlns:dgm="http://schemas.openxmlformats.org/drawingml/2006/diagram" xmlns:o="urn:schemas-microsoft-com:office:office" xmlns:v="urn:schemas-microsoft-com:vml" xmlns:pvml="urn:schemas-microsoft-com:office:powerpoint" xmlns:com="http://schemas.openxmlformats.org/drawingml/2006/compatibility" xmlns:p14="http://schemas.microsoft.com/office/powerpoint/2010/main" showMasterPhAnim="0" showMasterSp="0">
+<p:notes xmlns:a="http://schemas.openxmlformats.org/drawingml/2006/main" xmlns:r="http://schemas.openxmlformats.org/officeDocument/2006/relationships" xmlns:p="http://schemas.openxmlformats.org/presentationml/2006/main" showMasterSp="0" showMasterPhAnim="0">
   <p:cSld>
     <p:spTree>
       <p:nvGrpSpPr>
-        <p:cNvPr id="141" name="Shape 141"/>
+        <p:cNvPr id="1" name="Shape 141"/>
         <p:cNvGrpSpPr/>
         <p:nvPr/>
       </p:nvGrpSpPr>
@@ -1506,9 +1663,11 @@
       <p:sp>
         <p:nvSpPr>
           <p:cNvPr id="142" name="Shape 142"/>
-          <p:cNvSpPr txBox="1"/>
+          <p:cNvSpPr txBox="1">
+            <a:spLocks noGrp="1"/>
+          </p:cNvSpPr>
           <p:nvPr>
-            <p:ph idx="1" type="body"/>
+            <p:ph type="body" idx="1"/>
           </p:nvPr>
         </p:nvSpPr>
         <p:spPr>
@@ -1521,7 +1680,7 @@
           </a:prstGeom>
         </p:spPr>
         <p:txBody>
-          <a:bodyPr anchorCtr="0" anchor="t" bIns="91425" lIns="91425" rIns="91425" tIns="91425">
+          <a:bodyPr lIns="91425" tIns="91425" rIns="91425" bIns="91425" anchor="t" anchorCtr="0">
             <a:noAutofit/>
           </a:bodyPr>
           <a:lstStyle/>
@@ -1532,9 +1691,6 @@
               </a:spcBef>
               <a:buNone/>
             </a:pPr>
-            <a:r>
-              <a:t/>
-            </a:r>
             <a:endParaRPr/>
           </a:p>
         </p:txBody>
@@ -1542,9 +1698,11 @@
       <p:sp>
         <p:nvSpPr>
           <p:cNvPr id="143" name="Shape 143"/>
-          <p:cNvSpPr/>
+          <p:cNvSpPr>
+            <a:spLocks noGrp="1" noRot="1" noChangeAspect="1"/>
+          </p:cNvSpPr>
           <p:nvPr>
-            <p:ph idx="2" type="sldImg"/>
+            <p:ph type="sldImg" idx="2"/>
           </p:nvPr>
         </p:nvSpPr>
         <p:spPr>
@@ -1553,8 +1711,13 @@
             <a:ext cx="4572000" cy="3429000"/>
           </a:xfrm>
           <a:custGeom>
+            <a:avLst/>
+            <a:gdLst/>
+            <a:ahLst/>
+            <a:cxnLst/>
+            <a:rect l="0" t="0" r="0" b="0"/>
             <a:pathLst>
-              <a:path extrusionOk="0" h="120000" w="120000">
+              <a:path w="120000" h="120000" extrusionOk="0">
                 <a:moveTo>
                   <a:pt x="0" y="0"/>
                 </a:moveTo>
@@ -1582,11 +1745,11 @@
 </file>
 
 <file path=ppt/notesSlides/notesSlide15.xml><?xml version="1.0" encoding="utf-8"?>
-<p:notes xmlns:a="http://schemas.openxmlformats.org/drawingml/2006/main" xmlns:r="http://schemas.openxmlformats.org/officeDocument/2006/relationships" xmlns:mc="http://schemas.openxmlformats.org/markup-compatibility/2006" xmlns:mv="urn:schemas-microsoft-com:mac:vml" xmlns:p="http://schemas.openxmlformats.org/presentationml/2006/main" xmlns:c="http://schemas.openxmlformats.org/drawingml/2006/chart" xmlns:dgm="http://schemas.openxmlformats.org/drawingml/2006/diagram" xmlns:o="urn:schemas-microsoft-com:office:office" xmlns:v="urn:schemas-microsoft-com:vml" xmlns:pvml="urn:schemas-microsoft-com:office:powerpoint" xmlns:com="http://schemas.openxmlformats.org/drawingml/2006/compatibility" xmlns:p14="http://schemas.microsoft.com/office/powerpoint/2010/main" showMasterPhAnim="0" showMasterSp="0">
+<p:notes xmlns:a="http://schemas.openxmlformats.org/drawingml/2006/main" xmlns:r="http://schemas.openxmlformats.org/officeDocument/2006/relationships" xmlns:p="http://schemas.openxmlformats.org/presentationml/2006/main" showMasterSp="0" showMasterPhAnim="0">
   <p:cSld>
     <p:spTree>
       <p:nvGrpSpPr>
-        <p:cNvPr id="147" name="Shape 147"/>
+        <p:cNvPr id="1" name="Shape 147"/>
         <p:cNvGrpSpPr/>
         <p:nvPr/>
       </p:nvGrpSpPr>
@@ -1601,9 +1764,11 @@
       <p:sp>
         <p:nvSpPr>
           <p:cNvPr id="148" name="Shape 148"/>
-          <p:cNvSpPr txBox="1"/>
+          <p:cNvSpPr txBox="1">
+            <a:spLocks noGrp="1"/>
+          </p:cNvSpPr>
           <p:nvPr>
-            <p:ph idx="1" type="body"/>
+            <p:ph type="body" idx="1"/>
           </p:nvPr>
         </p:nvSpPr>
         <p:spPr>
@@ -1616,7 +1781,7 @@
           </a:prstGeom>
         </p:spPr>
         <p:txBody>
-          <a:bodyPr anchorCtr="0" anchor="t" bIns="91425" lIns="91425" rIns="91425" tIns="91425">
+          <a:bodyPr lIns="91425" tIns="91425" rIns="91425" bIns="91425" anchor="t" anchorCtr="0">
             <a:noAutofit/>
           </a:bodyPr>
           <a:lstStyle/>
@@ -1627,9 +1792,6 @@
               </a:spcBef>
               <a:buNone/>
             </a:pPr>
-            <a:r>
-              <a:t/>
-            </a:r>
             <a:endParaRPr/>
           </a:p>
         </p:txBody>
@@ -1637,9 +1799,11 @@
       <p:sp>
         <p:nvSpPr>
           <p:cNvPr id="149" name="Shape 149"/>
-          <p:cNvSpPr/>
+          <p:cNvSpPr>
+            <a:spLocks noGrp="1" noRot="1" noChangeAspect="1"/>
+          </p:cNvSpPr>
           <p:nvPr>
-            <p:ph idx="2" type="sldImg"/>
+            <p:ph type="sldImg" idx="2"/>
           </p:nvPr>
         </p:nvSpPr>
         <p:spPr>
@@ -1648,8 +1812,13 @@
             <a:ext cx="4572000" cy="3429000"/>
           </a:xfrm>
           <a:custGeom>
+            <a:avLst/>
+            <a:gdLst/>
+            <a:ahLst/>
+            <a:cxnLst/>
+            <a:rect l="0" t="0" r="0" b="0"/>
             <a:pathLst>
-              <a:path extrusionOk="0" h="120000" w="120000">
+              <a:path w="120000" h="120000" extrusionOk="0">
                 <a:moveTo>
                   <a:pt x="0" y="0"/>
                 </a:moveTo>
@@ -1677,11 +1846,11 @@
 </file>
 
 <file path=ppt/notesSlides/notesSlide16.xml><?xml version="1.0" encoding="utf-8"?>
-<p:notes xmlns:a="http://schemas.openxmlformats.org/drawingml/2006/main" xmlns:r="http://schemas.openxmlformats.org/officeDocument/2006/relationships" xmlns:mc="http://schemas.openxmlformats.org/markup-compatibility/2006" xmlns:mv="urn:schemas-microsoft-com:mac:vml" xmlns:p="http://schemas.openxmlformats.org/presentationml/2006/main" xmlns:c="http://schemas.openxmlformats.org/drawingml/2006/chart" xmlns:dgm="http://schemas.openxmlformats.org/drawingml/2006/diagram" xmlns:o="urn:schemas-microsoft-com:office:office" xmlns:v="urn:schemas-microsoft-com:vml" xmlns:pvml="urn:schemas-microsoft-com:office:powerpoint" xmlns:com="http://schemas.openxmlformats.org/drawingml/2006/compatibility" xmlns:p14="http://schemas.microsoft.com/office/powerpoint/2010/main" showMasterPhAnim="0" showMasterSp="0">
+<p:notes xmlns:a="http://schemas.openxmlformats.org/drawingml/2006/main" xmlns:r="http://schemas.openxmlformats.org/officeDocument/2006/relationships" xmlns:p="http://schemas.openxmlformats.org/presentationml/2006/main" showMasterSp="0" showMasterPhAnim="0">
   <p:cSld>
     <p:spTree>
       <p:nvGrpSpPr>
-        <p:cNvPr id="153" name="Shape 153"/>
+        <p:cNvPr id="1" name="Shape 153"/>
         <p:cNvGrpSpPr/>
         <p:nvPr/>
       </p:nvGrpSpPr>
@@ -1696,9 +1865,11 @@
       <p:sp>
         <p:nvSpPr>
           <p:cNvPr id="154" name="Shape 154"/>
-          <p:cNvSpPr txBox="1"/>
+          <p:cNvSpPr txBox="1">
+            <a:spLocks noGrp="1"/>
+          </p:cNvSpPr>
           <p:nvPr>
-            <p:ph idx="1" type="body"/>
+            <p:ph type="body" idx="1"/>
           </p:nvPr>
         </p:nvSpPr>
         <p:spPr>
@@ -1711,7 +1882,7 @@
           </a:prstGeom>
         </p:spPr>
         <p:txBody>
-          <a:bodyPr anchorCtr="0" anchor="t" bIns="91425" lIns="91425" rIns="91425" tIns="91425">
+          <a:bodyPr lIns="91425" tIns="91425" rIns="91425" bIns="91425" anchor="t" anchorCtr="0">
             <a:noAutofit/>
           </a:bodyPr>
           <a:lstStyle/>
@@ -1722,9 +1893,6 @@
               </a:spcBef>
               <a:buNone/>
             </a:pPr>
-            <a:r>
-              <a:t/>
-            </a:r>
             <a:endParaRPr/>
           </a:p>
         </p:txBody>
@@ -1732,9 +1900,11 @@
       <p:sp>
         <p:nvSpPr>
           <p:cNvPr id="155" name="Shape 155"/>
-          <p:cNvSpPr/>
+          <p:cNvSpPr>
+            <a:spLocks noGrp="1" noRot="1" noChangeAspect="1"/>
+          </p:cNvSpPr>
           <p:nvPr>
-            <p:ph idx="2" type="sldImg"/>
+            <p:ph type="sldImg" idx="2"/>
           </p:nvPr>
         </p:nvSpPr>
         <p:spPr>
@@ -1743,8 +1913,13 @@
             <a:ext cx="4572000" cy="3429000"/>
           </a:xfrm>
           <a:custGeom>
+            <a:avLst/>
+            <a:gdLst/>
+            <a:ahLst/>
+            <a:cxnLst/>
+            <a:rect l="0" t="0" r="0" b="0"/>
             <a:pathLst>
-              <a:path extrusionOk="0" h="120000" w="120000">
+              <a:path w="120000" h="120000" extrusionOk="0">
                 <a:moveTo>
                   <a:pt x="0" y="0"/>
                 </a:moveTo>
@@ -1772,11 +1947,11 @@
 </file>
 
 <file path=ppt/notesSlides/notesSlide17.xml><?xml version="1.0" encoding="utf-8"?>
-<p:notes xmlns:a="http://schemas.openxmlformats.org/drawingml/2006/main" xmlns:r="http://schemas.openxmlformats.org/officeDocument/2006/relationships" xmlns:mc="http://schemas.openxmlformats.org/markup-compatibility/2006" xmlns:mv="urn:schemas-microsoft-com:mac:vml" xmlns:p="http://schemas.openxmlformats.org/presentationml/2006/main" xmlns:c="http://schemas.openxmlformats.org/drawingml/2006/chart" xmlns:dgm="http://schemas.openxmlformats.org/drawingml/2006/diagram" xmlns:o="urn:schemas-microsoft-com:office:office" xmlns:v="urn:schemas-microsoft-com:vml" xmlns:pvml="urn:schemas-microsoft-com:office:powerpoint" xmlns:com="http://schemas.openxmlformats.org/drawingml/2006/compatibility" xmlns:p14="http://schemas.microsoft.com/office/powerpoint/2010/main" showMasterPhAnim="0" showMasterSp="0">
+<p:notes xmlns:a="http://schemas.openxmlformats.org/drawingml/2006/main" xmlns:r="http://schemas.openxmlformats.org/officeDocument/2006/relationships" xmlns:p="http://schemas.openxmlformats.org/presentationml/2006/main" showMasterSp="0" showMasterPhAnim="0">
   <p:cSld>
     <p:spTree>
       <p:nvGrpSpPr>
-        <p:cNvPr id="159" name="Shape 159"/>
+        <p:cNvPr id="1" name="Shape 159"/>
         <p:cNvGrpSpPr/>
         <p:nvPr/>
       </p:nvGrpSpPr>
@@ -1791,9 +1966,11 @@
       <p:sp>
         <p:nvSpPr>
           <p:cNvPr id="160" name="Shape 160"/>
-          <p:cNvSpPr txBox="1"/>
+          <p:cNvSpPr txBox="1">
+            <a:spLocks noGrp="1"/>
+          </p:cNvSpPr>
           <p:nvPr>
-            <p:ph idx="1" type="body"/>
+            <p:ph type="body" idx="1"/>
           </p:nvPr>
         </p:nvSpPr>
         <p:spPr>
@@ -1806,7 +1983,7 @@
           </a:prstGeom>
         </p:spPr>
         <p:txBody>
-          <a:bodyPr anchorCtr="0" anchor="t" bIns="91425" lIns="91425" rIns="91425" tIns="91425">
+          <a:bodyPr lIns="91425" tIns="91425" rIns="91425" bIns="91425" anchor="t" anchorCtr="0">
             <a:noAutofit/>
           </a:bodyPr>
           <a:lstStyle/>
@@ -1817,9 +1994,6 @@
               </a:spcBef>
               <a:buNone/>
             </a:pPr>
-            <a:r>
-              <a:t/>
-            </a:r>
             <a:endParaRPr/>
           </a:p>
         </p:txBody>
@@ -1827,9 +2001,11 @@
       <p:sp>
         <p:nvSpPr>
           <p:cNvPr id="161" name="Shape 161"/>
-          <p:cNvSpPr/>
+          <p:cNvSpPr>
+            <a:spLocks noGrp="1" noRot="1" noChangeAspect="1"/>
+          </p:cNvSpPr>
           <p:nvPr>
-            <p:ph idx="2" type="sldImg"/>
+            <p:ph type="sldImg" idx="2"/>
           </p:nvPr>
         </p:nvSpPr>
         <p:spPr>
@@ -1838,8 +2014,13 @@
             <a:ext cx="4572000" cy="3429000"/>
           </a:xfrm>
           <a:custGeom>
+            <a:avLst/>
+            <a:gdLst/>
+            <a:ahLst/>
+            <a:cxnLst/>
+            <a:rect l="0" t="0" r="0" b="0"/>
             <a:pathLst>
-              <a:path extrusionOk="0" h="120000" w="120000">
+              <a:path w="120000" h="120000" extrusionOk="0">
                 <a:moveTo>
                   <a:pt x="0" y="0"/>
                 </a:moveTo>
@@ -1867,11 +2048,11 @@
 </file>
 
 <file path=ppt/notesSlides/notesSlide18.xml><?xml version="1.0" encoding="utf-8"?>
-<p:notes xmlns:a="http://schemas.openxmlformats.org/drawingml/2006/main" xmlns:r="http://schemas.openxmlformats.org/officeDocument/2006/relationships" xmlns:mc="http://schemas.openxmlformats.org/markup-compatibility/2006" xmlns:mv="urn:schemas-microsoft-com:mac:vml" xmlns:p="http://schemas.openxmlformats.org/presentationml/2006/main" xmlns:c="http://schemas.openxmlformats.org/drawingml/2006/chart" xmlns:dgm="http://schemas.openxmlformats.org/drawingml/2006/diagram" xmlns:o="urn:schemas-microsoft-com:office:office" xmlns:v="urn:schemas-microsoft-com:vml" xmlns:pvml="urn:schemas-microsoft-com:office:powerpoint" xmlns:com="http://schemas.openxmlformats.org/drawingml/2006/compatibility" xmlns:p14="http://schemas.microsoft.com/office/powerpoint/2010/main" showMasterPhAnim="0" showMasterSp="0">
+<p:notes xmlns:a="http://schemas.openxmlformats.org/drawingml/2006/main" xmlns:r="http://schemas.openxmlformats.org/officeDocument/2006/relationships" xmlns:p="http://schemas.openxmlformats.org/presentationml/2006/main" showMasterSp="0" showMasterPhAnim="0">
   <p:cSld>
     <p:spTree>
       <p:nvGrpSpPr>
-        <p:cNvPr id="165" name="Shape 165"/>
+        <p:cNvPr id="1" name="Shape 165"/>
         <p:cNvGrpSpPr/>
         <p:nvPr/>
       </p:nvGrpSpPr>
@@ -1886,9 +2067,11 @@
       <p:sp>
         <p:nvSpPr>
           <p:cNvPr id="166" name="Shape 166"/>
-          <p:cNvSpPr txBox="1"/>
+          <p:cNvSpPr txBox="1">
+            <a:spLocks noGrp="1"/>
+          </p:cNvSpPr>
           <p:nvPr>
-            <p:ph idx="1" type="body"/>
+            <p:ph type="body" idx="1"/>
           </p:nvPr>
         </p:nvSpPr>
         <p:spPr>
@@ -1901,7 +2084,7 @@
           </a:prstGeom>
         </p:spPr>
         <p:txBody>
-          <a:bodyPr anchorCtr="0" anchor="t" bIns="91425" lIns="91425" rIns="91425" tIns="91425">
+          <a:bodyPr lIns="91425" tIns="91425" rIns="91425" bIns="91425" anchor="t" anchorCtr="0">
             <a:noAutofit/>
           </a:bodyPr>
           <a:lstStyle/>
@@ -1912,9 +2095,6 @@
               </a:spcBef>
               <a:buNone/>
             </a:pPr>
-            <a:r>
-              <a:t/>
-            </a:r>
             <a:endParaRPr/>
           </a:p>
         </p:txBody>
@@ -1922,9 +2102,11 @@
       <p:sp>
         <p:nvSpPr>
           <p:cNvPr id="167" name="Shape 167"/>
-          <p:cNvSpPr/>
+          <p:cNvSpPr>
+            <a:spLocks noGrp="1" noRot="1" noChangeAspect="1"/>
+          </p:cNvSpPr>
           <p:nvPr>
-            <p:ph idx="2" type="sldImg"/>
+            <p:ph type="sldImg" idx="2"/>
           </p:nvPr>
         </p:nvSpPr>
         <p:spPr>
@@ -1933,8 +2115,13 @@
             <a:ext cx="4572000" cy="3429000"/>
           </a:xfrm>
           <a:custGeom>
+            <a:avLst/>
+            <a:gdLst/>
+            <a:ahLst/>
+            <a:cxnLst/>
+            <a:rect l="0" t="0" r="0" b="0"/>
             <a:pathLst>
-              <a:path extrusionOk="0" h="120000" w="120000">
+              <a:path w="120000" h="120000" extrusionOk="0">
                 <a:moveTo>
                   <a:pt x="0" y="0"/>
                 </a:moveTo>
@@ -1962,11 +2149,11 @@
 </file>
 
 <file path=ppt/notesSlides/notesSlide19.xml><?xml version="1.0" encoding="utf-8"?>
-<p:notes xmlns:a="http://schemas.openxmlformats.org/drawingml/2006/main" xmlns:r="http://schemas.openxmlformats.org/officeDocument/2006/relationships" xmlns:mc="http://schemas.openxmlformats.org/markup-compatibility/2006" xmlns:mv="urn:schemas-microsoft-com:mac:vml" xmlns:p="http://schemas.openxmlformats.org/presentationml/2006/main" xmlns:c="http://schemas.openxmlformats.org/drawingml/2006/chart" xmlns:dgm="http://schemas.openxmlformats.org/drawingml/2006/diagram" xmlns:o="urn:schemas-microsoft-com:office:office" xmlns:v="urn:schemas-microsoft-com:vml" xmlns:pvml="urn:schemas-microsoft-com:office:powerpoint" xmlns:com="http://schemas.openxmlformats.org/drawingml/2006/compatibility" xmlns:p14="http://schemas.microsoft.com/office/powerpoint/2010/main" showMasterPhAnim="0" showMasterSp="0">
+<p:notes xmlns:a="http://schemas.openxmlformats.org/drawingml/2006/main" xmlns:r="http://schemas.openxmlformats.org/officeDocument/2006/relationships" xmlns:p="http://schemas.openxmlformats.org/presentationml/2006/main" showMasterSp="0" showMasterPhAnim="0">
   <p:cSld>
     <p:spTree>
       <p:nvGrpSpPr>
-        <p:cNvPr id="172" name="Shape 172"/>
+        <p:cNvPr id="1" name="Shape 172"/>
         <p:cNvGrpSpPr/>
         <p:nvPr/>
       </p:nvGrpSpPr>
@@ -1981,9 +2168,11 @@
       <p:sp>
         <p:nvSpPr>
           <p:cNvPr id="173" name="Shape 173"/>
-          <p:cNvSpPr txBox="1"/>
+          <p:cNvSpPr txBox="1">
+            <a:spLocks noGrp="1"/>
+          </p:cNvSpPr>
           <p:nvPr>
-            <p:ph idx="1" type="body"/>
+            <p:ph type="body" idx="1"/>
           </p:nvPr>
         </p:nvSpPr>
         <p:spPr>
@@ -1996,7 +2185,7 @@
           </a:prstGeom>
         </p:spPr>
         <p:txBody>
-          <a:bodyPr anchorCtr="0" anchor="t" bIns="91425" lIns="91425" rIns="91425" tIns="91425">
+          <a:bodyPr lIns="91425" tIns="91425" rIns="91425" bIns="91425" anchor="t" anchorCtr="0">
             <a:noAutofit/>
           </a:bodyPr>
           <a:lstStyle/>
@@ -2007,9 +2196,6 @@
               </a:spcBef>
               <a:buNone/>
             </a:pPr>
-            <a:r>
-              <a:t/>
-            </a:r>
             <a:endParaRPr/>
           </a:p>
         </p:txBody>
@@ -2017,9 +2203,11 @@
       <p:sp>
         <p:nvSpPr>
           <p:cNvPr id="174" name="Shape 174"/>
-          <p:cNvSpPr/>
+          <p:cNvSpPr>
+            <a:spLocks noGrp="1" noRot="1" noChangeAspect="1"/>
+          </p:cNvSpPr>
           <p:nvPr>
-            <p:ph idx="2" type="sldImg"/>
+            <p:ph type="sldImg" idx="2"/>
           </p:nvPr>
         </p:nvSpPr>
         <p:spPr>
@@ -2028,8 +2216,13 @@
             <a:ext cx="4572000" cy="3429000"/>
           </a:xfrm>
           <a:custGeom>
+            <a:avLst/>
+            <a:gdLst/>
+            <a:ahLst/>
+            <a:cxnLst/>
+            <a:rect l="0" t="0" r="0" b="0"/>
             <a:pathLst>
-              <a:path extrusionOk="0" h="120000" w="120000">
+              <a:path w="120000" h="120000" extrusionOk="0">
                 <a:moveTo>
                   <a:pt x="0" y="0"/>
                 </a:moveTo>
@@ -2057,11 +2250,11 @@
 </file>
 
 <file path=ppt/notesSlides/notesSlide2.xml><?xml version="1.0" encoding="utf-8"?>
-<p:notes xmlns:a="http://schemas.openxmlformats.org/drawingml/2006/main" xmlns:r="http://schemas.openxmlformats.org/officeDocument/2006/relationships" xmlns:mc="http://schemas.openxmlformats.org/markup-compatibility/2006" xmlns:mv="urn:schemas-microsoft-com:mac:vml" xmlns:p="http://schemas.openxmlformats.org/presentationml/2006/main" xmlns:c="http://schemas.openxmlformats.org/drawingml/2006/chart" xmlns:dgm="http://schemas.openxmlformats.org/drawingml/2006/diagram" xmlns:o="urn:schemas-microsoft-com:office:office" xmlns:v="urn:schemas-microsoft-com:vml" xmlns:pvml="urn:schemas-microsoft-com:office:powerpoint" xmlns:com="http://schemas.openxmlformats.org/drawingml/2006/compatibility" xmlns:p14="http://schemas.microsoft.com/office/powerpoint/2010/main" showMasterPhAnim="0" showMasterSp="0">
+<p:notes xmlns:a="http://schemas.openxmlformats.org/drawingml/2006/main" xmlns:r="http://schemas.openxmlformats.org/officeDocument/2006/relationships" xmlns:p="http://schemas.openxmlformats.org/presentationml/2006/main" showMasterSp="0" showMasterPhAnim="0">
   <p:cSld>
     <p:spTree>
       <p:nvGrpSpPr>
-        <p:cNvPr id="67" name="Shape 67"/>
+        <p:cNvPr id="1" name="Shape 67"/>
         <p:cNvGrpSpPr/>
         <p:nvPr/>
       </p:nvGrpSpPr>
@@ -2076,9 +2269,11 @@
       <p:sp>
         <p:nvSpPr>
           <p:cNvPr id="68" name="Shape 68"/>
-          <p:cNvSpPr txBox="1"/>
+          <p:cNvSpPr txBox="1">
+            <a:spLocks noGrp="1"/>
+          </p:cNvSpPr>
           <p:nvPr>
-            <p:ph idx="1" type="body"/>
+            <p:ph type="body" idx="1"/>
           </p:nvPr>
         </p:nvSpPr>
         <p:spPr>
@@ -2091,7 +2286,7 @@
           </a:prstGeom>
         </p:spPr>
         <p:txBody>
-          <a:bodyPr anchorCtr="0" anchor="t" bIns="91425" lIns="91425" rIns="91425" tIns="91425">
+          <a:bodyPr lIns="91425" tIns="91425" rIns="91425" bIns="91425" anchor="t" anchorCtr="0">
             <a:noAutofit/>
           </a:bodyPr>
           <a:lstStyle/>
@@ -2102,9 +2297,6 @@
               </a:spcBef>
               <a:buNone/>
             </a:pPr>
-            <a:r>
-              <a:t/>
-            </a:r>
             <a:endParaRPr/>
           </a:p>
         </p:txBody>
@@ -2112,9 +2304,11 @@
       <p:sp>
         <p:nvSpPr>
           <p:cNvPr id="69" name="Shape 69"/>
-          <p:cNvSpPr/>
+          <p:cNvSpPr>
+            <a:spLocks noGrp="1" noRot="1" noChangeAspect="1"/>
+          </p:cNvSpPr>
           <p:nvPr>
-            <p:ph idx="2" type="sldImg"/>
+            <p:ph type="sldImg" idx="2"/>
           </p:nvPr>
         </p:nvSpPr>
         <p:spPr>
@@ -2123,8 +2317,13 @@
             <a:ext cx="4572000" cy="3429000"/>
           </a:xfrm>
           <a:custGeom>
+            <a:avLst/>
+            <a:gdLst/>
+            <a:ahLst/>
+            <a:cxnLst/>
+            <a:rect l="0" t="0" r="0" b="0"/>
             <a:pathLst>
-              <a:path extrusionOk="0" h="120000" w="120000">
+              <a:path w="120000" h="120000" extrusionOk="0">
                 <a:moveTo>
                   <a:pt x="0" y="0"/>
                 </a:moveTo>
@@ -2152,11 +2351,11 @@
 </file>
 
 <file path=ppt/notesSlides/notesSlide20.xml><?xml version="1.0" encoding="utf-8"?>
-<p:notes xmlns:a="http://schemas.openxmlformats.org/drawingml/2006/main" xmlns:r="http://schemas.openxmlformats.org/officeDocument/2006/relationships" xmlns:mc="http://schemas.openxmlformats.org/markup-compatibility/2006" xmlns:mv="urn:schemas-microsoft-com:mac:vml" xmlns:p="http://schemas.openxmlformats.org/presentationml/2006/main" xmlns:c="http://schemas.openxmlformats.org/drawingml/2006/chart" xmlns:dgm="http://schemas.openxmlformats.org/drawingml/2006/diagram" xmlns:o="urn:schemas-microsoft-com:office:office" xmlns:v="urn:schemas-microsoft-com:vml" xmlns:pvml="urn:schemas-microsoft-com:office:powerpoint" xmlns:com="http://schemas.openxmlformats.org/drawingml/2006/compatibility" xmlns:p14="http://schemas.microsoft.com/office/powerpoint/2010/main" showMasterPhAnim="0" showMasterSp="0">
+<p:notes xmlns:a="http://schemas.openxmlformats.org/drawingml/2006/main" xmlns:r="http://schemas.openxmlformats.org/officeDocument/2006/relationships" xmlns:p="http://schemas.openxmlformats.org/presentationml/2006/main" showMasterSp="0" showMasterPhAnim="0">
   <p:cSld>
     <p:spTree>
       <p:nvGrpSpPr>
-        <p:cNvPr id="177" name="Shape 177"/>
+        <p:cNvPr id="1" name="Shape 177"/>
         <p:cNvGrpSpPr/>
         <p:nvPr/>
       </p:nvGrpSpPr>
@@ -2171,9 +2370,11 @@
       <p:sp>
         <p:nvSpPr>
           <p:cNvPr id="178" name="Shape 178"/>
-          <p:cNvSpPr txBox="1"/>
+          <p:cNvSpPr txBox="1">
+            <a:spLocks noGrp="1"/>
+          </p:cNvSpPr>
           <p:nvPr>
-            <p:ph idx="1" type="body"/>
+            <p:ph type="body" idx="1"/>
           </p:nvPr>
         </p:nvSpPr>
         <p:spPr>
@@ -2186,7 +2387,7 @@
           </a:prstGeom>
         </p:spPr>
         <p:txBody>
-          <a:bodyPr anchorCtr="0" anchor="t" bIns="91425" lIns="91425" rIns="91425" tIns="91425">
+          <a:bodyPr lIns="91425" tIns="91425" rIns="91425" bIns="91425" anchor="t" anchorCtr="0">
             <a:noAutofit/>
           </a:bodyPr>
           <a:lstStyle/>
@@ -2197,9 +2398,6 @@
               </a:spcBef>
               <a:buNone/>
             </a:pPr>
-            <a:r>
-              <a:t/>
-            </a:r>
             <a:endParaRPr/>
           </a:p>
         </p:txBody>
@@ -2207,9 +2405,11 @@
       <p:sp>
         <p:nvSpPr>
           <p:cNvPr id="179" name="Shape 179"/>
-          <p:cNvSpPr/>
+          <p:cNvSpPr>
+            <a:spLocks noGrp="1" noRot="1" noChangeAspect="1"/>
+          </p:cNvSpPr>
           <p:nvPr>
-            <p:ph idx="2" type="sldImg"/>
+            <p:ph type="sldImg" idx="2"/>
           </p:nvPr>
         </p:nvSpPr>
         <p:spPr>
@@ -2218,8 +2418,13 @@
             <a:ext cx="4572000" cy="3429000"/>
           </a:xfrm>
           <a:custGeom>
+            <a:avLst/>
+            <a:gdLst/>
+            <a:ahLst/>
+            <a:cxnLst/>
+            <a:rect l="0" t="0" r="0" b="0"/>
             <a:pathLst>
-              <a:path extrusionOk="0" h="120000" w="120000">
+              <a:path w="120000" h="120000" extrusionOk="0">
                 <a:moveTo>
                   <a:pt x="0" y="0"/>
                 </a:moveTo>
@@ -2247,11 +2452,11 @@
 </file>
 
 <file path=ppt/notesSlides/notesSlide3.xml><?xml version="1.0" encoding="utf-8"?>
-<p:notes xmlns:a="http://schemas.openxmlformats.org/drawingml/2006/main" xmlns:r="http://schemas.openxmlformats.org/officeDocument/2006/relationships" xmlns:mc="http://schemas.openxmlformats.org/markup-compatibility/2006" xmlns:mv="urn:schemas-microsoft-com:mac:vml" xmlns:p="http://schemas.openxmlformats.org/presentationml/2006/main" xmlns:c="http://schemas.openxmlformats.org/drawingml/2006/chart" xmlns:dgm="http://schemas.openxmlformats.org/drawingml/2006/diagram" xmlns:o="urn:schemas-microsoft-com:office:office" xmlns:v="urn:schemas-microsoft-com:vml" xmlns:pvml="urn:schemas-microsoft-com:office:powerpoint" xmlns:com="http://schemas.openxmlformats.org/drawingml/2006/compatibility" xmlns:p14="http://schemas.microsoft.com/office/powerpoint/2010/main" showMasterPhAnim="0" showMasterSp="0">
+<p:notes xmlns:a="http://schemas.openxmlformats.org/drawingml/2006/main" xmlns:r="http://schemas.openxmlformats.org/officeDocument/2006/relationships" xmlns:p="http://schemas.openxmlformats.org/presentationml/2006/main" showMasterSp="0" showMasterPhAnim="0">
   <p:cSld>
     <p:spTree>
       <p:nvGrpSpPr>
-        <p:cNvPr id="74" name="Shape 74"/>
+        <p:cNvPr id="1" name="Shape 74"/>
         <p:cNvGrpSpPr/>
         <p:nvPr/>
       </p:nvGrpSpPr>
@@ -2266,9 +2471,11 @@
       <p:sp>
         <p:nvSpPr>
           <p:cNvPr id="75" name="Shape 75"/>
-          <p:cNvSpPr txBox="1"/>
+          <p:cNvSpPr txBox="1">
+            <a:spLocks noGrp="1"/>
+          </p:cNvSpPr>
           <p:nvPr>
-            <p:ph idx="1" type="body"/>
+            <p:ph type="body" idx="1"/>
           </p:nvPr>
         </p:nvSpPr>
         <p:spPr>
@@ -2281,7 +2488,7 @@
           </a:prstGeom>
         </p:spPr>
         <p:txBody>
-          <a:bodyPr anchorCtr="0" anchor="t" bIns="91425" lIns="91425" rIns="91425" tIns="91425">
+          <a:bodyPr lIns="91425" tIns="91425" rIns="91425" bIns="91425" anchor="t" anchorCtr="0">
             <a:noAutofit/>
           </a:bodyPr>
           <a:lstStyle/>
@@ -2292,19 +2499,18 @@
               </a:spcBef>
               <a:buNone/>
             </a:pPr>
-            <a:r>
-              <a:t/>
-            </a:r>
-            <a:endParaRPr/>
+            <a:endParaRPr dirty="0"/>
           </a:p>
         </p:txBody>
       </p:sp>
       <p:sp>
         <p:nvSpPr>
           <p:cNvPr id="76" name="Shape 76"/>
-          <p:cNvSpPr/>
+          <p:cNvSpPr>
+            <a:spLocks noGrp="1" noRot="1" noChangeAspect="1"/>
+          </p:cNvSpPr>
           <p:nvPr>
-            <p:ph idx="2" type="sldImg"/>
+            <p:ph type="sldImg" idx="2"/>
           </p:nvPr>
         </p:nvSpPr>
         <p:spPr>
@@ -2313,8 +2519,13 @@
             <a:ext cx="4572000" cy="3429000"/>
           </a:xfrm>
           <a:custGeom>
+            <a:avLst/>
+            <a:gdLst/>
+            <a:ahLst/>
+            <a:cxnLst/>
+            <a:rect l="0" t="0" r="0" b="0"/>
             <a:pathLst>
-              <a:path extrusionOk="0" h="120000" w="120000">
+              <a:path w="120000" h="120000" extrusionOk="0">
                 <a:moveTo>
                   <a:pt x="0" y="0"/>
                 </a:moveTo>
@@ -2342,11 +2553,11 @@
 </file>
 
 <file path=ppt/notesSlides/notesSlide4.xml><?xml version="1.0" encoding="utf-8"?>
-<p:notes xmlns:a="http://schemas.openxmlformats.org/drawingml/2006/main" xmlns:r="http://schemas.openxmlformats.org/officeDocument/2006/relationships" xmlns:mc="http://schemas.openxmlformats.org/markup-compatibility/2006" xmlns:mv="urn:schemas-microsoft-com:mac:vml" xmlns:p="http://schemas.openxmlformats.org/presentationml/2006/main" xmlns:c="http://schemas.openxmlformats.org/drawingml/2006/chart" xmlns:dgm="http://schemas.openxmlformats.org/drawingml/2006/diagram" xmlns:o="urn:schemas-microsoft-com:office:office" xmlns:v="urn:schemas-microsoft-com:vml" xmlns:pvml="urn:schemas-microsoft-com:office:powerpoint" xmlns:com="http://schemas.openxmlformats.org/drawingml/2006/compatibility" xmlns:p14="http://schemas.microsoft.com/office/powerpoint/2010/main" showMasterPhAnim="0" showMasterSp="0">
+<p:notes xmlns:a="http://schemas.openxmlformats.org/drawingml/2006/main" xmlns:r="http://schemas.openxmlformats.org/officeDocument/2006/relationships" xmlns:p="http://schemas.openxmlformats.org/presentationml/2006/main" showMasterSp="0" showMasterPhAnim="0">
   <p:cSld>
     <p:spTree>
       <p:nvGrpSpPr>
-        <p:cNvPr id="80" name="Shape 80"/>
+        <p:cNvPr id="1" name="Shape 80"/>
         <p:cNvGrpSpPr/>
         <p:nvPr/>
       </p:nvGrpSpPr>
@@ -2361,9 +2572,11 @@
       <p:sp>
         <p:nvSpPr>
           <p:cNvPr id="81" name="Shape 81"/>
-          <p:cNvSpPr txBox="1"/>
+          <p:cNvSpPr txBox="1">
+            <a:spLocks noGrp="1"/>
+          </p:cNvSpPr>
           <p:nvPr>
-            <p:ph idx="1" type="body"/>
+            <p:ph type="body" idx="1"/>
           </p:nvPr>
         </p:nvSpPr>
         <p:spPr>
@@ -2376,7 +2589,7 @@
           </a:prstGeom>
         </p:spPr>
         <p:txBody>
-          <a:bodyPr anchorCtr="0" anchor="t" bIns="91425" lIns="91425" rIns="91425" tIns="91425">
+          <a:bodyPr lIns="91425" tIns="91425" rIns="91425" bIns="91425" anchor="t" anchorCtr="0">
             <a:noAutofit/>
           </a:bodyPr>
           <a:lstStyle/>
@@ -2387,9 +2600,6 @@
               </a:spcBef>
               <a:buNone/>
             </a:pPr>
-            <a:r>
-              <a:t/>
-            </a:r>
             <a:endParaRPr/>
           </a:p>
         </p:txBody>
@@ -2397,9 +2607,11 @@
       <p:sp>
         <p:nvSpPr>
           <p:cNvPr id="82" name="Shape 82"/>
-          <p:cNvSpPr/>
+          <p:cNvSpPr>
+            <a:spLocks noGrp="1" noRot="1" noChangeAspect="1"/>
+          </p:cNvSpPr>
           <p:nvPr>
-            <p:ph idx="2" type="sldImg"/>
+            <p:ph type="sldImg" idx="2"/>
           </p:nvPr>
         </p:nvSpPr>
         <p:spPr>
@@ -2408,8 +2620,13 @@
             <a:ext cx="4572000" cy="3429000"/>
           </a:xfrm>
           <a:custGeom>
+            <a:avLst/>
+            <a:gdLst/>
+            <a:ahLst/>
+            <a:cxnLst/>
+            <a:rect l="0" t="0" r="0" b="0"/>
             <a:pathLst>
-              <a:path extrusionOk="0" h="120000" w="120000">
+              <a:path w="120000" h="120000" extrusionOk="0">
                 <a:moveTo>
                   <a:pt x="0" y="0"/>
                 </a:moveTo>
@@ -2437,11 +2654,11 @@
 </file>
 
 <file path=ppt/notesSlides/notesSlide5.xml><?xml version="1.0" encoding="utf-8"?>
-<p:notes xmlns:a="http://schemas.openxmlformats.org/drawingml/2006/main" xmlns:r="http://schemas.openxmlformats.org/officeDocument/2006/relationships" xmlns:mc="http://schemas.openxmlformats.org/markup-compatibility/2006" xmlns:mv="urn:schemas-microsoft-com:mac:vml" xmlns:p="http://schemas.openxmlformats.org/presentationml/2006/main" xmlns:c="http://schemas.openxmlformats.org/drawingml/2006/chart" xmlns:dgm="http://schemas.openxmlformats.org/drawingml/2006/diagram" xmlns:o="urn:schemas-microsoft-com:office:office" xmlns:v="urn:schemas-microsoft-com:vml" xmlns:pvml="urn:schemas-microsoft-com:office:powerpoint" xmlns:com="http://schemas.openxmlformats.org/drawingml/2006/compatibility" xmlns:p14="http://schemas.microsoft.com/office/powerpoint/2010/main" showMasterPhAnim="0" showMasterSp="0">
+<p:notes xmlns:a="http://schemas.openxmlformats.org/drawingml/2006/main" xmlns:r="http://schemas.openxmlformats.org/officeDocument/2006/relationships" xmlns:p="http://schemas.openxmlformats.org/presentationml/2006/main" showMasterSp="0" showMasterPhAnim="0">
   <p:cSld>
     <p:spTree>
       <p:nvGrpSpPr>
-        <p:cNvPr id="86" name="Shape 86"/>
+        <p:cNvPr id="1" name="Shape 86"/>
         <p:cNvGrpSpPr/>
         <p:nvPr/>
       </p:nvGrpSpPr>
@@ -2456,9 +2673,11 @@
       <p:sp>
         <p:nvSpPr>
           <p:cNvPr id="87" name="Shape 87"/>
-          <p:cNvSpPr txBox="1"/>
+          <p:cNvSpPr txBox="1">
+            <a:spLocks noGrp="1"/>
+          </p:cNvSpPr>
           <p:nvPr>
-            <p:ph idx="1" type="body"/>
+            <p:ph type="body" idx="1"/>
           </p:nvPr>
         </p:nvSpPr>
         <p:spPr>
@@ -2471,7 +2690,7 @@
           </a:prstGeom>
         </p:spPr>
         <p:txBody>
-          <a:bodyPr anchorCtr="0" anchor="t" bIns="91425" lIns="91425" rIns="91425" tIns="91425">
+          <a:bodyPr lIns="91425" tIns="91425" rIns="91425" bIns="91425" anchor="t" anchorCtr="0">
             <a:noAutofit/>
           </a:bodyPr>
           <a:lstStyle/>
@@ -2482,9 +2701,6 @@
               </a:spcBef>
               <a:buNone/>
             </a:pPr>
-            <a:r>
-              <a:t/>
-            </a:r>
             <a:endParaRPr/>
           </a:p>
         </p:txBody>
@@ -2492,9 +2708,11 @@
       <p:sp>
         <p:nvSpPr>
           <p:cNvPr id="88" name="Shape 88"/>
-          <p:cNvSpPr/>
+          <p:cNvSpPr>
+            <a:spLocks noGrp="1" noRot="1" noChangeAspect="1"/>
+          </p:cNvSpPr>
           <p:nvPr>
-            <p:ph idx="2" type="sldImg"/>
+            <p:ph type="sldImg" idx="2"/>
           </p:nvPr>
         </p:nvSpPr>
         <p:spPr>
@@ -2503,8 +2721,13 @@
             <a:ext cx="4572000" cy="3429000"/>
           </a:xfrm>
           <a:custGeom>
+            <a:avLst/>
+            <a:gdLst/>
+            <a:ahLst/>
+            <a:cxnLst/>
+            <a:rect l="0" t="0" r="0" b="0"/>
             <a:pathLst>
-              <a:path extrusionOk="0" h="120000" w="120000">
+              <a:path w="120000" h="120000" extrusionOk="0">
                 <a:moveTo>
                   <a:pt x="0" y="0"/>
                 </a:moveTo>
@@ -2532,11 +2755,11 @@
 </file>
 
 <file path=ppt/notesSlides/notesSlide6.xml><?xml version="1.0" encoding="utf-8"?>
-<p:notes xmlns:a="http://schemas.openxmlformats.org/drawingml/2006/main" xmlns:r="http://schemas.openxmlformats.org/officeDocument/2006/relationships" xmlns:mc="http://schemas.openxmlformats.org/markup-compatibility/2006" xmlns:mv="urn:schemas-microsoft-com:mac:vml" xmlns:p="http://schemas.openxmlformats.org/presentationml/2006/main" xmlns:c="http://schemas.openxmlformats.org/drawingml/2006/chart" xmlns:dgm="http://schemas.openxmlformats.org/drawingml/2006/diagram" xmlns:o="urn:schemas-microsoft-com:office:office" xmlns:v="urn:schemas-microsoft-com:vml" xmlns:pvml="urn:schemas-microsoft-com:office:powerpoint" xmlns:com="http://schemas.openxmlformats.org/drawingml/2006/compatibility" xmlns:p14="http://schemas.microsoft.com/office/powerpoint/2010/main" showMasterPhAnim="0" showMasterSp="0">
+<p:notes xmlns:a="http://schemas.openxmlformats.org/drawingml/2006/main" xmlns:r="http://schemas.openxmlformats.org/officeDocument/2006/relationships" xmlns:p="http://schemas.openxmlformats.org/presentationml/2006/main" showMasterSp="0" showMasterPhAnim="0">
   <p:cSld>
     <p:spTree>
       <p:nvGrpSpPr>
-        <p:cNvPr id="92" name="Shape 92"/>
+        <p:cNvPr id="1" name="Shape 92"/>
         <p:cNvGrpSpPr/>
         <p:nvPr/>
       </p:nvGrpSpPr>
@@ -2551,9 +2774,11 @@
       <p:sp>
         <p:nvSpPr>
           <p:cNvPr id="93" name="Shape 93"/>
-          <p:cNvSpPr txBox="1"/>
+          <p:cNvSpPr txBox="1">
+            <a:spLocks noGrp="1"/>
+          </p:cNvSpPr>
           <p:nvPr>
-            <p:ph idx="1" type="body"/>
+            <p:ph type="body" idx="1"/>
           </p:nvPr>
         </p:nvSpPr>
         <p:spPr>
@@ -2566,7 +2791,7 @@
           </a:prstGeom>
         </p:spPr>
         <p:txBody>
-          <a:bodyPr anchorCtr="0" anchor="t" bIns="91425" lIns="91425" rIns="91425" tIns="91425">
+          <a:bodyPr lIns="91425" tIns="91425" rIns="91425" bIns="91425" anchor="t" anchorCtr="0">
             <a:noAutofit/>
           </a:bodyPr>
           <a:lstStyle/>
@@ -2577,9 +2802,6 @@
               </a:spcBef>
               <a:buNone/>
             </a:pPr>
-            <a:r>
-              <a:t/>
-            </a:r>
             <a:endParaRPr/>
           </a:p>
         </p:txBody>
@@ -2587,9 +2809,11 @@
       <p:sp>
         <p:nvSpPr>
           <p:cNvPr id="94" name="Shape 94"/>
-          <p:cNvSpPr/>
+          <p:cNvSpPr>
+            <a:spLocks noGrp="1" noRot="1" noChangeAspect="1"/>
+          </p:cNvSpPr>
           <p:nvPr>
-            <p:ph idx="2" type="sldImg"/>
+            <p:ph type="sldImg" idx="2"/>
           </p:nvPr>
         </p:nvSpPr>
         <p:spPr>
@@ -2598,8 +2822,13 @@
             <a:ext cx="4572000" cy="3429000"/>
           </a:xfrm>
           <a:custGeom>
+            <a:avLst/>
+            <a:gdLst/>
+            <a:ahLst/>
+            <a:cxnLst/>
+            <a:rect l="0" t="0" r="0" b="0"/>
             <a:pathLst>
-              <a:path extrusionOk="0" h="120000" w="120000">
+              <a:path w="120000" h="120000" extrusionOk="0">
                 <a:moveTo>
                   <a:pt x="0" y="0"/>
                 </a:moveTo>
@@ -2627,11 +2856,11 @@
 </file>
 
 <file path=ppt/notesSlides/notesSlide7.xml><?xml version="1.0" encoding="utf-8"?>
-<p:notes xmlns:a="http://schemas.openxmlformats.org/drawingml/2006/main" xmlns:r="http://schemas.openxmlformats.org/officeDocument/2006/relationships" xmlns:mc="http://schemas.openxmlformats.org/markup-compatibility/2006" xmlns:mv="urn:schemas-microsoft-com:mac:vml" xmlns:p="http://schemas.openxmlformats.org/presentationml/2006/main" xmlns:c="http://schemas.openxmlformats.org/drawingml/2006/chart" xmlns:dgm="http://schemas.openxmlformats.org/drawingml/2006/diagram" xmlns:o="urn:schemas-microsoft-com:office:office" xmlns:v="urn:schemas-microsoft-com:vml" xmlns:pvml="urn:schemas-microsoft-com:office:powerpoint" xmlns:com="http://schemas.openxmlformats.org/drawingml/2006/compatibility" xmlns:p14="http://schemas.microsoft.com/office/powerpoint/2010/main" showMasterPhAnim="0" showMasterSp="0">
+<p:notes xmlns:a="http://schemas.openxmlformats.org/drawingml/2006/main" xmlns:r="http://schemas.openxmlformats.org/officeDocument/2006/relationships" xmlns:p="http://schemas.openxmlformats.org/presentationml/2006/main" showMasterSp="0" showMasterPhAnim="0">
   <p:cSld>
     <p:spTree>
       <p:nvGrpSpPr>
-        <p:cNvPr id="98" name="Shape 98"/>
+        <p:cNvPr id="1" name="Shape 98"/>
         <p:cNvGrpSpPr/>
         <p:nvPr/>
       </p:nvGrpSpPr>
@@ -2646,9 +2875,11 @@
       <p:sp>
         <p:nvSpPr>
           <p:cNvPr id="99" name="Shape 99"/>
-          <p:cNvSpPr txBox="1"/>
+          <p:cNvSpPr txBox="1">
+            <a:spLocks noGrp="1"/>
+          </p:cNvSpPr>
           <p:nvPr>
-            <p:ph idx="1" type="body"/>
+            <p:ph type="body" idx="1"/>
           </p:nvPr>
         </p:nvSpPr>
         <p:spPr>
@@ -2661,7 +2892,7 @@
           </a:prstGeom>
         </p:spPr>
         <p:txBody>
-          <a:bodyPr anchorCtr="0" anchor="t" bIns="91425" lIns="91425" rIns="91425" tIns="91425">
+          <a:bodyPr lIns="91425" tIns="91425" rIns="91425" bIns="91425" anchor="t" anchorCtr="0">
             <a:noAutofit/>
           </a:bodyPr>
           <a:lstStyle/>
@@ -2672,9 +2903,6 @@
               </a:spcBef>
               <a:buNone/>
             </a:pPr>
-            <a:r>
-              <a:t/>
-            </a:r>
             <a:endParaRPr/>
           </a:p>
         </p:txBody>
@@ -2682,9 +2910,11 @@
       <p:sp>
         <p:nvSpPr>
           <p:cNvPr id="100" name="Shape 100"/>
-          <p:cNvSpPr/>
+          <p:cNvSpPr>
+            <a:spLocks noGrp="1" noRot="1" noChangeAspect="1"/>
+          </p:cNvSpPr>
           <p:nvPr>
-            <p:ph idx="2" type="sldImg"/>
+            <p:ph type="sldImg" idx="2"/>
           </p:nvPr>
         </p:nvSpPr>
         <p:spPr>
@@ -2693,8 +2923,13 @@
             <a:ext cx="4572000" cy="3429000"/>
           </a:xfrm>
           <a:custGeom>
+            <a:avLst/>
+            <a:gdLst/>
+            <a:ahLst/>
+            <a:cxnLst/>
+            <a:rect l="0" t="0" r="0" b="0"/>
             <a:pathLst>
-              <a:path extrusionOk="0" h="120000" w="120000">
+              <a:path w="120000" h="120000" extrusionOk="0">
                 <a:moveTo>
                   <a:pt x="0" y="0"/>
                 </a:moveTo>
@@ -2722,11 +2957,11 @@
 </file>
 
 <file path=ppt/notesSlides/notesSlide8.xml><?xml version="1.0" encoding="utf-8"?>
-<p:notes xmlns:a="http://schemas.openxmlformats.org/drawingml/2006/main" xmlns:r="http://schemas.openxmlformats.org/officeDocument/2006/relationships" xmlns:mc="http://schemas.openxmlformats.org/markup-compatibility/2006" xmlns:mv="urn:schemas-microsoft-com:mac:vml" xmlns:p="http://schemas.openxmlformats.org/presentationml/2006/main" xmlns:c="http://schemas.openxmlformats.org/drawingml/2006/chart" xmlns:dgm="http://schemas.openxmlformats.org/drawingml/2006/diagram" xmlns:o="urn:schemas-microsoft-com:office:office" xmlns:v="urn:schemas-microsoft-com:vml" xmlns:pvml="urn:schemas-microsoft-com:office:powerpoint" xmlns:com="http://schemas.openxmlformats.org/drawingml/2006/compatibility" xmlns:p14="http://schemas.microsoft.com/office/powerpoint/2010/main" showMasterPhAnim="0" showMasterSp="0">
+<p:notes xmlns:a="http://schemas.openxmlformats.org/drawingml/2006/main" xmlns:r="http://schemas.openxmlformats.org/officeDocument/2006/relationships" xmlns:p="http://schemas.openxmlformats.org/presentationml/2006/main" showMasterSp="0" showMasterPhAnim="0">
   <p:cSld>
     <p:spTree>
       <p:nvGrpSpPr>
-        <p:cNvPr id="104" name="Shape 104"/>
+        <p:cNvPr id="1" name="Shape 104"/>
         <p:cNvGrpSpPr/>
         <p:nvPr/>
       </p:nvGrpSpPr>
@@ -2741,9 +2976,11 @@
       <p:sp>
         <p:nvSpPr>
           <p:cNvPr id="105" name="Shape 105"/>
-          <p:cNvSpPr txBox="1"/>
+          <p:cNvSpPr txBox="1">
+            <a:spLocks noGrp="1"/>
+          </p:cNvSpPr>
           <p:nvPr>
-            <p:ph idx="1" type="body"/>
+            <p:ph type="body" idx="1"/>
           </p:nvPr>
         </p:nvSpPr>
         <p:spPr>
@@ -2756,7 +2993,7 @@
           </a:prstGeom>
         </p:spPr>
         <p:txBody>
-          <a:bodyPr anchorCtr="0" anchor="t" bIns="91425" lIns="91425" rIns="91425" tIns="91425">
+          <a:bodyPr lIns="91425" tIns="91425" rIns="91425" bIns="91425" anchor="t" anchorCtr="0">
             <a:noAutofit/>
           </a:bodyPr>
           <a:lstStyle/>
@@ -2767,9 +3004,6 @@
               </a:spcBef>
               <a:buNone/>
             </a:pPr>
-            <a:r>
-              <a:t/>
-            </a:r>
             <a:endParaRPr/>
           </a:p>
         </p:txBody>
@@ -2777,9 +3011,11 @@
       <p:sp>
         <p:nvSpPr>
           <p:cNvPr id="106" name="Shape 106"/>
-          <p:cNvSpPr/>
+          <p:cNvSpPr>
+            <a:spLocks noGrp="1" noRot="1" noChangeAspect="1"/>
+          </p:cNvSpPr>
           <p:nvPr>
-            <p:ph idx="2" type="sldImg"/>
+            <p:ph type="sldImg" idx="2"/>
           </p:nvPr>
         </p:nvSpPr>
         <p:spPr>
@@ -2788,8 +3024,13 @@
             <a:ext cx="4572000" cy="3429000"/>
           </a:xfrm>
           <a:custGeom>
+            <a:avLst/>
+            <a:gdLst/>
+            <a:ahLst/>
+            <a:cxnLst/>
+            <a:rect l="0" t="0" r="0" b="0"/>
             <a:pathLst>
-              <a:path extrusionOk="0" h="120000" w="120000">
+              <a:path w="120000" h="120000" extrusionOk="0">
                 <a:moveTo>
                   <a:pt x="0" y="0"/>
                 </a:moveTo>
@@ -2817,11 +3058,11 @@
 </file>
 
 <file path=ppt/notesSlides/notesSlide9.xml><?xml version="1.0" encoding="utf-8"?>
-<p:notes xmlns:a="http://schemas.openxmlformats.org/drawingml/2006/main" xmlns:r="http://schemas.openxmlformats.org/officeDocument/2006/relationships" xmlns:mc="http://schemas.openxmlformats.org/markup-compatibility/2006" xmlns:mv="urn:schemas-microsoft-com:mac:vml" xmlns:p="http://schemas.openxmlformats.org/presentationml/2006/main" xmlns:c="http://schemas.openxmlformats.org/drawingml/2006/chart" xmlns:dgm="http://schemas.openxmlformats.org/drawingml/2006/diagram" xmlns:o="urn:schemas-microsoft-com:office:office" xmlns:v="urn:schemas-microsoft-com:vml" xmlns:pvml="urn:schemas-microsoft-com:office:powerpoint" xmlns:com="http://schemas.openxmlformats.org/drawingml/2006/compatibility" xmlns:p14="http://schemas.microsoft.com/office/powerpoint/2010/main" showMasterPhAnim="0" showMasterSp="0">
+<p:notes xmlns:a="http://schemas.openxmlformats.org/drawingml/2006/main" xmlns:r="http://schemas.openxmlformats.org/officeDocument/2006/relationships" xmlns:p="http://schemas.openxmlformats.org/presentationml/2006/main" showMasterSp="0" showMasterPhAnim="0">
   <p:cSld>
     <p:spTree>
       <p:nvGrpSpPr>
-        <p:cNvPr id="110" name="Shape 110"/>
+        <p:cNvPr id="1" name="Shape 110"/>
         <p:cNvGrpSpPr/>
         <p:nvPr/>
       </p:nvGrpSpPr>
@@ -2836,9 +3077,11 @@
       <p:sp>
         <p:nvSpPr>
           <p:cNvPr id="111" name="Shape 111"/>
-          <p:cNvSpPr txBox="1"/>
+          <p:cNvSpPr txBox="1">
+            <a:spLocks noGrp="1"/>
+          </p:cNvSpPr>
           <p:nvPr>
-            <p:ph idx="1" type="body"/>
+            <p:ph type="body" idx="1"/>
           </p:nvPr>
         </p:nvSpPr>
         <p:spPr>
@@ -2851,7 +3094,7 @@
           </a:prstGeom>
         </p:spPr>
         <p:txBody>
-          <a:bodyPr anchorCtr="0" anchor="t" bIns="91425" lIns="91425" rIns="91425" tIns="91425">
+          <a:bodyPr lIns="91425" tIns="91425" rIns="91425" bIns="91425" anchor="t" anchorCtr="0">
             <a:noAutofit/>
           </a:bodyPr>
           <a:lstStyle/>
@@ -2862,9 +3105,6 @@
               </a:spcBef>
               <a:buNone/>
             </a:pPr>
-            <a:r>
-              <a:t/>
-            </a:r>
             <a:endParaRPr/>
           </a:p>
         </p:txBody>
@@ -2872,9 +3112,11 @@
       <p:sp>
         <p:nvSpPr>
           <p:cNvPr id="112" name="Shape 112"/>
-          <p:cNvSpPr/>
+          <p:cNvSpPr>
+            <a:spLocks noGrp="1" noRot="1" noChangeAspect="1"/>
+          </p:cNvSpPr>
           <p:nvPr>
-            <p:ph idx="2" type="sldImg"/>
+            <p:ph type="sldImg" idx="2"/>
           </p:nvPr>
         </p:nvSpPr>
         <p:spPr>
@@ -2883,8 +3125,13 @@
             <a:ext cx="4572000" cy="3429000"/>
           </a:xfrm>
           <a:custGeom>
+            <a:avLst/>
+            <a:gdLst/>
+            <a:ahLst/>
+            <a:cxnLst/>
+            <a:rect l="0" t="0" r="0" b="0"/>
             <a:pathLst>
-              <a:path extrusionOk="0" h="120000" w="120000">
+              <a:path w="120000" h="120000" extrusionOk="0">
                 <a:moveTo>
                   <a:pt x="0" y="0"/>
                 </a:moveTo>
@@ -2912,11 +3159,11 @@
 </file>
 
 <file path=ppt/slideLayouts/slideLayout1.xml><?xml version="1.0" encoding="utf-8"?>
-<p:sldLayout xmlns:a="http://schemas.openxmlformats.org/drawingml/2006/main" xmlns:r="http://schemas.openxmlformats.org/officeDocument/2006/relationships" xmlns:mc="http://schemas.openxmlformats.org/markup-compatibility/2006" xmlns:mv="urn:schemas-microsoft-com:mac:vml" xmlns:p="http://schemas.openxmlformats.org/presentationml/2006/main" xmlns:c="http://schemas.openxmlformats.org/drawingml/2006/chart" xmlns:dgm="http://schemas.openxmlformats.org/drawingml/2006/diagram" xmlns:o="urn:schemas-microsoft-com:office:office" xmlns:v="urn:schemas-microsoft-com:vml" xmlns:pvml="urn:schemas-microsoft-com:office:powerpoint" xmlns:com="http://schemas.openxmlformats.org/drawingml/2006/compatibility" xmlns:p14="http://schemas.microsoft.com/office/powerpoint/2010/main" type="title">
+<p:sldLayout xmlns:a="http://schemas.openxmlformats.org/drawingml/2006/main" xmlns:r="http://schemas.openxmlformats.org/officeDocument/2006/relationships" xmlns:p="http://schemas.openxmlformats.org/presentationml/2006/main" type="title">
   <p:cSld name="Title slide">
     <p:spTree>
       <p:nvGrpSpPr>
-        <p:cNvPr id="13" name="Shape 13"/>
+        <p:cNvPr id="1" name="Shape 13"/>
         <p:cNvGrpSpPr/>
         <p:nvPr/>
       </p:nvGrpSpPr>
@@ -2931,7 +3178,9 @@
       <p:sp>
         <p:nvSpPr>
           <p:cNvPr id="14" name="Shape 14"/>
-          <p:cNvSpPr txBox="1"/>
+          <p:cNvSpPr txBox="1">
+            <a:spLocks noGrp="1"/>
+          </p:cNvSpPr>
           <p:nvPr>
             <p:ph type="ctrTitle"/>
           </p:nvPr>
@@ -2946,7 +3195,7 @@
           </a:prstGeom>
         </p:spPr>
         <p:txBody>
-          <a:bodyPr anchorCtr="0" anchor="b" bIns="91425" lIns="91425" rIns="91425" tIns="91425"/>
+          <a:bodyPr lIns="91425" tIns="91425" rIns="91425" bIns="91425" anchor="b" anchorCtr="0"/>
           <a:lstStyle>
             <a:lvl1pPr lvl="0" algn="ctr">
               <a:spcBef>
@@ -3012,15 +3261,19 @@
               <a:defRPr sz="5200"/>
             </a:lvl9pPr>
           </a:lstStyle>
-          <a:p/>
+          <a:p>
+            <a:endParaRPr/>
+          </a:p>
         </p:txBody>
       </p:sp>
       <p:sp>
         <p:nvSpPr>
           <p:cNvPr id="15" name="Shape 15"/>
-          <p:cNvSpPr txBox="1"/>
+          <p:cNvSpPr txBox="1">
+            <a:spLocks noGrp="1"/>
+          </p:cNvSpPr>
           <p:nvPr>
-            <p:ph idx="1" type="subTitle"/>
+            <p:ph type="subTitle" idx="1"/>
           </p:nvPr>
         </p:nvSpPr>
         <p:spPr>
@@ -3033,7 +3286,7 @@
           </a:prstGeom>
         </p:spPr>
         <p:txBody>
-          <a:bodyPr anchorCtr="0" anchor="t" bIns="91425" lIns="91425" rIns="91425" tIns="91425"/>
+          <a:bodyPr lIns="91425" tIns="91425" rIns="91425" bIns="91425" anchor="t" anchorCtr="0"/>
           <a:lstStyle>
             <a:lvl1pPr lvl="0" algn="ctr">
               <a:lnSpc>
@@ -3162,15 +3415,19 @@
               <a:defRPr sz="2800"/>
             </a:lvl9pPr>
           </a:lstStyle>
-          <a:p/>
+          <a:p>
+            <a:endParaRPr/>
+          </a:p>
         </p:txBody>
       </p:sp>
       <p:sp>
         <p:nvSpPr>
           <p:cNvPr id="16" name="Shape 16"/>
-          <p:cNvSpPr txBox="1"/>
+          <p:cNvSpPr txBox="1">
+            <a:spLocks noGrp="1"/>
+          </p:cNvSpPr>
           <p:nvPr>
-            <p:ph idx="12" type="sldNum"/>
+            <p:ph type="sldNum" idx="12"/>
           </p:nvPr>
         </p:nvSpPr>
         <p:spPr>
@@ -3183,7 +3440,7 @@
           </a:prstGeom>
         </p:spPr>
         <p:txBody>
-          <a:bodyPr anchorCtr="0" anchor="ctr" bIns="91425" lIns="91425" rIns="91425" tIns="91425">
+          <a:bodyPr lIns="91425" tIns="91425" rIns="91425" bIns="91425" anchor="ctr" anchorCtr="0">
             <a:noAutofit/>
           </a:bodyPr>
           <a:lstStyle/>
@@ -3198,6 +3455,7 @@
               <a:rPr lang="en-US"/>
               <a:t>‹#›</a:t>
             </a:fld>
+            <a:endParaRPr lang="en-US"/>
           </a:p>
         </p:txBody>
       </p:sp>
@@ -3210,11 +3468,11 @@
 </file>
 
 <file path=ppt/slideLayouts/slideLayout10.xml><?xml version="1.0" encoding="utf-8"?>
-<p:sldLayout xmlns:a="http://schemas.openxmlformats.org/drawingml/2006/main" xmlns:r="http://schemas.openxmlformats.org/officeDocument/2006/relationships" xmlns:mc="http://schemas.openxmlformats.org/markup-compatibility/2006" xmlns:mv="urn:schemas-microsoft-com:mac:vml" xmlns:p="http://schemas.openxmlformats.org/presentationml/2006/main" xmlns:c="http://schemas.openxmlformats.org/drawingml/2006/chart" xmlns:dgm="http://schemas.openxmlformats.org/drawingml/2006/diagram" xmlns:o="urn:schemas-microsoft-com:office:office" xmlns:v="urn:schemas-microsoft-com:vml" xmlns:pvml="urn:schemas-microsoft-com:office:powerpoint" xmlns:com="http://schemas.openxmlformats.org/drawingml/2006/compatibility" xmlns:p14="http://schemas.microsoft.com/office/powerpoint/2010/main">
+<p:sldLayout xmlns:a="http://schemas.openxmlformats.org/drawingml/2006/main" xmlns:r="http://schemas.openxmlformats.org/officeDocument/2006/relationships" xmlns:p="http://schemas.openxmlformats.org/presentationml/2006/main">
   <p:cSld name="Big number">
     <p:spTree>
       <p:nvGrpSpPr>
-        <p:cNvPr id="48" name="Shape 48"/>
+        <p:cNvPr id="1" name="Shape 48"/>
         <p:cNvGrpSpPr/>
         <p:nvPr/>
       </p:nvGrpSpPr>
@@ -3229,7 +3487,9 @@
       <p:sp>
         <p:nvSpPr>
           <p:cNvPr id="49" name="Shape 49"/>
-          <p:cNvSpPr txBox="1"/>
+          <p:cNvSpPr txBox="1">
+            <a:spLocks noGrp="1"/>
+          </p:cNvSpPr>
           <p:nvPr>
             <p:ph type="title"/>
           </p:nvPr>
@@ -3244,7 +3504,7 @@
           </a:prstGeom>
         </p:spPr>
         <p:txBody>
-          <a:bodyPr anchorCtr="0" anchor="b" bIns="91425" lIns="91425" rIns="91425" tIns="91425"/>
+          <a:bodyPr lIns="91425" tIns="91425" rIns="91425" bIns="91425" anchor="b" anchorCtr="0"/>
           <a:lstStyle>
             <a:lvl1pPr lvl="0" algn="ctr">
               <a:spcBef>
@@ -3310,15 +3570,19 @@
               <a:defRPr sz="12000"/>
             </a:lvl9pPr>
           </a:lstStyle>
-          <a:p/>
+          <a:p>
+            <a:endParaRPr/>
+          </a:p>
         </p:txBody>
       </p:sp>
       <p:sp>
         <p:nvSpPr>
           <p:cNvPr id="50" name="Shape 50"/>
-          <p:cNvSpPr txBox="1"/>
+          <p:cNvSpPr txBox="1">
+            <a:spLocks noGrp="1"/>
+          </p:cNvSpPr>
           <p:nvPr>
-            <p:ph idx="1" type="body"/>
+            <p:ph type="body" idx="1"/>
           </p:nvPr>
         </p:nvSpPr>
         <p:spPr>
@@ -3331,7 +3595,7 @@
           </a:prstGeom>
         </p:spPr>
         <p:txBody>
-          <a:bodyPr anchorCtr="0" anchor="t" bIns="91425" lIns="91425" rIns="91425" tIns="91425"/>
+          <a:bodyPr lIns="91425" tIns="91425" rIns="91425" bIns="91425" anchor="t" anchorCtr="0"/>
           <a:lstStyle>
             <a:lvl1pPr lvl="0" algn="ctr">
               <a:spcBef>
@@ -3388,15 +3652,19 @@
               <a:defRPr/>
             </a:lvl9pPr>
           </a:lstStyle>
-          <a:p/>
+          <a:p>
+            <a:endParaRPr/>
+          </a:p>
         </p:txBody>
       </p:sp>
       <p:sp>
         <p:nvSpPr>
           <p:cNvPr id="51" name="Shape 51"/>
-          <p:cNvSpPr txBox="1"/>
+          <p:cNvSpPr txBox="1">
+            <a:spLocks noGrp="1"/>
+          </p:cNvSpPr>
           <p:nvPr>
-            <p:ph idx="12" type="sldNum"/>
+            <p:ph type="sldNum" idx="12"/>
           </p:nvPr>
         </p:nvSpPr>
         <p:spPr>
@@ -3409,7 +3677,7 @@
           </a:prstGeom>
         </p:spPr>
         <p:txBody>
-          <a:bodyPr anchorCtr="0" anchor="ctr" bIns="91425" lIns="91425" rIns="91425" tIns="91425">
+          <a:bodyPr lIns="91425" tIns="91425" rIns="91425" bIns="91425" anchor="ctr" anchorCtr="0">
             <a:noAutofit/>
           </a:bodyPr>
           <a:lstStyle/>
@@ -3424,6 +3692,7 @@
               <a:rPr lang="en-US"/>
               <a:t>‹#›</a:t>
             </a:fld>
+            <a:endParaRPr lang="en-US"/>
           </a:p>
         </p:txBody>
       </p:sp>
@@ -3436,11 +3705,11 @@
 </file>
 
 <file path=ppt/slideLayouts/slideLayout11.xml><?xml version="1.0" encoding="utf-8"?>
-<p:sldLayout xmlns:a="http://schemas.openxmlformats.org/drawingml/2006/main" xmlns:r="http://schemas.openxmlformats.org/officeDocument/2006/relationships" xmlns:mc="http://schemas.openxmlformats.org/markup-compatibility/2006" xmlns:mv="urn:schemas-microsoft-com:mac:vml" xmlns:p="http://schemas.openxmlformats.org/presentationml/2006/main" xmlns:c="http://schemas.openxmlformats.org/drawingml/2006/chart" xmlns:dgm="http://schemas.openxmlformats.org/drawingml/2006/diagram" xmlns:o="urn:schemas-microsoft-com:office:office" xmlns:v="urn:schemas-microsoft-com:vml" xmlns:pvml="urn:schemas-microsoft-com:office:powerpoint" xmlns:com="http://schemas.openxmlformats.org/drawingml/2006/compatibility" xmlns:p14="http://schemas.microsoft.com/office/powerpoint/2010/main" type="blank">
+<p:sldLayout xmlns:a="http://schemas.openxmlformats.org/drawingml/2006/main" xmlns:r="http://schemas.openxmlformats.org/officeDocument/2006/relationships" xmlns:p="http://schemas.openxmlformats.org/presentationml/2006/main" type="blank">
   <p:cSld name="Blank">
     <p:spTree>
       <p:nvGrpSpPr>
-        <p:cNvPr id="52" name="Shape 52"/>
+        <p:cNvPr id="1" name="Shape 52"/>
         <p:cNvGrpSpPr/>
         <p:nvPr/>
       </p:nvGrpSpPr>
@@ -3455,9 +3724,11 @@
       <p:sp>
         <p:nvSpPr>
           <p:cNvPr id="53" name="Shape 53"/>
-          <p:cNvSpPr txBox="1"/>
+          <p:cNvSpPr txBox="1">
+            <a:spLocks noGrp="1"/>
+          </p:cNvSpPr>
           <p:nvPr>
-            <p:ph idx="12" type="sldNum"/>
+            <p:ph type="sldNum" idx="12"/>
           </p:nvPr>
         </p:nvSpPr>
         <p:spPr>
@@ -3470,7 +3741,7 @@
           </a:prstGeom>
         </p:spPr>
         <p:txBody>
-          <a:bodyPr anchorCtr="0" anchor="ctr" bIns="91425" lIns="91425" rIns="91425" tIns="91425">
+          <a:bodyPr lIns="91425" tIns="91425" rIns="91425" bIns="91425" anchor="ctr" anchorCtr="0">
             <a:noAutofit/>
           </a:bodyPr>
           <a:lstStyle/>
@@ -3485,6 +3756,7 @@
               <a:rPr lang="en-US"/>
               <a:t>‹#›</a:t>
             </a:fld>
+            <a:endParaRPr lang="en-US"/>
           </a:p>
         </p:txBody>
       </p:sp>
@@ -3497,11 +3769,11 @@
 </file>
 
 <file path=ppt/slideLayouts/slideLayout12.xml><?xml version="1.0" encoding="utf-8"?>
-<p:sldLayout xmlns:a="http://schemas.openxmlformats.org/drawingml/2006/main" xmlns:r="http://schemas.openxmlformats.org/officeDocument/2006/relationships" xmlns:mc="http://schemas.openxmlformats.org/markup-compatibility/2006" xmlns:mv="urn:schemas-microsoft-com:mac:vml" xmlns:p="http://schemas.openxmlformats.org/presentationml/2006/main" xmlns:c="http://schemas.openxmlformats.org/drawingml/2006/chart" xmlns:dgm="http://schemas.openxmlformats.org/drawingml/2006/diagram" xmlns:o="urn:schemas-microsoft-com:office:office" xmlns:v="urn:schemas-microsoft-com:vml" xmlns:pvml="urn:schemas-microsoft-com:office:powerpoint" xmlns:com="http://schemas.openxmlformats.org/drawingml/2006/compatibility" xmlns:p14="http://schemas.microsoft.com/office/powerpoint/2010/main" type="obj">
+<p:sldLayout xmlns:a="http://schemas.openxmlformats.org/drawingml/2006/main" xmlns:r="http://schemas.openxmlformats.org/officeDocument/2006/relationships" xmlns:p="http://schemas.openxmlformats.org/presentationml/2006/main" type="obj">
   <p:cSld name="Title and Content">
     <p:spTree>
       <p:nvGrpSpPr>
-        <p:cNvPr id="54" name="Shape 54"/>
+        <p:cNvPr id="1" name="Shape 54"/>
         <p:cNvGrpSpPr/>
         <p:nvPr/>
       </p:nvGrpSpPr>
@@ -3516,7 +3788,9 @@
       <p:sp>
         <p:nvSpPr>
           <p:cNvPr id="55" name="Shape 55"/>
-          <p:cNvSpPr txBox="1"/>
+          <p:cNvSpPr txBox="1">
+            <a:spLocks noGrp="1"/>
+          </p:cNvSpPr>
           <p:nvPr>
             <p:ph type="title"/>
           </p:nvPr>
@@ -3535,9 +3809,9 @@
           </a:ln>
         </p:spPr>
         <p:txBody>
-          <a:bodyPr anchorCtr="0" anchor="ctr" bIns="91425" lIns="91425" rIns="91425" tIns="91425"/>
+          <a:bodyPr lIns="91425" tIns="91425" rIns="91425" bIns="91425" anchor="ctr" anchorCtr="0"/>
           <a:lstStyle>
-            <a:lvl1pPr indent="0" lvl="0" marL="0" marR="0" rtl="0" algn="ctr">
+            <a:lvl1pPr marL="0" marR="0" lvl="0" indent="0" algn="ctr" rtl="0">
               <a:spcBef>
                 <a:spcPts val="0"/>
               </a:spcBef>
@@ -3546,7 +3820,7 @@
               </a:buClr>
               <a:buFont typeface="Calibri"/>
               <a:buNone/>
-              <a:defRPr b="0" i="0" sz="4400" u="none" cap="none" strike="noStrike">
+              <a:defRPr sz="4400" b="0" i="0" u="none" strike="noStrike" cap="none">
                 <a:solidFill>
                   <a:schemeClr val="dk1"/>
                 </a:solidFill>
@@ -3556,56 +3830,56 @@
                 <a:sym typeface="Calibri"/>
               </a:defRPr>
             </a:lvl1pPr>
-            <a:lvl2pPr indent="0" lvl="1" rtl="0">
+            <a:lvl2pPr lvl="1" indent="0" rtl="0">
               <a:spcBef>
                 <a:spcPts val="0"/>
               </a:spcBef>
               <a:buNone/>
               <a:defRPr sz="1800"/>
             </a:lvl2pPr>
-            <a:lvl3pPr indent="0" lvl="2" rtl="0">
+            <a:lvl3pPr lvl="2" indent="0" rtl="0">
               <a:spcBef>
                 <a:spcPts val="0"/>
               </a:spcBef>
               <a:buNone/>
               <a:defRPr sz="1800"/>
             </a:lvl3pPr>
-            <a:lvl4pPr indent="0" lvl="3" rtl="0">
+            <a:lvl4pPr lvl="3" indent="0" rtl="0">
               <a:spcBef>
                 <a:spcPts val="0"/>
               </a:spcBef>
               <a:buNone/>
               <a:defRPr sz="1800"/>
             </a:lvl4pPr>
-            <a:lvl5pPr indent="0" lvl="4" rtl="0">
+            <a:lvl5pPr lvl="4" indent="0" rtl="0">
               <a:spcBef>
                 <a:spcPts val="0"/>
               </a:spcBef>
               <a:buNone/>
               <a:defRPr sz="1800"/>
             </a:lvl5pPr>
-            <a:lvl6pPr indent="0" lvl="5" rtl="0">
+            <a:lvl6pPr lvl="5" indent="0" rtl="0">
               <a:spcBef>
                 <a:spcPts val="0"/>
               </a:spcBef>
               <a:buNone/>
               <a:defRPr sz="1800"/>
             </a:lvl6pPr>
-            <a:lvl7pPr indent="0" lvl="6" rtl="0">
+            <a:lvl7pPr lvl="6" indent="0" rtl="0">
               <a:spcBef>
                 <a:spcPts val="0"/>
               </a:spcBef>
               <a:buNone/>
               <a:defRPr sz="1800"/>
             </a:lvl7pPr>
-            <a:lvl8pPr indent="0" lvl="7" rtl="0">
+            <a:lvl8pPr lvl="7" indent="0" rtl="0">
               <a:spcBef>
                 <a:spcPts val="0"/>
               </a:spcBef>
               <a:buNone/>
               <a:defRPr sz="1800"/>
             </a:lvl8pPr>
-            <a:lvl9pPr indent="0" lvl="8" rtl="0">
+            <a:lvl9pPr lvl="8" indent="0" rtl="0">
               <a:spcBef>
                 <a:spcPts val="0"/>
               </a:spcBef>
@@ -3613,15 +3887,19 @@
               <a:defRPr sz="1800"/>
             </a:lvl9pPr>
           </a:lstStyle>
-          <a:p/>
+          <a:p>
+            <a:endParaRPr/>
+          </a:p>
         </p:txBody>
       </p:sp>
       <p:sp>
         <p:nvSpPr>
           <p:cNvPr id="56" name="Shape 56"/>
-          <p:cNvSpPr txBox="1"/>
+          <p:cNvSpPr txBox="1">
+            <a:spLocks noGrp="1"/>
+          </p:cNvSpPr>
           <p:nvPr>
-            <p:ph idx="1" type="body"/>
+            <p:ph type="body" idx="1"/>
           </p:nvPr>
         </p:nvSpPr>
         <p:spPr>
@@ -3638,9 +3916,9 @@
           </a:ln>
         </p:spPr>
         <p:txBody>
-          <a:bodyPr anchorCtr="0" anchor="t" bIns="91425" lIns="91425" rIns="91425" tIns="91425"/>
+          <a:bodyPr lIns="91425" tIns="91425" rIns="91425" bIns="91425" anchor="t" anchorCtr="0"/>
           <a:lstStyle>
-            <a:lvl1pPr indent="-139700" lvl="0" marL="342900" marR="0" rtl="0" algn="l">
+            <a:lvl1pPr marL="342900" marR="0" lvl="0" indent="-139700" algn="l" rtl="0">
               <a:spcBef>
                 <a:spcPts val="640"/>
               </a:spcBef>
@@ -3650,7 +3928,7 @@
               <a:buSzPct val="100000"/>
               <a:buFont typeface="Arial"/>
               <a:buChar char="•"/>
-              <a:defRPr b="0" i="0" sz="3200" u="none" cap="none" strike="noStrike">
+              <a:defRPr sz="3200" b="0" i="0" u="none" strike="noStrike" cap="none">
                 <a:solidFill>
                   <a:schemeClr val="dk1"/>
                 </a:solidFill>
@@ -3660,7 +3938,7 @@
                 <a:sym typeface="Calibri"/>
               </a:defRPr>
             </a:lvl1pPr>
-            <a:lvl2pPr indent="-107950" lvl="1" marL="742950" marR="0" rtl="0" algn="l">
+            <a:lvl2pPr marL="742950" marR="0" lvl="1" indent="-107950" algn="l" rtl="0">
               <a:spcBef>
                 <a:spcPts val="560"/>
               </a:spcBef>
@@ -3670,7 +3948,7 @@
               <a:buSzPct val="100000"/>
               <a:buFont typeface="Arial"/>
               <a:buChar char="–"/>
-              <a:defRPr b="0" i="0" sz="2800" u="none" cap="none" strike="noStrike">
+              <a:defRPr sz="2800" b="0" i="0" u="none" strike="noStrike" cap="none">
                 <a:solidFill>
                   <a:schemeClr val="dk1"/>
                 </a:solidFill>
@@ -3680,7 +3958,7 @@
                 <a:sym typeface="Calibri"/>
               </a:defRPr>
             </a:lvl2pPr>
-            <a:lvl3pPr indent="-76200" lvl="2" marL="1143000" marR="0" rtl="0" algn="l">
+            <a:lvl3pPr marL="1143000" marR="0" lvl="2" indent="-76200" algn="l" rtl="0">
               <a:spcBef>
                 <a:spcPts val="480"/>
               </a:spcBef>
@@ -3690,7 +3968,7 @@
               <a:buSzPct val="100000"/>
               <a:buFont typeface="Arial"/>
               <a:buChar char="•"/>
-              <a:defRPr b="0" i="0" sz="2400" u="none" cap="none" strike="noStrike">
+              <a:defRPr sz="2400" b="0" i="0" u="none" strike="noStrike" cap="none">
                 <a:solidFill>
                   <a:schemeClr val="dk1"/>
                 </a:solidFill>
@@ -3700,7 +3978,7 @@
                 <a:sym typeface="Calibri"/>
               </a:defRPr>
             </a:lvl3pPr>
-            <a:lvl4pPr indent="-101600" lvl="3" marL="1600200" marR="0" rtl="0" algn="l">
+            <a:lvl4pPr marL="1600200" marR="0" lvl="3" indent="-101600" algn="l" rtl="0">
               <a:spcBef>
                 <a:spcPts val="400"/>
               </a:spcBef>
@@ -3710,7 +3988,7 @@
               <a:buSzPct val="100000"/>
               <a:buFont typeface="Arial"/>
               <a:buChar char="–"/>
-              <a:defRPr b="0" i="0" sz="2000" u="none" cap="none" strike="noStrike">
+              <a:defRPr sz="2000" b="0" i="0" u="none" strike="noStrike" cap="none">
                 <a:solidFill>
                   <a:schemeClr val="dk1"/>
                 </a:solidFill>
@@ -3720,7 +3998,7 @@
                 <a:sym typeface="Calibri"/>
               </a:defRPr>
             </a:lvl4pPr>
-            <a:lvl5pPr indent="-101600" lvl="4" marL="2057400" marR="0" rtl="0" algn="l">
+            <a:lvl5pPr marL="2057400" marR="0" lvl="4" indent="-101600" algn="l" rtl="0">
               <a:spcBef>
                 <a:spcPts val="400"/>
               </a:spcBef>
@@ -3730,7 +4008,7 @@
               <a:buSzPct val="100000"/>
               <a:buFont typeface="Arial"/>
               <a:buChar char="»"/>
-              <a:defRPr b="0" i="0" sz="2000" u="none" cap="none" strike="noStrike">
+              <a:defRPr sz="2000" b="0" i="0" u="none" strike="noStrike" cap="none">
                 <a:solidFill>
                   <a:schemeClr val="dk1"/>
                 </a:solidFill>
@@ -3740,7 +4018,7 @@
                 <a:sym typeface="Calibri"/>
               </a:defRPr>
             </a:lvl5pPr>
-            <a:lvl6pPr indent="-101600" lvl="5" marL="2514600" marR="0" rtl="0" algn="l">
+            <a:lvl6pPr marL="2514600" marR="0" lvl="5" indent="-101600" algn="l" rtl="0">
               <a:spcBef>
                 <a:spcPts val="400"/>
               </a:spcBef>
@@ -3750,7 +4028,7 @@
               <a:buSzPct val="100000"/>
               <a:buFont typeface="Arial"/>
               <a:buChar char="•"/>
-              <a:defRPr b="0" i="0" sz="2000" u="none" cap="none" strike="noStrike">
+              <a:defRPr sz="2000" b="0" i="0" u="none" strike="noStrike" cap="none">
                 <a:solidFill>
                   <a:schemeClr val="dk1"/>
                 </a:solidFill>
@@ -3760,7 +4038,7 @@
                 <a:sym typeface="Calibri"/>
               </a:defRPr>
             </a:lvl6pPr>
-            <a:lvl7pPr indent="-101600" lvl="6" marL="2971800" marR="0" rtl="0" algn="l">
+            <a:lvl7pPr marL="2971800" marR="0" lvl="6" indent="-101600" algn="l" rtl="0">
               <a:spcBef>
                 <a:spcPts val="400"/>
               </a:spcBef>
@@ -3770,7 +4048,7 @@
               <a:buSzPct val="100000"/>
               <a:buFont typeface="Arial"/>
               <a:buChar char="•"/>
-              <a:defRPr b="0" i="0" sz="2000" u="none" cap="none" strike="noStrike">
+              <a:defRPr sz="2000" b="0" i="0" u="none" strike="noStrike" cap="none">
                 <a:solidFill>
                   <a:schemeClr val="dk1"/>
                 </a:solidFill>
@@ -3780,7 +4058,7 @@
                 <a:sym typeface="Calibri"/>
               </a:defRPr>
             </a:lvl7pPr>
-            <a:lvl8pPr indent="-101600" lvl="7" marL="3429000" marR="0" rtl="0" algn="l">
+            <a:lvl8pPr marL="3429000" marR="0" lvl="7" indent="-101600" algn="l" rtl="0">
               <a:spcBef>
                 <a:spcPts val="400"/>
               </a:spcBef>
@@ -3790,7 +4068,7 @@
               <a:buSzPct val="100000"/>
               <a:buFont typeface="Arial"/>
               <a:buChar char="•"/>
-              <a:defRPr b="0" i="0" sz="2000" u="none" cap="none" strike="noStrike">
+              <a:defRPr sz="2000" b="0" i="0" u="none" strike="noStrike" cap="none">
                 <a:solidFill>
                   <a:schemeClr val="dk1"/>
                 </a:solidFill>
@@ -3800,7 +4078,7 @@
                 <a:sym typeface="Calibri"/>
               </a:defRPr>
             </a:lvl8pPr>
-            <a:lvl9pPr indent="-101600" lvl="8" marL="3886200" marR="0" rtl="0" algn="l">
+            <a:lvl9pPr marL="3886200" marR="0" lvl="8" indent="-101600" algn="l" rtl="0">
               <a:spcBef>
                 <a:spcPts val="400"/>
               </a:spcBef>
@@ -3810,7 +4088,7 @@
               <a:buSzPct val="100000"/>
               <a:buFont typeface="Arial"/>
               <a:buChar char="•"/>
-              <a:defRPr b="0" i="0" sz="2000" u="none" cap="none" strike="noStrike">
+              <a:defRPr sz="2000" b="0" i="0" u="none" strike="noStrike" cap="none">
                 <a:solidFill>
                   <a:schemeClr val="dk1"/>
                 </a:solidFill>
@@ -3821,15 +4099,19 @@
               </a:defRPr>
             </a:lvl9pPr>
           </a:lstStyle>
-          <a:p/>
+          <a:p>
+            <a:endParaRPr/>
+          </a:p>
         </p:txBody>
       </p:sp>
       <p:sp>
         <p:nvSpPr>
           <p:cNvPr id="57" name="Shape 57"/>
-          <p:cNvSpPr txBox="1"/>
+          <p:cNvSpPr txBox="1">
+            <a:spLocks noGrp="1"/>
+          </p:cNvSpPr>
           <p:nvPr>
-            <p:ph idx="10" type="dt"/>
+            <p:ph type="dt" idx="10"/>
           </p:nvPr>
         </p:nvSpPr>
         <p:spPr>
@@ -3846,9 +4128,9 @@
           </a:ln>
         </p:spPr>
         <p:txBody>
-          <a:bodyPr anchorCtr="0" anchor="ctr" bIns="91425" lIns="91425" rIns="91425" tIns="91425"/>
+          <a:bodyPr lIns="91425" tIns="91425" rIns="91425" bIns="91425" anchor="ctr" anchorCtr="0"/>
           <a:lstStyle>
-            <a:lvl1pPr indent="0" lvl="0" marL="0" marR="0" rtl="0" algn="l">
+            <a:lvl1pPr marL="0" marR="0" lvl="0" indent="0" algn="l" rtl="0">
               <a:spcBef>
                 <a:spcPts val="0"/>
               </a:spcBef>
@@ -3863,12 +4145,12 @@
                 <a:sym typeface="Calibri"/>
               </a:defRPr>
             </a:lvl1pPr>
-            <a:lvl2pPr indent="0" lvl="1" marL="457200" marR="0" rtl="0" algn="l">
-              <a:spcBef>
-                <a:spcPts val="0"/>
-              </a:spcBef>
-              <a:buNone/>
-              <a:defRPr b="0" i="0" sz="1800" u="none" cap="none" strike="noStrike">
+            <a:lvl2pPr marL="457200" marR="0" lvl="1" indent="0" algn="l" rtl="0">
+              <a:spcBef>
+                <a:spcPts val="0"/>
+              </a:spcBef>
+              <a:buNone/>
+              <a:defRPr sz="1800" b="0" i="0" u="none" strike="noStrike" cap="none">
                 <a:solidFill>
                   <a:schemeClr val="dk1"/>
                 </a:solidFill>
@@ -3878,12 +4160,12 @@
                 <a:sym typeface="Calibri"/>
               </a:defRPr>
             </a:lvl2pPr>
-            <a:lvl3pPr indent="0" lvl="2" marL="914400" marR="0" rtl="0" algn="l">
-              <a:spcBef>
-                <a:spcPts val="0"/>
-              </a:spcBef>
-              <a:buNone/>
-              <a:defRPr b="0" i="0" sz="1800" u="none" cap="none" strike="noStrike">
+            <a:lvl3pPr marL="914400" marR="0" lvl="2" indent="0" algn="l" rtl="0">
+              <a:spcBef>
+                <a:spcPts val="0"/>
+              </a:spcBef>
+              <a:buNone/>
+              <a:defRPr sz="1800" b="0" i="0" u="none" strike="noStrike" cap="none">
                 <a:solidFill>
                   <a:schemeClr val="dk1"/>
                 </a:solidFill>
@@ -3893,12 +4175,12 @@
                 <a:sym typeface="Calibri"/>
               </a:defRPr>
             </a:lvl3pPr>
-            <a:lvl4pPr indent="0" lvl="3" marL="1371600" marR="0" rtl="0" algn="l">
-              <a:spcBef>
-                <a:spcPts val="0"/>
-              </a:spcBef>
-              <a:buNone/>
-              <a:defRPr b="0" i="0" sz="1800" u="none" cap="none" strike="noStrike">
+            <a:lvl4pPr marL="1371600" marR="0" lvl="3" indent="0" algn="l" rtl="0">
+              <a:spcBef>
+                <a:spcPts val="0"/>
+              </a:spcBef>
+              <a:buNone/>
+              <a:defRPr sz="1800" b="0" i="0" u="none" strike="noStrike" cap="none">
                 <a:solidFill>
                   <a:schemeClr val="dk1"/>
                 </a:solidFill>
@@ -3908,12 +4190,12 @@
                 <a:sym typeface="Calibri"/>
               </a:defRPr>
             </a:lvl4pPr>
-            <a:lvl5pPr indent="0" lvl="4" marL="1828800" marR="0" rtl="0" algn="l">
-              <a:spcBef>
-                <a:spcPts val="0"/>
-              </a:spcBef>
-              <a:buNone/>
-              <a:defRPr b="0" i="0" sz="1800" u="none" cap="none" strike="noStrike">
+            <a:lvl5pPr marL="1828800" marR="0" lvl="4" indent="0" algn="l" rtl="0">
+              <a:spcBef>
+                <a:spcPts val="0"/>
+              </a:spcBef>
+              <a:buNone/>
+              <a:defRPr sz="1800" b="0" i="0" u="none" strike="noStrike" cap="none">
                 <a:solidFill>
                   <a:schemeClr val="dk1"/>
                 </a:solidFill>
@@ -3923,12 +4205,12 @@
                 <a:sym typeface="Calibri"/>
               </a:defRPr>
             </a:lvl5pPr>
-            <a:lvl6pPr indent="0" lvl="5" marL="2286000" marR="0" rtl="0" algn="l">
-              <a:spcBef>
-                <a:spcPts val="0"/>
-              </a:spcBef>
-              <a:buNone/>
-              <a:defRPr b="0" i="0" sz="1800" u="none" cap="none" strike="noStrike">
+            <a:lvl6pPr marL="2286000" marR="0" lvl="5" indent="0" algn="l" rtl="0">
+              <a:spcBef>
+                <a:spcPts val="0"/>
+              </a:spcBef>
+              <a:buNone/>
+              <a:defRPr sz="1800" b="0" i="0" u="none" strike="noStrike" cap="none">
                 <a:solidFill>
                   <a:schemeClr val="dk1"/>
                 </a:solidFill>
@@ -3938,12 +4220,12 @@
                 <a:sym typeface="Calibri"/>
               </a:defRPr>
             </a:lvl6pPr>
-            <a:lvl7pPr indent="0" lvl="6" marL="2743200" marR="0" rtl="0" algn="l">
-              <a:spcBef>
-                <a:spcPts val="0"/>
-              </a:spcBef>
-              <a:buNone/>
-              <a:defRPr b="0" i="0" sz="1800" u="none" cap="none" strike="noStrike">
+            <a:lvl7pPr marL="2743200" marR="0" lvl="6" indent="0" algn="l" rtl="0">
+              <a:spcBef>
+                <a:spcPts val="0"/>
+              </a:spcBef>
+              <a:buNone/>
+              <a:defRPr sz="1800" b="0" i="0" u="none" strike="noStrike" cap="none">
                 <a:solidFill>
                   <a:schemeClr val="dk1"/>
                 </a:solidFill>
@@ -3953,12 +4235,12 @@
                 <a:sym typeface="Calibri"/>
               </a:defRPr>
             </a:lvl7pPr>
-            <a:lvl8pPr indent="0" lvl="7" marL="3200400" marR="0" rtl="0" algn="l">
-              <a:spcBef>
-                <a:spcPts val="0"/>
-              </a:spcBef>
-              <a:buNone/>
-              <a:defRPr b="0" i="0" sz="1800" u="none" cap="none" strike="noStrike">
+            <a:lvl8pPr marL="3200400" marR="0" lvl="7" indent="0" algn="l" rtl="0">
+              <a:spcBef>
+                <a:spcPts val="0"/>
+              </a:spcBef>
+              <a:buNone/>
+              <a:defRPr sz="1800" b="0" i="0" u="none" strike="noStrike" cap="none">
                 <a:solidFill>
                   <a:schemeClr val="dk1"/>
                 </a:solidFill>
@@ -3968,12 +4250,12 @@
                 <a:sym typeface="Calibri"/>
               </a:defRPr>
             </a:lvl8pPr>
-            <a:lvl9pPr indent="0" lvl="8" marL="3657600" marR="0" rtl="0" algn="l">
-              <a:spcBef>
-                <a:spcPts val="0"/>
-              </a:spcBef>
-              <a:buNone/>
-              <a:defRPr b="0" i="0" sz="1800" u="none" cap="none" strike="noStrike">
+            <a:lvl9pPr marL="3657600" marR="0" lvl="8" indent="0" algn="l" rtl="0">
+              <a:spcBef>
+                <a:spcPts val="0"/>
+              </a:spcBef>
+              <a:buNone/>
+              <a:defRPr sz="1800" b="0" i="0" u="none" strike="noStrike" cap="none">
                 <a:solidFill>
                   <a:schemeClr val="dk1"/>
                 </a:solidFill>
@@ -3984,15 +4266,19 @@
               </a:defRPr>
             </a:lvl9pPr>
           </a:lstStyle>
-          <a:p/>
+          <a:p>
+            <a:endParaRPr/>
+          </a:p>
         </p:txBody>
       </p:sp>
       <p:sp>
         <p:nvSpPr>
           <p:cNvPr id="58" name="Shape 58"/>
-          <p:cNvSpPr txBox="1"/>
+          <p:cNvSpPr txBox="1">
+            <a:spLocks noGrp="1"/>
+          </p:cNvSpPr>
           <p:nvPr>
-            <p:ph idx="11" type="ftr"/>
+            <p:ph type="ftr" idx="11"/>
           </p:nvPr>
         </p:nvSpPr>
         <p:spPr>
@@ -4009,9 +4295,9 @@
           </a:ln>
         </p:spPr>
         <p:txBody>
-          <a:bodyPr anchorCtr="0" anchor="ctr" bIns="91425" lIns="91425" rIns="91425" tIns="91425"/>
+          <a:bodyPr lIns="91425" tIns="91425" rIns="91425" bIns="91425" anchor="ctr" anchorCtr="0"/>
           <a:lstStyle>
-            <a:lvl1pPr indent="0" lvl="0" marL="0" marR="0" rtl="0" algn="ctr">
+            <a:lvl1pPr marL="0" marR="0" lvl="0" indent="0" algn="ctr" rtl="0">
               <a:spcBef>
                 <a:spcPts val="0"/>
               </a:spcBef>
@@ -4026,12 +4312,12 @@
                 <a:sym typeface="Calibri"/>
               </a:defRPr>
             </a:lvl1pPr>
-            <a:lvl2pPr indent="0" lvl="1" marL="457200" marR="0" rtl="0" algn="l">
-              <a:spcBef>
-                <a:spcPts val="0"/>
-              </a:spcBef>
-              <a:buNone/>
-              <a:defRPr b="0" i="0" sz="1800" u="none" cap="none" strike="noStrike">
+            <a:lvl2pPr marL="457200" marR="0" lvl="1" indent="0" algn="l" rtl="0">
+              <a:spcBef>
+                <a:spcPts val="0"/>
+              </a:spcBef>
+              <a:buNone/>
+              <a:defRPr sz="1800" b="0" i="0" u="none" strike="noStrike" cap="none">
                 <a:solidFill>
                   <a:schemeClr val="dk1"/>
                 </a:solidFill>
@@ -4041,12 +4327,12 @@
                 <a:sym typeface="Calibri"/>
               </a:defRPr>
             </a:lvl2pPr>
-            <a:lvl3pPr indent="0" lvl="2" marL="914400" marR="0" rtl="0" algn="l">
-              <a:spcBef>
-                <a:spcPts val="0"/>
-              </a:spcBef>
-              <a:buNone/>
-              <a:defRPr b="0" i="0" sz="1800" u="none" cap="none" strike="noStrike">
+            <a:lvl3pPr marL="914400" marR="0" lvl="2" indent="0" algn="l" rtl="0">
+              <a:spcBef>
+                <a:spcPts val="0"/>
+              </a:spcBef>
+              <a:buNone/>
+              <a:defRPr sz="1800" b="0" i="0" u="none" strike="noStrike" cap="none">
                 <a:solidFill>
                   <a:schemeClr val="dk1"/>
                 </a:solidFill>
@@ -4056,12 +4342,12 @@
                 <a:sym typeface="Calibri"/>
               </a:defRPr>
             </a:lvl3pPr>
-            <a:lvl4pPr indent="0" lvl="3" marL="1371600" marR="0" rtl="0" algn="l">
-              <a:spcBef>
-                <a:spcPts val="0"/>
-              </a:spcBef>
-              <a:buNone/>
-              <a:defRPr b="0" i="0" sz="1800" u="none" cap="none" strike="noStrike">
+            <a:lvl4pPr marL="1371600" marR="0" lvl="3" indent="0" algn="l" rtl="0">
+              <a:spcBef>
+                <a:spcPts val="0"/>
+              </a:spcBef>
+              <a:buNone/>
+              <a:defRPr sz="1800" b="0" i="0" u="none" strike="noStrike" cap="none">
                 <a:solidFill>
                   <a:schemeClr val="dk1"/>
                 </a:solidFill>
@@ -4071,12 +4357,12 @@
                 <a:sym typeface="Calibri"/>
               </a:defRPr>
             </a:lvl4pPr>
-            <a:lvl5pPr indent="0" lvl="4" marL="1828800" marR="0" rtl="0" algn="l">
-              <a:spcBef>
-                <a:spcPts val="0"/>
-              </a:spcBef>
-              <a:buNone/>
-              <a:defRPr b="0" i="0" sz="1800" u="none" cap="none" strike="noStrike">
+            <a:lvl5pPr marL="1828800" marR="0" lvl="4" indent="0" algn="l" rtl="0">
+              <a:spcBef>
+                <a:spcPts val="0"/>
+              </a:spcBef>
+              <a:buNone/>
+              <a:defRPr sz="1800" b="0" i="0" u="none" strike="noStrike" cap="none">
                 <a:solidFill>
                   <a:schemeClr val="dk1"/>
                 </a:solidFill>
@@ -4086,12 +4372,12 @@
                 <a:sym typeface="Calibri"/>
               </a:defRPr>
             </a:lvl5pPr>
-            <a:lvl6pPr indent="0" lvl="5" marL="2286000" marR="0" rtl="0" algn="l">
-              <a:spcBef>
-                <a:spcPts val="0"/>
-              </a:spcBef>
-              <a:buNone/>
-              <a:defRPr b="0" i="0" sz="1800" u="none" cap="none" strike="noStrike">
+            <a:lvl6pPr marL="2286000" marR="0" lvl="5" indent="0" algn="l" rtl="0">
+              <a:spcBef>
+                <a:spcPts val="0"/>
+              </a:spcBef>
+              <a:buNone/>
+              <a:defRPr sz="1800" b="0" i="0" u="none" strike="noStrike" cap="none">
                 <a:solidFill>
                   <a:schemeClr val="dk1"/>
                 </a:solidFill>
@@ -4101,12 +4387,12 @@
                 <a:sym typeface="Calibri"/>
               </a:defRPr>
             </a:lvl6pPr>
-            <a:lvl7pPr indent="0" lvl="6" marL="2743200" marR="0" rtl="0" algn="l">
-              <a:spcBef>
-                <a:spcPts val="0"/>
-              </a:spcBef>
-              <a:buNone/>
-              <a:defRPr b="0" i="0" sz="1800" u="none" cap="none" strike="noStrike">
+            <a:lvl7pPr marL="2743200" marR="0" lvl="6" indent="0" algn="l" rtl="0">
+              <a:spcBef>
+                <a:spcPts val="0"/>
+              </a:spcBef>
+              <a:buNone/>
+              <a:defRPr sz="1800" b="0" i="0" u="none" strike="noStrike" cap="none">
                 <a:solidFill>
                   <a:schemeClr val="dk1"/>
                 </a:solidFill>
@@ -4116,12 +4402,12 @@
                 <a:sym typeface="Calibri"/>
               </a:defRPr>
             </a:lvl7pPr>
-            <a:lvl8pPr indent="0" lvl="7" marL="3200400" marR="0" rtl="0" algn="l">
-              <a:spcBef>
-                <a:spcPts val="0"/>
-              </a:spcBef>
-              <a:buNone/>
-              <a:defRPr b="0" i="0" sz="1800" u="none" cap="none" strike="noStrike">
+            <a:lvl8pPr marL="3200400" marR="0" lvl="7" indent="0" algn="l" rtl="0">
+              <a:spcBef>
+                <a:spcPts val="0"/>
+              </a:spcBef>
+              <a:buNone/>
+              <a:defRPr sz="1800" b="0" i="0" u="none" strike="noStrike" cap="none">
                 <a:solidFill>
                   <a:schemeClr val="dk1"/>
                 </a:solidFill>
@@ -4131,12 +4417,12 @@
                 <a:sym typeface="Calibri"/>
               </a:defRPr>
             </a:lvl8pPr>
-            <a:lvl9pPr indent="0" lvl="8" marL="3657600" marR="0" rtl="0" algn="l">
-              <a:spcBef>
-                <a:spcPts val="0"/>
-              </a:spcBef>
-              <a:buNone/>
-              <a:defRPr b="0" i="0" sz="1800" u="none" cap="none" strike="noStrike">
+            <a:lvl9pPr marL="3657600" marR="0" lvl="8" indent="0" algn="l" rtl="0">
+              <a:spcBef>
+                <a:spcPts val="0"/>
+              </a:spcBef>
+              <a:buNone/>
+              <a:defRPr sz="1800" b="0" i="0" u="none" strike="noStrike" cap="none">
                 <a:solidFill>
                   <a:schemeClr val="dk1"/>
                 </a:solidFill>
@@ -4147,15 +4433,19 @@
               </a:defRPr>
             </a:lvl9pPr>
           </a:lstStyle>
-          <a:p/>
+          <a:p>
+            <a:endParaRPr/>
+          </a:p>
         </p:txBody>
       </p:sp>
       <p:sp>
         <p:nvSpPr>
           <p:cNvPr id="59" name="Shape 59"/>
-          <p:cNvSpPr txBox="1"/>
+          <p:cNvSpPr txBox="1">
+            <a:spLocks noGrp="1"/>
+          </p:cNvSpPr>
           <p:nvPr>
-            <p:ph idx="12" type="sldNum"/>
+            <p:ph type="sldNum" idx="12"/>
           </p:nvPr>
         </p:nvSpPr>
         <p:spPr>
@@ -4172,12 +4462,12 @@
           </a:ln>
         </p:spPr>
         <p:txBody>
-          <a:bodyPr anchorCtr="0" anchor="ctr" bIns="45700" lIns="91425" rIns="91425" tIns="45700">
+          <a:bodyPr lIns="91425" tIns="45700" rIns="91425" bIns="45700" anchor="ctr" anchorCtr="0">
             <a:noAutofit/>
           </a:bodyPr>
           <a:lstStyle/>
           <a:p>
-            <a:pPr indent="0" lvl="0" marL="0" marR="0" rtl="0" algn="r">
+            <a:pPr marL="0" marR="0" lvl="0" indent="0" algn="r" rtl="0">
               <a:spcBef>
                 <a:spcPts val="0"/>
               </a:spcBef>
@@ -4196,6 +4486,15 @@
               </a:rPr>
               <a:t>‹#›</a:t>
             </a:fld>
+            <a:endParaRPr lang="en-US" sz="1200">
+              <a:solidFill>
+                <a:srgbClr val="888888"/>
+              </a:solidFill>
+              <a:latin typeface="Calibri"/>
+              <a:ea typeface="Calibri"/>
+              <a:cs typeface="Calibri"/>
+              <a:sym typeface="Calibri"/>
+            </a:endParaRPr>
           </a:p>
         </p:txBody>
       </p:sp>
@@ -4208,11 +4507,11 @@
 </file>
 
 <file path=ppt/slideLayouts/slideLayout2.xml><?xml version="1.0" encoding="utf-8"?>
-<p:sldLayout xmlns:a="http://schemas.openxmlformats.org/drawingml/2006/main" xmlns:r="http://schemas.openxmlformats.org/officeDocument/2006/relationships" xmlns:mc="http://schemas.openxmlformats.org/markup-compatibility/2006" xmlns:mv="urn:schemas-microsoft-com:mac:vml" xmlns:p="http://schemas.openxmlformats.org/presentationml/2006/main" xmlns:c="http://schemas.openxmlformats.org/drawingml/2006/chart" xmlns:dgm="http://schemas.openxmlformats.org/drawingml/2006/diagram" xmlns:o="urn:schemas-microsoft-com:office:office" xmlns:v="urn:schemas-microsoft-com:vml" xmlns:pvml="urn:schemas-microsoft-com:office:powerpoint" xmlns:com="http://schemas.openxmlformats.org/drawingml/2006/compatibility" xmlns:p14="http://schemas.microsoft.com/office/powerpoint/2010/main" type="secHead">
+<p:sldLayout xmlns:a="http://schemas.openxmlformats.org/drawingml/2006/main" xmlns:r="http://schemas.openxmlformats.org/officeDocument/2006/relationships" xmlns:p="http://schemas.openxmlformats.org/presentationml/2006/main" type="secHead">
   <p:cSld name="Section header">
     <p:spTree>
       <p:nvGrpSpPr>
-        <p:cNvPr id="17" name="Shape 17"/>
+        <p:cNvPr id="1" name="Shape 17"/>
         <p:cNvGrpSpPr/>
         <p:nvPr/>
       </p:nvGrpSpPr>
@@ -4227,7 +4526,9 @@
       <p:sp>
         <p:nvSpPr>
           <p:cNvPr id="18" name="Shape 18"/>
-          <p:cNvSpPr txBox="1"/>
+          <p:cNvSpPr txBox="1">
+            <a:spLocks noGrp="1"/>
+          </p:cNvSpPr>
           <p:nvPr>
             <p:ph type="title"/>
           </p:nvPr>
@@ -4242,7 +4543,7 @@
           </a:prstGeom>
         </p:spPr>
         <p:txBody>
-          <a:bodyPr anchorCtr="0" anchor="ctr" bIns="91425" lIns="91425" rIns="91425" tIns="91425"/>
+          <a:bodyPr lIns="91425" tIns="91425" rIns="91425" bIns="91425" anchor="ctr" anchorCtr="0"/>
           <a:lstStyle>
             <a:lvl1pPr lvl="0" algn="ctr">
               <a:spcBef>
@@ -4308,15 +4609,19 @@
               <a:defRPr sz="3600"/>
             </a:lvl9pPr>
           </a:lstStyle>
-          <a:p/>
+          <a:p>
+            <a:endParaRPr/>
+          </a:p>
         </p:txBody>
       </p:sp>
       <p:sp>
         <p:nvSpPr>
           <p:cNvPr id="19" name="Shape 19"/>
-          <p:cNvSpPr txBox="1"/>
+          <p:cNvSpPr txBox="1">
+            <a:spLocks noGrp="1"/>
+          </p:cNvSpPr>
           <p:nvPr>
-            <p:ph idx="12" type="sldNum"/>
+            <p:ph type="sldNum" idx="12"/>
           </p:nvPr>
         </p:nvSpPr>
         <p:spPr>
@@ -4329,7 +4634,7 @@
           </a:prstGeom>
         </p:spPr>
         <p:txBody>
-          <a:bodyPr anchorCtr="0" anchor="ctr" bIns="91425" lIns="91425" rIns="91425" tIns="91425">
+          <a:bodyPr lIns="91425" tIns="91425" rIns="91425" bIns="91425" anchor="ctr" anchorCtr="0">
             <a:noAutofit/>
           </a:bodyPr>
           <a:lstStyle/>
@@ -4344,6 +4649,7 @@
               <a:rPr lang="en-US"/>
               <a:t>‹#›</a:t>
             </a:fld>
+            <a:endParaRPr lang="en-US"/>
           </a:p>
         </p:txBody>
       </p:sp>
@@ -4356,11 +4662,11 @@
 </file>
 
 <file path=ppt/slideLayouts/slideLayout3.xml><?xml version="1.0" encoding="utf-8"?>
-<p:sldLayout xmlns:a="http://schemas.openxmlformats.org/drawingml/2006/main" xmlns:r="http://schemas.openxmlformats.org/officeDocument/2006/relationships" xmlns:mc="http://schemas.openxmlformats.org/markup-compatibility/2006" xmlns:mv="urn:schemas-microsoft-com:mac:vml" xmlns:p="http://schemas.openxmlformats.org/presentationml/2006/main" xmlns:c="http://schemas.openxmlformats.org/drawingml/2006/chart" xmlns:dgm="http://schemas.openxmlformats.org/drawingml/2006/diagram" xmlns:o="urn:schemas-microsoft-com:office:office" xmlns:v="urn:schemas-microsoft-com:vml" xmlns:pvml="urn:schemas-microsoft-com:office:powerpoint" xmlns:com="http://schemas.openxmlformats.org/drawingml/2006/compatibility" xmlns:p14="http://schemas.microsoft.com/office/powerpoint/2010/main" type="tx">
+<p:sldLayout xmlns:a="http://schemas.openxmlformats.org/drawingml/2006/main" xmlns:r="http://schemas.openxmlformats.org/officeDocument/2006/relationships" xmlns:p="http://schemas.openxmlformats.org/presentationml/2006/main" type="tx">
   <p:cSld name="Title and body">
     <p:spTree>
       <p:nvGrpSpPr>
-        <p:cNvPr id="20" name="Shape 20"/>
+        <p:cNvPr id="1" name="Shape 20"/>
         <p:cNvGrpSpPr/>
         <p:nvPr/>
       </p:nvGrpSpPr>
@@ -4375,7 +4681,9 @@
       <p:sp>
         <p:nvSpPr>
           <p:cNvPr id="21" name="Shape 21"/>
-          <p:cNvSpPr txBox="1"/>
+          <p:cNvSpPr txBox="1">
+            <a:spLocks noGrp="1"/>
+          </p:cNvSpPr>
           <p:nvPr>
             <p:ph type="title"/>
           </p:nvPr>
@@ -4390,7 +4698,7 @@
           </a:prstGeom>
         </p:spPr>
         <p:txBody>
-          <a:bodyPr anchorCtr="0" anchor="t" bIns="91425" lIns="91425" rIns="91425" tIns="91425"/>
+          <a:bodyPr lIns="91425" tIns="91425" rIns="91425" bIns="91425" anchor="t" anchorCtr="0"/>
           <a:lstStyle>
             <a:lvl1pPr lvl="0">
               <a:spcBef>
@@ -4447,15 +4755,19 @@
               <a:defRPr/>
             </a:lvl9pPr>
           </a:lstStyle>
-          <a:p/>
+          <a:p>
+            <a:endParaRPr/>
+          </a:p>
         </p:txBody>
       </p:sp>
       <p:sp>
         <p:nvSpPr>
           <p:cNvPr id="22" name="Shape 22"/>
-          <p:cNvSpPr txBox="1"/>
+          <p:cNvSpPr txBox="1">
+            <a:spLocks noGrp="1"/>
+          </p:cNvSpPr>
           <p:nvPr>
-            <p:ph idx="1" type="body"/>
+            <p:ph type="body" idx="1"/>
           </p:nvPr>
         </p:nvSpPr>
         <p:spPr>
@@ -4468,7 +4780,7 @@
           </a:prstGeom>
         </p:spPr>
         <p:txBody>
-          <a:bodyPr anchorCtr="0" anchor="t" bIns="91425" lIns="91425" rIns="91425" tIns="91425"/>
+          <a:bodyPr lIns="91425" tIns="91425" rIns="91425" bIns="91425" anchor="t" anchorCtr="0"/>
           <a:lstStyle>
             <a:lvl1pPr lvl="0">
               <a:spcBef>
@@ -4525,15 +4837,19 @@
               <a:defRPr/>
             </a:lvl9pPr>
           </a:lstStyle>
-          <a:p/>
+          <a:p>
+            <a:endParaRPr/>
+          </a:p>
         </p:txBody>
       </p:sp>
       <p:sp>
         <p:nvSpPr>
           <p:cNvPr id="23" name="Shape 23"/>
-          <p:cNvSpPr txBox="1"/>
+          <p:cNvSpPr txBox="1">
+            <a:spLocks noGrp="1"/>
+          </p:cNvSpPr>
           <p:nvPr>
-            <p:ph idx="12" type="sldNum"/>
+            <p:ph type="sldNum" idx="12"/>
           </p:nvPr>
         </p:nvSpPr>
         <p:spPr>
@@ -4546,7 +4862,7 @@
           </a:prstGeom>
         </p:spPr>
         <p:txBody>
-          <a:bodyPr anchorCtr="0" anchor="ctr" bIns="91425" lIns="91425" rIns="91425" tIns="91425">
+          <a:bodyPr lIns="91425" tIns="91425" rIns="91425" bIns="91425" anchor="ctr" anchorCtr="0">
             <a:noAutofit/>
           </a:bodyPr>
           <a:lstStyle/>
@@ -4561,6 +4877,7 @@
               <a:rPr lang="en-US"/>
               <a:t>‹#›</a:t>
             </a:fld>
+            <a:endParaRPr lang="en-US"/>
           </a:p>
         </p:txBody>
       </p:sp>
@@ -4573,11 +4890,11 @@
 </file>
 
 <file path=ppt/slideLayouts/slideLayout4.xml><?xml version="1.0" encoding="utf-8"?>
-<p:sldLayout xmlns:a="http://schemas.openxmlformats.org/drawingml/2006/main" xmlns:r="http://schemas.openxmlformats.org/officeDocument/2006/relationships" xmlns:mc="http://schemas.openxmlformats.org/markup-compatibility/2006" xmlns:mv="urn:schemas-microsoft-com:mac:vml" xmlns:p="http://schemas.openxmlformats.org/presentationml/2006/main" xmlns:c="http://schemas.openxmlformats.org/drawingml/2006/chart" xmlns:dgm="http://schemas.openxmlformats.org/drawingml/2006/diagram" xmlns:o="urn:schemas-microsoft-com:office:office" xmlns:v="urn:schemas-microsoft-com:vml" xmlns:pvml="urn:schemas-microsoft-com:office:powerpoint" xmlns:com="http://schemas.openxmlformats.org/drawingml/2006/compatibility" xmlns:p14="http://schemas.microsoft.com/office/powerpoint/2010/main" type="twoColTx">
+<p:sldLayout xmlns:a="http://schemas.openxmlformats.org/drawingml/2006/main" xmlns:r="http://schemas.openxmlformats.org/officeDocument/2006/relationships" xmlns:p="http://schemas.openxmlformats.org/presentationml/2006/main" type="twoColTx">
   <p:cSld name="Title and two columns">
     <p:spTree>
       <p:nvGrpSpPr>
-        <p:cNvPr id="24" name="Shape 24"/>
+        <p:cNvPr id="1" name="Shape 24"/>
         <p:cNvGrpSpPr/>
         <p:nvPr/>
       </p:nvGrpSpPr>
@@ -4592,7 +4909,9 @@
       <p:sp>
         <p:nvSpPr>
           <p:cNvPr id="25" name="Shape 25"/>
-          <p:cNvSpPr txBox="1"/>
+          <p:cNvSpPr txBox="1">
+            <a:spLocks noGrp="1"/>
+          </p:cNvSpPr>
           <p:nvPr>
             <p:ph type="title"/>
           </p:nvPr>
@@ -4607,7 +4926,7 @@
           </a:prstGeom>
         </p:spPr>
         <p:txBody>
-          <a:bodyPr anchorCtr="0" anchor="t" bIns="91425" lIns="91425" rIns="91425" tIns="91425"/>
+          <a:bodyPr lIns="91425" tIns="91425" rIns="91425" bIns="91425" anchor="t" anchorCtr="0"/>
           <a:lstStyle>
             <a:lvl1pPr lvl="0">
               <a:spcBef>
@@ -4664,15 +4983,19 @@
               <a:defRPr/>
             </a:lvl9pPr>
           </a:lstStyle>
-          <a:p/>
+          <a:p>
+            <a:endParaRPr/>
+          </a:p>
         </p:txBody>
       </p:sp>
       <p:sp>
         <p:nvSpPr>
           <p:cNvPr id="26" name="Shape 26"/>
-          <p:cNvSpPr txBox="1"/>
+          <p:cNvSpPr txBox="1">
+            <a:spLocks noGrp="1"/>
+          </p:cNvSpPr>
           <p:nvPr>
-            <p:ph idx="1" type="body"/>
+            <p:ph type="body" idx="1"/>
           </p:nvPr>
         </p:nvSpPr>
         <p:spPr>
@@ -4685,7 +5008,7 @@
           </a:prstGeom>
         </p:spPr>
         <p:txBody>
-          <a:bodyPr anchorCtr="0" anchor="t" bIns="91425" lIns="91425" rIns="91425" tIns="91425"/>
+          <a:bodyPr lIns="91425" tIns="91425" rIns="91425" bIns="91425" anchor="t" anchorCtr="0"/>
           <a:lstStyle>
             <a:lvl1pPr lvl="0">
               <a:spcBef>
@@ -4751,15 +5074,19 @@
               <a:defRPr sz="1200"/>
             </a:lvl9pPr>
           </a:lstStyle>
-          <a:p/>
+          <a:p>
+            <a:endParaRPr/>
+          </a:p>
         </p:txBody>
       </p:sp>
       <p:sp>
         <p:nvSpPr>
           <p:cNvPr id="27" name="Shape 27"/>
-          <p:cNvSpPr txBox="1"/>
+          <p:cNvSpPr txBox="1">
+            <a:spLocks noGrp="1"/>
+          </p:cNvSpPr>
           <p:nvPr>
-            <p:ph idx="2" type="body"/>
+            <p:ph type="body" idx="2"/>
           </p:nvPr>
         </p:nvSpPr>
         <p:spPr>
@@ -4772,7 +5099,7 @@
           </a:prstGeom>
         </p:spPr>
         <p:txBody>
-          <a:bodyPr anchorCtr="0" anchor="t" bIns="91425" lIns="91425" rIns="91425" tIns="91425"/>
+          <a:bodyPr lIns="91425" tIns="91425" rIns="91425" bIns="91425" anchor="t" anchorCtr="0"/>
           <a:lstStyle>
             <a:lvl1pPr lvl="0">
               <a:spcBef>
@@ -4838,15 +5165,19 @@
               <a:defRPr sz="1200"/>
             </a:lvl9pPr>
           </a:lstStyle>
-          <a:p/>
+          <a:p>
+            <a:endParaRPr/>
+          </a:p>
         </p:txBody>
       </p:sp>
       <p:sp>
         <p:nvSpPr>
           <p:cNvPr id="28" name="Shape 28"/>
-          <p:cNvSpPr txBox="1"/>
+          <p:cNvSpPr txBox="1">
+            <a:spLocks noGrp="1"/>
+          </p:cNvSpPr>
           <p:nvPr>
-            <p:ph idx="12" type="sldNum"/>
+            <p:ph type="sldNum" idx="12"/>
           </p:nvPr>
         </p:nvSpPr>
         <p:spPr>
@@ -4859,7 +5190,7 @@
           </a:prstGeom>
         </p:spPr>
         <p:txBody>
-          <a:bodyPr anchorCtr="0" anchor="ctr" bIns="91425" lIns="91425" rIns="91425" tIns="91425">
+          <a:bodyPr lIns="91425" tIns="91425" rIns="91425" bIns="91425" anchor="ctr" anchorCtr="0">
             <a:noAutofit/>
           </a:bodyPr>
           <a:lstStyle/>
@@ -4874,6 +5205,7 @@
               <a:rPr lang="en-US"/>
               <a:t>‹#›</a:t>
             </a:fld>
+            <a:endParaRPr lang="en-US"/>
           </a:p>
         </p:txBody>
       </p:sp>
@@ -4886,11 +5218,11 @@
 </file>
 
 <file path=ppt/slideLayouts/slideLayout5.xml><?xml version="1.0" encoding="utf-8"?>
-<p:sldLayout xmlns:a="http://schemas.openxmlformats.org/drawingml/2006/main" xmlns:r="http://schemas.openxmlformats.org/officeDocument/2006/relationships" xmlns:mc="http://schemas.openxmlformats.org/markup-compatibility/2006" xmlns:mv="urn:schemas-microsoft-com:mac:vml" xmlns:p="http://schemas.openxmlformats.org/presentationml/2006/main" xmlns:c="http://schemas.openxmlformats.org/drawingml/2006/chart" xmlns:dgm="http://schemas.openxmlformats.org/drawingml/2006/diagram" xmlns:o="urn:schemas-microsoft-com:office:office" xmlns:v="urn:schemas-microsoft-com:vml" xmlns:pvml="urn:schemas-microsoft-com:office:powerpoint" xmlns:com="http://schemas.openxmlformats.org/drawingml/2006/compatibility" xmlns:p14="http://schemas.microsoft.com/office/powerpoint/2010/main" type="titleOnly">
+<p:sldLayout xmlns:a="http://schemas.openxmlformats.org/drawingml/2006/main" xmlns:r="http://schemas.openxmlformats.org/officeDocument/2006/relationships" xmlns:p="http://schemas.openxmlformats.org/presentationml/2006/main" type="titleOnly">
   <p:cSld name="Title only">
     <p:spTree>
       <p:nvGrpSpPr>
-        <p:cNvPr id="29" name="Shape 29"/>
+        <p:cNvPr id="1" name="Shape 29"/>
         <p:cNvGrpSpPr/>
         <p:nvPr/>
       </p:nvGrpSpPr>
@@ -4905,7 +5237,9 @@
       <p:sp>
         <p:nvSpPr>
           <p:cNvPr id="30" name="Shape 30"/>
-          <p:cNvSpPr txBox="1"/>
+          <p:cNvSpPr txBox="1">
+            <a:spLocks noGrp="1"/>
+          </p:cNvSpPr>
           <p:nvPr>
             <p:ph type="title"/>
           </p:nvPr>
@@ -4920,7 +5254,7 @@
           </a:prstGeom>
         </p:spPr>
         <p:txBody>
-          <a:bodyPr anchorCtr="0" anchor="t" bIns="91425" lIns="91425" rIns="91425" tIns="91425"/>
+          <a:bodyPr lIns="91425" tIns="91425" rIns="91425" bIns="91425" anchor="t" anchorCtr="0"/>
           <a:lstStyle>
             <a:lvl1pPr lvl="0">
               <a:spcBef>
@@ -4977,15 +5311,19 @@
               <a:defRPr/>
             </a:lvl9pPr>
           </a:lstStyle>
-          <a:p/>
+          <a:p>
+            <a:endParaRPr/>
+          </a:p>
         </p:txBody>
       </p:sp>
       <p:sp>
         <p:nvSpPr>
           <p:cNvPr id="31" name="Shape 31"/>
-          <p:cNvSpPr txBox="1"/>
+          <p:cNvSpPr txBox="1">
+            <a:spLocks noGrp="1"/>
+          </p:cNvSpPr>
           <p:nvPr>
-            <p:ph idx="12" type="sldNum"/>
+            <p:ph type="sldNum" idx="12"/>
           </p:nvPr>
         </p:nvSpPr>
         <p:spPr>
@@ -4998,7 +5336,7 @@
           </a:prstGeom>
         </p:spPr>
         <p:txBody>
-          <a:bodyPr anchorCtr="0" anchor="ctr" bIns="91425" lIns="91425" rIns="91425" tIns="91425">
+          <a:bodyPr lIns="91425" tIns="91425" rIns="91425" bIns="91425" anchor="ctr" anchorCtr="0">
             <a:noAutofit/>
           </a:bodyPr>
           <a:lstStyle/>
@@ -5013,6 +5351,7 @@
               <a:rPr lang="en-US"/>
               <a:t>‹#›</a:t>
             </a:fld>
+            <a:endParaRPr lang="en-US"/>
           </a:p>
         </p:txBody>
       </p:sp>
@@ -5025,11 +5364,11 @@
 </file>
 
 <file path=ppt/slideLayouts/slideLayout6.xml><?xml version="1.0" encoding="utf-8"?>
-<p:sldLayout xmlns:a="http://schemas.openxmlformats.org/drawingml/2006/main" xmlns:r="http://schemas.openxmlformats.org/officeDocument/2006/relationships" xmlns:mc="http://schemas.openxmlformats.org/markup-compatibility/2006" xmlns:mv="urn:schemas-microsoft-com:mac:vml" xmlns:p="http://schemas.openxmlformats.org/presentationml/2006/main" xmlns:c="http://schemas.openxmlformats.org/drawingml/2006/chart" xmlns:dgm="http://schemas.openxmlformats.org/drawingml/2006/diagram" xmlns:o="urn:schemas-microsoft-com:office:office" xmlns:v="urn:schemas-microsoft-com:vml" xmlns:pvml="urn:schemas-microsoft-com:office:powerpoint" xmlns:com="http://schemas.openxmlformats.org/drawingml/2006/compatibility" xmlns:p14="http://schemas.microsoft.com/office/powerpoint/2010/main">
+<p:sldLayout xmlns:a="http://schemas.openxmlformats.org/drawingml/2006/main" xmlns:r="http://schemas.openxmlformats.org/officeDocument/2006/relationships" xmlns:p="http://schemas.openxmlformats.org/presentationml/2006/main">
   <p:cSld name="One column text">
     <p:spTree>
       <p:nvGrpSpPr>
-        <p:cNvPr id="32" name="Shape 32"/>
+        <p:cNvPr id="1" name="Shape 32"/>
         <p:cNvGrpSpPr/>
         <p:nvPr/>
       </p:nvGrpSpPr>
@@ -5044,7 +5383,9 @@
       <p:sp>
         <p:nvSpPr>
           <p:cNvPr id="33" name="Shape 33"/>
-          <p:cNvSpPr txBox="1"/>
+          <p:cNvSpPr txBox="1">
+            <a:spLocks noGrp="1"/>
+          </p:cNvSpPr>
           <p:nvPr>
             <p:ph type="title"/>
           </p:nvPr>
@@ -5059,7 +5400,7 @@
           </a:prstGeom>
         </p:spPr>
         <p:txBody>
-          <a:bodyPr anchorCtr="0" anchor="b" bIns="91425" lIns="91425" rIns="91425" tIns="91425"/>
+          <a:bodyPr lIns="91425" tIns="91425" rIns="91425" bIns="91425" anchor="b" anchorCtr="0"/>
           <a:lstStyle>
             <a:lvl1pPr lvl="0">
               <a:spcBef>
@@ -5125,15 +5466,19 @@
               <a:defRPr sz="2400"/>
             </a:lvl9pPr>
           </a:lstStyle>
-          <a:p/>
+          <a:p>
+            <a:endParaRPr/>
+          </a:p>
         </p:txBody>
       </p:sp>
       <p:sp>
         <p:nvSpPr>
           <p:cNvPr id="34" name="Shape 34"/>
-          <p:cNvSpPr txBox="1"/>
+          <p:cNvSpPr txBox="1">
+            <a:spLocks noGrp="1"/>
+          </p:cNvSpPr>
           <p:nvPr>
-            <p:ph idx="1" type="body"/>
+            <p:ph type="body" idx="1"/>
           </p:nvPr>
         </p:nvSpPr>
         <p:spPr>
@@ -5146,7 +5491,7 @@
           </a:prstGeom>
         </p:spPr>
         <p:txBody>
-          <a:bodyPr anchorCtr="0" anchor="t" bIns="91425" lIns="91425" rIns="91425" tIns="91425"/>
+          <a:bodyPr lIns="91425" tIns="91425" rIns="91425" bIns="91425" anchor="t" anchorCtr="0"/>
           <a:lstStyle>
             <a:lvl1pPr lvl="0">
               <a:spcBef>
@@ -5212,15 +5557,19 @@
               <a:defRPr sz="1200"/>
             </a:lvl9pPr>
           </a:lstStyle>
-          <a:p/>
+          <a:p>
+            <a:endParaRPr/>
+          </a:p>
         </p:txBody>
       </p:sp>
       <p:sp>
         <p:nvSpPr>
           <p:cNvPr id="35" name="Shape 35"/>
-          <p:cNvSpPr txBox="1"/>
+          <p:cNvSpPr txBox="1">
+            <a:spLocks noGrp="1"/>
+          </p:cNvSpPr>
           <p:nvPr>
-            <p:ph idx="12" type="sldNum"/>
+            <p:ph type="sldNum" idx="12"/>
           </p:nvPr>
         </p:nvSpPr>
         <p:spPr>
@@ -5233,7 +5582,7 @@
           </a:prstGeom>
         </p:spPr>
         <p:txBody>
-          <a:bodyPr anchorCtr="0" anchor="ctr" bIns="91425" lIns="91425" rIns="91425" tIns="91425">
+          <a:bodyPr lIns="91425" tIns="91425" rIns="91425" bIns="91425" anchor="ctr" anchorCtr="0">
             <a:noAutofit/>
           </a:bodyPr>
           <a:lstStyle/>
@@ -5248,6 +5597,7 @@
               <a:rPr lang="en-US"/>
               <a:t>‹#›</a:t>
             </a:fld>
+            <a:endParaRPr lang="en-US"/>
           </a:p>
         </p:txBody>
       </p:sp>
@@ -5260,11 +5610,11 @@
 </file>
 
 <file path=ppt/slideLayouts/slideLayout7.xml><?xml version="1.0" encoding="utf-8"?>
-<p:sldLayout xmlns:a="http://schemas.openxmlformats.org/drawingml/2006/main" xmlns:r="http://schemas.openxmlformats.org/officeDocument/2006/relationships" xmlns:mc="http://schemas.openxmlformats.org/markup-compatibility/2006" xmlns:mv="urn:schemas-microsoft-com:mac:vml" xmlns:p="http://schemas.openxmlformats.org/presentationml/2006/main" xmlns:c="http://schemas.openxmlformats.org/drawingml/2006/chart" xmlns:dgm="http://schemas.openxmlformats.org/drawingml/2006/diagram" xmlns:o="urn:schemas-microsoft-com:office:office" xmlns:v="urn:schemas-microsoft-com:vml" xmlns:pvml="urn:schemas-microsoft-com:office:powerpoint" xmlns:com="http://schemas.openxmlformats.org/drawingml/2006/compatibility" xmlns:p14="http://schemas.microsoft.com/office/powerpoint/2010/main">
+<p:sldLayout xmlns:a="http://schemas.openxmlformats.org/drawingml/2006/main" xmlns:r="http://schemas.openxmlformats.org/officeDocument/2006/relationships" xmlns:p="http://schemas.openxmlformats.org/presentationml/2006/main">
   <p:cSld name="Main point">
     <p:spTree>
       <p:nvGrpSpPr>
-        <p:cNvPr id="36" name="Shape 36"/>
+        <p:cNvPr id="1" name="Shape 36"/>
         <p:cNvGrpSpPr/>
         <p:nvPr/>
       </p:nvGrpSpPr>
@@ -5279,7 +5629,9 @@
       <p:sp>
         <p:nvSpPr>
           <p:cNvPr id="37" name="Shape 37"/>
-          <p:cNvSpPr txBox="1"/>
+          <p:cNvSpPr txBox="1">
+            <a:spLocks noGrp="1"/>
+          </p:cNvSpPr>
           <p:nvPr>
             <p:ph type="title"/>
           </p:nvPr>
@@ -5294,7 +5646,7 @@
           </a:prstGeom>
         </p:spPr>
         <p:txBody>
-          <a:bodyPr anchorCtr="0" anchor="ctr" bIns="91425" lIns="91425" rIns="91425" tIns="91425"/>
+          <a:bodyPr lIns="91425" tIns="91425" rIns="91425" bIns="91425" anchor="ctr" anchorCtr="0"/>
           <a:lstStyle>
             <a:lvl1pPr lvl="0">
               <a:spcBef>
@@ -5360,15 +5712,19 @@
               <a:defRPr sz="4800"/>
             </a:lvl9pPr>
           </a:lstStyle>
-          <a:p/>
+          <a:p>
+            <a:endParaRPr/>
+          </a:p>
         </p:txBody>
       </p:sp>
       <p:sp>
         <p:nvSpPr>
           <p:cNvPr id="38" name="Shape 38"/>
-          <p:cNvSpPr txBox="1"/>
+          <p:cNvSpPr txBox="1">
+            <a:spLocks noGrp="1"/>
+          </p:cNvSpPr>
           <p:nvPr>
-            <p:ph idx="12" type="sldNum"/>
+            <p:ph type="sldNum" idx="12"/>
           </p:nvPr>
         </p:nvSpPr>
         <p:spPr>
@@ -5381,7 +5737,7 @@
           </a:prstGeom>
         </p:spPr>
         <p:txBody>
-          <a:bodyPr anchorCtr="0" anchor="ctr" bIns="91425" lIns="91425" rIns="91425" tIns="91425">
+          <a:bodyPr lIns="91425" tIns="91425" rIns="91425" bIns="91425" anchor="ctr" anchorCtr="0">
             <a:noAutofit/>
           </a:bodyPr>
           <a:lstStyle/>
@@ -5396,6 +5752,7 @@
               <a:rPr lang="en-US"/>
               <a:t>‹#›</a:t>
             </a:fld>
+            <a:endParaRPr lang="en-US"/>
           </a:p>
         </p:txBody>
       </p:sp>
@@ -5408,11 +5765,11 @@
 </file>
 
 <file path=ppt/slideLayouts/slideLayout8.xml><?xml version="1.0" encoding="utf-8"?>
-<p:sldLayout xmlns:a="http://schemas.openxmlformats.org/drawingml/2006/main" xmlns:r="http://schemas.openxmlformats.org/officeDocument/2006/relationships" xmlns:mc="http://schemas.openxmlformats.org/markup-compatibility/2006" xmlns:mv="urn:schemas-microsoft-com:mac:vml" xmlns:p="http://schemas.openxmlformats.org/presentationml/2006/main" xmlns:c="http://schemas.openxmlformats.org/drawingml/2006/chart" xmlns:dgm="http://schemas.openxmlformats.org/drawingml/2006/diagram" xmlns:o="urn:schemas-microsoft-com:office:office" xmlns:v="urn:schemas-microsoft-com:vml" xmlns:pvml="urn:schemas-microsoft-com:office:powerpoint" xmlns:com="http://schemas.openxmlformats.org/drawingml/2006/compatibility" xmlns:p14="http://schemas.microsoft.com/office/powerpoint/2010/main">
+<p:sldLayout xmlns:a="http://schemas.openxmlformats.org/drawingml/2006/main" xmlns:r="http://schemas.openxmlformats.org/officeDocument/2006/relationships" xmlns:p="http://schemas.openxmlformats.org/presentationml/2006/main">
   <p:cSld name="Section title and description">
     <p:spTree>
       <p:nvGrpSpPr>
-        <p:cNvPr id="39" name="Shape 39"/>
+        <p:cNvPr id="1" name="Shape 39"/>
         <p:cNvGrpSpPr/>
         <p:nvPr/>
       </p:nvGrpSpPr>
@@ -5446,7 +5803,7 @@
           </a:ln>
         </p:spPr>
         <p:txBody>
-          <a:bodyPr anchorCtr="0" anchor="ctr" bIns="91425" lIns="91425" rIns="91425" tIns="91425">
+          <a:bodyPr lIns="91425" tIns="91425" rIns="91425" bIns="91425" anchor="ctr" anchorCtr="0">
             <a:noAutofit/>
           </a:bodyPr>
           <a:lstStyle/>
@@ -5457,9 +5814,6 @@
               </a:spcBef>
               <a:buNone/>
             </a:pPr>
-            <a:r>
-              <a:t/>
-            </a:r>
             <a:endParaRPr/>
           </a:p>
         </p:txBody>
@@ -5467,7 +5821,9 @@
       <p:sp>
         <p:nvSpPr>
           <p:cNvPr id="41" name="Shape 41"/>
-          <p:cNvSpPr txBox="1"/>
+          <p:cNvSpPr txBox="1">
+            <a:spLocks noGrp="1"/>
+          </p:cNvSpPr>
           <p:nvPr>
             <p:ph type="title"/>
           </p:nvPr>
@@ -5482,7 +5838,7 @@
           </a:prstGeom>
         </p:spPr>
         <p:txBody>
-          <a:bodyPr anchorCtr="0" anchor="b" bIns="91425" lIns="91425" rIns="91425" tIns="91425"/>
+          <a:bodyPr lIns="91425" tIns="91425" rIns="91425" bIns="91425" anchor="b" anchorCtr="0"/>
           <a:lstStyle>
             <a:lvl1pPr lvl="0" algn="ctr">
               <a:spcBef>
@@ -5548,15 +5904,19 @@
               <a:defRPr sz="4200"/>
             </a:lvl9pPr>
           </a:lstStyle>
-          <a:p/>
+          <a:p>
+            <a:endParaRPr/>
+          </a:p>
         </p:txBody>
       </p:sp>
       <p:sp>
         <p:nvSpPr>
           <p:cNvPr id="42" name="Shape 42"/>
-          <p:cNvSpPr txBox="1"/>
+          <p:cNvSpPr txBox="1">
+            <a:spLocks noGrp="1"/>
+          </p:cNvSpPr>
           <p:nvPr>
-            <p:ph idx="1" type="subTitle"/>
+            <p:ph type="subTitle" idx="1"/>
           </p:nvPr>
         </p:nvSpPr>
         <p:spPr>
@@ -5569,7 +5929,7 @@
           </a:prstGeom>
         </p:spPr>
         <p:txBody>
-          <a:bodyPr anchorCtr="0" anchor="t" bIns="91425" lIns="91425" rIns="91425" tIns="91425"/>
+          <a:bodyPr lIns="91425" tIns="91425" rIns="91425" bIns="91425" anchor="t" anchorCtr="0"/>
           <a:lstStyle>
             <a:lvl1pPr lvl="0" algn="ctr">
               <a:lnSpc>
@@ -5698,15 +6058,19 @@
               <a:defRPr sz="2100"/>
             </a:lvl9pPr>
           </a:lstStyle>
-          <a:p/>
+          <a:p>
+            <a:endParaRPr/>
+          </a:p>
         </p:txBody>
       </p:sp>
       <p:sp>
         <p:nvSpPr>
           <p:cNvPr id="43" name="Shape 43"/>
-          <p:cNvSpPr txBox="1"/>
+          <p:cNvSpPr txBox="1">
+            <a:spLocks noGrp="1"/>
+          </p:cNvSpPr>
           <p:nvPr>
-            <p:ph idx="2" type="body"/>
+            <p:ph type="body" idx="2"/>
           </p:nvPr>
         </p:nvSpPr>
         <p:spPr>
@@ -5719,7 +6083,7 @@
           </a:prstGeom>
         </p:spPr>
         <p:txBody>
-          <a:bodyPr anchorCtr="0" anchor="ctr" bIns="91425" lIns="91425" rIns="91425" tIns="91425"/>
+          <a:bodyPr lIns="91425" tIns="91425" rIns="91425" bIns="91425" anchor="ctr" anchorCtr="0"/>
           <a:lstStyle>
             <a:lvl1pPr lvl="0">
               <a:spcBef>
@@ -5776,15 +6140,19 @@
               <a:defRPr/>
             </a:lvl9pPr>
           </a:lstStyle>
-          <a:p/>
+          <a:p>
+            <a:endParaRPr/>
+          </a:p>
         </p:txBody>
       </p:sp>
       <p:sp>
         <p:nvSpPr>
           <p:cNvPr id="44" name="Shape 44"/>
-          <p:cNvSpPr txBox="1"/>
+          <p:cNvSpPr txBox="1">
+            <a:spLocks noGrp="1"/>
+          </p:cNvSpPr>
           <p:nvPr>
-            <p:ph idx="12" type="sldNum"/>
+            <p:ph type="sldNum" idx="12"/>
           </p:nvPr>
         </p:nvSpPr>
         <p:spPr>
@@ -5797,7 +6165,7 @@
           </a:prstGeom>
         </p:spPr>
         <p:txBody>
-          <a:bodyPr anchorCtr="0" anchor="ctr" bIns="91425" lIns="91425" rIns="91425" tIns="91425">
+          <a:bodyPr lIns="91425" tIns="91425" rIns="91425" bIns="91425" anchor="ctr" anchorCtr="0">
             <a:noAutofit/>
           </a:bodyPr>
           <a:lstStyle/>
@@ -5812,6 +6180,7 @@
               <a:rPr lang="en-US"/>
               <a:t>‹#›</a:t>
             </a:fld>
+            <a:endParaRPr lang="en-US"/>
           </a:p>
         </p:txBody>
       </p:sp>
@@ -5824,11 +6193,11 @@
 </file>
 
 <file path=ppt/slideLayouts/slideLayout9.xml><?xml version="1.0" encoding="utf-8"?>
-<p:sldLayout xmlns:a="http://schemas.openxmlformats.org/drawingml/2006/main" xmlns:r="http://schemas.openxmlformats.org/officeDocument/2006/relationships" xmlns:mc="http://schemas.openxmlformats.org/markup-compatibility/2006" xmlns:mv="urn:schemas-microsoft-com:mac:vml" xmlns:p="http://schemas.openxmlformats.org/presentationml/2006/main" xmlns:c="http://schemas.openxmlformats.org/drawingml/2006/chart" xmlns:dgm="http://schemas.openxmlformats.org/drawingml/2006/diagram" xmlns:o="urn:schemas-microsoft-com:office:office" xmlns:v="urn:schemas-microsoft-com:vml" xmlns:pvml="urn:schemas-microsoft-com:office:powerpoint" xmlns:com="http://schemas.openxmlformats.org/drawingml/2006/compatibility" xmlns:p14="http://schemas.microsoft.com/office/powerpoint/2010/main">
+<p:sldLayout xmlns:a="http://schemas.openxmlformats.org/drawingml/2006/main" xmlns:r="http://schemas.openxmlformats.org/officeDocument/2006/relationships" xmlns:p="http://schemas.openxmlformats.org/presentationml/2006/main">
   <p:cSld name="Caption">
     <p:spTree>
       <p:nvGrpSpPr>
-        <p:cNvPr id="45" name="Shape 45"/>
+        <p:cNvPr id="1" name="Shape 45"/>
         <p:cNvGrpSpPr/>
         <p:nvPr/>
       </p:nvGrpSpPr>
@@ -5843,9 +6212,11 @@
       <p:sp>
         <p:nvSpPr>
           <p:cNvPr id="46" name="Shape 46"/>
-          <p:cNvSpPr txBox="1"/>
+          <p:cNvSpPr txBox="1">
+            <a:spLocks noGrp="1"/>
+          </p:cNvSpPr>
           <p:nvPr>
-            <p:ph idx="1" type="body"/>
+            <p:ph type="body" idx="1"/>
           </p:nvPr>
         </p:nvSpPr>
         <p:spPr>
@@ -5858,7 +6229,7 @@
           </a:prstGeom>
         </p:spPr>
         <p:txBody>
-          <a:bodyPr anchorCtr="0" anchor="ctr" bIns="91425" lIns="91425" rIns="91425" tIns="91425"/>
+          <a:bodyPr lIns="91425" tIns="91425" rIns="91425" bIns="91425" anchor="ctr" anchorCtr="0"/>
           <a:lstStyle>
             <a:lvl1pPr lvl="0">
               <a:lnSpc>
@@ -5874,15 +6245,19 @@
               <a:defRPr/>
             </a:lvl1pPr>
           </a:lstStyle>
-          <a:p/>
+          <a:p>
+            <a:endParaRPr/>
+          </a:p>
         </p:txBody>
       </p:sp>
       <p:sp>
         <p:nvSpPr>
           <p:cNvPr id="47" name="Shape 47"/>
-          <p:cNvSpPr txBox="1"/>
+          <p:cNvSpPr txBox="1">
+            <a:spLocks noGrp="1"/>
+          </p:cNvSpPr>
           <p:nvPr>
-            <p:ph idx="12" type="sldNum"/>
+            <p:ph type="sldNum" idx="12"/>
           </p:nvPr>
         </p:nvSpPr>
         <p:spPr>
@@ -5895,7 +6270,7 @@
           </a:prstGeom>
         </p:spPr>
         <p:txBody>
-          <a:bodyPr anchorCtr="0" anchor="ctr" bIns="91425" lIns="91425" rIns="91425" tIns="91425">
+          <a:bodyPr lIns="91425" tIns="91425" rIns="91425" bIns="91425" anchor="ctr" anchorCtr="0">
             <a:noAutofit/>
           </a:bodyPr>
           <a:lstStyle/>
@@ -5910,6 +6285,7 @@
               <a:rPr lang="en-US"/>
               <a:t>‹#›</a:t>
             </a:fld>
+            <a:endParaRPr lang="en-US"/>
           </a:p>
         </p:txBody>
       </p:sp>
@@ -5922,18 +6298,19 @@
 </file>
 
 <file path=ppt/slideMasters/slideMaster1.xml><?xml version="1.0" encoding="utf-8"?>
-<p:sldMaster xmlns:a="http://schemas.openxmlformats.org/drawingml/2006/main" xmlns:r="http://schemas.openxmlformats.org/officeDocument/2006/relationships" xmlns:mc="http://schemas.openxmlformats.org/markup-compatibility/2006" xmlns:mv="urn:schemas-microsoft-com:mac:vml" xmlns:p="http://schemas.openxmlformats.org/presentationml/2006/main" xmlns:c="http://schemas.openxmlformats.org/drawingml/2006/chart" xmlns:dgm="http://schemas.openxmlformats.org/drawingml/2006/diagram" xmlns:o="urn:schemas-microsoft-com:office:office" xmlns:v="urn:schemas-microsoft-com:vml" xmlns:pvml="urn:schemas-microsoft-com:office:powerpoint" xmlns:com="http://schemas.openxmlformats.org/drawingml/2006/compatibility" xmlns:p14="http://schemas.microsoft.com/office/powerpoint/2010/main">
+<p:sldMaster xmlns:a="http://schemas.openxmlformats.org/drawingml/2006/main" xmlns:r="http://schemas.openxmlformats.org/officeDocument/2006/relationships" xmlns:p="http://schemas.openxmlformats.org/presentationml/2006/main">
   <p:cSld>
     <p:bg>
       <p:bgPr>
         <a:solidFill>
           <a:schemeClr val="lt1"/>
         </a:solidFill>
+        <a:effectLst/>
       </p:bgPr>
     </p:bg>
     <p:spTree>
       <p:nvGrpSpPr>
-        <p:cNvPr id="9" name="Shape 9"/>
+        <p:cNvPr id="1" name="Shape 9"/>
         <p:cNvGrpSpPr/>
         <p:nvPr/>
       </p:nvGrpSpPr>
@@ -5948,7 +6325,9 @@
       <p:sp>
         <p:nvSpPr>
           <p:cNvPr id="10" name="Shape 10"/>
-          <p:cNvSpPr txBox="1"/>
+          <p:cNvSpPr txBox="1">
+            <a:spLocks noGrp="1"/>
+          </p:cNvSpPr>
           <p:nvPr>
             <p:ph type="title"/>
           </p:nvPr>
@@ -5967,7 +6346,7 @@
           </a:ln>
         </p:spPr>
         <p:txBody>
-          <a:bodyPr anchorCtr="0" anchor="t" bIns="91425" lIns="91425" rIns="91425" tIns="91425"/>
+          <a:bodyPr lIns="91425" tIns="91425" rIns="91425" bIns="91425" anchor="t" anchorCtr="0"/>
           <a:lstStyle>
             <a:lvl1pPr lvl="0">
               <a:spcBef>
@@ -6105,15 +6484,19 @@
               </a:defRPr>
             </a:lvl9pPr>
           </a:lstStyle>
-          <a:p/>
+          <a:p>
+            <a:endParaRPr/>
+          </a:p>
         </p:txBody>
       </p:sp>
       <p:sp>
         <p:nvSpPr>
           <p:cNvPr id="11" name="Shape 11"/>
-          <p:cNvSpPr txBox="1"/>
+          <p:cNvSpPr txBox="1">
+            <a:spLocks noGrp="1"/>
+          </p:cNvSpPr>
           <p:nvPr>
-            <p:ph idx="1" type="body"/>
+            <p:ph type="body" idx="1"/>
           </p:nvPr>
         </p:nvSpPr>
         <p:spPr>
@@ -6130,7 +6513,7 @@
           </a:ln>
         </p:spPr>
         <p:txBody>
-          <a:bodyPr anchorCtr="0" anchor="t" bIns="91425" lIns="91425" rIns="91425" tIns="91425"/>
+          <a:bodyPr lIns="91425" tIns="91425" rIns="91425" bIns="91425" anchor="t" anchorCtr="0"/>
           <a:lstStyle>
             <a:lvl1pPr lvl="0">
               <a:lnSpc>
@@ -6305,15 +6688,19 @@
               </a:defRPr>
             </a:lvl9pPr>
           </a:lstStyle>
-          <a:p/>
+          <a:p>
+            <a:endParaRPr/>
+          </a:p>
         </p:txBody>
       </p:sp>
       <p:sp>
         <p:nvSpPr>
           <p:cNvPr id="12" name="Shape 12"/>
-          <p:cNvSpPr txBox="1"/>
+          <p:cNvSpPr txBox="1">
+            <a:spLocks noGrp="1"/>
+          </p:cNvSpPr>
           <p:nvPr>
-            <p:ph idx="12" type="sldNum"/>
+            <p:ph type="sldNum" idx="12"/>
           </p:nvPr>
         </p:nvSpPr>
         <p:spPr>
@@ -6330,7 +6717,7 @@
           </a:ln>
         </p:spPr>
         <p:txBody>
-          <a:bodyPr anchorCtr="0" anchor="ctr" bIns="91425" lIns="91425" rIns="91425" tIns="91425">
+          <a:bodyPr lIns="91425" tIns="91425" rIns="91425" bIns="91425" anchor="ctr" anchorCtr="0">
             <a:noAutofit/>
           </a:bodyPr>
           <a:lstStyle/>
@@ -6349,12 +6736,17 @@
               </a:rPr>
               <a:t>‹#›</a:t>
             </a:fld>
+            <a:endParaRPr lang="en-US" sz="1000">
+              <a:solidFill>
+                <a:schemeClr val="dk2"/>
+              </a:solidFill>
+            </a:endParaRPr>
           </a:p>
         </p:txBody>
       </p:sp>
     </p:spTree>
   </p:cSld>
-  <p:clrMap accent1="accent1" accent2="accent2" accent3="accent3" accent4="accent4" accent5="accent5" accent6="accent6" bg1="lt1" bg2="dk2" tx1="dk1" tx2="lt2" folHlink="folHlink" hlink="hlink"/>
+  <p:clrMap bg1="lt1" tx1="dk1" bg2="dk2" tx2="lt2" accent1="accent1" accent2="accent2" accent3="accent3" accent4="accent4" accent5="accent5" accent6="accent6" hlink="hlink" folHlink="folHlink"/>
   <p:sldLayoutIdLst>
     <p:sldLayoutId id="2147483648" r:id="rId1"/>
     <p:sldLayoutId id="2147483649" r:id="rId2"/>
@@ -6369,10 +6761,10 @@
     <p:sldLayoutId id="2147483658" r:id="rId11"/>
     <p:sldLayoutId id="2147483659" r:id="rId12"/>
   </p:sldLayoutIdLst>
-  <p:hf dt="0" ftr="0" hdr="0" sldNum="0"/>
+  <p:hf sldNum="0" hdr="0" ftr="0" dt="0"/>
   <p:txStyles>
     <p:titleStyle>
-      <a:defPPr lvl="0" marR="0" rtl="0" algn="l">
+      <a:defPPr marR="0" lvl="0" algn="l" rtl="0">
         <a:lnSpc>
           <a:spcPct val="100000"/>
         </a:lnSpc>
@@ -6383,7 +6775,7 @@
           <a:spcPts val="0"/>
         </a:spcAft>
       </a:defPPr>
-      <a:lvl1pPr lvl="0" marR="0" rtl="0" algn="l">
+      <a:lvl1pPr marR="0" lvl="0" algn="l" rtl="0">
         <a:lnSpc>
           <a:spcPct val="100000"/>
         </a:lnSpc>
@@ -6394,7 +6786,7 @@
           <a:spcPts val="0"/>
         </a:spcAft>
         <a:buNone/>
-        <a:defRPr b="0" i="0" sz="1400" u="none" cap="none" strike="noStrike">
+        <a:defRPr sz="1400" b="0" i="0" u="none" strike="noStrike" cap="none">
           <a:solidFill>
             <a:srgbClr val="000000"/>
           </a:solidFill>
@@ -6406,7 +6798,7 @@
       </a:lvl1pPr>
     </p:titleStyle>
     <p:bodyStyle>
-      <a:defPPr lvl="0" marR="0" rtl="0" algn="l">
+      <a:defPPr marR="0" lvl="0" algn="l" rtl="0">
         <a:lnSpc>
           <a:spcPct val="100000"/>
         </a:lnSpc>
@@ -6417,7 +6809,7 @@
           <a:spcPts val="0"/>
         </a:spcAft>
       </a:defPPr>
-      <a:lvl1pPr lvl="0" marR="0" rtl="0" algn="l">
+      <a:lvl1pPr marR="0" lvl="0" algn="l" rtl="0">
         <a:lnSpc>
           <a:spcPct val="100000"/>
         </a:lnSpc>
@@ -6428,7 +6820,7 @@
           <a:spcPts val="0"/>
         </a:spcAft>
         <a:buNone/>
-        <a:defRPr b="0" i="0" sz="1400" u="none" cap="none" strike="noStrike">
+        <a:defRPr sz="1400" b="0" i="0" u="none" strike="noStrike" cap="none">
           <a:solidFill>
             <a:srgbClr val="000000"/>
           </a:solidFill>
@@ -6438,7 +6830,7 @@
           <a:sym typeface="Arial"/>
         </a:defRPr>
       </a:lvl1pPr>
-      <a:lvl2pPr lvl="1" marR="0" rtl="0" algn="l">
+      <a:lvl2pPr marR="0" lvl="1" algn="l" rtl="0">
         <a:lnSpc>
           <a:spcPct val="100000"/>
         </a:lnSpc>
@@ -6449,7 +6841,7 @@
           <a:spcPts val="0"/>
         </a:spcAft>
         <a:buNone/>
-        <a:defRPr b="0" i="0" sz="1400" u="none" cap="none" strike="noStrike">
+        <a:defRPr sz="1400" b="0" i="0" u="none" strike="noStrike" cap="none">
           <a:solidFill>
             <a:srgbClr val="000000"/>
           </a:solidFill>
@@ -6459,7 +6851,7 @@
           <a:sym typeface="Arial"/>
         </a:defRPr>
       </a:lvl2pPr>
-      <a:lvl3pPr lvl="2" marR="0" rtl="0" algn="l">
+      <a:lvl3pPr marR="0" lvl="2" algn="l" rtl="0">
         <a:lnSpc>
           <a:spcPct val="100000"/>
         </a:lnSpc>
@@ -6470,7 +6862,7 @@
           <a:spcPts val="0"/>
         </a:spcAft>
         <a:buNone/>
-        <a:defRPr b="0" i="0" sz="1400" u="none" cap="none" strike="noStrike">
+        <a:defRPr sz="1400" b="0" i="0" u="none" strike="noStrike" cap="none">
           <a:solidFill>
             <a:srgbClr val="000000"/>
           </a:solidFill>
@@ -6480,7 +6872,7 @@
           <a:sym typeface="Arial"/>
         </a:defRPr>
       </a:lvl3pPr>
-      <a:lvl4pPr lvl="3" marR="0" rtl="0" algn="l">
+      <a:lvl4pPr marR="0" lvl="3" algn="l" rtl="0">
         <a:lnSpc>
           <a:spcPct val="100000"/>
         </a:lnSpc>
@@ -6491,7 +6883,7 @@
           <a:spcPts val="0"/>
         </a:spcAft>
         <a:buNone/>
-        <a:defRPr b="0" i="0" sz="1400" u="none" cap="none" strike="noStrike">
+        <a:defRPr sz="1400" b="0" i="0" u="none" strike="noStrike" cap="none">
           <a:solidFill>
             <a:srgbClr val="000000"/>
           </a:solidFill>
@@ -6501,7 +6893,7 @@
           <a:sym typeface="Arial"/>
         </a:defRPr>
       </a:lvl4pPr>
-      <a:lvl5pPr lvl="4" marR="0" rtl="0" algn="l">
+      <a:lvl5pPr marR="0" lvl="4" algn="l" rtl="0">
         <a:lnSpc>
           <a:spcPct val="100000"/>
         </a:lnSpc>
@@ -6512,7 +6904,7 @@
           <a:spcPts val="0"/>
         </a:spcAft>
         <a:buNone/>
-        <a:defRPr b="0" i="0" sz="1400" u="none" cap="none" strike="noStrike">
+        <a:defRPr sz="1400" b="0" i="0" u="none" strike="noStrike" cap="none">
           <a:solidFill>
             <a:srgbClr val="000000"/>
           </a:solidFill>
@@ -6522,7 +6914,7 @@
           <a:sym typeface="Arial"/>
         </a:defRPr>
       </a:lvl5pPr>
-      <a:lvl6pPr lvl="5" marR="0" rtl="0" algn="l">
+      <a:lvl6pPr marR="0" lvl="5" algn="l" rtl="0">
         <a:lnSpc>
           <a:spcPct val="100000"/>
         </a:lnSpc>
@@ -6533,7 +6925,7 @@
           <a:spcPts val="0"/>
         </a:spcAft>
         <a:buNone/>
-        <a:defRPr b="0" i="0" sz="1400" u="none" cap="none" strike="noStrike">
+        <a:defRPr sz="1400" b="0" i="0" u="none" strike="noStrike" cap="none">
           <a:solidFill>
             <a:srgbClr val="000000"/>
           </a:solidFill>
@@ -6543,7 +6935,7 @@
           <a:sym typeface="Arial"/>
         </a:defRPr>
       </a:lvl6pPr>
-      <a:lvl7pPr lvl="6" marR="0" rtl="0" algn="l">
+      <a:lvl7pPr marR="0" lvl="6" algn="l" rtl="0">
         <a:lnSpc>
           <a:spcPct val="100000"/>
         </a:lnSpc>
@@ -6554,7 +6946,7 @@
           <a:spcPts val="0"/>
         </a:spcAft>
         <a:buNone/>
-        <a:defRPr b="0" i="0" sz="1400" u="none" cap="none" strike="noStrike">
+        <a:defRPr sz="1400" b="0" i="0" u="none" strike="noStrike" cap="none">
           <a:solidFill>
             <a:srgbClr val="000000"/>
           </a:solidFill>
@@ -6564,7 +6956,7 @@
           <a:sym typeface="Arial"/>
         </a:defRPr>
       </a:lvl7pPr>
-      <a:lvl8pPr lvl="7" marR="0" rtl="0" algn="l">
+      <a:lvl8pPr marR="0" lvl="7" algn="l" rtl="0">
         <a:lnSpc>
           <a:spcPct val="100000"/>
         </a:lnSpc>
@@ -6575,7 +6967,7 @@
           <a:spcPts val="0"/>
         </a:spcAft>
         <a:buNone/>
-        <a:defRPr b="0" i="0" sz="1400" u="none" cap="none" strike="noStrike">
+        <a:defRPr sz="1400" b="0" i="0" u="none" strike="noStrike" cap="none">
           <a:solidFill>
             <a:srgbClr val="000000"/>
           </a:solidFill>
@@ -6585,7 +6977,7 @@
           <a:sym typeface="Arial"/>
         </a:defRPr>
       </a:lvl8pPr>
-      <a:lvl9pPr lvl="8" marR="0" rtl="0" algn="l">
+      <a:lvl9pPr marR="0" lvl="8" algn="l" rtl="0">
         <a:lnSpc>
           <a:spcPct val="100000"/>
         </a:lnSpc>
@@ -6596,7 +6988,7 @@
           <a:spcPts val="0"/>
         </a:spcAft>
         <a:buNone/>
-        <a:defRPr b="0" i="0" sz="1400" u="none" cap="none" strike="noStrike">
+        <a:defRPr sz="1400" b="0" i="0" u="none" strike="noStrike" cap="none">
           <a:solidFill>
             <a:srgbClr val="000000"/>
           </a:solidFill>
@@ -6608,7 +7000,7 @@
       </a:lvl9pPr>
     </p:bodyStyle>
     <p:otherStyle>
-      <a:defPPr lvl="0" marR="0" rtl="0" algn="l">
+      <a:defPPr marR="0" lvl="0" algn="l" rtl="0">
         <a:lnSpc>
           <a:spcPct val="100000"/>
         </a:lnSpc>
@@ -6619,7 +7011,7 @@
           <a:spcPts val="0"/>
         </a:spcAft>
       </a:defPPr>
-      <a:lvl1pPr lvl="0" marR="0" rtl="0" algn="l">
+      <a:lvl1pPr marR="0" lvl="0" algn="l" rtl="0">
         <a:lnSpc>
           <a:spcPct val="100000"/>
         </a:lnSpc>
@@ -6630,7 +7022,7 @@
           <a:spcPts val="0"/>
         </a:spcAft>
         <a:buNone/>
-        <a:defRPr b="0" i="0" sz="1400" u="none" cap="none" strike="noStrike">
+        <a:defRPr sz="1400" b="0" i="0" u="none" strike="noStrike" cap="none">
           <a:solidFill>
             <a:srgbClr val="000000"/>
           </a:solidFill>
@@ -6640,7 +7032,7 @@
           <a:sym typeface="Arial"/>
         </a:defRPr>
       </a:lvl1pPr>
-      <a:lvl2pPr lvl="1" marR="0" rtl="0" algn="l">
+      <a:lvl2pPr marR="0" lvl="1" algn="l" rtl="0">
         <a:lnSpc>
           <a:spcPct val="100000"/>
         </a:lnSpc>
@@ -6651,7 +7043,7 @@
           <a:spcPts val="0"/>
         </a:spcAft>
         <a:buNone/>
-        <a:defRPr b="0" i="0" sz="1400" u="none" cap="none" strike="noStrike">
+        <a:defRPr sz="1400" b="0" i="0" u="none" strike="noStrike" cap="none">
           <a:solidFill>
             <a:srgbClr val="000000"/>
           </a:solidFill>
@@ -6661,7 +7053,7 @@
           <a:sym typeface="Arial"/>
         </a:defRPr>
       </a:lvl2pPr>
-      <a:lvl3pPr lvl="2" marR="0" rtl="0" algn="l">
+      <a:lvl3pPr marR="0" lvl="2" algn="l" rtl="0">
         <a:lnSpc>
           <a:spcPct val="100000"/>
         </a:lnSpc>
@@ -6672,7 +7064,7 @@
           <a:spcPts val="0"/>
         </a:spcAft>
         <a:buNone/>
-        <a:defRPr b="0" i="0" sz="1400" u="none" cap="none" strike="noStrike">
+        <a:defRPr sz="1400" b="0" i="0" u="none" strike="noStrike" cap="none">
           <a:solidFill>
             <a:srgbClr val="000000"/>
           </a:solidFill>
@@ -6682,7 +7074,7 @@
           <a:sym typeface="Arial"/>
         </a:defRPr>
       </a:lvl3pPr>
-      <a:lvl4pPr lvl="3" marR="0" rtl="0" algn="l">
+      <a:lvl4pPr marR="0" lvl="3" algn="l" rtl="0">
         <a:lnSpc>
           <a:spcPct val="100000"/>
         </a:lnSpc>
@@ -6693,7 +7085,7 @@
           <a:spcPts val="0"/>
         </a:spcAft>
         <a:buNone/>
-        <a:defRPr b="0" i="0" sz="1400" u="none" cap="none" strike="noStrike">
+        <a:defRPr sz="1400" b="0" i="0" u="none" strike="noStrike" cap="none">
           <a:solidFill>
             <a:srgbClr val="000000"/>
           </a:solidFill>
@@ -6703,7 +7095,7 @@
           <a:sym typeface="Arial"/>
         </a:defRPr>
       </a:lvl4pPr>
-      <a:lvl5pPr lvl="4" marR="0" rtl="0" algn="l">
+      <a:lvl5pPr marR="0" lvl="4" algn="l" rtl="0">
         <a:lnSpc>
           <a:spcPct val="100000"/>
         </a:lnSpc>
@@ -6714,7 +7106,7 @@
           <a:spcPts val="0"/>
         </a:spcAft>
         <a:buNone/>
-        <a:defRPr b="0" i="0" sz="1400" u="none" cap="none" strike="noStrike">
+        <a:defRPr sz="1400" b="0" i="0" u="none" strike="noStrike" cap="none">
           <a:solidFill>
             <a:srgbClr val="000000"/>
           </a:solidFill>
@@ -6724,7 +7116,7 @@
           <a:sym typeface="Arial"/>
         </a:defRPr>
       </a:lvl5pPr>
-      <a:lvl6pPr lvl="5" marR="0" rtl="0" algn="l">
+      <a:lvl6pPr marR="0" lvl="5" algn="l" rtl="0">
         <a:lnSpc>
           <a:spcPct val="100000"/>
         </a:lnSpc>
@@ -6735,7 +7127,7 @@
           <a:spcPts val="0"/>
         </a:spcAft>
         <a:buNone/>
-        <a:defRPr b="0" i="0" sz="1400" u="none" cap="none" strike="noStrike">
+        <a:defRPr sz="1400" b="0" i="0" u="none" strike="noStrike" cap="none">
           <a:solidFill>
             <a:srgbClr val="000000"/>
           </a:solidFill>
@@ -6745,7 +7137,7 @@
           <a:sym typeface="Arial"/>
         </a:defRPr>
       </a:lvl6pPr>
-      <a:lvl7pPr lvl="6" marR="0" rtl="0" algn="l">
+      <a:lvl7pPr marR="0" lvl="6" algn="l" rtl="0">
         <a:lnSpc>
           <a:spcPct val="100000"/>
         </a:lnSpc>
@@ -6756,7 +7148,7 @@
           <a:spcPts val="0"/>
         </a:spcAft>
         <a:buNone/>
-        <a:defRPr b="0" i="0" sz="1400" u="none" cap="none" strike="noStrike">
+        <a:defRPr sz="1400" b="0" i="0" u="none" strike="noStrike" cap="none">
           <a:solidFill>
             <a:srgbClr val="000000"/>
           </a:solidFill>
@@ -6766,7 +7158,7 @@
           <a:sym typeface="Arial"/>
         </a:defRPr>
       </a:lvl7pPr>
-      <a:lvl8pPr lvl="7" marR="0" rtl="0" algn="l">
+      <a:lvl8pPr marR="0" lvl="7" algn="l" rtl="0">
         <a:lnSpc>
           <a:spcPct val="100000"/>
         </a:lnSpc>
@@ -6777,7 +7169,7 @@
           <a:spcPts val="0"/>
         </a:spcAft>
         <a:buNone/>
-        <a:defRPr b="0" i="0" sz="1400" u="none" cap="none" strike="noStrike">
+        <a:defRPr sz="1400" b="0" i="0" u="none" strike="noStrike" cap="none">
           <a:solidFill>
             <a:srgbClr val="000000"/>
           </a:solidFill>
@@ -6787,7 +7179,7 @@
           <a:sym typeface="Arial"/>
         </a:defRPr>
       </a:lvl8pPr>
-      <a:lvl9pPr lvl="8" marR="0" rtl="0" algn="l">
+      <a:lvl9pPr marR="0" lvl="8" algn="l" rtl="0">
         <a:lnSpc>
           <a:spcPct val="100000"/>
         </a:lnSpc>
@@ -6798,7 +7190,7 @@
           <a:spcPts val="0"/>
         </a:spcAft>
         <a:buNone/>
-        <a:defRPr b="0" i="0" sz="1400" u="none" cap="none" strike="noStrike">
+        <a:defRPr sz="1400" b="0" i="0" u="none" strike="noStrike" cap="none">
           <a:solidFill>
             <a:srgbClr val="000000"/>
           </a:solidFill>
@@ -6814,11 +7206,11 @@
 </file>
 
 <file path=ppt/slides/slide1.xml><?xml version="1.0" encoding="utf-8"?>
-<p:sld xmlns:a="http://schemas.openxmlformats.org/drawingml/2006/main" xmlns:r="http://schemas.openxmlformats.org/officeDocument/2006/relationships" xmlns:mc="http://schemas.openxmlformats.org/markup-compatibility/2006" xmlns:mv="urn:schemas-microsoft-com:mac:vml" xmlns:p="http://schemas.openxmlformats.org/presentationml/2006/main" xmlns:c="http://schemas.openxmlformats.org/drawingml/2006/chart" xmlns:dgm="http://schemas.openxmlformats.org/drawingml/2006/diagram" xmlns:o="urn:schemas-microsoft-com:office:office" xmlns:v="urn:schemas-microsoft-com:vml" xmlns:pvml="urn:schemas-microsoft-com:office:powerpoint" xmlns:com="http://schemas.openxmlformats.org/drawingml/2006/compatibility" xmlns:p14="http://schemas.microsoft.com/office/powerpoint/2010/main">
+<p:sld xmlns:a="http://schemas.openxmlformats.org/drawingml/2006/main" xmlns:r="http://schemas.openxmlformats.org/officeDocument/2006/relationships" xmlns:p="http://schemas.openxmlformats.org/presentationml/2006/main">
   <p:cSld>
     <p:spTree>
       <p:nvGrpSpPr>
-        <p:cNvPr id="63" name="Shape 63"/>
+        <p:cNvPr id="1" name="Shape 63"/>
         <p:cNvGrpSpPr/>
         <p:nvPr/>
       </p:nvGrpSpPr>
@@ -6833,7 +7225,9 @@
       <p:sp>
         <p:nvSpPr>
           <p:cNvPr id="64" name="Shape 64"/>
-          <p:cNvSpPr txBox="1"/>
+          <p:cNvSpPr txBox="1">
+            <a:spLocks noGrp="1"/>
+          </p:cNvSpPr>
           <p:nvPr>
             <p:ph type="ctrTitle"/>
           </p:nvPr>
@@ -6852,12 +7246,12 @@
           </a:ln>
         </p:spPr>
         <p:txBody>
-          <a:bodyPr anchorCtr="0" anchor="ctr" bIns="45700" lIns="91425" rIns="91425" tIns="45700">
+          <a:bodyPr lIns="91425" tIns="45700" rIns="91425" bIns="45700" anchor="ctr" anchorCtr="0">
             <a:noAutofit/>
           </a:bodyPr>
           <a:lstStyle/>
           <a:p>
-            <a:pPr indent="0" lvl="0" marL="0" marR="0" rtl="0" algn="ctr">
+            <a:pPr marL="0" marR="0" lvl="0" indent="0" algn="ctr" rtl="0">
               <a:spcBef>
                 <a:spcPts val="0"/>
               </a:spcBef>
@@ -6869,7 +7263,7 @@
               <a:buNone/>
             </a:pPr>
             <a:r>
-              <a:rPr b="0" i="0" lang="en-US" sz="4400" u="none" cap="none" strike="noStrike">
+              <a:rPr lang="en-US" sz="4400" b="0" i="0" u="none" strike="noStrike" cap="none">
                 <a:solidFill>
                   <a:schemeClr val="dk1"/>
                 </a:solidFill>
@@ -6890,7 +7284,7 @@
               <a:t>a</a:t>
             </a:r>
             <a:r>
-              <a:rPr b="0" i="0" lang="en-US" sz="4400" u="none" cap="none" strike="noStrike">
+              <a:rPr lang="en-US" sz="4400" b="0" i="0" u="none" strike="noStrike" cap="none">
                 <a:solidFill>
                   <a:schemeClr val="dk1"/>
                 </a:solidFill>
@@ -6903,7 +7297,7 @@
             </a:r>
           </a:p>
           <a:p>
-            <a:pPr indent="0" lvl="0" marL="0" marR="0" rtl="0" algn="ctr">
+            <a:pPr marL="0" marR="0" lvl="0" indent="0" algn="ctr" rtl="0">
               <a:spcBef>
                 <a:spcPts val="0"/>
               </a:spcBef>
@@ -6915,7 +7309,7 @@
               <a:buNone/>
             </a:pPr>
             <a:r>
-              <a:rPr b="0" i="0" lang="en-US" sz="4400" u="none" cap="none" strike="noStrike">
+              <a:rPr lang="en-US" sz="4400" b="0" i="0" u="none" strike="noStrike" cap="none">
                 <a:solidFill>
                   <a:schemeClr val="dk1"/>
                 </a:solidFill>
@@ -6932,9 +7326,11 @@
       <p:sp>
         <p:nvSpPr>
           <p:cNvPr id="65" name="Shape 65"/>
-          <p:cNvSpPr txBox="1"/>
+          <p:cNvSpPr txBox="1">
+            <a:spLocks noGrp="1"/>
+          </p:cNvSpPr>
           <p:nvPr>
-            <p:ph idx="1" type="subTitle"/>
+            <p:ph type="subTitle" idx="1"/>
           </p:nvPr>
         </p:nvSpPr>
         <p:spPr>
@@ -6951,12 +7347,12 @@
           </a:ln>
         </p:spPr>
         <p:txBody>
-          <a:bodyPr anchorCtr="0" anchor="t" bIns="45700" lIns="91425" rIns="91425" tIns="45700">
+          <a:bodyPr lIns="91425" tIns="45700" rIns="91425" bIns="45700" anchor="t" anchorCtr="0">
             <a:noAutofit/>
           </a:bodyPr>
           <a:lstStyle/>
           <a:p>
-            <a:pPr indent="0" lvl="0" marL="0" marR="0" rtl="0" algn="ctr">
+            <a:pPr marL="0" marR="0" lvl="0" indent="0" algn="ctr" rtl="0">
               <a:spcBef>
                 <a:spcPts val="0"/>
               </a:spcBef>
@@ -6971,7 +7367,7 @@
               <a:buNone/>
             </a:pPr>
             <a:r>
-              <a:rPr b="0" i="0" lang="en-US" sz="3200" u="none" cap="none" strike="noStrike">
+              <a:rPr lang="en-US" sz="3200" b="0" i="0" u="none" strike="noStrike" cap="none">
                 <a:solidFill>
                   <a:srgbClr val="888888"/>
                 </a:solidFill>
@@ -6984,7 +7380,7 @@
             </a:r>
           </a:p>
           <a:p>
-            <a:pPr indent="0" lvl="0" marL="0" marR="0" rtl="0" algn="ctr">
+            <a:pPr marL="0" marR="0" lvl="0" indent="0" algn="ctr" rtl="0">
               <a:spcBef>
                 <a:spcPts val="640"/>
               </a:spcBef>
@@ -6996,7 +7392,7 @@
               <a:buNone/>
             </a:pPr>
             <a:r>
-              <a:rPr b="0" i="0" lang="en-US" sz="3200" u="none" cap="none" strike="noStrike">
+              <a:rPr lang="en-US" sz="3200" b="0" i="0" u="none" strike="noStrike" cap="none">
                 <a:solidFill>
                   <a:srgbClr val="888888"/>
                 </a:solidFill>
@@ -7009,7 +7405,7 @@
             </a:r>
           </a:p>
           <a:p>
-            <a:pPr indent="0" lvl="0" marL="0" marR="0" rtl="0" algn="ctr">
+            <a:pPr marL="0" marR="0" lvl="0" indent="0" algn="ctr" rtl="0">
               <a:spcBef>
                 <a:spcPts val="640"/>
               </a:spcBef>
@@ -7048,29 +7444,29 @@
           </a:xfrm>
           <a:prstGeom prst="roundRect">
             <a:avLst>
-              <a:gd fmla="val 16667" name="adj"/>
+              <a:gd name="adj" fmla="val 16667"/>
             </a:avLst>
           </a:prstGeom>
           <a:solidFill>
             <a:srgbClr val="FFAB40"/>
           </a:solidFill>
-          <a:ln cap="flat" cmpd="sng" w="9525">
+          <a:ln w="9525" cap="flat" cmpd="sng">
             <a:solidFill>
               <a:srgbClr val="000000"/>
             </a:solidFill>
             <a:prstDash val="solid"/>
             <a:round/>
-            <a:headEnd len="med" w="med" type="none"/>
-            <a:tailEnd len="med" w="med" type="none"/>
+            <a:headEnd type="none" w="med" len="med"/>
+            <a:tailEnd type="none" w="med" len="med"/>
           </a:ln>
         </p:spPr>
         <p:txBody>
-          <a:bodyPr anchorCtr="0" anchor="t" bIns="45700" lIns="91425" rIns="91425" tIns="45700">
+          <a:bodyPr lIns="91425" tIns="45700" rIns="91425" bIns="45700" anchor="t" anchorCtr="0">
             <a:noAutofit/>
           </a:bodyPr>
           <a:lstStyle/>
           <a:p>
-            <a:pPr lvl="0" rtl="0" algn="ctr">
+            <a:pPr lvl="0" algn="ctr" rtl="0">
               <a:spcBef>
                 <a:spcPts val="0"/>
               </a:spcBef>
@@ -7105,11 +7501,11 @@
 </file>
 
 <file path=ppt/slides/slide10.xml><?xml version="1.0" encoding="utf-8"?>
-<p:sld xmlns:a="http://schemas.openxmlformats.org/drawingml/2006/main" xmlns:r="http://schemas.openxmlformats.org/officeDocument/2006/relationships" xmlns:mc="http://schemas.openxmlformats.org/markup-compatibility/2006" xmlns:mv="urn:schemas-microsoft-com:mac:vml" xmlns:p="http://schemas.openxmlformats.org/presentationml/2006/main" xmlns:c="http://schemas.openxmlformats.org/drawingml/2006/chart" xmlns:dgm="http://schemas.openxmlformats.org/drawingml/2006/diagram" xmlns:o="urn:schemas-microsoft-com:office:office" xmlns:v="urn:schemas-microsoft-com:vml" xmlns:pvml="urn:schemas-microsoft-com:office:powerpoint" xmlns:com="http://schemas.openxmlformats.org/drawingml/2006/compatibility" xmlns:p14="http://schemas.microsoft.com/office/powerpoint/2010/main">
+<p:sld xmlns:a="http://schemas.openxmlformats.org/drawingml/2006/main" xmlns:r="http://schemas.openxmlformats.org/officeDocument/2006/relationships" xmlns:p="http://schemas.openxmlformats.org/presentationml/2006/main">
   <p:cSld>
     <p:spTree>
       <p:nvGrpSpPr>
-        <p:cNvPr id="119" name="Shape 119"/>
+        <p:cNvPr id="1" name="Shape 119"/>
         <p:cNvGrpSpPr/>
         <p:nvPr/>
       </p:nvGrpSpPr>
@@ -7124,7 +7520,9 @@
       <p:sp>
         <p:nvSpPr>
           <p:cNvPr id="120" name="Shape 120"/>
-          <p:cNvSpPr txBox="1"/>
+          <p:cNvSpPr txBox="1">
+            <a:spLocks noGrp="1"/>
+          </p:cNvSpPr>
           <p:nvPr>
             <p:ph type="title"/>
           </p:nvPr>
@@ -7143,12 +7541,12 @@
           </a:ln>
         </p:spPr>
         <p:txBody>
-          <a:bodyPr anchorCtr="0" anchor="ctr" bIns="45700" lIns="91425" rIns="91425" tIns="45700">
+          <a:bodyPr lIns="91425" tIns="45700" rIns="91425" bIns="45700" anchor="ctr" anchorCtr="0">
             <a:noAutofit/>
           </a:bodyPr>
           <a:lstStyle/>
           <a:p>
-            <a:pPr indent="0" lvl="0" marL="0" marR="0" rtl="0" algn="ctr">
+            <a:pPr marL="0" marR="0" lvl="0" indent="0" algn="ctr" rtl="0">
               <a:spcBef>
                 <a:spcPts val="0"/>
               </a:spcBef>
@@ -7160,7 +7558,7 @@
               <a:buNone/>
             </a:pPr>
             <a:r>
-              <a:rPr b="0" i="0" lang="en-US" sz="3959" u="none" cap="none" strike="noStrike">
+              <a:rPr lang="en-US" sz="3959" b="0" i="0" u="none" strike="noStrike" cap="none">
                 <a:solidFill>
                   <a:schemeClr val="dk1"/>
                 </a:solidFill>
@@ -7177,9 +7575,11 @@
       <p:sp>
         <p:nvSpPr>
           <p:cNvPr id="121" name="Shape 121"/>
-          <p:cNvSpPr txBox="1"/>
+          <p:cNvSpPr txBox="1">
+            <a:spLocks noGrp="1"/>
+          </p:cNvSpPr>
           <p:nvPr>
-            <p:ph idx="1" type="body"/>
+            <p:ph type="body" idx="1"/>
           </p:nvPr>
         </p:nvSpPr>
         <p:spPr>
@@ -7196,12 +7596,12 @@
           </a:ln>
         </p:spPr>
         <p:txBody>
-          <a:bodyPr anchorCtr="0" anchor="t" bIns="45700" lIns="91425" rIns="91425" tIns="45700">
+          <a:bodyPr lIns="91425" tIns="45700" rIns="91425" bIns="45700" anchor="t" anchorCtr="0">
             <a:noAutofit/>
           </a:bodyPr>
           <a:lstStyle/>
           <a:p>
-            <a:pPr indent="-342900" lvl="0" marL="342900" marR="0" rtl="0" algn="l">
+            <a:pPr marL="342900" marR="0" lvl="0" indent="-342900" algn="l" rtl="0">
               <a:spcBef>
                 <a:spcPts val="0"/>
               </a:spcBef>
@@ -7216,7 +7616,7 @@
               <a:buChar char="•"/>
             </a:pPr>
             <a:r>
-              <a:rPr b="0" i="0" lang="en-US" sz="3200" u="none" cap="none" strike="noStrike">
+              <a:rPr lang="en-US" sz="3200" b="0" i="0" u="none" strike="noStrike" cap="none">
                 <a:solidFill>
                   <a:schemeClr val="dk1"/>
                 </a:solidFill>
@@ -7229,7 +7629,7 @@
             </a:r>
           </a:p>
           <a:p>
-            <a:pPr indent="-285750" lvl="1" marL="742950" marR="0" rtl="0" algn="l">
+            <a:pPr marL="742950" marR="0" lvl="1" indent="-285750" algn="l" rtl="0">
               <a:spcBef>
                 <a:spcPts val="560"/>
               </a:spcBef>
@@ -7244,7 +7644,7 @@
               <a:buChar char="–"/>
             </a:pPr>
             <a:r>
-              <a:rPr b="0" i="0" lang="en-US" sz="2800" u="none" cap="none" strike="noStrike">
+              <a:rPr lang="en-US" sz="2800" b="0" i="0" u="none" strike="noStrike" cap="none">
                 <a:solidFill>
                   <a:srgbClr val="000000"/>
                 </a:solidFill>
@@ -7256,7 +7656,7 @@
               <a:t>Steve’s answer: </a:t>
             </a:r>
             <a:r>
-              <a:rPr b="0" i="0" lang="en-US" sz="2800" u="none" cap="none" strike="noStrike">
+              <a:rPr lang="en-US" sz="2800" b="0" i="0" u="none" strike="noStrike" cap="none">
                 <a:solidFill>
                   <a:srgbClr val="1F497D"/>
                 </a:solidFill>
@@ -7269,7 +7669,7 @@
             </a:r>
           </a:p>
           <a:p>
-            <a:pPr indent="-285750" lvl="1" marL="742950" marR="0" rtl="0" algn="l">
+            <a:pPr marL="742950" marR="0" lvl="1" indent="-285750" algn="l" rtl="0">
               <a:spcBef>
                 <a:spcPts val="560"/>
               </a:spcBef>
@@ -7281,7 +7681,7 @@
               <a:buChar char="–"/>
             </a:pPr>
             <a:r>
-              <a:rPr b="0" i="0" lang="en-US" sz="2800" u="none" cap="none" strike="noStrike">
+              <a:rPr lang="en-US" sz="2800" b="0" i="0" u="none" strike="noStrike" cap="none">
                 <a:solidFill>
                   <a:schemeClr val="dk1"/>
                 </a:solidFill>
@@ -7304,11 +7704,11 @@
 </file>
 
 <file path=ppt/slides/slide11.xml><?xml version="1.0" encoding="utf-8"?>
-<p:sld xmlns:a="http://schemas.openxmlformats.org/drawingml/2006/main" xmlns:r="http://schemas.openxmlformats.org/officeDocument/2006/relationships" xmlns:mc="http://schemas.openxmlformats.org/markup-compatibility/2006" xmlns:mv="urn:schemas-microsoft-com:mac:vml" xmlns:p="http://schemas.openxmlformats.org/presentationml/2006/main" xmlns:c="http://schemas.openxmlformats.org/drawingml/2006/chart" xmlns:dgm="http://schemas.openxmlformats.org/drawingml/2006/diagram" xmlns:o="urn:schemas-microsoft-com:office:office" xmlns:v="urn:schemas-microsoft-com:vml" xmlns:pvml="urn:schemas-microsoft-com:office:powerpoint" xmlns:com="http://schemas.openxmlformats.org/drawingml/2006/compatibility" xmlns:p14="http://schemas.microsoft.com/office/powerpoint/2010/main">
+<p:sld xmlns:a="http://schemas.openxmlformats.org/drawingml/2006/main" xmlns:r="http://schemas.openxmlformats.org/officeDocument/2006/relationships" xmlns:p="http://schemas.openxmlformats.org/presentationml/2006/main">
   <p:cSld>
     <p:spTree>
       <p:nvGrpSpPr>
-        <p:cNvPr id="125" name="Shape 125"/>
+        <p:cNvPr id="1" name="Shape 125"/>
         <p:cNvGrpSpPr/>
         <p:nvPr/>
       </p:nvGrpSpPr>
@@ -7323,7 +7723,9 @@
       <p:sp>
         <p:nvSpPr>
           <p:cNvPr id="126" name="Shape 126"/>
-          <p:cNvSpPr txBox="1"/>
+          <p:cNvSpPr txBox="1">
+            <a:spLocks noGrp="1"/>
+          </p:cNvSpPr>
           <p:nvPr>
             <p:ph type="title"/>
           </p:nvPr>
@@ -7342,12 +7744,12 @@
           </a:ln>
         </p:spPr>
         <p:txBody>
-          <a:bodyPr anchorCtr="0" anchor="ctr" bIns="45700" lIns="91425" rIns="91425" tIns="45700">
+          <a:bodyPr lIns="91425" tIns="45700" rIns="91425" bIns="45700" anchor="ctr" anchorCtr="0">
             <a:noAutofit/>
           </a:bodyPr>
           <a:lstStyle/>
           <a:p>
-            <a:pPr indent="0" lvl="0" marL="0" marR="0" rtl="0" algn="ctr">
+            <a:pPr marL="0" marR="0" lvl="0" indent="0" algn="ctr" rtl="0">
               <a:spcBef>
                 <a:spcPts val="0"/>
               </a:spcBef>
@@ -7359,7 +7761,7 @@
               <a:buNone/>
             </a:pPr>
             <a:r>
-              <a:rPr b="0" i="0" lang="en-US" sz="3959" u="none" cap="none" strike="noStrike">
+              <a:rPr lang="en-US" sz="3959" b="0" i="0" u="none" strike="noStrike" cap="none">
                 <a:solidFill>
                   <a:schemeClr val="dk1"/>
                 </a:solidFill>
@@ -7376,9 +7778,11 @@
       <p:sp>
         <p:nvSpPr>
           <p:cNvPr id="127" name="Shape 127"/>
-          <p:cNvSpPr txBox="1"/>
+          <p:cNvSpPr txBox="1">
+            <a:spLocks noGrp="1"/>
+          </p:cNvSpPr>
           <p:nvPr>
-            <p:ph idx="1" type="body"/>
+            <p:ph type="body" idx="1"/>
           </p:nvPr>
         </p:nvSpPr>
         <p:spPr>
@@ -7395,12 +7799,12 @@
           </a:ln>
         </p:spPr>
         <p:txBody>
-          <a:bodyPr anchorCtr="0" anchor="t" bIns="45700" lIns="91425" rIns="91425" tIns="45700">
+          <a:bodyPr lIns="91425" tIns="45700" rIns="91425" bIns="45700" anchor="t" anchorCtr="0">
             <a:noAutofit/>
           </a:bodyPr>
           <a:lstStyle/>
           <a:p>
-            <a:pPr indent="-342900" lvl="0" marL="342900" marR="0" rtl="0" algn="l">
+            <a:pPr marL="342900" marR="0" lvl="0" indent="-342900" algn="l" rtl="0">
               <a:spcBef>
                 <a:spcPts val="0"/>
               </a:spcBef>
@@ -7415,7 +7819,7 @@
               <a:buChar char="•"/>
             </a:pPr>
             <a:r>
-              <a:rPr b="0" i="0" lang="en-US" sz="3200" u="none" cap="none" strike="noStrike">
+              <a:rPr lang="en-US" sz="3200" b="0" i="0" u="none" strike="noStrike" cap="none">
                 <a:solidFill>
                   <a:schemeClr val="dk1"/>
                 </a:solidFill>
@@ -7428,7 +7832,7 @@
             </a:r>
           </a:p>
           <a:p>
-            <a:pPr indent="-285750" lvl="1" marL="742950" marR="0" rtl="0" algn="l">
+            <a:pPr marL="742950" marR="0" lvl="1" indent="-285750" algn="l" rtl="0">
               <a:spcBef>
                 <a:spcPts val="560"/>
               </a:spcBef>
@@ -7443,7 +7847,7 @@
               <a:buChar char="–"/>
             </a:pPr>
             <a:r>
-              <a:rPr b="0" i="0" lang="en-US" sz="2800" u="none" cap="none" strike="noStrike">
+              <a:rPr lang="en-US" sz="2800" b="0" i="0" u="none" strike="noStrike" cap="none">
                 <a:solidFill>
                   <a:srgbClr val="000000"/>
                 </a:solidFill>
@@ -7455,7 +7859,7 @@
               <a:t>Steve’s answer: </a:t>
             </a:r>
             <a:r>
-              <a:rPr b="0" i="0" lang="en-US" sz="2800" u="none" cap="none" strike="noStrike">
+              <a:rPr lang="en-US" sz="2800" b="0" i="0" u="none" strike="noStrike" cap="none">
                 <a:solidFill>
                   <a:srgbClr val="1F497D"/>
                 </a:solidFill>
@@ -7468,7 +7872,7 @@
             </a:r>
           </a:p>
           <a:p>
-            <a:pPr indent="-285750" lvl="1" marL="742950" marR="0" rtl="0" algn="l">
+            <a:pPr marL="742950" marR="0" lvl="1" indent="-285750" algn="l" rtl="0">
               <a:spcBef>
                 <a:spcPts val="560"/>
               </a:spcBef>
@@ -7480,7 +7884,7 @@
               <a:buChar char="–"/>
             </a:pPr>
             <a:r>
-              <a:rPr b="0" i="0" lang="en-US" sz="2800" u="none" cap="none" strike="noStrike">
+              <a:rPr lang="en-US" sz="2800" b="0" i="0" u="none" strike="noStrike" cap="none">
                 <a:solidFill>
                   <a:schemeClr val="dk1"/>
                 </a:solidFill>
@@ -7503,11 +7907,11 @@
 </file>
 
 <file path=ppt/slides/slide12.xml><?xml version="1.0" encoding="utf-8"?>
-<p:sld xmlns:a="http://schemas.openxmlformats.org/drawingml/2006/main" xmlns:r="http://schemas.openxmlformats.org/officeDocument/2006/relationships" xmlns:mc="http://schemas.openxmlformats.org/markup-compatibility/2006" xmlns:mv="urn:schemas-microsoft-com:mac:vml" xmlns:p="http://schemas.openxmlformats.org/presentationml/2006/main" xmlns:c="http://schemas.openxmlformats.org/drawingml/2006/chart" xmlns:dgm="http://schemas.openxmlformats.org/drawingml/2006/diagram" xmlns:o="urn:schemas-microsoft-com:office:office" xmlns:v="urn:schemas-microsoft-com:vml" xmlns:pvml="urn:schemas-microsoft-com:office:powerpoint" xmlns:com="http://schemas.openxmlformats.org/drawingml/2006/compatibility" xmlns:p14="http://schemas.microsoft.com/office/powerpoint/2010/main">
+<p:sld xmlns:a="http://schemas.openxmlformats.org/drawingml/2006/main" xmlns:r="http://schemas.openxmlformats.org/officeDocument/2006/relationships" xmlns:p="http://schemas.openxmlformats.org/presentationml/2006/main">
   <p:cSld>
     <p:spTree>
       <p:nvGrpSpPr>
-        <p:cNvPr id="131" name="Shape 131"/>
+        <p:cNvPr id="1" name="Shape 131"/>
         <p:cNvGrpSpPr/>
         <p:nvPr/>
       </p:nvGrpSpPr>
@@ -7522,7 +7926,9 @@
       <p:sp>
         <p:nvSpPr>
           <p:cNvPr id="132" name="Shape 132"/>
-          <p:cNvSpPr txBox="1"/>
+          <p:cNvSpPr txBox="1">
+            <a:spLocks noGrp="1"/>
+          </p:cNvSpPr>
           <p:nvPr>
             <p:ph type="title"/>
           </p:nvPr>
@@ -7541,12 +7947,12 @@
           </a:ln>
         </p:spPr>
         <p:txBody>
-          <a:bodyPr anchorCtr="0" anchor="ctr" bIns="45700" lIns="91425" rIns="91425" tIns="45700">
+          <a:bodyPr lIns="91425" tIns="45700" rIns="91425" bIns="45700" anchor="ctr" anchorCtr="0">
             <a:noAutofit/>
           </a:bodyPr>
           <a:lstStyle/>
           <a:p>
-            <a:pPr indent="0" lvl="0" marL="0" marR="0" rtl="0" algn="ctr">
+            <a:pPr marL="0" marR="0" lvl="0" indent="0" algn="ctr" rtl="0">
               <a:spcBef>
                 <a:spcPts val="0"/>
               </a:spcBef>
@@ -7558,7 +7964,7 @@
               <a:buNone/>
             </a:pPr>
             <a:r>
-              <a:rPr b="0" i="0" lang="en-US" sz="3959" u="none" cap="none" strike="noStrike">
+              <a:rPr lang="en-US" sz="3959" b="0" i="0" u="none" strike="noStrike" cap="none">
                 <a:solidFill>
                   <a:schemeClr val="dk1"/>
                 </a:solidFill>
@@ -7592,12 +7998,12 @@
           </a:ln>
         </p:spPr>
         <p:txBody>
-          <a:bodyPr anchorCtr="0" anchor="t" bIns="45700" lIns="91425" rIns="91425" tIns="45700">
+          <a:bodyPr lIns="91425" tIns="45700" rIns="91425" bIns="45700" anchor="t" anchorCtr="0">
             <a:noAutofit/>
           </a:bodyPr>
           <a:lstStyle/>
           <a:p>
-            <a:pPr indent="0" lvl="0" marL="0" marR="0" rtl="0" algn="l">
+            <a:pPr marL="0" marR="0" lvl="0" indent="0" algn="l" rtl="0">
               <a:spcBef>
                 <a:spcPts val="0"/>
               </a:spcBef>
@@ -7618,7 +8024,7 @@
             </a:r>
           </a:p>
           <a:p>
-            <a:pPr indent="0" lvl="0" marL="0" marR="0" rtl="0" algn="l">
+            <a:pPr marL="0" marR="0" lvl="0" indent="0" algn="l" rtl="0">
               <a:spcBef>
                 <a:spcPts val="0"/>
               </a:spcBef>
@@ -7639,7 +8045,7 @@
             </a:r>
           </a:p>
           <a:p>
-            <a:pPr indent="0" lvl="0" marL="0" marR="0" rtl="0" algn="l">
+            <a:pPr marL="0" marR="0" lvl="0" indent="0" algn="l" rtl="0">
               <a:spcBef>
                 <a:spcPts val="0"/>
               </a:spcBef>
@@ -7660,7 +8066,7 @@
             </a:r>
           </a:p>
           <a:p>
-            <a:pPr indent="0" lvl="0" marL="0" marR="0" rtl="0" algn="l">
+            <a:pPr marL="0" marR="0" lvl="0" indent="0" algn="l" rtl="0">
               <a:spcBef>
                 <a:spcPts val="0"/>
               </a:spcBef>
@@ -7681,7 +8087,7 @@
             </a:r>
           </a:p>
           <a:p>
-            <a:pPr indent="0" lvl="0" marL="0" marR="0" rtl="0" algn="l">
+            <a:pPr marL="0" marR="0" lvl="0" indent="0" algn="l" rtl="0">
               <a:spcBef>
                 <a:spcPts val="0"/>
               </a:spcBef>
@@ -7702,7 +8108,7 @@
             </a:r>
           </a:p>
           <a:p>
-            <a:pPr indent="0" lvl="0" marL="0" marR="0" rtl="0" algn="l">
+            <a:pPr marL="0" marR="0" lvl="0" indent="0" algn="l" rtl="0">
               <a:spcBef>
                 <a:spcPts val="0"/>
               </a:spcBef>
@@ -7723,15 +8129,12 @@
             </a:r>
           </a:p>
           <a:p>
-            <a:pPr indent="0" lvl="0" marL="0" marR="0" rtl="0" algn="l">
-              <a:spcBef>
-                <a:spcPts val="0"/>
-              </a:spcBef>
-              <a:buNone/>
-            </a:pPr>
-            <a:r>
-              <a:t/>
-            </a:r>
+            <a:pPr marL="0" marR="0" lvl="0" indent="0" algn="l" rtl="0">
+              <a:spcBef>
+                <a:spcPts val="0"/>
+              </a:spcBef>
+              <a:buNone/>
+            </a:pPr>
             <a:endParaRPr sz="2400">
               <a:solidFill>
                 <a:schemeClr val="dk1"/>
@@ -7753,11 +8156,11 @@
 </file>
 
 <file path=ppt/slides/slide13.xml><?xml version="1.0" encoding="utf-8"?>
-<p:sld xmlns:a="http://schemas.openxmlformats.org/drawingml/2006/main" xmlns:r="http://schemas.openxmlformats.org/officeDocument/2006/relationships" xmlns:mc="http://schemas.openxmlformats.org/markup-compatibility/2006" xmlns:mv="urn:schemas-microsoft-com:mac:vml" xmlns:p="http://schemas.openxmlformats.org/presentationml/2006/main" xmlns:c="http://schemas.openxmlformats.org/drawingml/2006/chart" xmlns:dgm="http://schemas.openxmlformats.org/drawingml/2006/diagram" xmlns:o="urn:schemas-microsoft-com:office:office" xmlns:v="urn:schemas-microsoft-com:vml" xmlns:pvml="urn:schemas-microsoft-com:office:powerpoint" xmlns:com="http://schemas.openxmlformats.org/drawingml/2006/compatibility" xmlns:p14="http://schemas.microsoft.com/office/powerpoint/2010/main">
+<p:sld xmlns:a="http://schemas.openxmlformats.org/drawingml/2006/main" xmlns:r="http://schemas.openxmlformats.org/officeDocument/2006/relationships" xmlns:p="http://schemas.openxmlformats.org/presentationml/2006/main">
   <p:cSld>
     <p:spTree>
       <p:nvGrpSpPr>
-        <p:cNvPr id="137" name="Shape 137"/>
+        <p:cNvPr id="1" name="Shape 137"/>
         <p:cNvGrpSpPr/>
         <p:nvPr/>
       </p:nvGrpSpPr>
@@ -7789,12 +8192,12 @@
           </a:ln>
         </p:spPr>
         <p:txBody>
-          <a:bodyPr anchorCtr="0" anchor="t" bIns="45700" lIns="91425" rIns="91425" tIns="45700">
+          <a:bodyPr lIns="91425" tIns="45700" rIns="91425" bIns="45700" anchor="t" anchorCtr="0">
             <a:noAutofit/>
           </a:bodyPr>
           <a:lstStyle/>
           <a:p>
-            <a:pPr indent="0" lvl="0" marL="0" marR="0" rtl="0" algn="l">
+            <a:pPr marL="0" marR="0" lvl="0" indent="0" algn="l" rtl="0">
               <a:spcBef>
                 <a:spcPts val="0"/>
               </a:spcBef>
@@ -7815,7 +8218,7 @@
             </a:r>
           </a:p>
           <a:p>
-            <a:pPr indent="0" lvl="0" marL="0" marR="0" rtl="0" algn="l">
+            <a:pPr marL="0" marR="0" lvl="0" indent="0" algn="l" rtl="0">
               <a:spcBef>
                 <a:spcPts val="0"/>
               </a:spcBef>
@@ -7836,7 +8239,7 @@
             </a:r>
           </a:p>
           <a:p>
-            <a:pPr indent="0" lvl="0" marL="0" marR="0" rtl="0" algn="l">
+            <a:pPr marL="0" marR="0" lvl="0" indent="0" algn="l" rtl="0">
               <a:spcBef>
                 <a:spcPts val="0"/>
               </a:spcBef>
@@ -7857,7 +8260,7 @@
             </a:r>
           </a:p>
           <a:p>
-            <a:pPr indent="0" lvl="0" marL="0" marR="0" rtl="0" algn="l">
+            <a:pPr marL="0" marR="0" lvl="0" indent="0" algn="l" rtl="0">
               <a:spcBef>
                 <a:spcPts val="0"/>
               </a:spcBef>
@@ -7878,7 +8281,7 @@
             </a:r>
           </a:p>
           <a:p>
-            <a:pPr indent="0" lvl="0" marL="0" marR="0" rtl="0" algn="l">
+            <a:pPr marL="0" marR="0" lvl="0" indent="0" algn="l" rtl="0">
               <a:spcBef>
                 <a:spcPts val="0"/>
               </a:spcBef>
@@ -7899,7 +8302,7 @@
             </a:r>
           </a:p>
           <a:p>
-            <a:pPr indent="0" lvl="0" marL="0" marR="0" rtl="0" algn="l">
+            <a:pPr marL="0" marR="0" lvl="0" indent="0" algn="l" rtl="0">
               <a:spcBef>
                 <a:spcPts val="0"/>
               </a:spcBef>
@@ -7920,7 +8323,7 @@
             </a:r>
           </a:p>
           <a:p>
-            <a:pPr indent="0" lvl="0" marL="0" marR="0" rtl="0" algn="l">
+            <a:pPr marL="0" marR="0" lvl="0" indent="0" algn="l" rtl="0">
               <a:spcBef>
                 <a:spcPts val="0"/>
               </a:spcBef>
@@ -7941,7 +8344,7 @@
             </a:r>
           </a:p>
           <a:p>
-            <a:pPr indent="0" lvl="0" marL="0" marR="0" rtl="0" algn="l">
+            <a:pPr marL="0" marR="0" lvl="0" indent="0" algn="l" rtl="0">
               <a:spcBef>
                 <a:spcPts val="0"/>
               </a:spcBef>
@@ -7962,7 +8365,7 @@
             </a:r>
           </a:p>
           <a:p>
-            <a:pPr indent="0" lvl="0" marL="0" marR="0" rtl="0" algn="l">
+            <a:pPr marL="0" marR="0" lvl="0" indent="0" algn="l" rtl="0">
               <a:spcBef>
                 <a:spcPts val="0"/>
               </a:spcBef>
@@ -7983,7 +8386,7 @@
             </a:r>
           </a:p>
           <a:p>
-            <a:pPr indent="0" lvl="0" marL="0" marR="0" rtl="0" algn="l">
+            <a:pPr marL="0" marR="0" lvl="0" indent="0" algn="l" rtl="0">
               <a:spcBef>
                 <a:spcPts val="0"/>
               </a:spcBef>
@@ -8004,7 +8407,7 @@
             </a:r>
           </a:p>
           <a:p>
-            <a:pPr indent="0" lvl="0" marL="0" marR="0" rtl="0" algn="l">
+            <a:pPr marL="0" marR="0" lvl="0" indent="0" algn="l" rtl="0">
               <a:spcBef>
                 <a:spcPts val="0"/>
               </a:spcBef>
@@ -8025,7 +8428,7 @@
             </a:r>
           </a:p>
           <a:p>
-            <a:pPr indent="0" lvl="0" marL="0" marR="0" rtl="0" algn="l">
+            <a:pPr marL="0" marR="0" lvl="0" indent="0" algn="l" rtl="0">
               <a:spcBef>
                 <a:spcPts val="0"/>
               </a:spcBef>
@@ -8046,7 +8449,7 @@
             </a:r>
           </a:p>
           <a:p>
-            <a:pPr indent="0" lvl="0" marL="0" marR="0" rtl="0" algn="l">
+            <a:pPr marL="0" marR="0" lvl="0" indent="0" algn="l" rtl="0">
               <a:spcBef>
                 <a:spcPts val="0"/>
               </a:spcBef>
@@ -8067,7 +8470,7 @@
             </a:r>
           </a:p>
           <a:p>
-            <a:pPr indent="0" lvl="0" marL="0" marR="0" rtl="0" algn="l">
+            <a:pPr marL="0" marR="0" lvl="0" indent="0" algn="l" rtl="0">
               <a:spcBef>
                 <a:spcPts val="0"/>
               </a:spcBef>
@@ -8088,7 +8491,7 @@
             </a:r>
           </a:p>
           <a:p>
-            <a:pPr indent="0" lvl="0" marL="0" marR="0" rtl="0" algn="l">
+            <a:pPr marL="0" marR="0" lvl="0" indent="0" algn="l" rtl="0">
               <a:spcBef>
                 <a:spcPts val="0"/>
               </a:spcBef>
@@ -8109,7 +8512,7 @@
             </a:r>
           </a:p>
           <a:p>
-            <a:pPr indent="0" lvl="0" marL="0" marR="0" rtl="0" algn="l">
+            <a:pPr marL="0" marR="0" lvl="0" indent="0" algn="l" rtl="0">
               <a:spcBef>
                 <a:spcPts val="0"/>
               </a:spcBef>
@@ -8140,7 +8543,7 @@
         <p:spPr>
           <a:xfrm>
             <a:off x="2259264" y="5598433"/>
-            <a:ext cx="4968026" cy="830996"/>
+            <a:ext cx="5403666" cy="830996"/>
           </a:xfrm>
           <a:prstGeom prst="rect">
             <a:avLst/>
@@ -8153,12 +8556,12 @@
           </a:ln>
         </p:spPr>
         <p:txBody>
-          <a:bodyPr anchorCtr="0" anchor="t" bIns="45700" lIns="91425" rIns="91425" tIns="45700">
+          <a:bodyPr lIns="91425" tIns="45700" rIns="91425" bIns="45700" anchor="t" anchorCtr="0">
             <a:noAutofit/>
           </a:bodyPr>
           <a:lstStyle/>
           <a:p>
-            <a:pPr indent="-457200" lvl="0" marL="457200" marR="0" rtl="0" algn="l">
+            <a:pPr marL="457200" marR="0" lvl="0" indent="-457200" algn="l" rtl="0">
               <a:spcBef>
                 <a:spcPts val="0"/>
               </a:spcBef>
@@ -8170,20 +8573,20 @@
               <a:buAutoNum type="arabicPeriod"/>
             </a:pPr>
             <a:r>
-              <a:rPr lang="en-US" sz="2400">
-                <a:solidFill>
-                  <a:schemeClr val="dk1"/>
-                </a:solidFill>
-                <a:latin typeface="Calibri"/>
-                <a:ea typeface="Calibri"/>
-                <a:cs typeface="Calibri"/>
-                <a:sym typeface="Calibri"/>
-              </a:rPr>
-              <a:t>Is it valid C syntax? Will it compile?</a:t>
-            </a:r>
-          </a:p>
-          <a:p>
-            <a:pPr indent="-457200" lvl="0" marL="457200" marR="0" rtl="0" algn="l">
+              <a:rPr lang="en-US" sz="2400" dirty="0">
+                <a:solidFill>
+                  <a:schemeClr val="dk1"/>
+                </a:solidFill>
+                <a:latin typeface="Calibri"/>
+                <a:ea typeface="Calibri"/>
+                <a:cs typeface="Calibri"/>
+                <a:sym typeface="Calibri"/>
+              </a:rPr>
+              <a:t>Is this valid C syntax? Will it compile?</a:t>
+            </a:r>
+          </a:p>
+          <a:p>
+            <a:pPr marL="457200" marR="0" lvl="0" indent="-457200" algn="l" rtl="0">
               <a:spcBef>
                 <a:spcPts val="0"/>
               </a:spcBef>
@@ -8195,7 +8598,7 @@
               <a:buAutoNum type="arabicPeriod"/>
             </a:pPr>
             <a:r>
-              <a:rPr lang="en-US" sz="2400">
+              <a:rPr lang="en-US" sz="2400" dirty="0">
                 <a:solidFill>
                   <a:schemeClr val="dk1"/>
                 </a:solidFill>
@@ -8231,12 +8634,12 @@
           </a:ln>
         </p:spPr>
         <p:txBody>
-          <a:bodyPr anchorCtr="0" anchor="t" bIns="45700" lIns="91425" rIns="91425" tIns="45700">
+          <a:bodyPr lIns="91425" tIns="45700" rIns="91425" bIns="45700" anchor="t" anchorCtr="0">
             <a:noAutofit/>
           </a:bodyPr>
           <a:lstStyle/>
           <a:p>
-            <a:pPr indent="0" lvl="0" marL="0" marR="0" rtl="0" algn="l">
+            <a:pPr marL="0" marR="0" lvl="0" indent="0" algn="l" rtl="0">
               <a:spcBef>
                 <a:spcPts val="0"/>
               </a:spcBef>
@@ -8256,7 +8659,7 @@
               <a:t>Different version of </a:t>
             </a:r>
             <a:r>
-              <a:rPr b="1" lang="en-US" sz="2400">
+              <a:rPr lang="en-US" sz="2400" b="1">
                 <a:solidFill>
                   <a:schemeClr val="dk1"/>
                 </a:solidFill>
@@ -8291,11 +8694,11 @@
 </file>
 
 <file path=ppt/slides/slide14.xml><?xml version="1.0" encoding="utf-8"?>
-<p:sld xmlns:a="http://schemas.openxmlformats.org/drawingml/2006/main" xmlns:r="http://schemas.openxmlformats.org/officeDocument/2006/relationships" xmlns:mc="http://schemas.openxmlformats.org/markup-compatibility/2006" xmlns:mv="urn:schemas-microsoft-com:mac:vml" xmlns:p="http://schemas.openxmlformats.org/presentationml/2006/main" xmlns:c="http://schemas.openxmlformats.org/drawingml/2006/chart" xmlns:dgm="http://schemas.openxmlformats.org/drawingml/2006/diagram" xmlns:o="urn:schemas-microsoft-com:office:office" xmlns:v="urn:schemas-microsoft-com:vml" xmlns:pvml="urn:schemas-microsoft-com:office:powerpoint" xmlns:com="http://schemas.openxmlformats.org/drawingml/2006/compatibility" xmlns:p14="http://schemas.microsoft.com/office/powerpoint/2010/main">
+<p:sld xmlns:a="http://schemas.openxmlformats.org/drawingml/2006/main" xmlns:r="http://schemas.openxmlformats.org/officeDocument/2006/relationships" xmlns:p="http://schemas.openxmlformats.org/presentationml/2006/main">
   <p:cSld>
     <p:spTree>
       <p:nvGrpSpPr>
-        <p:cNvPr id="144" name="Shape 144"/>
+        <p:cNvPr id="1" name="Shape 144"/>
         <p:cNvGrpSpPr/>
         <p:nvPr/>
       </p:nvGrpSpPr>
@@ -8310,7 +8713,9 @@
       <p:sp>
         <p:nvSpPr>
           <p:cNvPr id="145" name="Shape 145"/>
-          <p:cNvSpPr txBox="1"/>
+          <p:cNvSpPr txBox="1">
+            <a:spLocks noGrp="1"/>
+          </p:cNvSpPr>
           <p:nvPr>
             <p:ph type="title"/>
           </p:nvPr>
@@ -8329,12 +8734,12 @@
           </a:ln>
         </p:spPr>
         <p:txBody>
-          <a:bodyPr anchorCtr="0" anchor="ctr" bIns="45700" lIns="91425" rIns="91425" tIns="45700">
+          <a:bodyPr lIns="91425" tIns="45700" rIns="91425" bIns="45700" anchor="ctr" anchorCtr="0">
             <a:noAutofit/>
           </a:bodyPr>
           <a:lstStyle/>
           <a:p>
-            <a:pPr indent="0" lvl="0" marL="0" marR="0" rtl="0" algn="ctr">
+            <a:pPr marL="0" marR="0" lvl="0" indent="0" algn="ctr" rtl="0">
               <a:spcBef>
                 <a:spcPts val="0"/>
               </a:spcBef>
@@ -8346,7 +8751,7 @@
               <a:buNone/>
             </a:pPr>
             <a:r>
-              <a:rPr b="0" i="0" lang="en-US" sz="4400" u="none" cap="none" strike="noStrike">
+              <a:rPr lang="en-US" sz="4400" b="0" i="0" u="none" strike="noStrike" cap="none">
                 <a:solidFill>
                   <a:schemeClr val="dk1"/>
                 </a:solidFill>
@@ -8358,7 +8763,7 @@
               <a:t>Reason why </a:t>
             </a:r>
             <a:r>
-              <a:rPr b="1" i="0" lang="en-US" sz="4400" u="none" cap="none" strike="noStrike">
+              <a:rPr lang="en-US" sz="4400" b="1" i="0" u="none" strike="noStrike" cap="none">
                 <a:solidFill>
                   <a:schemeClr val="dk1"/>
                 </a:solidFill>
@@ -8370,7 +8775,7 @@
               <a:t>send2</a:t>
             </a:r>
             <a:r>
-              <a:rPr b="0" i="0" lang="en-US" sz="4400" u="none" cap="none" strike="noStrike">
+              <a:rPr lang="en-US" sz="4400" b="0" i="0" u="none" strike="noStrike" cap="none">
                 <a:solidFill>
                   <a:schemeClr val="dk1"/>
                 </a:solidFill>
@@ -8387,9 +8792,11 @@
       <p:sp>
         <p:nvSpPr>
           <p:cNvPr id="146" name="Shape 146"/>
-          <p:cNvSpPr txBox="1"/>
+          <p:cNvSpPr txBox="1">
+            <a:spLocks noGrp="1"/>
+          </p:cNvSpPr>
           <p:nvPr>
-            <p:ph idx="1" type="body"/>
+            <p:ph type="body" idx="1"/>
           </p:nvPr>
         </p:nvSpPr>
         <p:spPr>
@@ -8406,12 +8813,12 @@
           </a:ln>
         </p:spPr>
         <p:txBody>
-          <a:bodyPr anchorCtr="0" anchor="t" bIns="45700" lIns="91425" rIns="91425" tIns="45700">
+          <a:bodyPr lIns="91425" tIns="45700" rIns="91425" bIns="45700" anchor="t" anchorCtr="0">
             <a:noAutofit/>
           </a:bodyPr>
           <a:lstStyle/>
           <a:p>
-            <a:pPr indent="-342900" lvl="0" marL="342900" marR="0" rtl="0" algn="l">
+            <a:pPr marL="342900" marR="0" lvl="0" indent="-342900" algn="l" rtl="0">
               <a:lnSpc>
                 <a:spcPct val="80000"/>
               </a:lnSpc>
@@ -8429,7 +8836,7 @@
               <a:buChar char="•"/>
             </a:pPr>
             <a:r>
-              <a:rPr b="0" i="0" lang="en-US" sz="2400" u="none" cap="none" strike="noStrike">
+              <a:rPr lang="en-US" sz="2400" b="0" i="0" u="none" strike="noStrike" cap="none">
                 <a:solidFill>
                   <a:schemeClr val="dk1"/>
                 </a:solidFill>
@@ -8442,7 +8849,7 @@
             </a:r>
           </a:p>
           <a:p>
-            <a:pPr indent="-342900" lvl="0" marL="342900" marR="0" rtl="0" algn="l">
+            <a:pPr marL="342900" marR="0" lvl="0" indent="-342900" algn="l" rtl="0">
               <a:lnSpc>
                 <a:spcPct val="80000"/>
               </a:lnSpc>
@@ -8459,10 +8866,7 @@
               <a:buFont typeface="Arial"/>
               <a:buNone/>
             </a:pPr>
-            <a:r>
-              <a:t/>
-            </a:r>
-            <a:endParaRPr b="0" i="0" sz="2240" u="none" cap="none" strike="noStrike">
+            <a:endParaRPr sz="2240" b="0" i="0" u="none" strike="noStrike" cap="none">
               <a:solidFill>
                 <a:schemeClr val="dk1"/>
               </a:solidFill>
@@ -8473,7 +8877,7 @@
             </a:endParaRPr>
           </a:p>
           <a:p>
-            <a:pPr indent="-285750" lvl="1" marL="742950" marR="0" rtl="0" algn="l">
+            <a:pPr marL="742950" marR="0" lvl="1" indent="-285750" algn="l" rtl="0">
               <a:lnSpc>
                 <a:spcPct val="80000"/>
               </a:lnSpc>
@@ -8491,7 +8895,7 @@
               <a:buNone/>
             </a:pPr>
             <a:r>
-              <a:rPr b="0" i="0" lang="en-US" sz="1960" u="none" cap="none" strike="noStrike">
+              <a:rPr lang="en-US" sz="1960" b="0" i="0" u="none" strike="noStrike" cap="none">
                 <a:solidFill>
                   <a:schemeClr val="dk1"/>
                 </a:solidFill>
@@ -8504,7 +8908,7 @@
             </a:r>
           </a:p>
           <a:p>
-            <a:pPr indent="-342900" lvl="0" marL="342900" marR="0" rtl="0" algn="l">
+            <a:pPr marL="342900" marR="0" lvl="0" indent="-342900" algn="l" rtl="0">
               <a:lnSpc>
                 <a:spcPct val="80000"/>
               </a:lnSpc>
@@ -8521,10 +8925,7 @@
               <a:buFont typeface="Arial"/>
               <a:buNone/>
             </a:pPr>
-            <a:r>
-              <a:t/>
-            </a:r>
-            <a:endParaRPr b="0" i="0" sz="2240" u="none" cap="none" strike="noStrike">
+            <a:endParaRPr sz="2240" b="0" i="0" u="none" strike="noStrike" cap="none">
               <a:solidFill>
                 <a:schemeClr val="dk1"/>
               </a:solidFill>
@@ -8535,7 +8936,7 @@
             </a:endParaRPr>
           </a:p>
           <a:p>
-            <a:pPr indent="-285750" lvl="1" marL="742950" marR="0" rtl="0" algn="l">
+            <a:pPr marL="742950" marR="0" lvl="1" indent="-285750" algn="l" rtl="0">
               <a:lnSpc>
                 <a:spcPct val="80000"/>
               </a:lnSpc>
@@ -8553,7 +8954,7 @@
               <a:buNone/>
             </a:pPr>
             <a:r>
-              <a:rPr b="0" i="0" lang="en-US" sz="1960" u="none" cap="none" strike="noStrike">
+              <a:rPr lang="en-US" sz="1960" b="0" i="0" u="none" strike="noStrike" cap="none">
                 <a:solidFill>
                   <a:schemeClr val="dk1"/>
                 </a:solidFill>
@@ -8566,7 +8967,7 @@
             </a:r>
           </a:p>
           <a:p>
-            <a:pPr indent="-228600" lvl="2" marL="1143000" marR="0" rtl="0" algn="l">
+            <a:pPr marL="1143000" marR="0" lvl="2" indent="-228600" algn="l" rtl="0">
               <a:lnSpc>
                 <a:spcPct val="80000"/>
               </a:lnSpc>
@@ -8584,7 +8985,7 @@
               <a:buNone/>
             </a:pPr>
             <a:r>
-              <a:rPr b="0" i="0" lang="en-US" sz="1679" u="none" cap="none" strike="noStrike">
+              <a:rPr lang="en-US" sz="1679" b="0" i="0" u="none" strike="noStrike" cap="none">
                 <a:solidFill>
                   <a:schemeClr val="dk1"/>
                 </a:solidFill>
@@ -8596,7 +8997,7 @@
               <a:t>                                        </a:t>
             </a:r>
             <a:r>
-              <a:rPr b="0" i="0" lang="en-US" sz="1987" u="none" cap="none" strike="noStrike">
+              <a:rPr lang="en-US" sz="1987" b="0" i="0" u="none" strike="noStrike" cap="none">
                 <a:solidFill>
                   <a:schemeClr val="dk1"/>
                 </a:solidFill>
@@ -8609,7 +9010,7 @@
             </a:r>
           </a:p>
           <a:p>
-            <a:pPr indent="-342900" lvl="0" marL="342900" marR="0" rtl="0" algn="l">
+            <a:pPr marL="342900" marR="0" lvl="0" indent="-342900" algn="l" rtl="0">
               <a:lnSpc>
                 <a:spcPct val="80000"/>
               </a:lnSpc>
@@ -8626,10 +9027,7 @@
               <a:buFont typeface="Arial"/>
               <a:buNone/>
             </a:pPr>
-            <a:r>
-              <a:t/>
-            </a:r>
-            <a:endParaRPr b="0" i="0" sz="2240" u="none" cap="none" strike="noStrike">
+            <a:endParaRPr sz="2240" b="0" i="0" u="none" strike="noStrike" cap="none">
               <a:solidFill>
                 <a:schemeClr val="dk1"/>
               </a:solidFill>
@@ -8640,7 +9038,7 @@
             </a:endParaRPr>
           </a:p>
           <a:p>
-            <a:pPr indent="-285750" lvl="1" marL="742950" marR="0" rtl="0" algn="l">
+            <a:pPr marL="742950" marR="0" lvl="1" indent="-285750" algn="l" rtl="0">
               <a:lnSpc>
                 <a:spcPct val="80000"/>
               </a:lnSpc>
@@ -8658,7 +9056,7 @@
               <a:buNone/>
             </a:pPr>
             <a:r>
-              <a:rPr b="0" i="0" lang="en-US" sz="1960" u="none" cap="none" strike="noStrike">
+              <a:rPr lang="en-US" sz="1960" b="0" i="0" u="none" strike="noStrike" cap="none">
                 <a:solidFill>
                   <a:schemeClr val="dk1"/>
                 </a:solidFill>
@@ -8671,7 +9069,7 @@
             </a:r>
           </a:p>
           <a:p>
-            <a:pPr indent="-342900" lvl="0" marL="342900" marR="0" rtl="0" algn="l">
+            <a:pPr marL="342900" marR="0" lvl="0" indent="-342900" algn="l" rtl="0">
               <a:lnSpc>
                 <a:spcPct val="80000"/>
               </a:lnSpc>
@@ -8688,10 +9086,7 @@
               <a:buFont typeface="Arial"/>
               <a:buNone/>
             </a:pPr>
-            <a:r>
-              <a:t/>
-            </a:r>
-            <a:endParaRPr b="0" i="0" sz="2240" u="none" cap="none" strike="noStrike">
+            <a:endParaRPr sz="2240" b="0" i="0" u="none" strike="noStrike" cap="none">
               <a:solidFill>
                 <a:schemeClr val="dk1"/>
               </a:solidFill>
@@ -8702,7 +9097,7 @@
             </a:endParaRPr>
           </a:p>
           <a:p>
-            <a:pPr indent="-285750" lvl="1" marL="742950" marR="0" rtl="0" algn="l">
+            <a:pPr marL="742950" marR="0" lvl="1" indent="-285750" algn="l" rtl="0">
               <a:lnSpc>
                 <a:spcPct val="80000"/>
               </a:lnSpc>
@@ -8720,7 +9115,7 @@
               <a:buNone/>
             </a:pPr>
             <a:r>
-              <a:rPr b="0" i="0" lang="en-US" sz="1960" u="none" cap="none" strike="noStrike">
+              <a:rPr lang="en-US" sz="1960" b="0" i="0" u="none" strike="noStrike" cap="none">
                 <a:solidFill>
                   <a:schemeClr val="dk1"/>
                 </a:solidFill>
@@ -8733,7 +9128,7 @@
             </a:r>
           </a:p>
           <a:p>
-            <a:pPr indent="-285750" lvl="1" marL="742950" marR="0" rtl="0" algn="l">
+            <a:pPr marL="742950" marR="0" lvl="1" indent="-285750" algn="l" rtl="0">
               <a:lnSpc>
                 <a:spcPct val="80000"/>
               </a:lnSpc>
@@ -8750,10 +9145,7 @@
               <a:buFont typeface="Arial"/>
               <a:buNone/>
             </a:pPr>
-            <a:r>
-              <a:t/>
-            </a:r>
-            <a:endParaRPr b="0" i="0" sz="1960" u="none" cap="none" strike="noStrike">
+            <a:endParaRPr sz="1960" b="0" i="0" u="none" strike="noStrike" cap="none">
               <a:solidFill>
                 <a:schemeClr val="dk1"/>
               </a:solidFill>
@@ -8764,7 +9156,7 @@
             </a:endParaRPr>
           </a:p>
           <a:p>
-            <a:pPr indent="-342900" lvl="0" marL="342900" marR="0" rtl="0" algn="l">
+            <a:pPr marL="342900" marR="0" lvl="0" indent="-342900" algn="l" rtl="0">
               <a:lnSpc>
                 <a:spcPct val="80000"/>
               </a:lnSpc>
@@ -8782,7 +9174,7 @@
               <a:buChar char="•"/>
             </a:pPr>
             <a:r>
-              <a:rPr b="1" i="0" lang="en-US" sz="2400" u="none" cap="none" strike="noStrike">
+              <a:rPr lang="en-US" sz="2400" b="1" i="0" u="none" strike="noStrike" cap="none">
                 <a:solidFill>
                   <a:schemeClr val="dk1"/>
                 </a:solidFill>
@@ -8794,7 +9186,7 @@
               <a:t>send2</a:t>
             </a:r>
             <a:r>
-              <a:rPr b="0" i="0" lang="en-US" sz="2400" u="none" cap="none" strike="noStrike">
+              <a:rPr lang="en-US" sz="2400" b="0" i="0" u="none" strike="noStrike" cap="none">
                 <a:solidFill>
                   <a:schemeClr val="dk1"/>
                 </a:solidFill>
@@ -8806,7 +9198,7 @@
               <a:t> is faster than </a:t>
             </a:r>
             <a:r>
-              <a:rPr b="1" i="0" lang="en-US" sz="2400" u="none" cap="none" strike="noStrike">
+              <a:rPr lang="en-US" sz="2400" b="1" i="0" u="none" strike="noStrike" cap="none">
                 <a:solidFill>
                   <a:schemeClr val="dk1"/>
                 </a:solidFill>
@@ -8818,7 +9210,7 @@
               <a:t>send</a:t>
             </a:r>
             <a:r>
-              <a:rPr b="0" i="0" lang="en-US" sz="2400" u="none" cap="none" strike="noStrike">
+              <a:rPr lang="en-US" sz="2400" b="0" i="0" u="none" strike="noStrike" cap="none">
                 <a:solidFill>
                   <a:schemeClr val="dk1"/>
                 </a:solidFill>
@@ -8831,7 +9223,7 @@
             </a:r>
           </a:p>
           <a:p>
-            <a:pPr indent="-342900" lvl="0" marL="342900" marR="0" rtl="0" algn="l">
+            <a:pPr marL="342900" marR="0" lvl="0" indent="-342900" algn="l" rtl="0">
               <a:lnSpc>
                 <a:spcPct val="80000"/>
               </a:lnSpc>
@@ -8845,10 +9237,7 @@
               <a:buFont typeface="Arial"/>
               <a:buNone/>
             </a:pPr>
-            <a:r>
-              <a:t/>
-            </a:r>
-            <a:endParaRPr b="0" i="0" sz="2240" u="none" cap="none" strike="noStrike">
+            <a:endParaRPr sz="2240" b="0" i="0" u="none" strike="noStrike" cap="none">
               <a:solidFill>
                 <a:schemeClr val="dk1"/>
               </a:solidFill>
@@ -8869,11 +9258,11 @@
 </file>
 
 <file path=ppt/slides/slide15.xml><?xml version="1.0" encoding="utf-8"?>
-<p:sld xmlns:a="http://schemas.openxmlformats.org/drawingml/2006/main" xmlns:r="http://schemas.openxmlformats.org/officeDocument/2006/relationships" xmlns:mc="http://schemas.openxmlformats.org/markup-compatibility/2006" xmlns:mv="urn:schemas-microsoft-com:mac:vml" xmlns:p="http://schemas.openxmlformats.org/presentationml/2006/main" xmlns:c="http://schemas.openxmlformats.org/drawingml/2006/chart" xmlns:dgm="http://schemas.openxmlformats.org/drawingml/2006/diagram" xmlns:o="urn:schemas-microsoft-com:office:office" xmlns:v="urn:schemas-microsoft-com:vml" xmlns:pvml="urn:schemas-microsoft-com:office:powerpoint" xmlns:com="http://schemas.openxmlformats.org/drawingml/2006/compatibility" xmlns:p14="http://schemas.microsoft.com/office/powerpoint/2010/main">
+<p:sld xmlns:a="http://schemas.openxmlformats.org/drawingml/2006/main" xmlns:r="http://schemas.openxmlformats.org/officeDocument/2006/relationships" xmlns:p="http://schemas.openxmlformats.org/presentationml/2006/main">
   <p:cSld>
     <p:spTree>
       <p:nvGrpSpPr>
-        <p:cNvPr id="150" name="Shape 150"/>
+        <p:cNvPr id="1" name="Shape 150"/>
         <p:cNvGrpSpPr/>
         <p:nvPr/>
       </p:nvGrpSpPr>
@@ -8888,7 +9277,9 @@
       <p:sp>
         <p:nvSpPr>
           <p:cNvPr id="151" name="Shape 151"/>
-          <p:cNvSpPr txBox="1"/>
+          <p:cNvSpPr txBox="1">
+            <a:spLocks noGrp="1"/>
+          </p:cNvSpPr>
           <p:nvPr>
             <p:ph type="title"/>
           </p:nvPr>
@@ -8907,12 +9298,12 @@
           </a:ln>
         </p:spPr>
         <p:txBody>
-          <a:bodyPr anchorCtr="0" anchor="ctr" bIns="45700" lIns="91425" rIns="91425" tIns="45700">
+          <a:bodyPr lIns="91425" tIns="45700" rIns="91425" bIns="45700" anchor="ctr" anchorCtr="0">
             <a:noAutofit/>
           </a:bodyPr>
           <a:lstStyle/>
           <a:p>
-            <a:pPr indent="0" lvl="0" marL="0" marR="0" rtl="0" algn="ctr">
+            <a:pPr marL="0" marR="0" lvl="0" indent="0" algn="ctr" rtl="0">
               <a:spcBef>
                 <a:spcPts val="0"/>
               </a:spcBef>
@@ -8924,7 +9315,7 @@
               <a:buNone/>
             </a:pPr>
             <a:r>
-              <a:rPr b="0" i="0" lang="en-US" sz="4400" u="none" cap="none" strike="noStrike">
+              <a:rPr lang="en-US" sz="4400" b="0" i="0" u="none" strike="noStrike" cap="none">
                 <a:solidFill>
                   <a:schemeClr val="dk1"/>
                 </a:solidFill>
@@ -8941,9 +9332,11 @@
       <p:sp>
         <p:nvSpPr>
           <p:cNvPr id="152" name="Shape 152"/>
-          <p:cNvSpPr txBox="1"/>
+          <p:cNvSpPr txBox="1">
+            <a:spLocks noGrp="1"/>
+          </p:cNvSpPr>
           <p:nvPr>
-            <p:ph idx="1" type="body"/>
+            <p:ph type="body" idx="1"/>
           </p:nvPr>
         </p:nvSpPr>
         <p:spPr>
@@ -8960,12 +9353,12 @@
           </a:ln>
         </p:spPr>
         <p:txBody>
-          <a:bodyPr anchorCtr="0" anchor="t" bIns="45700" lIns="91425" rIns="91425" tIns="45700">
+          <a:bodyPr lIns="91425" tIns="45700" rIns="91425" bIns="45700" anchor="t" anchorCtr="0">
             <a:noAutofit/>
           </a:bodyPr>
           <a:lstStyle/>
           <a:p>
-            <a:pPr indent="-342900" lvl="0" marL="342900" marR="0" rtl="0" algn="l">
+            <a:pPr marL="342900" marR="0" lvl="0" indent="-342900" algn="l" rtl="0">
               <a:lnSpc>
                 <a:spcPct val="80000"/>
               </a:lnSpc>
@@ -8983,7 +9376,7 @@
               <a:buChar char="•"/>
             </a:pPr>
             <a:r>
-              <a:rPr b="0" i="0" lang="en-US" sz="2960" u="none" cap="none" strike="noStrike">
+              <a:rPr lang="en-US" sz="2960" b="0" i="0" u="none" strike="noStrike" cap="none">
                 <a:solidFill>
                   <a:schemeClr val="dk1"/>
                 </a:solidFill>
@@ -8996,7 +9389,7 @@
             </a:r>
           </a:p>
           <a:p>
-            <a:pPr indent="-285750" lvl="1" marL="742950" marR="0" rtl="0" algn="l">
+            <a:pPr marL="742950" marR="0" lvl="1" indent="-285750" algn="l" rtl="0">
               <a:lnSpc>
                 <a:spcPct val="80000"/>
               </a:lnSpc>
@@ -9014,7 +9407,7 @@
               <a:buChar char="–"/>
             </a:pPr>
             <a:r>
-              <a:rPr b="0" i="0" lang="en-US" sz="2590" u="none" cap="none" strike="noStrike">
+              <a:rPr lang="en-US" sz="2590" b="0" i="0" u="none" strike="noStrike" cap="none">
                 <a:solidFill>
                   <a:schemeClr val="dk1"/>
                 </a:solidFill>
@@ -9027,7 +9420,7 @@
             </a:r>
           </a:p>
           <a:p>
-            <a:pPr indent="-342900" lvl="0" marL="342900" marR="0" rtl="0" algn="l">
+            <a:pPr marL="342900" marR="0" lvl="0" indent="-342900" algn="l" rtl="0">
               <a:lnSpc>
                 <a:spcPct val="80000"/>
               </a:lnSpc>
@@ -9045,7 +9438,7 @@
               <a:buChar char="•"/>
             </a:pPr>
             <a:r>
-              <a:rPr b="0" i="0" lang="en-US" sz="2960" u="none" cap="none" strike="noStrike">
+              <a:rPr lang="en-US" sz="2960" b="0" i="0" u="none" strike="noStrike" cap="none">
                 <a:solidFill>
                   <a:schemeClr val="dk1"/>
                 </a:solidFill>
@@ -9058,7 +9451,7 @@
             </a:r>
           </a:p>
           <a:p>
-            <a:pPr indent="-285750" lvl="1" marL="742950" marR="0" rtl="0" algn="l">
+            <a:pPr marL="742950" marR="0" lvl="1" indent="-285750" algn="l" rtl="0">
               <a:lnSpc>
                 <a:spcPct val="80000"/>
               </a:lnSpc>
@@ -9076,7 +9469,7 @@
               <a:buChar char="–"/>
             </a:pPr>
             <a:r>
-              <a:rPr b="0" i="0" lang="en-US" sz="2590" u="none" cap="none" strike="noStrike">
+              <a:rPr lang="en-US" sz="2590" b="0" i="0" u="none" strike="noStrike" cap="none">
                 <a:solidFill>
                   <a:schemeClr val="dk1"/>
                 </a:solidFill>
@@ -9089,7 +9482,7 @@
             </a:r>
           </a:p>
           <a:p>
-            <a:pPr indent="-342900" lvl="0" marL="342900" marR="0" rtl="0" algn="l">
+            <a:pPr marL="342900" marR="0" lvl="0" indent="-342900" algn="l" rtl="0">
               <a:lnSpc>
                 <a:spcPct val="80000"/>
               </a:lnSpc>
@@ -9107,7 +9500,7 @@
               <a:buChar char="•"/>
             </a:pPr>
             <a:r>
-              <a:rPr b="0" i="0" lang="en-US" sz="2960" u="none" cap="none" strike="noStrike">
+              <a:rPr lang="en-US" sz="2960" b="0" i="0" u="none" strike="noStrike" cap="none">
                 <a:solidFill>
                   <a:schemeClr val="dk1"/>
                 </a:solidFill>
@@ -9120,7 +9513,7 @@
             </a:r>
           </a:p>
           <a:p>
-            <a:pPr indent="-285750" lvl="1" marL="742950" marR="0" rtl="0" algn="l">
+            <a:pPr marL="742950" marR="0" lvl="1" indent="-285750" algn="l" rtl="0">
               <a:lnSpc>
                 <a:spcPct val="80000"/>
               </a:lnSpc>
@@ -9138,7 +9531,7 @@
               <a:buChar char="–"/>
             </a:pPr>
             <a:r>
-              <a:rPr b="0" i="0" lang="en-US" sz="2590" u="none" cap="none" strike="noStrike">
+              <a:rPr lang="en-US" sz="2590" b="0" i="0" u="none" strike="noStrike" cap="none">
                 <a:solidFill>
                   <a:schemeClr val="dk1"/>
                 </a:solidFill>
@@ -9151,7 +9544,7 @@
             </a:r>
           </a:p>
           <a:p>
-            <a:pPr indent="-342900" lvl="0" marL="342900" marR="0" rtl="0" algn="l">
+            <a:pPr marL="342900" marR="0" lvl="0" indent="-342900" algn="l" rtl="0">
               <a:lnSpc>
                 <a:spcPct val="80000"/>
               </a:lnSpc>
@@ -9166,7 +9559,7 @@
               <a:buChar char="•"/>
             </a:pPr>
             <a:r>
-              <a:rPr b="0" i="0" lang="en-US" sz="2960" u="none" cap="none" strike="noStrike">
+              <a:rPr lang="en-US" sz="2960" b="0" i="0" u="none" strike="noStrike" cap="none">
                 <a:solidFill>
                   <a:schemeClr val="dk1"/>
                 </a:solidFill>
@@ -9189,11 +9582,11 @@
 </file>
 
 <file path=ppt/slides/slide16.xml><?xml version="1.0" encoding="utf-8"?>
-<p:sld xmlns:a="http://schemas.openxmlformats.org/drawingml/2006/main" xmlns:r="http://schemas.openxmlformats.org/officeDocument/2006/relationships" xmlns:mc="http://schemas.openxmlformats.org/markup-compatibility/2006" xmlns:mv="urn:schemas-microsoft-com:mac:vml" xmlns:p="http://schemas.openxmlformats.org/presentationml/2006/main" xmlns:c="http://schemas.openxmlformats.org/drawingml/2006/chart" xmlns:dgm="http://schemas.openxmlformats.org/drawingml/2006/diagram" xmlns:o="urn:schemas-microsoft-com:office:office" xmlns:v="urn:schemas-microsoft-com:vml" xmlns:pvml="urn:schemas-microsoft-com:office:powerpoint" xmlns:com="http://schemas.openxmlformats.org/drawingml/2006/compatibility" xmlns:p14="http://schemas.microsoft.com/office/powerpoint/2010/main">
+<p:sld xmlns:a="http://schemas.openxmlformats.org/drawingml/2006/main" xmlns:r="http://schemas.openxmlformats.org/officeDocument/2006/relationships" xmlns:p="http://schemas.openxmlformats.org/presentationml/2006/main">
   <p:cSld>
     <p:spTree>
       <p:nvGrpSpPr>
-        <p:cNvPr id="156" name="Shape 156"/>
+        <p:cNvPr id="1" name="Shape 156"/>
         <p:cNvGrpSpPr/>
         <p:nvPr/>
       </p:nvGrpSpPr>
@@ -9208,7 +9601,9 @@
       <p:sp>
         <p:nvSpPr>
           <p:cNvPr id="157" name="Shape 157"/>
-          <p:cNvSpPr txBox="1"/>
+          <p:cNvSpPr txBox="1">
+            <a:spLocks noGrp="1"/>
+          </p:cNvSpPr>
           <p:nvPr>
             <p:ph type="title"/>
           </p:nvPr>
@@ -9227,12 +9622,12 @@
           </a:ln>
         </p:spPr>
         <p:txBody>
-          <a:bodyPr anchorCtr="0" anchor="ctr" bIns="45700" lIns="91425" rIns="91425" tIns="45700">
+          <a:bodyPr lIns="91425" tIns="45700" rIns="91425" bIns="45700" anchor="ctr" anchorCtr="0">
             <a:noAutofit/>
           </a:bodyPr>
           <a:lstStyle/>
           <a:p>
-            <a:pPr indent="0" lvl="0" marL="0" marR="0" rtl="0" algn="ctr">
+            <a:pPr marL="0" marR="0" lvl="0" indent="0" algn="ctr" rtl="0">
               <a:spcBef>
                 <a:spcPts val="0"/>
               </a:spcBef>
@@ -9244,7 +9639,7 @@
               <a:buNone/>
             </a:pPr>
             <a:r>
-              <a:rPr b="0" i="0" lang="en-US" sz="3959" u="none" cap="none" strike="noStrike">
+              <a:rPr lang="en-US" sz="3959" b="0" i="0" u="none" strike="noStrike" cap="none">
                 <a:solidFill>
                   <a:schemeClr val="dk1"/>
                 </a:solidFill>
@@ -9261,9 +9656,11 @@
       <p:sp>
         <p:nvSpPr>
           <p:cNvPr id="158" name="Shape 158"/>
-          <p:cNvSpPr txBox="1"/>
+          <p:cNvSpPr txBox="1">
+            <a:spLocks noGrp="1"/>
+          </p:cNvSpPr>
           <p:nvPr>
-            <p:ph idx="1" type="body"/>
+            <p:ph type="body" idx="1"/>
           </p:nvPr>
         </p:nvSpPr>
         <p:spPr>
@@ -9280,12 +9677,12 @@
           </a:ln>
         </p:spPr>
         <p:txBody>
-          <a:bodyPr anchorCtr="0" anchor="t" bIns="45700" lIns="91425" rIns="91425" tIns="45700">
+          <a:bodyPr lIns="91425" tIns="45700" rIns="91425" bIns="45700" anchor="t" anchorCtr="0">
             <a:noAutofit/>
           </a:bodyPr>
           <a:lstStyle/>
           <a:p>
-            <a:pPr indent="-342900" lvl="0" marL="342900" marR="0" rtl="0" algn="l">
+            <a:pPr marL="342900" marR="0" lvl="0" indent="-342900" algn="l" rtl="0">
               <a:lnSpc>
                 <a:spcPct val="80000"/>
               </a:lnSpc>
@@ -9303,7 +9700,7 @@
               <a:buChar char="•"/>
             </a:pPr>
             <a:r>
-              <a:rPr b="0" i="0" lang="en-US" sz="2960" u="none" cap="none" strike="noStrike">
+              <a:rPr lang="en-US" sz="2960" b="0" i="0" u="none" strike="noStrike" cap="none">
                 <a:solidFill>
                   <a:schemeClr val="dk1"/>
                 </a:solidFill>
@@ -9316,7 +9713,7 @@
             </a:r>
           </a:p>
           <a:p>
-            <a:pPr indent="-285750" lvl="1" marL="742950" marR="0" rtl="0" algn="l">
+            <a:pPr marL="742950" marR="0" lvl="1" indent="-285750" algn="l" rtl="0">
               <a:lnSpc>
                 <a:spcPct val="80000"/>
               </a:lnSpc>
@@ -9334,7 +9731,7 @@
               <a:buChar char="–"/>
             </a:pPr>
             <a:r>
-              <a:rPr b="0" i="0" lang="en-US" sz="2590" u="none" cap="none" strike="noStrike">
+              <a:rPr lang="en-US" sz="2590" b="0" i="0" u="none" strike="noStrike" cap="none">
                 <a:solidFill>
                   <a:schemeClr val="dk1"/>
                 </a:solidFill>
@@ -9347,7 +9744,7 @@
             </a:r>
           </a:p>
           <a:p>
-            <a:pPr indent="-285750" lvl="1" marL="742950" marR="0" rtl="0" algn="l">
+            <a:pPr marL="742950" marR="0" lvl="1" indent="-285750" algn="l" rtl="0">
               <a:lnSpc>
                 <a:spcPct val="80000"/>
               </a:lnSpc>
@@ -9365,7 +9762,7 @@
               <a:buChar char="–"/>
             </a:pPr>
             <a:r>
-              <a:rPr b="0" i="0" lang="en-US" sz="2590" u="none" cap="none" strike="noStrike">
+              <a:rPr lang="en-US" sz="2590" b="0" i="0" u="none" strike="noStrike" cap="none">
                 <a:solidFill>
                   <a:schemeClr val="dk1"/>
                 </a:solidFill>
@@ -9378,7 +9775,7 @@
             </a:r>
           </a:p>
           <a:p>
-            <a:pPr indent="-285750" lvl="1" marL="742950" marR="0" rtl="0" algn="l">
+            <a:pPr marL="742950" marR="0" lvl="1" indent="-285750" algn="l" rtl="0">
               <a:lnSpc>
                 <a:spcPct val="80000"/>
               </a:lnSpc>
@@ -9396,7 +9793,7 @@
               <a:buChar char="–"/>
             </a:pPr>
             <a:r>
-              <a:rPr b="0" i="0" lang="en-US" sz="2590" u="none" cap="none" strike="noStrike">
+              <a:rPr lang="en-US" sz="2590" b="0" i="0" u="none" strike="noStrike" cap="none">
                 <a:solidFill>
                   <a:schemeClr val="dk1"/>
                 </a:solidFill>
@@ -9409,7 +9806,7 @@
             </a:r>
           </a:p>
           <a:p>
-            <a:pPr indent="-342900" lvl="0" marL="342900" marR="0" rtl="0" algn="l">
+            <a:pPr marL="342900" marR="0" lvl="0" indent="-342900" algn="l" rtl="0">
               <a:lnSpc>
                 <a:spcPct val="80000"/>
               </a:lnSpc>
@@ -9427,7 +9824,7 @@
               <a:buChar char="•"/>
             </a:pPr>
             <a:r>
-              <a:rPr b="0" i="0" lang="en-US" sz="2960" u="none" cap="none" strike="noStrike">
+              <a:rPr lang="en-US" sz="2960" b="0" i="0" u="none" strike="noStrike" cap="none">
                 <a:solidFill>
                   <a:schemeClr val="dk1"/>
                 </a:solidFill>
@@ -9440,7 +9837,7 @@
             </a:r>
           </a:p>
           <a:p>
-            <a:pPr indent="-285750" lvl="1" marL="742950" marR="0" rtl="0" algn="l">
+            <a:pPr marL="742950" marR="0" lvl="1" indent="-285750" algn="l" rtl="0">
               <a:lnSpc>
                 <a:spcPct val="80000"/>
               </a:lnSpc>
@@ -9458,7 +9855,7 @@
               <a:buChar char="–"/>
             </a:pPr>
             <a:r>
-              <a:rPr b="0" i="0" lang="en-US" sz="2590" u="none" cap="none" strike="noStrike">
+              <a:rPr lang="en-US" sz="2590" b="0" i="0" u="none" strike="noStrike" cap="none">
                 <a:solidFill>
                   <a:schemeClr val="dk1"/>
                 </a:solidFill>
@@ -9471,7 +9868,7 @@
             </a:r>
           </a:p>
           <a:p>
-            <a:pPr indent="-342900" lvl="0" marL="342900" marR="0" rtl="0" algn="l">
+            <a:pPr marL="342900" marR="0" lvl="0" indent="-342900" algn="l" rtl="0">
               <a:lnSpc>
                 <a:spcPct val="80000"/>
               </a:lnSpc>
@@ -9489,7 +9886,7 @@
               <a:buChar char="•"/>
             </a:pPr>
             <a:r>
-              <a:rPr b="0" i="0" lang="en-US" sz="2960" u="none" cap="none" strike="noStrike">
+              <a:rPr lang="en-US" sz="2960" b="0" i="0" u="none" strike="noStrike" cap="none">
                 <a:solidFill>
                   <a:schemeClr val="dk1"/>
                 </a:solidFill>
@@ -9502,7 +9899,7 @@
             </a:r>
           </a:p>
           <a:p>
-            <a:pPr indent="-285750" lvl="1" marL="742950" marR="0" rtl="0" algn="l">
+            <a:pPr marL="742950" marR="0" lvl="1" indent="-285750" algn="l" rtl="0">
               <a:lnSpc>
                 <a:spcPct val="80000"/>
               </a:lnSpc>
@@ -9517,7 +9914,7 @@
               <a:buChar char="–"/>
             </a:pPr>
             <a:r>
-              <a:rPr b="0" i="0" lang="en-US" sz="2590" u="none" cap="none" strike="noStrike">
+              <a:rPr lang="en-US" sz="2590" b="0" i="0" u="none" strike="noStrike" cap="none">
                 <a:solidFill>
                   <a:schemeClr val="dk1"/>
                 </a:solidFill>
@@ -9540,11 +9937,11 @@
 </file>
 
 <file path=ppt/slides/slide17.xml><?xml version="1.0" encoding="utf-8"?>
-<p:sld xmlns:a="http://schemas.openxmlformats.org/drawingml/2006/main" xmlns:r="http://schemas.openxmlformats.org/officeDocument/2006/relationships" xmlns:mc="http://schemas.openxmlformats.org/markup-compatibility/2006" xmlns:mv="urn:schemas-microsoft-com:mac:vml" xmlns:p="http://schemas.openxmlformats.org/presentationml/2006/main" xmlns:c="http://schemas.openxmlformats.org/drawingml/2006/chart" xmlns:dgm="http://schemas.openxmlformats.org/drawingml/2006/diagram" xmlns:o="urn:schemas-microsoft-com:office:office" xmlns:v="urn:schemas-microsoft-com:vml" xmlns:pvml="urn:schemas-microsoft-com:office:powerpoint" xmlns:com="http://schemas.openxmlformats.org/drawingml/2006/compatibility" xmlns:p14="http://schemas.microsoft.com/office/powerpoint/2010/main">
+<p:sld xmlns:a="http://schemas.openxmlformats.org/drawingml/2006/main" xmlns:r="http://schemas.openxmlformats.org/officeDocument/2006/relationships" xmlns:p="http://schemas.openxmlformats.org/presentationml/2006/main">
   <p:cSld>
     <p:spTree>
       <p:nvGrpSpPr>
-        <p:cNvPr id="162" name="Shape 162"/>
+        <p:cNvPr id="1" name="Shape 162"/>
         <p:cNvGrpSpPr/>
         <p:nvPr/>
       </p:nvGrpSpPr>
@@ -9559,7 +9956,9 @@
       <p:sp>
         <p:nvSpPr>
           <p:cNvPr id="163" name="Shape 163"/>
-          <p:cNvSpPr txBox="1"/>
+          <p:cNvSpPr txBox="1">
+            <a:spLocks noGrp="1"/>
+          </p:cNvSpPr>
           <p:nvPr>
             <p:ph type="title"/>
           </p:nvPr>
@@ -9578,12 +9977,12 @@
           </a:ln>
         </p:spPr>
         <p:txBody>
-          <a:bodyPr anchorCtr="0" anchor="ctr" bIns="45700" lIns="91425" rIns="91425" tIns="45700">
+          <a:bodyPr lIns="91425" tIns="45700" rIns="91425" bIns="45700" anchor="ctr" anchorCtr="0">
             <a:noAutofit/>
           </a:bodyPr>
           <a:lstStyle/>
           <a:p>
-            <a:pPr indent="0" lvl="0" marL="0" marR="0" rtl="0" algn="ctr">
+            <a:pPr marL="0" marR="0" lvl="0" indent="0" algn="ctr" rtl="0">
               <a:spcBef>
                 <a:spcPts val="0"/>
               </a:spcBef>
@@ -9595,7 +9994,7 @@
               <a:buNone/>
             </a:pPr>
             <a:r>
-              <a:rPr b="0" i="0" lang="en-US" sz="3959" u="none" cap="none" strike="noStrike">
+              <a:rPr lang="en-US" sz="3959" b="0" i="0" u="none" strike="noStrike" cap="none">
                 <a:solidFill>
                   <a:schemeClr val="dk1"/>
                 </a:solidFill>
@@ -9612,9 +10011,11 @@
       <p:sp>
         <p:nvSpPr>
           <p:cNvPr id="164" name="Shape 164"/>
-          <p:cNvSpPr txBox="1"/>
+          <p:cNvSpPr txBox="1">
+            <a:spLocks noGrp="1"/>
+          </p:cNvSpPr>
           <p:nvPr>
-            <p:ph idx="1" type="body"/>
+            <p:ph type="body" idx="1"/>
           </p:nvPr>
         </p:nvSpPr>
         <p:spPr>
@@ -9631,12 +10032,12 @@
           </a:ln>
         </p:spPr>
         <p:txBody>
-          <a:bodyPr anchorCtr="0" anchor="t" bIns="45700" lIns="91425" rIns="91425" tIns="45700">
+          <a:bodyPr lIns="91425" tIns="45700" rIns="91425" bIns="45700" anchor="t" anchorCtr="0">
             <a:noAutofit/>
           </a:bodyPr>
           <a:lstStyle/>
           <a:p>
-            <a:pPr indent="-342900" lvl="0" marL="342900" marR="0" rtl="0" algn="l">
+            <a:pPr marL="342900" marR="0" lvl="0" indent="-342900" algn="l" rtl="0">
               <a:spcBef>
                 <a:spcPts val="0"/>
               </a:spcBef>
@@ -9651,7 +10052,7 @@
               <a:buChar char="•"/>
             </a:pPr>
             <a:r>
-              <a:rPr b="0" i="0" lang="en-US" sz="2960" u="none" cap="none" strike="noStrike">
+              <a:rPr lang="en-US" sz="2960" b="0" i="0" u="none" strike="noStrike" cap="none">
                 <a:solidFill>
                   <a:schemeClr val="dk1"/>
                 </a:solidFill>
@@ -9664,7 +10065,7 @@
             </a:r>
           </a:p>
           <a:p>
-            <a:pPr indent="-285750" lvl="1" marL="742950" marR="0" rtl="0" algn="l">
+            <a:pPr marL="742950" marR="0" lvl="1" indent="-285750" algn="l" rtl="0">
               <a:spcBef>
                 <a:spcPts val="476"/>
               </a:spcBef>
@@ -9679,7 +10080,7 @@
               <a:buChar char="–"/>
             </a:pPr>
             <a:r>
-              <a:rPr b="0" i="0" lang="en-US" sz="2378" u="sng" cap="none" strike="noStrike">
+              <a:rPr lang="en-US" sz="2378" b="0" i="0" u="sng" strike="noStrike" cap="none">
                 <a:solidFill>
                   <a:schemeClr val="hlink"/>
                 </a:solidFill>
@@ -9693,7 +10094,7 @@
             </a:r>
           </a:p>
           <a:p>
-            <a:pPr indent="-285750" lvl="1" marL="742950" marR="0" rtl="0" algn="l">
+            <a:pPr marL="742950" marR="0" lvl="1" indent="-285750" algn="l" rtl="0">
               <a:spcBef>
                 <a:spcPts val="476"/>
               </a:spcBef>
@@ -9708,7 +10109,7 @@
               <a:buChar char="–"/>
             </a:pPr>
             <a:r>
-              <a:rPr b="0" i="0" lang="en-US" sz="2378" u="none" cap="none" strike="noStrike">
+              <a:rPr lang="en-US" sz="2378" b="0" i="0" u="none" strike="noStrike" cap="none">
                 <a:solidFill>
                   <a:schemeClr val="dk1"/>
                 </a:solidFill>
@@ -9721,7 +10122,7 @@
             </a:r>
           </a:p>
           <a:p>
-            <a:pPr indent="-342900" lvl="0" marL="342900" marR="0" rtl="0" algn="l">
+            <a:pPr marL="342900" marR="0" lvl="0" indent="-342900" algn="l" rtl="0">
               <a:spcBef>
                 <a:spcPts val="592"/>
               </a:spcBef>
@@ -9736,7 +10137,7 @@
               <a:buChar char="•"/>
             </a:pPr>
             <a:r>
-              <a:rPr b="0" i="0" lang="en-US" sz="2960" u="none" cap="none" strike="noStrike">
+              <a:rPr lang="en-US" sz="2960" b="0" i="0" u="none" strike="noStrike" cap="none">
                 <a:solidFill>
                   <a:schemeClr val="dk1"/>
                 </a:solidFill>
@@ -9749,7 +10150,7 @@
             </a:r>
           </a:p>
           <a:p>
-            <a:pPr indent="-285750" lvl="1" marL="742950" marR="0" rtl="0" algn="l">
+            <a:pPr marL="742950" marR="0" lvl="1" indent="-285750" algn="l" rtl="0">
               <a:spcBef>
                 <a:spcPts val="518"/>
               </a:spcBef>
@@ -9764,7 +10165,7 @@
               <a:buChar char="–"/>
             </a:pPr>
             <a:r>
-              <a:rPr b="0" i="0" lang="en-US" sz="2590" u="none" cap="none" strike="noStrike">
+              <a:rPr lang="en-US" sz="2590" b="0" i="0" u="none" strike="noStrike" cap="none">
                 <a:solidFill>
                   <a:schemeClr val="dk1"/>
                 </a:solidFill>
@@ -9777,7 +10178,7 @@
             </a:r>
           </a:p>
           <a:p>
-            <a:pPr indent="-342900" lvl="0" marL="342900" marR="0" rtl="0" algn="l">
+            <a:pPr marL="342900" marR="0" lvl="0" indent="-342900" algn="l" rtl="0">
               <a:spcBef>
                 <a:spcPts val="592"/>
               </a:spcBef>
@@ -9792,7 +10193,7 @@
               <a:buChar char="•"/>
             </a:pPr>
             <a:r>
-              <a:rPr b="0" i="0" lang="en-US" sz="2960" u="none" cap="none" strike="noStrike">
+              <a:rPr lang="en-US" sz="2960" b="0" i="0" u="none" strike="noStrike" cap="none">
                 <a:solidFill>
                   <a:schemeClr val="dk1"/>
                 </a:solidFill>
@@ -9805,7 +10206,7 @@
             </a:r>
           </a:p>
           <a:p>
-            <a:pPr indent="-285750" lvl="1" marL="742950" marR="0" rtl="0" algn="l">
+            <a:pPr marL="742950" marR="0" lvl="1" indent="-285750" algn="l" rtl="0">
               <a:spcBef>
                 <a:spcPts val="518"/>
               </a:spcBef>
@@ -9817,7 +10218,7 @@
               <a:buChar char="–"/>
             </a:pPr>
             <a:r>
-              <a:rPr b="0" i="0" lang="en-US" sz="2590" u="none" cap="none" strike="noStrike">
+              <a:rPr lang="en-US" sz="2590" b="0" i="0" u="none" strike="noStrike" cap="none">
                 <a:solidFill>
                   <a:schemeClr val="dk1"/>
                 </a:solidFill>
@@ -9840,11 +10241,11 @@
 </file>
 
 <file path=ppt/slides/slide18.xml><?xml version="1.0" encoding="utf-8"?>
-<p:sld xmlns:a="http://schemas.openxmlformats.org/drawingml/2006/main" xmlns:r="http://schemas.openxmlformats.org/officeDocument/2006/relationships" xmlns:mc="http://schemas.openxmlformats.org/markup-compatibility/2006" xmlns:mv="urn:schemas-microsoft-com:mac:vml" xmlns:p="http://schemas.openxmlformats.org/presentationml/2006/main" xmlns:c="http://schemas.openxmlformats.org/drawingml/2006/chart" xmlns:dgm="http://schemas.openxmlformats.org/drawingml/2006/diagram" xmlns:o="urn:schemas-microsoft-com:office:office" xmlns:v="urn:schemas-microsoft-com:vml" xmlns:pvml="urn:schemas-microsoft-com:office:powerpoint" xmlns:com="http://schemas.openxmlformats.org/drawingml/2006/compatibility" xmlns:p14="http://schemas.microsoft.com/office/powerpoint/2010/main">
+<p:sld xmlns:a="http://schemas.openxmlformats.org/drawingml/2006/main" xmlns:r="http://schemas.openxmlformats.org/officeDocument/2006/relationships" xmlns:p="http://schemas.openxmlformats.org/presentationml/2006/main">
   <p:cSld>
     <p:spTree>
       <p:nvGrpSpPr>
-        <p:cNvPr id="168" name="Shape 168"/>
+        <p:cNvPr id="1" name="Shape 168"/>
         <p:cNvGrpSpPr/>
         <p:nvPr/>
       </p:nvGrpSpPr>
@@ -9859,7 +10260,9 @@
       <p:sp>
         <p:nvSpPr>
           <p:cNvPr id="169" name="Shape 169"/>
-          <p:cNvSpPr txBox="1"/>
+          <p:cNvSpPr txBox="1">
+            <a:spLocks noGrp="1"/>
+          </p:cNvSpPr>
           <p:nvPr>
             <p:ph type="title"/>
           </p:nvPr>
@@ -9878,12 +10281,12 @@
           </a:ln>
         </p:spPr>
         <p:txBody>
-          <a:bodyPr anchorCtr="0" anchor="ctr" bIns="45700" lIns="91425" rIns="91425" tIns="45700">
+          <a:bodyPr lIns="91425" tIns="45700" rIns="91425" bIns="45700" anchor="ctr" anchorCtr="0">
             <a:noAutofit/>
           </a:bodyPr>
           <a:lstStyle/>
           <a:p>
-            <a:pPr indent="0" lvl="0" marL="0" marR="0" rtl="0" algn="ctr">
+            <a:pPr marL="0" marR="0" lvl="0" indent="0" algn="ctr" rtl="0">
               <a:spcBef>
                 <a:spcPts val="0"/>
               </a:spcBef>
@@ -9895,7 +10298,7 @@
               <a:buNone/>
             </a:pPr>
             <a:r>
-              <a:rPr b="0" i="0" lang="en-US" sz="4400" u="none" cap="none" strike="noStrike">
+              <a:rPr lang="en-US" sz="4400" b="0" i="0" u="none" strike="noStrike" cap="none">
                 <a:solidFill>
                   <a:schemeClr val="dk1"/>
                 </a:solidFill>
@@ -9929,12 +10332,12 @@
           </a:ln>
         </p:spPr>
         <p:txBody>
-          <a:bodyPr anchorCtr="0" anchor="t" bIns="45700" lIns="91425" rIns="91425" tIns="45700">
+          <a:bodyPr lIns="91425" tIns="45700" rIns="91425" bIns="45700" anchor="t" anchorCtr="0">
             <a:noAutofit/>
           </a:bodyPr>
           <a:lstStyle/>
           <a:p>
-            <a:pPr indent="0" lvl="0" marL="0" marR="0" rtl="0" algn="l">
+            <a:pPr marL="0" marR="0" lvl="0" indent="0" algn="l" rtl="0">
               <a:spcBef>
                 <a:spcPts val="0"/>
               </a:spcBef>
@@ -9955,7 +10358,7 @@
             </a:r>
           </a:p>
           <a:p>
-            <a:pPr indent="0" lvl="0" marL="0" marR="0" rtl="0" algn="l">
+            <a:pPr marL="0" marR="0" lvl="0" indent="0" algn="l" rtl="0">
               <a:spcBef>
                 <a:spcPts val="0"/>
               </a:spcBef>
@@ -9976,7 +10379,7 @@
             </a:r>
           </a:p>
           <a:p>
-            <a:pPr indent="0" lvl="0" marL="0" marR="0" rtl="0" algn="l">
+            <a:pPr marL="0" marR="0" lvl="0" indent="0" algn="l" rtl="0">
               <a:spcBef>
                 <a:spcPts val="0"/>
               </a:spcBef>
@@ -9997,15 +10400,12 @@
             </a:r>
           </a:p>
           <a:p>
-            <a:pPr indent="0" lvl="0" marL="0" marR="0" rtl="0" algn="l">
-              <a:spcBef>
-                <a:spcPts val="0"/>
-              </a:spcBef>
-              <a:buNone/>
-            </a:pPr>
-            <a:r>
-              <a:t/>
-            </a:r>
+            <a:pPr marL="0" marR="0" lvl="0" indent="0" algn="l" rtl="0">
+              <a:spcBef>
+                <a:spcPts val="0"/>
+              </a:spcBef>
+              <a:buNone/>
+            </a:pPr>
             <a:endParaRPr sz="1800">
               <a:solidFill>
                 <a:schemeClr val="dk1"/>
@@ -10017,7 +10417,7 @@
             </a:endParaRPr>
           </a:p>
           <a:p>
-            <a:pPr indent="0" lvl="0" marL="0" marR="0" rtl="0" algn="l">
+            <a:pPr marL="0" marR="0" lvl="0" indent="0" algn="l" rtl="0">
               <a:spcBef>
                 <a:spcPts val="0"/>
               </a:spcBef>
@@ -10038,7 +10438,7 @@
             </a:r>
           </a:p>
           <a:p>
-            <a:pPr indent="0" lvl="0" marL="0" marR="0" rtl="0" algn="l">
+            <a:pPr marL="0" marR="0" lvl="0" indent="0" algn="l" rtl="0">
               <a:spcBef>
                 <a:spcPts val="0"/>
               </a:spcBef>
@@ -10059,7 +10459,7 @@
             </a:r>
           </a:p>
           <a:p>
-            <a:pPr indent="0" lvl="0" marL="0" marR="0" rtl="0" algn="l">
+            <a:pPr marL="0" marR="0" lvl="0" indent="0" algn="l" rtl="0">
               <a:spcBef>
                 <a:spcPts val="0"/>
               </a:spcBef>
@@ -10080,15 +10480,12 @@
             </a:r>
           </a:p>
           <a:p>
-            <a:pPr indent="0" lvl="0" marL="0" marR="0" rtl="0" algn="l">
-              <a:spcBef>
-                <a:spcPts val="0"/>
-              </a:spcBef>
-              <a:buNone/>
-            </a:pPr>
-            <a:r>
-              <a:t/>
-            </a:r>
+            <a:pPr marL="0" marR="0" lvl="0" indent="0" algn="l" rtl="0">
+              <a:spcBef>
+                <a:spcPts val="0"/>
+              </a:spcBef>
+              <a:buNone/>
+            </a:pPr>
             <a:endParaRPr sz="1800">
               <a:solidFill>
                 <a:schemeClr val="dk1"/>
@@ -10100,7 +10497,7 @@
             </a:endParaRPr>
           </a:p>
           <a:p>
-            <a:pPr indent="0" lvl="0" marL="0" marR="0" rtl="0" algn="l">
+            <a:pPr marL="0" marR="0" lvl="0" indent="0" algn="l" rtl="0">
               <a:spcBef>
                 <a:spcPts val="0"/>
               </a:spcBef>
@@ -10121,7 +10518,7 @@
             </a:r>
           </a:p>
           <a:p>
-            <a:pPr indent="0" lvl="0" marL="0" marR="0" rtl="0" algn="l">
+            <a:pPr marL="0" marR="0" lvl="0" indent="0" algn="l" rtl="0">
               <a:spcBef>
                 <a:spcPts val="0"/>
               </a:spcBef>
@@ -10142,7 +10539,7 @@
             </a:r>
           </a:p>
           <a:p>
-            <a:pPr indent="0" lvl="0" marL="0" marR="0" rtl="0" algn="l">
+            <a:pPr marL="0" marR="0" lvl="0" indent="0" algn="l" rtl="0">
               <a:spcBef>
                 <a:spcPts val="0"/>
               </a:spcBef>
@@ -10163,7 +10560,7 @@
             </a:r>
           </a:p>
           <a:p>
-            <a:pPr indent="0" lvl="0" marL="0" marR="0" rtl="0" algn="l">
+            <a:pPr marL="0" marR="0" lvl="0" indent="0" algn="l" rtl="0">
               <a:spcBef>
                 <a:spcPts val="0"/>
               </a:spcBef>
@@ -10184,7 +10581,7 @@
             </a:r>
           </a:p>
           <a:p>
-            <a:pPr indent="0" lvl="0" marL="0" marR="0" rtl="0" algn="l">
+            <a:pPr marL="0" marR="0" lvl="0" indent="0" algn="l" rtl="0">
               <a:spcBef>
                 <a:spcPts val="0"/>
               </a:spcBef>
@@ -10205,7 +10602,7 @@
             </a:r>
           </a:p>
           <a:p>
-            <a:pPr indent="0" lvl="0" marL="0" marR="0" rtl="0" algn="l">
+            <a:pPr marL="0" marR="0" lvl="0" indent="0" algn="l" rtl="0">
               <a:spcBef>
                 <a:spcPts val="0"/>
               </a:spcBef>
@@ -10226,7 +10623,7 @@
             </a:r>
           </a:p>
           <a:p>
-            <a:pPr indent="0" lvl="0" marL="0" marR="0" rtl="0" algn="l">
+            <a:pPr marL="0" marR="0" lvl="0" indent="0" algn="l" rtl="0">
               <a:spcBef>
                 <a:spcPts val="0"/>
               </a:spcBef>
@@ -10247,15 +10644,12 @@
             </a:r>
           </a:p>
           <a:p>
-            <a:pPr indent="0" lvl="0" marL="0" marR="0" rtl="0" algn="l">
-              <a:spcBef>
-                <a:spcPts val="0"/>
-              </a:spcBef>
-              <a:buNone/>
-            </a:pPr>
-            <a:r>
-              <a:t/>
-            </a:r>
+            <a:pPr marL="0" marR="0" lvl="0" indent="0" algn="l" rtl="0">
+              <a:spcBef>
+                <a:spcPts val="0"/>
+              </a:spcBef>
+              <a:buNone/>
+            </a:pPr>
             <a:endParaRPr sz="1800">
               <a:solidFill>
                 <a:schemeClr val="dk1"/>
@@ -10290,12 +10684,12 @@
           </a:ln>
         </p:spPr>
         <p:txBody>
-          <a:bodyPr anchorCtr="0" anchor="t" bIns="45700" lIns="91425" rIns="91425" tIns="45700">
+          <a:bodyPr lIns="91425" tIns="45700" rIns="91425" bIns="45700" anchor="t" anchorCtr="0">
             <a:noAutofit/>
           </a:bodyPr>
           <a:lstStyle/>
           <a:p>
-            <a:pPr indent="0" lvl="0" marL="0" marR="0" rtl="0" algn="l">
+            <a:pPr marL="0" marR="0" lvl="0" indent="0" algn="l" rtl="0">
               <a:spcBef>
                 <a:spcPts val="0"/>
               </a:spcBef>
@@ -10326,11 +10720,11 @@
 </file>
 
 <file path=ppt/slides/slide19.xml><?xml version="1.0" encoding="utf-8"?>
-<p:sld xmlns:a="http://schemas.openxmlformats.org/drawingml/2006/main" xmlns:r="http://schemas.openxmlformats.org/officeDocument/2006/relationships" xmlns:mc="http://schemas.openxmlformats.org/markup-compatibility/2006" xmlns:mv="urn:schemas-microsoft-com:mac:vml" xmlns:p="http://schemas.openxmlformats.org/presentationml/2006/main" xmlns:c="http://schemas.openxmlformats.org/drawingml/2006/chart" xmlns:dgm="http://schemas.openxmlformats.org/drawingml/2006/diagram" xmlns:o="urn:schemas-microsoft-com:office:office" xmlns:v="urn:schemas-microsoft-com:vml" xmlns:pvml="urn:schemas-microsoft-com:office:powerpoint" xmlns:com="http://schemas.openxmlformats.org/drawingml/2006/compatibility" xmlns:p14="http://schemas.microsoft.com/office/powerpoint/2010/main">
+<p:sld xmlns:a="http://schemas.openxmlformats.org/drawingml/2006/main" xmlns:r="http://schemas.openxmlformats.org/officeDocument/2006/relationships" xmlns:p="http://schemas.openxmlformats.org/presentationml/2006/main">
   <p:cSld>
     <p:spTree>
       <p:nvGrpSpPr>
-        <p:cNvPr id="175" name="Shape 175"/>
+        <p:cNvPr id="1" name="Shape 175"/>
         <p:cNvGrpSpPr/>
         <p:nvPr/>
       </p:nvGrpSpPr>
@@ -10362,12 +10756,12 @@
           </a:ln>
         </p:spPr>
         <p:txBody>
-          <a:bodyPr anchorCtr="0" anchor="t" bIns="45700" lIns="91425" rIns="91425" tIns="45700">
+          <a:bodyPr lIns="91425" tIns="45700" rIns="91425" bIns="45700" anchor="t" anchorCtr="0">
             <a:noAutofit/>
           </a:bodyPr>
           <a:lstStyle/>
           <a:p>
-            <a:pPr indent="0" lvl="0" marL="0" marR="0" rtl="0" algn="l">
+            <a:pPr marL="0" marR="0" lvl="0" indent="0" algn="l" rtl="0">
               <a:spcBef>
                 <a:spcPts val="0"/>
               </a:spcBef>
@@ -10388,15 +10782,12 @@
             </a:r>
           </a:p>
           <a:p>
-            <a:pPr indent="0" lvl="0" marL="0" marR="0" rtl="0" algn="l">
-              <a:spcBef>
-                <a:spcPts val="0"/>
-              </a:spcBef>
-              <a:buNone/>
-            </a:pPr>
-            <a:r>
-              <a:t/>
-            </a:r>
+            <a:pPr marL="0" marR="0" lvl="0" indent="0" algn="l" rtl="0">
+              <a:spcBef>
+                <a:spcPts val="0"/>
+              </a:spcBef>
+              <a:buNone/>
+            </a:pPr>
             <a:endParaRPr sz="2800">
               <a:solidFill>
                 <a:schemeClr val="dk1"/>
@@ -10408,7 +10799,7 @@
             </a:endParaRPr>
           </a:p>
           <a:p>
-            <a:pPr indent="0" lvl="0" marL="0" marR="0" rtl="0" algn="l">
+            <a:pPr marL="0" marR="0" lvl="0" indent="0" algn="l" rtl="0">
               <a:spcBef>
                 <a:spcPts val="0"/>
               </a:spcBef>
@@ -10429,7 +10820,7 @@
             </a:r>
           </a:p>
           <a:p>
-            <a:pPr indent="0" lvl="0" marL="0" marR="0" rtl="0" algn="l">
+            <a:pPr marL="0" marR="0" lvl="0" indent="0" algn="l" rtl="0">
               <a:spcBef>
                 <a:spcPts val="0"/>
               </a:spcBef>
@@ -10460,11 +10851,11 @@
 </file>
 
 <file path=ppt/slides/slide2.xml><?xml version="1.0" encoding="utf-8"?>
-<p:sld xmlns:a="http://schemas.openxmlformats.org/drawingml/2006/main" xmlns:r="http://schemas.openxmlformats.org/officeDocument/2006/relationships" xmlns:mc="http://schemas.openxmlformats.org/markup-compatibility/2006" xmlns:mv="urn:schemas-microsoft-com:mac:vml" xmlns:p="http://schemas.openxmlformats.org/presentationml/2006/main" xmlns:c="http://schemas.openxmlformats.org/drawingml/2006/chart" xmlns:dgm="http://schemas.openxmlformats.org/drawingml/2006/diagram" xmlns:o="urn:schemas-microsoft-com:office:office" xmlns:v="urn:schemas-microsoft-com:vml" xmlns:pvml="urn:schemas-microsoft-com:office:powerpoint" xmlns:com="http://schemas.openxmlformats.org/drawingml/2006/compatibility" xmlns:p14="http://schemas.microsoft.com/office/powerpoint/2010/main">
+<p:sld xmlns:a="http://schemas.openxmlformats.org/drawingml/2006/main" xmlns:r="http://schemas.openxmlformats.org/officeDocument/2006/relationships" xmlns:p="http://schemas.openxmlformats.org/presentationml/2006/main">
   <p:cSld>
     <p:spTree>
       <p:nvGrpSpPr>
-        <p:cNvPr id="70" name="Shape 70"/>
+        <p:cNvPr id="1" name="Shape 70"/>
         <p:cNvGrpSpPr/>
         <p:nvPr/>
       </p:nvGrpSpPr>
@@ -10496,12 +10887,12 @@
           </a:ln>
         </p:spPr>
         <p:txBody>
-          <a:bodyPr anchorCtr="0" anchor="t" bIns="45700" lIns="91425" rIns="91425" tIns="45700">
+          <a:bodyPr lIns="91425" tIns="45700" rIns="91425" bIns="45700" anchor="t" anchorCtr="0">
             <a:noAutofit/>
           </a:bodyPr>
           <a:lstStyle/>
           <a:p>
-            <a:pPr indent="0" lvl="0" marL="0" marR="0" rtl="0" algn="l">
+            <a:pPr marL="0" marR="0" lvl="0" indent="0" algn="l" rtl="0">
               <a:spcBef>
                 <a:spcPts val="0"/>
               </a:spcBef>
@@ -10509,7 +10900,7 @@
               <a:buNone/>
             </a:pPr>
             <a:r>
-              <a:rPr b="0" i="0" lang="en-US" sz="3200" u="none" cap="none" strike="noStrike">
+              <a:rPr lang="en-US" sz="3200" b="0" i="0" u="none" strike="noStrike" cap="none">
                 <a:solidFill>
                   <a:schemeClr val="dk1"/>
                 </a:solidFill>
@@ -10521,7 +10912,7 @@
               <a:t>“</a:t>
             </a:r>
             <a:r>
-              <a:rPr b="0" i="0" lang="en-US" sz="3200" u="none" cap="none" strike="noStrike">
+              <a:rPr lang="en-US" sz="3200" b="0" i="0" u="none" strike="noStrike" cap="none">
                 <a:solidFill>
                   <a:srgbClr val="1F497D"/>
                 </a:solidFill>
@@ -10533,7 +10924,7 @@
               <a:t>If you don't know how compilers work, then you don't know how computers work</a:t>
             </a:r>
             <a:r>
-              <a:rPr b="0" i="0" lang="en-US" sz="3200" u="none" cap="none" strike="noStrike">
+              <a:rPr lang="en-US" sz="3200" b="0" i="0" u="none" strike="noStrike" cap="none">
                 <a:solidFill>
                   <a:schemeClr val="dk1"/>
                 </a:solidFill>
@@ -10567,12 +10958,12 @@
           </a:ln>
         </p:spPr>
         <p:txBody>
-          <a:bodyPr anchorCtr="0" anchor="t" bIns="45700" lIns="91425" rIns="91425" tIns="45700">
+          <a:bodyPr lIns="91425" tIns="45700" rIns="91425" bIns="45700" anchor="t" anchorCtr="0">
             <a:noAutofit/>
           </a:bodyPr>
           <a:lstStyle/>
           <a:p>
-            <a:pPr indent="0" lvl="0" marL="0" marR="0" rtl="0" algn="l">
+            <a:pPr marL="0" marR="0" lvl="0" indent="0" algn="l" rtl="0">
               <a:spcBef>
                 <a:spcPts val="0"/>
               </a:spcBef>
@@ -10638,12 +11029,12 @@
           </a:ln>
         </p:spPr>
         <p:txBody>
-          <a:bodyPr anchorCtr="0" anchor="t" bIns="45700" lIns="91425" rIns="91425" tIns="45700">
+          <a:bodyPr lIns="91425" tIns="45700" rIns="91425" bIns="45700" anchor="t" anchorCtr="0">
             <a:noAutofit/>
           </a:bodyPr>
           <a:lstStyle/>
           <a:p>
-            <a:pPr indent="0" lvl="0" marL="0" marR="0" rtl="0" algn="l">
+            <a:pPr marL="0" marR="0" lvl="0" indent="0" algn="l" rtl="0">
               <a:spcBef>
                 <a:spcPts val="0"/>
               </a:spcBef>
@@ -10664,7 +11055,7 @@
             </a:r>
           </a:p>
           <a:p>
-            <a:pPr indent="0" lvl="0" marL="0" marR="0" rtl="0" algn="l">
+            <a:pPr marL="0" marR="0" lvl="0" indent="0" algn="l" rtl="0">
               <a:spcBef>
                 <a:spcPts val="0"/>
               </a:spcBef>
@@ -10695,11 +11086,11 @@
 </file>
 
 <file path=ppt/slides/slide20.xml><?xml version="1.0" encoding="utf-8"?>
-<p:sld xmlns:a="http://schemas.openxmlformats.org/drawingml/2006/main" xmlns:r="http://schemas.openxmlformats.org/officeDocument/2006/relationships" xmlns:mc="http://schemas.openxmlformats.org/markup-compatibility/2006" xmlns:mv="urn:schemas-microsoft-com:mac:vml" xmlns:p="http://schemas.openxmlformats.org/presentationml/2006/main" xmlns:c="http://schemas.openxmlformats.org/drawingml/2006/chart" xmlns:dgm="http://schemas.openxmlformats.org/drawingml/2006/diagram" xmlns:o="urn:schemas-microsoft-com:office:office" xmlns:v="urn:schemas-microsoft-com:vml" xmlns:pvml="urn:schemas-microsoft-com:office:powerpoint" xmlns:com="http://schemas.openxmlformats.org/drawingml/2006/compatibility" xmlns:p14="http://schemas.microsoft.com/office/powerpoint/2010/main">
+<p:sld xmlns:a="http://schemas.openxmlformats.org/drawingml/2006/main" xmlns:r="http://schemas.openxmlformats.org/officeDocument/2006/relationships" xmlns:p="http://schemas.openxmlformats.org/presentationml/2006/main">
   <p:cSld>
     <p:spTree>
       <p:nvGrpSpPr>
-        <p:cNvPr id="180" name="Shape 180"/>
+        <p:cNvPr id="1" name="Shape 180"/>
         <p:cNvGrpSpPr/>
         <p:nvPr/>
       </p:nvGrpSpPr>
@@ -10731,12 +11122,12 @@
           </a:ln>
         </p:spPr>
         <p:txBody>
-          <a:bodyPr anchorCtr="0" anchor="t" bIns="45700" lIns="91425" rIns="91425" tIns="45700">
+          <a:bodyPr lIns="91425" tIns="45700" rIns="91425" bIns="45700" anchor="t" anchorCtr="0">
             <a:noAutofit/>
           </a:bodyPr>
           <a:lstStyle/>
           <a:p>
-            <a:pPr indent="0" lvl="0" marL="0" marR="0" rtl="0" algn="l">
+            <a:pPr marL="0" marR="0" lvl="0" indent="0" algn="l" rtl="0">
               <a:spcBef>
                 <a:spcPts val="0"/>
               </a:spcBef>
@@ -10833,7 +11224,9 @@
       <p:sp>
         <p:nvSpPr>
           <p:cNvPr id="182" name="Shape 182"/>
-          <p:cNvSpPr txBox="1"/>
+          <p:cNvSpPr txBox="1">
+            <a:spLocks noGrp="1"/>
+          </p:cNvSpPr>
           <p:nvPr>
             <p:ph type="title"/>
           </p:nvPr>
@@ -10852,12 +11245,12 @@
           </a:ln>
         </p:spPr>
         <p:txBody>
-          <a:bodyPr anchorCtr="0" anchor="ctr" bIns="45700" lIns="91425" rIns="91425" tIns="45700">
+          <a:bodyPr lIns="91425" tIns="45700" rIns="91425" bIns="45700" anchor="ctr" anchorCtr="0">
             <a:noAutofit/>
           </a:bodyPr>
           <a:lstStyle/>
           <a:p>
-            <a:pPr indent="0" lvl="0" marL="0" marR="0" rtl="0" algn="ctr">
+            <a:pPr marL="0" marR="0" lvl="0" indent="0" algn="ctr" rtl="0">
               <a:spcBef>
                 <a:spcPts val="0"/>
               </a:spcBef>
@@ -10869,7 +11262,7 @@
               <a:buNone/>
             </a:pPr>
             <a:r>
-              <a:rPr b="0" i="0" lang="en-US" sz="3959" u="none" cap="none" strike="noStrike">
+              <a:rPr lang="en-US" sz="3959" b="0" i="0" u="none" strike="noStrike" cap="none">
                 <a:solidFill>
                   <a:schemeClr val="dk1"/>
                 </a:solidFill>
@@ -10903,12 +11296,12 @@
           </a:ln>
         </p:spPr>
         <p:txBody>
-          <a:bodyPr anchorCtr="0" anchor="t" bIns="45700" lIns="91425" rIns="91425" tIns="45700">
+          <a:bodyPr lIns="91425" tIns="45700" rIns="91425" bIns="45700" anchor="t" anchorCtr="0">
             <a:noAutofit/>
           </a:bodyPr>
           <a:lstStyle/>
           <a:p>
-            <a:pPr indent="0" lvl="0" marL="0" marR="0" rtl="0" algn="l">
+            <a:pPr marL="0" marR="0" lvl="0" indent="0" algn="l" rtl="0">
               <a:spcBef>
                 <a:spcPts val="0"/>
               </a:spcBef>
@@ -10929,7 +11322,7 @@
             </a:r>
           </a:p>
           <a:p>
-            <a:pPr indent="0" lvl="0" marL="0" marR="0" rtl="0" algn="l">
+            <a:pPr marL="0" marR="0" lvl="0" indent="0" algn="l" rtl="0">
               <a:spcBef>
                 <a:spcPts val="0"/>
               </a:spcBef>
@@ -10984,11 +11377,11 @@
 </file>
 
 <file path=ppt/slides/slide3.xml><?xml version="1.0" encoding="utf-8"?>
-<p:sld xmlns:a="http://schemas.openxmlformats.org/drawingml/2006/main" xmlns:r="http://schemas.openxmlformats.org/officeDocument/2006/relationships" xmlns:mc="http://schemas.openxmlformats.org/markup-compatibility/2006" xmlns:mv="urn:schemas-microsoft-com:mac:vml" xmlns:p="http://schemas.openxmlformats.org/presentationml/2006/main" xmlns:c="http://schemas.openxmlformats.org/drawingml/2006/chart" xmlns:dgm="http://schemas.openxmlformats.org/drawingml/2006/diagram" xmlns:o="urn:schemas-microsoft-com:office:office" xmlns:v="urn:schemas-microsoft-com:vml" xmlns:pvml="urn:schemas-microsoft-com:office:powerpoint" xmlns:com="http://schemas.openxmlformats.org/drawingml/2006/compatibility" xmlns:p14="http://schemas.microsoft.com/office/powerpoint/2010/main">
+<p:sld xmlns:a="http://schemas.openxmlformats.org/drawingml/2006/main" xmlns:r="http://schemas.openxmlformats.org/officeDocument/2006/relationships" xmlns:p="http://schemas.openxmlformats.org/presentationml/2006/main">
   <p:cSld>
     <p:spTree>
       <p:nvGrpSpPr>
-        <p:cNvPr id="77" name="Shape 77"/>
+        <p:cNvPr id="1" name="Shape 77"/>
         <p:cNvGrpSpPr/>
         <p:nvPr/>
       </p:nvGrpSpPr>
@@ -11020,12 +11413,12 @@
           </a:ln>
         </p:spPr>
         <p:txBody>
-          <a:bodyPr anchorCtr="0" anchor="t" bIns="45700" lIns="91425" rIns="91425" tIns="45700">
+          <a:bodyPr lIns="91425" tIns="45700" rIns="91425" bIns="45700" anchor="t" anchorCtr="0">
             <a:noAutofit/>
           </a:bodyPr>
           <a:lstStyle/>
           <a:p>
-            <a:pPr indent="0" lvl="0" marL="0" marR="0" rtl="0" algn="l">
+            <a:pPr marL="0" marR="0" lvl="0" indent="0" algn="l" rtl="0">
               <a:spcBef>
                 <a:spcPts val="0"/>
               </a:spcBef>
@@ -11122,7 +11515,9 @@
       <p:sp>
         <p:nvSpPr>
           <p:cNvPr id="79" name="Shape 79"/>
-          <p:cNvSpPr txBox="1"/>
+          <p:cNvSpPr txBox="1">
+            <a:spLocks noGrp="1"/>
+          </p:cNvSpPr>
           <p:nvPr>
             <p:ph type="title"/>
           </p:nvPr>
@@ -11141,12 +11536,12 @@
           </a:ln>
         </p:spPr>
         <p:txBody>
-          <a:bodyPr anchorCtr="0" anchor="ctr" bIns="45700" lIns="91425" rIns="91425" tIns="45700">
+          <a:bodyPr lIns="91425" tIns="45700" rIns="91425" bIns="45700" anchor="ctr" anchorCtr="0">
             <a:noAutofit/>
           </a:bodyPr>
           <a:lstStyle/>
           <a:p>
-            <a:pPr indent="0" lvl="0" marL="0" marR="0" rtl="0" algn="ctr">
+            <a:pPr marL="0" marR="0" lvl="0" indent="0" algn="ctr" rtl="0">
               <a:spcBef>
                 <a:spcPts val="0"/>
               </a:spcBef>
@@ -11158,7 +11553,7 @@
               <a:buNone/>
             </a:pPr>
             <a:r>
-              <a:rPr b="0" i="0" lang="en-US" sz="3959" u="none" cap="none" strike="noStrike">
+              <a:rPr lang="en-US" sz="3959" b="0" i="0" u="none" strike="noStrike" cap="none">
                 <a:solidFill>
                   <a:schemeClr val="dk1"/>
                 </a:solidFill>
@@ -11181,11 +11576,11 @@
 </file>
 
 <file path=ppt/slides/slide4.xml><?xml version="1.0" encoding="utf-8"?>
-<p:sld xmlns:a="http://schemas.openxmlformats.org/drawingml/2006/main" xmlns:r="http://schemas.openxmlformats.org/officeDocument/2006/relationships" xmlns:mc="http://schemas.openxmlformats.org/markup-compatibility/2006" xmlns:mv="urn:schemas-microsoft-com:mac:vml" xmlns:p="http://schemas.openxmlformats.org/presentationml/2006/main" xmlns:c="http://schemas.openxmlformats.org/drawingml/2006/chart" xmlns:dgm="http://schemas.openxmlformats.org/drawingml/2006/diagram" xmlns:o="urn:schemas-microsoft-com:office:office" xmlns:v="urn:schemas-microsoft-com:vml" xmlns:pvml="urn:schemas-microsoft-com:office:powerpoint" xmlns:com="http://schemas.openxmlformats.org/drawingml/2006/compatibility" xmlns:p14="http://schemas.microsoft.com/office/powerpoint/2010/main">
+<p:sld xmlns:a="http://schemas.openxmlformats.org/drawingml/2006/main" xmlns:r="http://schemas.openxmlformats.org/officeDocument/2006/relationships" xmlns:p="http://schemas.openxmlformats.org/presentationml/2006/main">
   <p:cSld>
     <p:spTree>
       <p:nvGrpSpPr>
-        <p:cNvPr id="83" name="Shape 83"/>
+        <p:cNvPr id="1" name="Shape 83"/>
         <p:cNvGrpSpPr/>
         <p:nvPr/>
       </p:nvGrpSpPr>
@@ -11217,12 +11612,12 @@
           </a:ln>
         </p:spPr>
         <p:txBody>
-          <a:bodyPr anchorCtr="0" anchor="t" bIns="45700" lIns="91425" rIns="91425" tIns="45700">
+          <a:bodyPr lIns="91425" tIns="45700" rIns="91425" bIns="45700" anchor="t" anchorCtr="0">
             <a:noAutofit/>
           </a:bodyPr>
           <a:lstStyle/>
           <a:p>
-            <a:pPr indent="0" lvl="0" marL="0" marR="0" rtl="0" algn="l">
+            <a:pPr marL="0" marR="0" lvl="0" indent="0" algn="l" rtl="0">
               <a:spcBef>
                 <a:spcPts val="0"/>
               </a:spcBef>
@@ -11271,7 +11666,9 @@
       <p:sp>
         <p:nvSpPr>
           <p:cNvPr id="85" name="Shape 85"/>
-          <p:cNvSpPr txBox="1"/>
+          <p:cNvSpPr txBox="1">
+            <a:spLocks noGrp="1"/>
+          </p:cNvSpPr>
           <p:nvPr>
             <p:ph type="title"/>
           </p:nvPr>
@@ -11290,12 +11687,12 @@
           </a:ln>
         </p:spPr>
         <p:txBody>
-          <a:bodyPr anchorCtr="0" anchor="ctr" bIns="45700" lIns="91425" rIns="91425" tIns="45700">
+          <a:bodyPr lIns="91425" tIns="45700" rIns="91425" bIns="45700" anchor="ctr" anchorCtr="0">
             <a:noAutofit/>
           </a:bodyPr>
           <a:lstStyle/>
           <a:p>
-            <a:pPr indent="0" lvl="0" marL="0" marR="0" rtl="0" algn="ctr">
+            <a:pPr marL="0" marR="0" lvl="0" indent="0" algn="ctr" rtl="0">
               <a:spcBef>
                 <a:spcPts val="0"/>
               </a:spcBef>
@@ -11307,7 +11704,7 @@
               <a:buNone/>
             </a:pPr>
             <a:r>
-              <a:rPr b="0" i="0" lang="en-US" sz="3959" u="none" cap="none" strike="noStrike">
+              <a:rPr lang="en-US" sz="3959" b="0" i="0" u="none" strike="noStrike" cap="none">
                 <a:solidFill>
                   <a:schemeClr val="dk1"/>
                 </a:solidFill>
@@ -11330,11 +11727,11 @@
 </file>
 
 <file path=ppt/slides/slide5.xml><?xml version="1.0" encoding="utf-8"?>
-<p:sld xmlns:a="http://schemas.openxmlformats.org/drawingml/2006/main" xmlns:r="http://schemas.openxmlformats.org/officeDocument/2006/relationships" xmlns:mc="http://schemas.openxmlformats.org/markup-compatibility/2006" xmlns:mv="urn:schemas-microsoft-com:mac:vml" xmlns:p="http://schemas.openxmlformats.org/presentationml/2006/main" xmlns:c="http://schemas.openxmlformats.org/drawingml/2006/chart" xmlns:dgm="http://schemas.openxmlformats.org/drawingml/2006/diagram" xmlns:o="urn:schemas-microsoft-com:office:office" xmlns:v="urn:schemas-microsoft-com:vml" xmlns:pvml="urn:schemas-microsoft-com:office:powerpoint" xmlns:com="http://schemas.openxmlformats.org/drawingml/2006/compatibility" xmlns:p14="http://schemas.microsoft.com/office/powerpoint/2010/main">
+<p:sld xmlns:a="http://schemas.openxmlformats.org/drawingml/2006/main" xmlns:r="http://schemas.openxmlformats.org/officeDocument/2006/relationships" xmlns:p="http://schemas.openxmlformats.org/presentationml/2006/main">
   <p:cSld>
     <p:spTree>
       <p:nvGrpSpPr>
-        <p:cNvPr id="89" name="Shape 89"/>
+        <p:cNvPr id="1" name="Shape 89"/>
         <p:cNvGrpSpPr/>
         <p:nvPr/>
       </p:nvGrpSpPr>
@@ -11349,7 +11746,9 @@
       <p:sp>
         <p:nvSpPr>
           <p:cNvPr id="90" name="Shape 90"/>
-          <p:cNvSpPr txBox="1"/>
+          <p:cNvSpPr txBox="1">
+            <a:spLocks noGrp="1"/>
+          </p:cNvSpPr>
           <p:nvPr>
             <p:ph type="title"/>
           </p:nvPr>
@@ -11368,12 +11767,12 @@
           </a:ln>
         </p:spPr>
         <p:txBody>
-          <a:bodyPr anchorCtr="0" anchor="ctr" bIns="45700" lIns="91425" rIns="91425" tIns="45700">
+          <a:bodyPr lIns="91425" tIns="45700" rIns="91425" bIns="45700" anchor="ctr" anchorCtr="0">
             <a:noAutofit/>
           </a:bodyPr>
           <a:lstStyle/>
           <a:p>
-            <a:pPr indent="0" lvl="0" marL="0" marR="0" rtl="0" algn="ctr">
+            <a:pPr marL="0" marR="0" lvl="0" indent="0" algn="ctr" rtl="0">
               <a:spcBef>
                 <a:spcPts val="0"/>
               </a:spcBef>
@@ -11385,7 +11784,7 @@
               <a:buNone/>
             </a:pPr>
             <a:r>
-              <a:rPr b="0" i="0" lang="en-US" sz="3959" u="none" cap="none" strike="noStrike">
+              <a:rPr lang="en-US" sz="3959" b="0" i="0" u="none" strike="noStrike" cap="none">
                 <a:solidFill>
                   <a:schemeClr val="dk1"/>
                 </a:solidFill>
@@ -11402,9 +11801,11 @@
       <p:sp>
         <p:nvSpPr>
           <p:cNvPr id="91" name="Shape 91"/>
-          <p:cNvSpPr txBox="1"/>
+          <p:cNvSpPr txBox="1">
+            <a:spLocks noGrp="1"/>
+          </p:cNvSpPr>
           <p:nvPr>
-            <p:ph idx="1" type="body"/>
+            <p:ph type="body" idx="1"/>
           </p:nvPr>
         </p:nvSpPr>
         <p:spPr>
@@ -11421,12 +11822,12 @@
           </a:ln>
         </p:spPr>
         <p:txBody>
-          <a:bodyPr anchorCtr="0" anchor="t" bIns="45700" lIns="91425" rIns="91425" tIns="45700">
+          <a:bodyPr lIns="91425" tIns="45700" rIns="91425" bIns="45700" anchor="t" anchorCtr="0">
             <a:noAutofit/>
           </a:bodyPr>
           <a:lstStyle/>
           <a:p>
-            <a:pPr indent="-342900" lvl="0" marL="342900" marR="0" rtl="0" algn="l">
+            <a:pPr marL="342900" marR="0" lvl="0" indent="-342900" algn="l" rtl="0">
               <a:spcBef>
                 <a:spcPts val="0"/>
               </a:spcBef>
@@ -11441,7 +11842,7 @@
               <a:buChar char="•"/>
             </a:pPr>
             <a:r>
-              <a:rPr b="0" i="0" lang="en-US" sz="3200" u="none" cap="none" strike="noStrike">
+              <a:rPr lang="en-US" sz="3200" b="0" i="0" u="none" strike="noStrike" cap="none">
                 <a:solidFill>
                   <a:schemeClr val="dk1"/>
                 </a:solidFill>
@@ -11454,7 +11855,7 @@
             </a:r>
           </a:p>
           <a:p>
-            <a:pPr indent="-285750" lvl="1" marL="742950" marR="0" rtl="0" algn="l">
+            <a:pPr marL="742950" marR="0" lvl="1" indent="-285750" algn="l" rtl="0">
               <a:spcBef>
                 <a:spcPts val="560"/>
               </a:spcBef>
@@ -11469,7 +11870,7 @@
               <a:buChar char="–"/>
             </a:pPr>
             <a:r>
-              <a:rPr b="0" i="0" lang="en-US" sz="2800" u="none" cap="none" strike="noStrike">
+              <a:rPr lang="en-US" sz="2800" b="0" i="0" u="none" strike="noStrike" cap="none">
                 <a:solidFill>
                   <a:srgbClr val="000000"/>
                 </a:solidFill>
@@ -11481,7 +11882,7 @@
               <a:t>Steve’s answer: </a:t>
             </a:r>
             <a:r>
-              <a:rPr b="0" i="0" lang="en-US" sz="2800" u="none" cap="none" strike="noStrike">
+              <a:rPr lang="en-US" sz="2800" b="0" i="0" u="none" strike="noStrike" cap="none">
                 <a:solidFill>
                   <a:srgbClr val="1F497D"/>
                 </a:solidFill>
@@ -11494,7 +11895,7 @@
             </a:r>
           </a:p>
           <a:p>
-            <a:pPr indent="-285750" lvl="1" marL="742950" marR="0" rtl="0" algn="l">
+            <a:pPr marL="742950" marR="0" lvl="1" indent="-285750" algn="l" rtl="0">
               <a:spcBef>
                 <a:spcPts val="560"/>
               </a:spcBef>
@@ -11506,7 +11907,7 @@
               <a:buChar char="–"/>
             </a:pPr>
             <a:r>
-              <a:rPr b="0" i="0" lang="en-US" sz="2800" u="none" cap="none" strike="noStrike">
+              <a:rPr lang="en-US" sz="2800" b="0" i="0" u="none" strike="noStrike" cap="none">
                 <a:solidFill>
                   <a:schemeClr val="dk1"/>
                 </a:solidFill>
@@ -11529,11 +11930,11 @@
 </file>
 
 <file path=ppt/slides/slide6.xml><?xml version="1.0" encoding="utf-8"?>
-<p:sld xmlns:a="http://schemas.openxmlformats.org/drawingml/2006/main" xmlns:r="http://schemas.openxmlformats.org/officeDocument/2006/relationships" xmlns:mc="http://schemas.openxmlformats.org/markup-compatibility/2006" xmlns:mv="urn:schemas-microsoft-com:mac:vml" xmlns:p="http://schemas.openxmlformats.org/presentationml/2006/main" xmlns:c="http://schemas.openxmlformats.org/drawingml/2006/chart" xmlns:dgm="http://schemas.openxmlformats.org/drawingml/2006/diagram" xmlns:o="urn:schemas-microsoft-com:office:office" xmlns:v="urn:schemas-microsoft-com:vml" xmlns:pvml="urn:schemas-microsoft-com:office:powerpoint" xmlns:com="http://schemas.openxmlformats.org/drawingml/2006/compatibility" xmlns:p14="http://schemas.microsoft.com/office/powerpoint/2010/main">
+<p:sld xmlns:a="http://schemas.openxmlformats.org/drawingml/2006/main" xmlns:r="http://schemas.openxmlformats.org/officeDocument/2006/relationships" xmlns:p="http://schemas.openxmlformats.org/presentationml/2006/main">
   <p:cSld>
     <p:spTree>
       <p:nvGrpSpPr>
-        <p:cNvPr id="95" name="Shape 95"/>
+        <p:cNvPr id="1" name="Shape 95"/>
         <p:cNvGrpSpPr/>
         <p:nvPr/>
       </p:nvGrpSpPr>
@@ -11548,7 +11949,9 @@
       <p:sp>
         <p:nvSpPr>
           <p:cNvPr id="96" name="Shape 96"/>
-          <p:cNvSpPr txBox="1"/>
+          <p:cNvSpPr txBox="1">
+            <a:spLocks noGrp="1"/>
+          </p:cNvSpPr>
           <p:nvPr>
             <p:ph type="title"/>
           </p:nvPr>
@@ -11567,12 +11970,12 @@
           </a:ln>
         </p:spPr>
         <p:txBody>
-          <a:bodyPr anchorCtr="0" anchor="ctr" bIns="45700" lIns="91425" rIns="91425" tIns="45700">
+          <a:bodyPr lIns="91425" tIns="45700" rIns="91425" bIns="45700" anchor="ctr" anchorCtr="0">
             <a:noAutofit/>
           </a:bodyPr>
           <a:lstStyle/>
           <a:p>
-            <a:pPr indent="0" lvl="0" marL="0" marR="0" rtl="0" algn="ctr">
+            <a:pPr marL="0" marR="0" lvl="0" indent="0" algn="ctr" rtl="0">
               <a:spcBef>
                 <a:spcPts val="0"/>
               </a:spcBef>
@@ -11584,7 +11987,7 @@
               <a:buNone/>
             </a:pPr>
             <a:r>
-              <a:rPr b="0" i="0" lang="en-US" sz="3959" u="none" cap="none" strike="noStrike">
+              <a:rPr lang="en-US" sz="3959" b="0" i="0" u="none" strike="noStrike" cap="none">
                 <a:solidFill>
                   <a:schemeClr val="dk1"/>
                 </a:solidFill>
@@ -11601,9 +12004,11 @@
       <p:sp>
         <p:nvSpPr>
           <p:cNvPr id="97" name="Shape 97"/>
-          <p:cNvSpPr txBox="1"/>
+          <p:cNvSpPr txBox="1">
+            <a:spLocks noGrp="1"/>
+          </p:cNvSpPr>
           <p:nvPr>
-            <p:ph idx="1" type="body"/>
+            <p:ph type="body" idx="1"/>
           </p:nvPr>
         </p:nvSpPr>
         <p:spPr>
@@ -11620,12 +12025,12 @@
           </a:ln>
         </p:spPr>
         <p:txBody>
-          <a:bodyPr anchorCtr="0" anchor="t" bIns="45700" lIns="91425" rIns="91425" tIns="45700">
+          <a:bodyPr lIns="91425" tIns="45700" rIns="91425" bIns="45700" anchor="t" anchorCtr="0">
             <a:noAutofit/>
           </a:bodyPr>
           <a:lstStyle/>
           <a:p>
-            <a:pPr indent="-342900" lvl="0" marL="342900" marR="0" rtl="0" algn="l">
+            <a:pPr marL="342900" marR="0" lvl="0" indent="-342900" algn="l" rtl="0">
               <a:spcBef>
                 <a:spcPts val="0"/>
               </a:spcBef>
@@ -11640,7 +12045,7 @@
               <a:buChar char="•"/>
             </a:pPr>
             <a:r>
-              <a:rPr b="0" i="0" lang="en-US" sz="3200" u="none" cap="none" strike="noStrike">
+              <a:rPr lang="en-US" sz="3200" b="0" i="0" u="none" strike="noStrike" cap="none">
                 <a:solidFill>
                   <a:schemeClr val="dk1"/>
                 </a:solidFill>
@@ -11653,7 +12058,7 @@
             </a:r>
           </a:p>
           <a:p>
-            <a:pPr indent="-285750" lvl="1" marL="742950" marR="0" rtl="0" algn="l">
+            <a:pPr marL="742950" marR="0" lvl="1" indent="-285750" algn="l" rtl="0">
               <a:spcBef>
                 <a:spcPts val="560"/>
               </a:spcBef>
@@ -11668,7 +12073,7 @@
               <a:buChar char="–"/>
             </a:pPr>
             <a:r>
-              <a:rPr b="0" i="0" lang="en-US" sz="2800" u="none" cap="none" strike="noStrike">
+              <a:rPr lang="en-US" sz="2800" b="0" i="0" u="none" strike="noStrike" cap="none">
                 <a:solidFill>
                   <a:srgbClr val="000000"/>
                 </a:solidFill>
@@ -11680,7 +12085,7 @@
               <a:t>Steve’s answer: </a:t>
             </a:r>
             <a:r>
-              <a:rPr b="0" i="0" lang="en-US" sz="2800" u="none" cap="none" strike="noStrike">
+              <a:rPr lang="en-US" sz="2800" b="0" i="0" u="none" strike="noStrike" cap="none">
                 <a:solidFill>
                   <a:srgbClr val="1F497D"/>
                 </a:solidFill>
@@ -11693,7 +12098,7 @@
             </a:r>
           </a:p>
           <a:p>
-            <a:pPr indent="-285750" lvl="1" marL="742950" marR="0" rtl="0" algn="l">
+            <a:pPr marL="742950" marR="0" lvl="1" indent="-285750" algn="l" rtl="0">
               <a:spcBef>
                 <a:spcPts val="560"/>
               </a:spcBef>
@@ -11705,7 +12110,7 @@
               <a:buChar char="–"/>
             </a:pPr>
             <a:r>
-              <a:rPr b="0" i="0" lang="en-US" sz="2800" u="none" cap="none" strike="noStrike">
+              <a:rPr lang="en-US" sz="2800" b="0" i="0" u="none" strike="noStrike" cap="none">
                 <a:solidFill>
                   <a:schemeClr val="dk1"/>
                 </a:solidFill>
@@ -11728,11 +12133,11 @@
 </file>
 
 <file path=ppt/slides/slide7.xml><?xml version="1.0" encoding="utf-8"?>
-<p:sld xmlns:a="http://schemas.openxmlformats.org/drawingml/2006/main" xmlns:r="http://schemas.openxmlformats.org/officeDocument/2006/relationships" xmlns:mc="http://schemas.openxmlformats.org/markup-compatibility/2006" xmlns:mv="urn:schemas-microsoft-com:mac:vml" xmlns:p="http://schemas.openxmlformats.org/presentationml/2006/main" xmlns:c="http://schemas.openxmlformats.org/drawingml/2006/chart" xmlns:dgm="http://schemas.openxmlformats.org/drawingml/2006/diagram" xmlns:o="urn:schemas-microsoft-com:office:office" xmlns:v="urn:schemas-microsoft-com:vml" xmlns:pvml="urn:schemas-microsoft-com:office:powerpoint" xmlns:com="http://schemas.openxmlformats.org/drawingml/2006/compatibility" xmlns:p14="http://schemas.microsoft.com/office/powerpoint/2010/main">
+<p:sld xmlns:a="http://schemas.openxmlformats.org/drawingml/2006/main" xmlns:r="http://schemas.openxmlformats.org/officeDocument/2006/relationships" xmlns:p="http://schemas.openxmlformats.org/presentationml/2006/main">
   <p:cSld>
     <p:spTree>
       <p:nvGrpSpPr>
-        <p:cNvPr id="101" name="Shape 101"/>
+        <p:cNvPr id="1" name="Shape 101"/>
         <p:cNvGrpSpPr/>
         <p:nvPr/>
       </p:nvGrpSpPr>
@@ -11747,7 +12152,9 @@
       <p:sp>
         <p:nvSpPr>
           <p:cNvPr id="102" name="Shape 102"/>
-          <p:cNvSpPr txBox="1"/>
+          <p:cNvSpPr txBox="1">
+            <a:spLocks noGrp="1"/>
+          </p:cNvSpPr>
           <p:nvPr>
             <p:ph type="title"/>
           </p:nvPr>
@@ -11766,12 +12173,12 @@
           </a:ln>
         </p:spPr>
         <p:txBody>
-          <a:bodyPr anchorCtr="0" anchor="ctr" bIns="45700" lIns="91425" rIns="91425" tIns="45700">
+          <a:bodyPr lIns="91425" tIns="45700" rIns="91425" bIns="45700" anchor="ctr" anchorCtr="0">
             <a:noAutofit/>
           </a:bodyPr>
           <a:lstStyle/>
           <a:p>
-            <a:pPr indent="0" lvl="0" marL="0" marR="0" rtl="0" algn="ctr">
+            <a:pPr marL="0" marR="0" lvl="0" indent="0" algn="ctr" rtl="0">
               <a:spcBef>
                 <a:spcPts val="0"/>
               </a:spcBef>
@@ -11783,7 +12190,7 @@
               <a:buNone/>
             </a:pPr>
             <a:r>
-              <a:rPr b="0" i="0" lang="en-US" sz="3959" u="none" cap="none" strike="noStrike">
+              <a:rPr lang="en-US" sz="3959" b="0" i="0" u="none" strike="noStrike" cap="none">
                 <a:solidFill>
                   <a:schemeClr val="dk1"/>
                 </a:solidFill>
@@ -11800,9 +12207,11 @@
       <p:sp>
         <p:nvSpPr>
           <p:cNvPr id="103" name="Shape 103"/>
-          <p:cNvSpPr txBox="1"/>
+          <p:cNvSpPr txBox="1">
+            <a:spLocks noGrp="1"/>
+          </p:cNvSpPr>
           <p:nvPr>
-            <p:ph idx="1" type="body"/>
+            <p:ph type="body" idx="1"/>
           </p:nvPr>
         </p:nvSpPr>
         <p:spPr>
@@ -11819,12 +12228,12 @@
           </a:ln>
         </p:spPr>
         <p:txBody>
-          <a:bodyPr anchorCtr="0" anchor="t" bIns="45700" lIns="91425" rIns="91425" tIns="45700">
+          <a:bodyPr lIns="91425" tIns="45700" rIns="91425" bIns="45700" anchor="t" anchorCtr="0">
             <a:noAutofit/>
           </a:bodyPr>
           <a:lstStyle/>
           <a:p>
-            <a:pPr indent="-342900" lvl="0" marL="342900" marR="0" rtl="0" algn="l">
+            <a:pPr marL="342900" marR="0" lvl="0" indent="-342900" algn="l" rtl="0">
               <a:spcBef>
                 <a:spcPts val="0"/>
               </a:spcBef>
@@ -11839,7 +12248,7 @@
               <a:buChar char="•"/>
             </a:pPr>
             <a:r>
-              <a:rPr b="0" i="0" lang="en-US" sz="3200" u="none" cap="none" strike="noStrike">
+              <a:rPr lang="en-US" sz="3200" b="0" i="0" u="none" strike="noStrike" cap="none">
                 <a:solidFill>
                   <a:schemeClr val="dk1"/>
                 </a:solidFill>
@@ -11852,7 +12261,7 @@
             </a:r>
           </a:p>
           <a:p>
-            <a:pPr indent="-285750" lvl="1" marL="742950" marR="0" rtl="0" algn="l">
+            <a:pPr marL="742950" marR="0" lvl="1" indent="-285750" algn="l" rtl="0">
               <a:spcBef>
                 <a:spcPts val="560"/>
               </a:spcBef>
@@ -11867,7 +12276,7 @@
               <a:buChar char="–"/>
             </a:pPr>
             <a:r>
-              <a:rPr b="0" i="0" lang="en-US" sz="2800" u="none" cap="none" strike="noStrike">
+              <a:rPr lang="en-US" sz="2800" b="0" i="0" u="none" strike="noStrike" cap="none">
                 <a:solidFill>
                   <a:srgbClr val="000000"/>
                 </a:solidFill>
@@ -11879,7 +12288,7 @@
               <a:t>Steve’s answer: </a:t>
             </a:r>
             <a:r>
-              <a:rPr b="0" i="0" lang="en-US" sz="2800" u="none" cap="none" strike="noStrike">
+              <a:rPr lang="en-US" sz="2800" b="0" i="0" u="none" strike="noStrike" cap="none">
                 <a:solidFill>
                   <a:srgbClr val="1F497D"/>
                 </a:solidFill>
@@ -11892,7 +12301,7 @@
             </a:r>
           </a:p>
           <a:p>
-            <a:pPr indent="-285750" lvl="1" marL="742950" marR="0" rtl="0" algn="l">
+            <a:pPr marL="742950" marR="0" lvl="1" indent="-285750" algn="l" rtl="0">
               <a:spcBef>
                 <a:spcPts val="560"/>
               </a:spcBef>
@@ -11904,7 +12313,7 @@
               <a:buChar char="–"/>
             </a:pPr>
             <a:r>
-              <a:rPr b="0" i="0" lang="en-US" sz="2800" u="none" cap="none" strike="noStrike">
+              <a:rPr lang="en-US" sz="2800" b="0" i="0" u="none" strike="noStrike" cap="none">
                 <a:solidFill>
                   <a:schemeClr val="dk1"/>
                 </a:solidFill>
@@ -11927,11 +12336,11 @@
 </file>
 
 <file path=ppt/slides/slide8.xml><?xml version="1.0" encoding="utf-8"?>
-<p:sld xmlns:a="http://schemas.openxmlformats.org/drawingml/2006/main" xmlns:r="http://schemas.openxmlformats.org/officeDocument/2006/relationships" xmlns:mc="http://schemas.openxmlformats.org/markup-compatibility/2006" xmlns:mv="urn:schemas-microsoft-com:mac:vml" xmlns:p="http://schemas.openxmlformats.org/presentationml/2006/main" xmlns:c="http://schemas.openxmlformats.org/drawingml/2006/chart" xmlns:dgm="http://schemas.openxmlformats.org/drawingml/2006/diagram" xmlns:o="urn:schemas-microsoft-com:office:office" xmlns:v="urn:schemas-microsoft-com:vml" xmlns:pvml="urn:schemas-microsoft-com:office:powerpoint" xmlns:com="http://schemas.openxmlformats.org/drawingml/2006/compatibility" xmlns:p14="http://schemas.microsoft.com/office/powerpoint/2010/main">
+<p:sld xmlns:a="http://schemas.openxmlformats.org/drawingml/2006/main" xmlns:r="http://schemas.openxmlformats.org/officeDocument/2006/relationships" xmlns:p="http://schemas.openxmlformats.org/presentationml/2006/main">
   <p:cSld>
     <p:spTree>
       <p:nvGrpSpPr>
-        <p:cNvPr id="107" name="Shape 107"/>
+        <p:cNvPr id="1" name="Shape 107"/>
         <p:cNvGrpSpPr/>
         <p:nvPr/>
       </p:nvGrpSpPr>
@@ -11946,7 +12355,9 @@
       <p:sp>
         <p:nvSpPr>
           <p:cNvPr id="108" name="Shape 108"/>
-          <p:cNvSpPr txBox="1"/>
+          <p:cNvSpPr txBox="1">
+            <a:spLocks noGrp="1"/>
+          </p:cNvSpPr>
           <p:nvPr>
             <p:ph type="title"/>
           </p:nvPr>
@@ -11965,12 +12376,12 @@
           </a:ln>
         </p:spPr>
         <p:txBody>
-          <a:bodyPr anchorCtr="0" anchor="ctr" bIns="45700" lIns="91425" rIns="91425" tIns="45700">
+          <a:bodyPr lIns="91425" tIns="45700" rIns="91425" bIns="45700" anchor="ctr" anchorCtr="0">
             <a:noAutofit/>
           </a:bodyPr>
           <a:lstStyle/>
           <a:p>
-            <a:pPr indent="0" lvl="0" marL="0" marR="0" rtl="0" algn="ctr">
+            <a:pPr marL="0" marR="0" lvl="0" indent="0" algn="ctr" rtl="0">
               <a:spcBef>
                 <a:spcPts val="0"/>
               </a:spcBef>
@@ -11982,7 +12393,7 @@
               <a:buNone/>
             </a:pPr>
             <a:r>
-              <a:rPr b="0" i="0" lang="en-US" sz="3959" u="none" cap="none" strike="noStrike">
+              <a:rPr lang="en-US" sz="3959" b="0" i="0" u="none" strike="noStrike" cap="none">
                 <a:solidFill>
                   <a:schemeClr val="dk1"/>
                 </a:solidFill>
@@ -11999,9 +12410,11 @@
       <p:sp>
         <p:nvSpPr>
           <p:cNvPr id="109" name="Shape 109"/>
-          <p:cNvSpPr txBox="1"/>
+          <p:cNvSpPr txBox="1">
+            <a:spLocks noGrp="1"/>
+          </p:cNvSpPr>
           <p:nvPr>
-            <p:ph idx="1" type="body"/>
+            <p:ph type="body" idx="1"/>
           </p:nvPr>
         </p:nvSpPr>
         <p:spPr>
@@ -12018,12 +12431,12 @@
           </a:ln>
         </p:spPr>
         <p:txBody>
-          <a:bodyPr anchorCtr="0" anchor="t" bIns="45700" lIns="91425" rIns="91425" tIns="45700">
+          <a:bodyPr lIns="91425" tIns="45700" rIns="91425" bIns="45700" anchor="t" anchorCtr="0">
             <a:noAutofit/>
           </a:bodyPr>
           <a:lstStyle/>
           <a:p>
-            <a:pPr indent="-342900" lvl="0" marL="342900" marR="0" rtl="0" algn="l">
+            <a:pPr marL="342900" marR="0" lvl="0" indent="-342900" algn="l" rtl="0">
               <a:spcBef>
                 <a:spcPts val="0"/>
               </a:spcBef>
@@ -12038,7 +12451,7 @@
               <a:buChar char="•"/>
             </a:pPr>
             <a:r>
-              <a:rPr b="0" i="0" lang="en-US" sz="3200" u="none" cap="none" strike="noStrike">
+              <a:rPr lang="en-US" sz="3200" b="0" i="0" u="none" strike="noStrike" cap="none">
                 <a:solidFill>
                   <a:schemeClr val="dk1"/>
                 </a:solidFill>
@@ -12051,7 +12464,7 @@
             </a:r>
           </a:p>
           <a:p>
-            <a:pPr indent="-285750" lvl="1" marL="742950" marR="0" rtl="0" algn="l">
+            <a:pPr marL="742950" marR="0" lvl="1" indent="-285750" algn="l" rtl="0">
               <a:spcBef>
                 <a:spcPts val="560"/>
               </a:spcBef>
@@ -12066,7 +12479,7 @@
               <a:buChar char="–"/>
             </a:pPr>
             <a:r>
-              <a:rPr b="0" i="0" lang="en-US" sz="2800" u="none" cap="none" strike="noStrike">
+              <a:rPr lang="en-US" sz="2800" b="0" i="0" u="none" strike="noStrike" cap="none">
                 <a:solidFill>
                   <a:srgbClr val="000000"/>
                 </a:solidFill>
@@ -12078,7 +12491,7 @@
               <a:t>Steve’s answer: </a:t>
             </a:r>
             <a:r>
-              <a:rPr b="0" i="0" lang="en-US" sz="2800" u="none" cap="none" strike="noStrike">
+              <a:rPr lang="en-US" sz="2800" b="0" i="0" u="none" strike="noStrike" cap="none">
                 <a:solidFill>
                   <a:srgbClr val="1F497D"/>
                 </a:solidFill>
@@ -12091,7 +12504,7 @@
             </a:r>
           </a:p>
           <a:p>
-            <a:pPr indent="-285750" lvl="1" marL="742950" marR="0" rtl="0" algn="l">
+            <a:pPr marL="742950" marR="0" lvl="1" indent="-285750" algn="l" rtl="0">
               <a:spcBef>
                 <a:spcPts val="560"/>
               </a:spcBef>
@@ -12103,7 +12516,7 @@
               <a:buChar char="–"/>
             </a:pPr>
             <a:r>
-              <a:rPr b="0" i="0" lang="en-US" sz="2800" u="none" cap="none" strike="noStrike">
+              <a:rPr lang="en-US" sz="2800" b="0" i="0" u="none" strike="noStrike" cap="none">
                 <a:solidFill>
                   <a:schemeClr val="dk1"/>
                 </a:solidFill>
@@ -12126,11 +12539,11 @@
 </file>
 
 <file path=ppt/slides/slide9.xml><?xml version="1.0" encoding="utf-8"?>
-<p:sld xmlns:a="http://schemas.openxmlformats.org/drawingml/2006/main" xmlns:r="http://schemas.openxmlformats.org/officeDocument/2006/relationships" xmlns:mc="http://schemas.openxmlformats.org/markup-compatibility/2006" xmlns:mv="urn:schemas-microsoft-com:mac:vml" xmlns:p="http://schemas.openxmlformats.org/presentationml/2006/main" xmlns:c="http://schemas.openxmlformats.org/drawingml/2006/chart" xmlns:dgm="http://schemas.openxmlformats.org/drawingml/2006/diagram" xmlns:o="urn:schemas-microsoft-com:office:office" xmlns:v="urn:schemas-microsoft-com:vml" xmlns:pvml="urn:schemas-microsoft-com:office:powerpoint" xmlns:com="http://schemas.openxmlformats.org/drawingml/2006/compatibility" xmlns:p14="http://schemas.microsoft.com/office/powerpoint/2010/main">
+<p:sld xmlns:a="http://schemas.openxmlformats.org/drawingml/2006/main" xmlns:r="http://schemas.openxmlformats.org/officeDocument/2006/relationships" xmlns:p="http://schemas.openxmlformats.org/presentationml/2006/main">
   <p:cSld>
     <p:spTree>
       <p:nvGrpSpPr>
-        <p:cNvPr id="113" name="Shape 113"/>
+        <p:cNvPr id="1" name="Shape 113"/>
         <p:cNvGrpSpPr/>
         <p:nvPr/>
       </p:nvGrpSpPr>
@@ -12145,7 +12558,9 @@
       <p:sp>
         <p:nvSpPr>
           <p:cNvPr id="114" name="Shape 114"/>
-          <p:cNvSpPr txBox="1"/>
+          <p:cNvSpPr txBox="1">
+            <a:spLocks noGrp="1"/>
+          </p:cNvSpPr>
           <p:nvPr>
             <p:ph type="title"/>
           </p:nvPr>
@@ -12164,12 +12579,12 @@
           </a:ln>
         </p:spPr>
         <p:txBody>
-          <a:bodyPr anchorCtr="0" anchor="ctr" bIns="45700" lIns="91425" rIns="91425" tIns="45700">
+          <a:bodyPr lIns="91425" tIns="45700" rIns="91425" bIns="45700" anchor="ctr" anchorCtr="0">
             <a:noAutofit/>
           </a:bodyPr>
           <a:lstStyle/>
           <a:p>
-            <a:pPr indent="0" lvl="0" marL="0" marR="0" rtl="0" algn="ctr">
+            <a:pPr marL="0" marR="0" lvl="0" indent="0" algn="ctr" rtl="0">
               <a:spcBef>
                 <a:spcPts val="0"/>
               </a:spcBef>
@@ -12181,7 +12596,7 @@
               <a:buNone/>
             </a:pPr>
             <a:r>
-              <a:rPr b="0" i="0" lang="en-US" sz="3959" u="none" cap="none" strike="noStrike">
+              <a:rPr lang="en-US" sz="3959" b="0" i="0" u="none" strike="noStrike" cap="none">
                 <a:solidFill>
                   <a:schemeClr val="dk1"/>
                 </a:solidFill>
@@ -12198,9 +12613,11 @@
       <p:sp>
         <p:nvSpPr>
           <p:cNvPr id="115" name="Shape 115"/>
-          <p:cNvSpPr txBox="1"/>
+          <p:cNvSpPr txBox="1">
+            <a:spLocks noGrp="1"/>
+          </p:cNvSpPr>
           <p:nvPr>
-            <p:ph idx="1" type="body"/>
+            <p:ph type="body" idx="1"/>
           </p:nvPr>
         </p:nvSpPr>
         <p:spPr>
@@ -12217,12 +12634,12 @@
           </a:ln>
         </p:spPr>
         <p:txBody>
-          <a:bodyPr anchorCtr="0" anchor="t" bIns="45700" lIns="91425" rIns="91425" tIns="45700">
+          <a:bodyPr lIns="91425" tIns="45700" rIns="91425" bIns="45700" anchor="t" anchorCtr="0">
             <a:noAutofit/>
           </a:bodyPr>
           <a:lstStyle/>
           <a:p>
-            <a:pPr indent="-342900" lvl="0" marL="342900" marR="0" rtl="0" algn="l">
+            <a:pPr marL="342900" marR="0" lvl="0" indent="-342900" algn="l" rtl="0">
               <a:lnSpc>
                 <a:spcPct val="90000"/>
               </a:lnSpc>
@@ -12240,7 +12657,7 @@
               <a:buChar char="•"/>
             </a:pPr>
             <a:r>
-              <a:rPr b="0" i="0" lang="en-US" sz="3200" u="none" cap="none" strike="noStrike">
+              <a:rPr lang="en-US" sz="3200" b="0" i="0" u="none" strike="noStrike" cap="none">
                 <a:solidFill>
                   <a:schemeClr val="dk1"/>
                 </a:solidFill>
@@ -12253,7 +12670,7 @@
             </a:r>
           </a:p>
           <a:p>
-            <a:pPr indent="-285750" lvl="1" marL="742950" marR="0" rtl="0" algn="l">
+            <a:pPr marL="742950" marR="0" lvl="1" indent="-285750" algn="l" rtl="0">
               <a:lnSpc>
                 <a:spcPct val="90000"/>
               </a:lnSpc>
@@ -12271,7 +12688,7 @@
               <a:buChar char="–"/>
             </a:pPr>
             <a:r>
-              <a:rPr b="0" i="0" lang="en-US" sz="2800" u="none" cap="none" strike="noStrike">
+              <a:rPr lang="en-US" sz="2800" b="0" i="0" u="none" strike="noStrike" cap="none">
                 <a:solidFill>
                   <a:srgbClr val="000000"/>
                 </a:solidFill>
@@ -12283,7 +12700,7 @@
               <a:t>Steve’s answer: </a:t>
             </a:r>
             <a:r>
-              <a:rPr b="0" i="0" lang="en-US" sz="2800" u="none" cap="none" strike="noStrike">
+              <a:rPr lang="en-US" sz="2800" b="0" i="0" u="none" strike="noStrike" cap="none">
                 <a:solidFill>
                   <a:srgbClr val="1F497D"/>
                 </a:solidFill>
@@ -12296,7 +12713,7 @@
             </a:r>
           </a:p>
           <a:p>
-            <a:pPr indent="-285750" lvl="1" marL="742950" marR="0" rtl="0" algn="l">
+            <a:pPr marL="742950" marR="0" lvl="1" indent="-285750" algn="l" rtl="0">
               <a:lnSpc>
                 <a:spcPct val="90000"/>
               </a:lnSpc>
@@ -12311,7 +12728,7 @@
               <a:buChar char="–"/>
             </a:pPr>
             <a:r>
-              <a:rPr b="0" i="0" lang="en-US" sz="2800" u="none" cap="none" strike="noStrike">
+              <a:rPr lang="en-US" sz="2800" b="0" i="0" u="none" strike="noStrike" cap="none">
                 <a:solidFill>
                   <a:schemeClr val="dk1"/>
                 </a:solidFill>
@@ -12334,7 +12751,7 @@
 </file>
 
 <file path=ppt/theme/theme1.xml><?xml version="1.0" encoding="utf-8"?>
-<a:theme xmlns:a="http://schemas.openxmlformats.org/drawingml/2006/main" xmlns:r="http://schemas.openxmlformats.org/officeDocument/2006/relationships" name="simple-light-2">
+<a:theme xmlns:a="http://schemas.openxmlformats.org/drawingml/2006/main" name="simple-light-2">
   <a:themeElements>
     <a:clrScheme name="Simple Light">
       <a:dk1>
@@ -12609,11 +13026,13 @@
       </a:bgFillStyleLst>
     </a:fmtScheme>
   </a:themeElements>
+  <a:objectDefaults/>
+  <a:extraClrSchemeLst/>
 </a:theme>
 </file>
 
 <file path=ppt/theme/theme2.xml><?xml version="1.0" encoding="utf-8"?>
-<a:theme xmlns:a="http://schemas.openxmlformats.org/drawingml/2006/main" xmlns:r="http://schemas.openxmlformats.org/officeDocument/2006/relationships" name="Custom Theme">
+<a:theme xmlns:a="http://schemas.openxmlformats.org/drawingml/2006/main" name="Custom Theme">
   <a:themeElements>
     <a:clrScheme name="Default">
       <a:dk1>
@@ -12888,5 +13307,7 @@
       </a:bgFillStyleLst>
     </a:fmtScheme>
   </a:themeElements>
+  <a:objectDefaults/>
+  <a:extraClrSchemeLst/>
 </a:theme>
 </file>
--- a/assets/ppt/intro/in1-evangelize-compilers.pptx
+++ b/assets/ppt/intro/in1-evangelize-compilers.pptx
@@ -5,29 +5,30 @@
     <p:sldMasterId id="2147483660" r:id="rId1"/>
   </p:sldMasterIdLst>
   <p:notesMasterIdLst>
-    <p:notesMasterId r:id="rId22"/>
+    <p:notesMasterId r:id="rId23"/>
   </p:notesMasterIdLst>
   <p:sldIdLst>
     <p:sldId id="256" r:id="rId2"/>
     <p:sldId id="257" r:id="rId3"/>
     <p:sldId id="258" r:id="rId4"/>
     <p:sldId id="259" r:id="rId5"/>
-    <p:sldId id="260" r:id="rId6"/>
-    <p:sldId id="261" r:id="rId7"/>
-    <p:sldId id="262" r:id="rId8"/>
-    <p:sldId id="263" r:id="rId9"/>
-    <p:sldId id="264" r:id="rId10"/>
-    <p:sldId id="265" r:id="rId11"/>
-    <p:sldId id="266" r:id="rId12"/>
-    <p:sldId id="267" r:id="rId13"/>
-    <p:sldId id="268" r:id="rId14"/>
-    <p:sldId id="269" r:id="rId15"/>
-    <p:sldId id="270" r:id="rId16"/>
-    <p:sldId id="271" r:id="rId17"/>
-    <p:sldId id="272" r:id="rId18"/>
-    <p:sldId id="273" r:id="rId19"/>
-    <p:sldId id="274" r:id="rId20"/>
-    <p:sldId id="275" r:id="rId21"/>
+    <p:sldId id="276" r:id="rId6"/>
+    <p:sldId id="260" r:id="rId7"/>
+    <p:sldId id="261" r:id="rId8"/>
+    <p:sldId id="262" r:id="rId9"/>
+    <p:sldId id="263" r:id="rId10"/>
+    <p:sldId id="264" r:id="rId11"/>
+    <p:sldId id="265" r:id="rId12"/>
+    <p:sldId id="266" r:id="rId13"/>
+    <p:sldId id="267" r:id="rId14"/>
+    <p:sldId id="268" r:id="rId15"/>
+    <p:sldId id="269" r:id="rId16"/>
+    <p:sldId id="270" r:id="rId17"/>
+    <p:sldId id="271" r:id="rId18"/>
+    <p:sldId id="272" r:id="rId19"/>
+    <p:sldId id="273" r:id="rId20"/>
+    <p:sldId id="274" r:id="rId21"/>
+    <p:sldId id="275" r:id="rId22"/>
   </p:sldIdLst>
   <p:sldSz cx="9144000" cy="6858000" type="screen4x3"/>
   <p:notesSz cx="6858000" cy="9144000"/>
@@ -233,6 +234,11 @@
       </a:defRPr>
     </a:lvl9pPr>
   </p:defaultTextStyle>
+  <p:extLst>
+    <p:ext uri="{EFAFB233-063F-42B5-8137-9DF3F51BA10A}">
+      <p15:sldGuideLst xmlns:p15="http://schemas.microsoft.com/office/powerpoint/2012/main"/>
+    </p:ext>
+  </p:extLst>
 </p:presentation>
 </file>
 
@@ -4649,7 +4655,7 @@
               <a:rPr lang="en-US"/>
               <a:t>‹#›</a:t>
             </a:fld>
-            <a:endParaRPr lang="en-US"/>
+            <a:endParaRPr lang="en-US" dirty="0"/>
           </a:p>
         </p:txBody>
       </p:sp>
@@ -6761,7 +6767,7 @@
     <p:sldLayoutId id="2147483658" r:id="rId11"/>
     <p:sldLayoutId id="2147483659" r:id="rId12"/>
   </p:sldLayoutIdLst>
-  <p:hf sldNum="0" hdr="0" ftr="0" dt="0"/>
+  <p:hf hdr="0" ftr="0" dt="0"/>
   <p:txStyles>
     <p:titleStyle>
       <a:defPPr marR="0" lvl="0" algn="l" rtl="0">
@@ -7492,6 +7498,41 @@
           </a:p>
         </p:txBody>
       </p:sp>
+      <p:sp>
+        <p:nvSpPr>
+          <p:cNvPr id="2" name="Slide Number Placeholder 1">
+            <a:extLst>
+              <a:ext uri="{FF2B5EF4-FFF2-40B4-BE49-F238E27FC236}">
+                <a16:creationId xmlns:a16="http://schemas.microsoft.com/office/drawing/2014/main" id="{0A25E998-DC2E-3A49-B675-6BE8E3289241}"/>
+              </a:ext>
+            </a:extLst>
+          </p:cNvPr>
+          <p:cNvSpPr>
+            <a:spLocks noGrp="1"/>
+          </p:cNvSpPr>
+          <p:nvPr>
+            <p:ph type="sldNum" idx="12"/>
+          </p:nvPr>
+        </p:nvSpPr>
+        <p:spPr/>
+        <p:txBody>
+          <a:bodyPr/>
+          <a:lstStyle/>
+          <a:p>
+            <a:pPr lvl="0">
+              <a:spcBef>
+                <a:spcPts val="0"/>
+              </a:spcBef>
+              <a:buNone/>
+            </a:pPr>
+            <a:fld id="{00000000-1234-1234-1234-123412341234}" type="slidenum">
+              <a:rPr lang="en-US" smtClean="0"/>
+              <a:t>1</a:t>
+            </a:fld>
+            <a:endParaRPr lang="en-US"/>
+          </a:p>
+        </p:txBody>
+      </p:sp>
     </p:spTree>
   </p:cSld>
   <p:clrMapOvr>
@@ -7505,7 +7546,7 @@
   <p:cSld>
     <p:spTree>
       <p:nvGrpSpPr>
-        <p:cNvPr id="1" name="Shape 119"/>
+        <p:cNvPr id="1" name="Shape 113"/>
         <p:cNvGrpSpPr/>
         <p:nvPr/>
       </p:nvGrpSpPr>
@@ -7519,7 +7560,7 @@
       </p:grpSpPr>
       <p:sp>
         <p:nvSpPr>
-          <p:cNvPr id="120" name="Shape 120"/>
+          <p:cNvPr id="114" name="Shape 114"/>
           <p:cNvSpPr txBox="1">
             <a:spLocks noGrp="1"/>
           </p:cNvSpPr>
@@ -7574,7 +7615,7 @@
       </p:sp>
       <p:sp>
         <p:nvSpPr>
-          <p:cNvPr id="121" name="Shape 121"/>
+          <p:cNvPr id="115" name="Shape 115"/>
           <p:cNvSpPr txBox="1">
             <a:spLocks noGrp="1"/>
           </p:cNvSpPr>
@@ -7602,6 +7643,9 @@
           <a:lstStyle/>
           <a:p>
             <a:pPr marL="342900" marR="0" lvl="0" indent="-342900" algn="l" rtl="0">
+              <a:lnSpc>
+                <a:spcPct val="90000"/>
+              </a:lnSpc>
               <a:spcBef>
                 <a:spcPts val="0"/>
               </a:spcBef>
@@ -7625,11 +7669,14 @@
                 <a:cs typeface="Calibri"/>
                 <a:sym typeface="Calibri"/>
               </a:rPr>
-              <a:t>Situation 6: The “software engineers” at your company have decided to redesign the entire code base to make it easier to add to the codebase. How do you ensure things do not get worse?</a:t>
+              <a:t>Situation 5: You have to communicate with a new router that has a telnet interface and a proprietary command language. You need to parse the responses in this language and look for patterns and produce new commands.</a:t>
             </a:r>
           </a:p>
           <a:p>
             <a:pPr marL="742950" marR="0" lvl="1" indent="-285750" algn="l" rtl="0">
+              <a:lnSpc>
+                <a:spcPct val="90000"/>
+              </a:lnSpc>
               <a:spcBef>
                 <a:spcPts val="560"/>
               </a:spcBef>
@@ -7665,11 +7712,14 @@
                 <a:cs typeface="Calibri"/>
                 <a:sym typeface="Calibri"/>
               </a:rPr>
-              <a:t>Fire all the “software engineers”</a:t>
+              <a:t>Perl. It's a swiss army knife. You can use it to sidestep this problem with honor, by disemboweling yourself.</a:t>
             </a:r>
           </a:p>
           <a:p>
             <a:pPr marL="742950" marR="0" lvl="1" indent="-285750" algn="l" rtl="0">
+              <a:lnSpc>
+                <a:spcPct val="90000"/>
+              </a:lnSpc>
               <a:spcBef>
                 <a:spcPts val="560"/>
               </a:spcBef>
@@ -7692,6 +7742,58 @@
               </a:rPr>
               <a:t>Steve’s real answer: Lexing and parsing and codegen</a:t>
             </a:r>
+          </a:p>
+        </p:txBody>
+      </p:sp>
+      <p:sp>
+        <p:nvSpPr>
+          <p:cNvPr id="2" name="Slide Number Placeholder 1">
+            <a:extLst>
+              <a:ext uri="{FF2B5EF4-FFF2-40B4-BE49-F238E27FC236}">
+                <a16:creationId xmlns:a16="http://schemas.microsoft.com/office/drawing/2014/main" id="{804FB430-AC6F-8540-8DE1-CF447B5EABD8}"/>
+              </a:ext>
+            </a:extLst>
+          </p:cNvPr>
+          <p:cNvSpPr>
+            <a:spLocks noGrp="1"/>
+          </p:cNvSpPr>
+          <p:nvPr>
+            <p:ph type="sldNum" idx="12"/>
+          </p:nvPr>
+        </p:nvSpPr>
+        <p:spPr/>
+        <p:txBody>
+          <a:bodyPr/>
+          <a:lstStyle/>
+          <a:p>
+            <a:pPr marL="0" marR="0" lvl="0" indent="0" algn="r" rtl="0">
+              <a:spcBef>
+                <a:spcPts val="0"/>
+              </a:spcBef>
+              <a:buSzPct val="25000"/>
+              <a:buNone/>
+            </a:pPr>
+            <a:fld id="{00000000-1234-1234-1234-123412341234}" type="slidenum">
+              <a:rPr lang="en-US" sz="1200" smtClean="0">
+                <a:solidFill>
+                  <a:srgbClr val="888888"/>
+                </a:solidFill>
+                <a:latin typeface="Calibri"/>
+                <a:ea typeface="Calibri"/>
+                <a:cs typeface="Calibri"/>
+                <a:sym typeface="Calibri"/>
+              </a:rPr>
+              <a:t>10</a:t>
+            </a:fld>
+            <a:endParaRPr lang="en-US" sz="1200">
+              <a:solidFill>
+                <a:srgbClr val="888888"/>
+              </a:solidFill>
+              <a:latin typeface="Calibri"/>
+              <a:ea typeface="Calibri"/>
+              <a:cs typeface="Calibri"/>
+              <a:sym typeface="Calibri"/>
+            </a:endParaRPr>
           </a:p>
         </p:txBody>
       </p:sp>
@@ -7708,7 +7810,7 @@
   <p:cSld>
     <p:spTree>
       <p:nvGrpSpPr>
-        <p:cNvPr id="1" name="Shape 125"/>
+        <p:cNvPr id="1" name="Shape 119"/>
         <p:cNvGrpSpPr/>
         <p:nvPr/>
       </p:nvGrpSpPr>
@@ -7722,7 +7824,7 @@
       </p:grpSpPr>
       <p:sp>
         <p:nvSpPr>
-          <p:cNvPr id="126" name="Shape 126"/>
+          <p:cNvPr id="120" name="Shape 120"/>
           <p:cNvSpPr txBox="1">
             <a:spLocks noGrp="1"/>
           </p:cNvSpPr>
@@ -7777,7 +7879,7 @@
       </p:sp>
       <p:sp>
         <p:nvSpPr>
-          <p:cNvPr id="127" name="Shape 127"/>
+          <p:cNvPr id="121" name="Shape 121"/>
           <p:cNvSpPr txBox="1">
             <a:spLocks noGrp="1"/>
           </p:cNvSpPr>
@@ -7828,7 +7930,7 @@
                 <a:cs typeface="Calibri"/>
                 <a:sym typeface="Calibri"/>
               </a:rPr>
-              <a:t>Situation 7: In order to remove a security hole in your Ruby on Rails website you have to make a set of non-trivial changes to the code to replace one idiom with another in your entire codebase.</a:t>
+              <a:t>Situation 6: The “software engineers” at your company have decided to redesign the entire code base to make it easier to add to the codebase. How do you ensure things do not get worse?</a:t>
             </a:r>
           </a:p>
           <a:p>
@@ -7868,7 +7970,7 @@
                 <a:cs typeface="Calibri"/>
                 <a:sym typeface="Calibri"/>
               </a:rPr>
-              <a:t>Fix it by hand. Hell, you only have about 10k lines of code for your whole site.</a:t>
+              <a:t>Fire all the “software engineers”</a:t>
             </a:r>
           </a:p>
           <a:p>
@@ -7895,6 +7997,58 @@
               </a:rPr>
               <a:t>Steve’s real answer: Lexing and parsing and codegen</a:t>
             </a:r>
+          </a:p>
+        </p:txBody>
+      </p:sp>
+      <p:sp>
+        <p:nvSpPr>
+          <p:cNvPr id="2" name="Slide Number Placeholder 1">
+            <a:extLst>
+              <a:ext uri="{FF2B5EF4-FFF2-40B4-BE49-F238E27FC236}">
+                <a16:creationId xmlns:a16="http://schemas.microsoft.com/office/drawing/2014/main" id="{17863400-17BE-F64D-9B46-0EBD34DDFFD4}"/>
+              </a:ext>
+            </a:extLst>
+          </p:cNvPr>
+          <p:cNvSpPr>
+            <a:spLocks noGrp="1"/>
+          </p:cNvSpPr>
+          <p:nvPr>
+            <p:ph type="sldNum" idx="12"/>
+          </p:nvPr>
+        </p:nvSpPr>
+        <p:spPr/>
+        <p:txBody>
+          <a:bodyPr/>
+          <a:lstStyle/>
+          <a:p>
+            <a:pPr marL="0" marR="0" lvl="0" indent="0" algn="r" rtl="0">
+              <a:spcBef>
+                <a:spcPts val="0"/>
+              </a:spcBef>
+              <a:buSzPct val="25000"/>
+              <a:buNone/>
+            </a:pPr>
+            <a:fld id="{00000000-1234-1234-1234-123412341234}" type="slidenum">
+              <a:rPr lang="en-US" sz="1200" smtClean="0">
+                <a:solidFill>
+                  <a:srgbClr val="888888"/>
+                </a:solidFill>
+                <a:latin typeface="Calibri"/>
+                <a:ea typeface="Calibri"/>
+                <a:cs typeface="Calibri"/>
+                <a:sym typeface="Calibri"/>
+              </a:rPr>
+              <a:t>11</a:t>
+            </a:fld>
+            <a:endParaRPr lang="en-US" sz="1200">
+              <a:solidFill>
+                <a:srgbClr val="888888"/>
+              </a:solidFill>
+              <a:latin typeface="Calibri"/>
+              <a:ea typeface="Calibri"/>
+              <a:cs typeface="Calibri"/>
+              <a:sym typeface="Calibri"/>
+            </a:endParaRPr>
           </a:p>
         </p:txBody>
       </p:sp>
@@ -7907,6 +8061,261 @@
 </file>
 
 <file path=ppt/slides/slide12.xml><?xml version="1.0" encoding="utf-8"?>
+<p:sld xmlns:a="http://schemas.openxmlformats.org/drawingml/2006/main" xmlns:r="http://schemas.openxmlformats.org/officeDocument/2006/relationships" xmlns:p="http://schemas.openxmlformats.org/presentationml/2006/main">
+  <p:cSld>
+    <p:spTree>
+      <p:nvGrpSpPr>
+        <p:cNvPr id="1" name="Shape 125"/>
+        <p:cNvGrpSpPr/>
+        <p:nvPr/>
+      </p:nvGrpSpPr>
+      <p:grpSpPr>
+        <a:xfrm>
+          <a:off x="0" y="0"/>
+          <a:ext cx="0" cy="0"/>
+          <a:chOff x="0" y="0"/>
+          <a:chExt cx="0" cy="0"/>
+        </a:xfrm>
+      </p:grpSpPr>
+      <p:sp>
+        <p:nvSpPr>
+          <p:cNvPr id="126" name="Shape 126"/>
+          <p:cNvSpPr txBox="1">
+            <a:spLocks noGrp="1"/>
+          </p:cNvSpPr>
+          <p:nvPr>
+            <p:ph type="title"/>
+          </p:nvPr>
+        </p:nvSpPr>
+        <p:spPr>
+          <a:xfrm>
+            <a:off x="457200" y="274637"/>
+            <a:ext cx="8229600" cy="1143000"/>
+          </a:xfrm>
+          <a:prstGeom prst="rect">
+            <a:avLst/>
+          </a:prstGeom>
+          <a:noFill/>
+          <a:ln>
+            <a:noFill/>
+          </a:ln>
+        </p:spPr>
+        <p:txBody>
+          <a:bodyPr lIns="91425" tIns="45700" rIns="91425" bIns="45700" anchor="ctr" anchorCtr="0">
+            <a:noAutofit/>
+          </a:bodyPr>
+          <a:lstStyle/>
+          <a:p>
+            <a:pPr marL="0" marR="0" lvl="0" indent="0" algn="ctr" rtl="0">
+              <a:spcBef>
+                <a:spcPts val="0"/>
+              </a:spcBef>
+              <a:buClr>
+                <a:schemeClr val="dk1"/>
+              </a:buClr>
+              <a:buSzPct val="25000"/>
+              <a:buFont typeface="Calibri"/>
+              <a:buNone/>
+            </a:pPr>
+            <a:r>
+              <a:rPr lang="en-US" sz="3959" b="0" i="0" u="none" strike="noStrike" cap="none">
+                <a:solidFill>
+                  <a:schemeClr val="dk1"/>
+                </a:solidFill>
+                <a:latin typeface="Calibri"/>
+                <a:ea typeface="Calibri"/>
+                <a:cs typeface="Calibri"/>
+                <a:sym typeface="Calibri"/>
+              </a:rPr>
+              <a:t>Rich Programmer Food, Steve Yegge</a:t>
+            </a:r>
+          </a:p>
+        </p:txBody>
+      </p:sp>
+      <p:sp>
+        <p:nvSpPr>
+          <p:cNvPr id="127" name="Shape 127"/>
+          <p:cNvSpPr txBox="1">
+            <a:spLocks noGrp="1"/>
+          </p:cNvSpPr>
+          <p:nvPr>
+            <p:ph type="body" idx="1"/>
+          </p:nvPr>
+        </p:nvSpPr>
+        <p:spPr>
+          <a:xfrm>
+            <a:off x="457200" y="1600200"/>
+            <a:ext cx="8229600" cy="4525963"/>
+          </a:xfrm>
+          <a:prstGeom prst="rect">
+            <a:avLst/>
+          </a:prstGeom>
+          <a:noFill/>
+          <a:ln>
+            <a:noFill/>
+          </a:ln>
+        </p:spPr>
+        <p:txBody>
+          <a:bodyPr lIns="91425" tIns="45700" rIns="91425" bIns="45700" anchor="t" anchorCtr="0">
+            <a:noAutofit/>
+          </a:bodyPr>
+          <a:lstStyle/>
+          <a:p>
+            <a:pPr marL="342900" marR="0" lvl="0" indent="-342900" algn="l" rtl="0">
+              <a:spcBef>
+                <a:spcPts val="0"/>
+              </a:spcBef>
+              <a:spcAft>
+                <a:spcPts val="0"/>
+              </a:spcAft>
+              <a:buClr>
+                <a:schemeClr val="dk1"/>
+              </a:buClr>
+              <a:buSzPct val="100000"/>
+              <a:buFont typeface="Arial"/>
+              <a:buChar char="•"/>
+            </a:pPr>
+            <a:r>
+              <a:rPr lang="en-US" sz="3200" b="0" i="0" u="none" strike="noStrike" cap="none">
+                <a:solidFill>
+                  <a:schemeClr val="dk1"/>
+                </a:solidFill>
+                <a:latin typeface="Calibri"/>
+                <a:ea typeface="Calibri"/>
+                <a:cs typeface="Calibri"/>
+                <a:sym typeface="Calibri"/>
+              </a:rPr>
+              <a:t>Situation 7: In order to remove a security hole in your Ruby on Rails website you have to make a set of non-trivial changes to the code to replace one idiom with another in your entire codebase.</a:t>
+            </a:r>
+          </a:p>
+          <a:p>
+            <a:pPr marL="742950" marR="0" lvl="1" indent="-285750" algn="l" rtl="0">
+              <a:spcBef>
+                <a:spcPts val="560"/>
+              </a:spcBef>
+              <a:spcAft>
+                <a:spcPts val="0"/>
+              </a:spcAft>
+              <a:buClr>
+                <a:srgbClr val="000000"/>
+              </a:buClr>
+              <a:buSzPct val="100000"/>
+              <a:buFont typeface="Arial"/>
+              <a:buChar char="–"/>
+            </a:pPr>
+            <a:r>
+              <a:rPr lang="en-US" sz="2800" b="0" i="0" u="none" strike="noStrike" cap="none">
+                <a:solidFill>
+                  <a:srgbClr val="000000"/>
+                </a:solidFill>
+                <a:latin typeface="Calibri"/>
+                <a:ea typeface="Calibri"/>
+                <a:cs typeface="Calibri"/>
+                <a:sym typeface="Calibri"/>
+              </a:rPr>
+              <a:t>Steve’s answer: </a:t>
+            </a:r>
+            <a:r>
+              <a:rPr lang="en-US" sz="2800" b="0" i="0" u="none" strike="noStrike" cap="none">
+                <a:solidFill>
+                  <a:srgbClr val="1F497D"/>
+                </a:solidFill>
+                <a:latin typeface="Calibri"/>
+                <a:ea typeface="Calibri"/>
+                <a:cs typeface="Calibri"/>
+                <a:sym typeface="Calibri"/>
+              </a:rPr>
+              <a:t>Fix it by hand. Hell, you only have about 10k lines of code for your whole site.</a:t>
+            </a:r>
+          </a:p>
+          <a:p>
+            <a:pPr marL="742950" marR="0" lvl="1" indent="-285750" algn="l" rtl="0">
+              <a:spcBef>
+                <a:spcPts val="560"/>
+              </a:spcBef>
+              <a:buClr>
+                <a:schemeClr val="dk1"/>
+              </a:buClr>
+              <a:buSzPct val="100000"/>
+              <a:buFont typeface="Arial"/>
+              <a:buChar char="–"/>
+            </a:pPr>
+            <a:r>
+              <a:rPr lang="en-US" sz="2800" b="0" i="0" u="none" strike="noStrike" cap="none">
+                <a:solidFill>
+                  <a:schemeClr val="dk1"/>
+                </a:solidFill>
+                <a:latin typeface="Calibri"/>
+                <a:ea typeface="Calibri"/>
+                <a:cs typeface="Calibri"/>
+                <a:sym typeface="Calibri"/>
+              </a:rPr>
+              <a:t>Steve’s real answer: Lexing and parsing and codegen</a:t>
+            </a:r>
+          </a:p>
+        </p:txBody>
+      </p:sp>
+      <p:sp>
+        <p:nvSpPr>
+          <p:cNvPr id="2" name="Slide Number Placeholder 1">
+            <a:extLst>
+              <a:ext uri="{FF2B5EF4-FFF2-40B4-BE49-F238E27FC236}">
+                <a16:creationId xmlns:a16="http://schemas.microsoft.com/office/drawing/2014/main" id="{D658FE81-5A02-A24B-9A35-086AF25255DA}"/>
+              </a:ext>
+            </a:extLst>
+          </p:cNvPr>
+          <p:cNvSpPr>
+            <a:spLocks noGrp="1"/>
+          </p:cNvSpPr>
+          <p:nvPr>
+            <p:ph type="sldNum" idx="12"/>
+          </p:nvPr>
+        </p:nvSpPr>
+        <p:spPr/>
+        <p:txBody>
+          <a:bodyPr/>
+          <a:lstStyle/>
+          <a:p>
+            <a:pPr marL="0" marR="0" lvl="0" indent="0" algn="r" rtl="0">
+              <a:spcBef>
+                <a:spcPts val="0"/>
+              </a:spcBef>
+              <a:buSzPct val="25000"/>
+              <a:buNone/>
+            </a:pPr>
+            <a:fld id="{00000000-1234-1234-1234-123412341234}" type="slidenum">
+              <a:rPr lang="en-US" sz="1200" smtClean="0">
+                <a:solidFill>
+                  <a:srgbClr val="888888"/>
+                </a:solidFill>
+                <a:latin typeface="Calibri"/>
+                <a:ea typeface="Calibri"/>
+                <a:cs typeface="Calibri"/>
+                <a:sym typeface="Calibri"/>
+              </a:rPr>
+              <a:t>12</a:t>
+            </a:fld>
+            <a:endParaRPr lang="en-US" sz="1200">
+              <a:solidFill>
+                <a:srgbClr val="888888"/>
+              </a:solidFill>
+              <a:latin typeface="Calibri"/>
+              <a:ea typeface="Calibri"/>
+              <a:cs typeface="Calibri"/>
+              <a:sym typeface="Calibri"/>
+            </a:endParaRPr>
+          </a:p>
+        </p:txBody>
+      </p:sp>
+    </p:spTree>
+  </p:cSld>
+  <p:clrMapOvr>
+    <a:masterClrMapping/>
+  </p:clrMapOvr>
+</p:sld>
+</file>
+
+<file path=ppt/slides/slide13.xml><?xml version="1.0" encoding="utf-8"?>
 <p:sld xmlns:a="http://schemas.openxmlformats.org/drawingml/2006/main" xmlns:r="http://schemas.openxmlformats.org/officeDocument/2006/relationships" xmlns:p="http://schemas.openxmlformats.org/presentationml/2006/main">
   <p:cSld>
     <p:spTree>
@@ -8147,6 +8556,41 @@
           </a:p>
         </p:txBody>
       </p:sp>
+      <p:sp>
+        <p:nvSpPr>
+          <p:cNvPr id="2" name="Slide Number Placeholder 1">
+            <a:extLst>
+              <a:ext uri="{FF2B5EF4-FFF2-40B4-BE49-F238E27FC236}">
+                <a16:creationId xmlns:a16="http://schemas.microsoft.com/office/drawing/2014/main" id="{0725394C-C88C-9743-9705-BEF9A4E7D78F}"/>
+              </a:ext>
+            </a:extLst>
+          </p:cNvPr>
+          <p:cNvSpPr>
+            <a:spLocks noGrp="1"/>
+          </p:cNvSpPr>
+          <p:nvPr>
+            <p:ph type="sldNum" idx="12"/>
+          </p:nvPr>
+        </p:nvSpPr>
+        <p:spPr/>
+        <p:txBody>
+          <a:bodyPr/>
+          <a:lstStyle/>
+          <a:p>
+            <a:pPr lvl="0">
+              <a:spcBef>
+                <a:spcPts val="0"/>
+              </a:spcBef>
+              <a:buNone/>
+            </a:pPr>
+            <a:fld id="{00000000-1234-1234-1234-123412341234}" type="slidenum">
+              <a:rPr lang="en-US" smtClean="0"/>
+              <a:t>13</a:t>
+            </a:fld>
+            <a:endParaRPr lang="en-US"/>
+          </a:p>
+        </p:txBody>
+      </p:sp>
     </p:spTree>
   </p:cSld>
   <p:clrMapOvr>
@@ -8155,7 +8599,7 @@
 </p:sld>
 </file>
 
-<file path=ppt/slides/slide13.xml><?xml version="1.0" encoding="utf-8"?>
+<file path=ppt/slides/slide14.xml><?xml version="1.0" encoding="utf-8"?>
 <p:sld xmlns:a="http://schemas.openxmlformats.org/drawingml/2006/main" xmlns:r="http://schemas.openxmlformats.org/officeDocument/2006/relationships" xmlns:p="http://schemas.openxmlformats.org/presentationml/2006/main">
   <p:cSld>
     <p:spTree>
@@ -8685,6 +9129,41 @@
           </a:p>
         </p:txBody>
       </p:sp>
+      <p:sp>
+        <p:nvSpPr>
+          <p:cNvPr id="2" name="Slide Number Placeholder 1">
+            <a:extLst>
+              <a:ext uri="{FF2B5EF4-FFF2-40B4-BE49-F238E27FC236}">
+                <a16:creationId xmlns:a16="http://schemas.microsoft.com/office/drawing/2014/main" id="{27B0CA46-DA8B-4D49-87B7-AE5E0C038CDC}"/>
+              </a:ext>
+            </a:extLst>
+          </p:cNvPr>
+          <p:cNvSpPr>
+            <a:spLocks noGrp="1"/>
+          </p:cNvSpPr>
+          <p:nvPr>
+            <p:ph type="sldNum" idx="12"/>
+          </p:nvPr>
+        </p:nvSpPr>
+        <p:spPr/>
+        <p:txBody>
+          <a:bodyPr/>
+          <a:lstStyle/>
+          <a:p>
+            <a:pPr lvl="0">
+              <a:spcBef>
+                <a:spcPts val="0"/>
+              </a:spcBef>
+              <a:buNone/>
+            </a:pPr>
+            <a:fld id="{00000000-1234-1234-1234-123412341234}" type="slidenum">
+              <a:rPr lang="en-US" smtClean="0"/>
+              <a:t>14</a:t>
+            </a:fld>
+            <a:endParaRPr lang="en-US"/>
+          </a:p>
+        </p:txBody>
+      </p:sp>
     </p:spTree>
   </p:cSld>
   <p:clrMapOvr>
@@ -8693,7 +9172,7 @@
 </p:sld>
 </file>
 
-<file path=ppt/slides/slide14.xml><?xml version="1.0" encoding="utf-8"?>
+<file path=ppt/slides/slide15.xml><?xml version="1.0" encoding="utf-8"?>
 <p:sld xmlns:a="http://schemas.openxmlformats.org/drawingml/2006/main" xmlns:r="http://schemas.openxmlformats.org/officeDocument/2006/relationships" xmlns:p="http://schemas.openxmlformats.org/presentationml/2006/main">
   <p:cSld>
     <p:spTree>
@@ -9249,6 +9728,58 @@
           </a:p>
         </p:txBody>
       </p:sp>
+      <p:sp>
+        <p:nvSpPr>
+          <p:cNvPr id="2" name="Slide Number Placeholder 1">
+            <a:extLst>
+              <a:ext uri="{FF2B5EF4-FFF2-40B4-BE49-F238E27FC236}">
+                <a16:creationId xmlns:a16="http://schemas.microsoft.com/office/drawing/2014/main" id="{6935F94B-ECE0-9B4D-8561-4FE0DFE0F53B}"/>
+              </a:ext>
+            </a:extLst>
+          </p:cNvPr>
+          <p:cNvSpPr>
+            <a:spLocks noGrp="1"/>
+          </p:cNvSpPr>
+          <p:nvPr>
+            <p:ph type="sldNum" idx="12"/>
+          </p:nvPr>
+        </p:nvSpPr>
+        <p:spPr/>
+        <p:txBody>
+          <a:bodyPr/>
+          <a:lstStyle/>
+          <a:p>
+            <a:pPr marL="0" marR="0" lvl="0" indent="0" algn="r" rtl="0">
+              <a:spcBef>
+                <a:spcPts val="0"/>
+              </a:spcBef>
+              <a:buSzPct val="25000"/>
+              <a:buNone/>
+            </a:pPr>
+            <a:fld id="{00000000-1234-1234-1234-123412341234}" type="slidenum">
+              <a:rPr lang="en-US" sz="1200" smtClean="0">
+                <a:solidFill>
+                  <a:srgbClr val="888888"/>
+                </a:solidFill>
+                <a:latin typeface="Calibri"/>
+                <a:ea typeface="Calibri"/>
+                <a:cs typeface="Calibri"/>
+                <a:sym typeface="Calibri"/>
+              </a:rPr>
+              <a:t>15</a:t>
+            </a:fld>
+            <a:endParaRPr lang="en-US" sz="1200">
+              <a:solidFill>
+                <a:srgbClr val="888888"/>
+              </a:solidFill>
+              <a:latin typeface="Calibri"/>
+              <a:ea typeface="Calibri"/>
+              <a:cs typeface="Calibri"/>
+              <a:sym typeface="Calibri"/>
+            </a:endParaRPr>
+          </a:p>
+        </p:txBody>
+      </p:sp>
     </p:spTree>
   </p:cSld>
   <p:clrMapOvr>
@@ -9257,7 +9788,7 @@
 </p:sld>
 </file>
 
-<file path=ppt/slides/slide15.xml><?xml version="1.0" encoding="utf-8"?>
+<file path=ppt/slides/slide16.xml><?xml version="1.0" encoding="utf-8"?>
 <p:sld xmlns:a="http://schemas.openxmlformats.org/drawingml/2006/main" xmlns:r="http://schemas.openxmlformats.org/officeDocument/2006/relationships" xmlns:p="http://schemas.openxmlformats.org/presentationml/2006/main">
   <p:cSld>
     <p:spTree>
@@ -9573,6 +10104,58 @@
           </a:p>
         </p:txBody>
       </p:sp>
+      <p:sp>
+        <p:nvSpPr>
+          <p:cNvPr id="2" name="Slide Number Placeholder 1">
+            <a:extLst>
+              <a:ext uri="{FF2B5EF4-FFF2-40B4-BE49-F238E27FC236}">
+                <a16:creationId xmlns:a16="http://schemas.microsoft.com/office/drawing/2014/main" id="{0360C1A4-D7AC-5F47-B4EE-B598E320EBCB}"/>
+              </a:ext>
+            </a:extLst>
+          </p:cNvPr>
+          <p:cNvSpPr>
+            <a:spLocks noGrp="1"/>
+          </p:cNvSpPr>
+          <p:nvPr>
+            <p:ph type="sldNum" idx="12"/>
+          </p:nvPr>
+        </p:nvSpPr>
+        <p:spPr/>
+        <p:txBody>
+          <a:bodyPr/>
+          <a:lstStyle/>
+          <a:p>
+            <a:pPr marL="0" marR="0" lvl="0" indent="0" algn="r" rtl="0">
+              <a:spcBef>
+                <a:spcPts val="0"/>
+              </a:spcBef>
+              <a:buSzPct val="25000"/>
+              <a:buNone/>
+            </a:pPr>
+            <a:fld id="{00000000-1234-1234-1234-123412341234}" type="slidenum">
+              <a:rPr lang="en-US" sz="1200" smtClean="0">
+                <a:solidFill>
+                  <a:srgbClr val="888888"/>
+                </a:solidFill>
+                <a:latin typeface="Calibri"/>
+                <a:ea typeface="Calibri"/>
+                <a:cs typeface="Calibri"/>
+                <a:sym typeface="Calibri"/>
+              </a:rPr>
+              <a:t>16</a:t>
+            </a:fld>
+            <a:endParaRPr lang="en-US" sz="1200">
+              <a:solidFill>
+                <a:srgbClr val="888888"/>
+              </a:solidFill>
+              <a:latin typeface="Calibri"/>
+              <a:ea typeface="Calibri"/>
+              <a:cs typeface="Calibri"/>
+              <a:sym typeface="Calibri"/>
+            </a:endParaRPr>
+          </a:p>
+        </p:txBody>
+      </p:sp>
     </p:spTree>
   </p:cSld>
   <p:clrMapOvr>
@@ -9581,7 +10164,7 @@
 </p:sld>
 </file>
 
-<file path=ppt/slides/slide16.xml><?xml version="1.0" encoding="utf-8"?>
+<file path=ppt/slides/slide17.xml><?xml version="1.0" encoding="utf-8"?>
 <p:sld xmlns:a="http://schemas.openxmlformats.org/drawingml/2006/main" xmlns:r="http://schemas.openxmlformats.org/officeDocument/2006/relationships" xmlns:p="http://schemas.openxmlformats.org/presentationml/2006/main">
   <p:cSld>
     <p:spTree>
@@ -9928,6 +10511,58 @@
           </a:p>
         </p:txBody>
       </p:sp>
+      <p:sp>
+        <p:nvSpPr>
+          <p:cNvPr id="2" name="Slide Number Placeholder 1">
+            <a:extLst>
+              <a:ext uri="{FF2B5EF4-FFF2-40B4-BE49-F238E27FC236}">
+                <a16:creationId xmlns:a16="http://schemas.microsoft.com/office/drawing/2014/main" id="{02E2DBF2-028C-5541-881E-59EC5E934E8C}"/>
+              </a:ext>
+            </a:extLst>
+          </p:cNvPr>
+          <p:cNvSpPr>
+            <a:spLocks noGrp="1"/>
+          </p:cNvSpPr>
+          <p:nvPr>
+            <p:ph type="sldNum" idx="12"/>
+          </p:nvPr>
+        </p:nvSpPr>
+        <p:spPr/>
+        <p:txBody>
+          <a:bodyPr/>
+          <a:lstStyle/>
+          <a:p>
+            <a:pPr marL="0" marR="0" lvl="0" indent="0" algn="r" rtl="0">
+              <a:spcBef>
+                <a:spcPts val="0"/>
+              </a:spcBef>
+              <a:buSzPct val="25000"/>
+              <a:buNone/>
+            </a:pPr>
+            <a:fld id="{00000000-1234-1234-1234-123412341234}" type="slidenum">
+              <a:rPr lang="en-US" sz="1200" smtClean="0">
+                <a:solidFill>
+                  <a:srgbClr val="888888"/>
+                </a:solidFill>
+                <a:latin typeface="Calibri"/>
+                <a:ea typeface="Calibri"/>
+                <a:cs typeface="Calibri"/>
+                <a:sym typeface="Calibri"/>
+              </a:rPr>
+              <a:t>17</a:t>
+            </a:fld>
+            <a:endParaRPr lang="en-US" sz="1200">
+              <a:solidFill>
+                <a:srgbClr val="888888"/>
+              </a:solidFill>
+              <a:latin typeface="Calibri"/>
+              <a:ea typeface="Calibri"/>
+              <a:cs typeface="Calibri"/>
+              <a:sym typeface="Calibri"/>
+            </a:endParaRPr>
+          </a:p>
+        </p:txBody>
+      </p:sp>
     </p:spTree>
   </p:cSld>
   <p:clrMapOvr>
@@ -9936,7 +10571,7 @@
 </p:sld>
 </file>
 
-<file path=ppt/slides/slide17.xml><?xml version="1.0" encoding="utf-8"?>
+<file path=ppt/slides/slide18.xml><?xml version="1.0" encoding="utf-8"?>
 <p:sld xmlns:a="http://schemas.openxmlformats.org/drawingml/2006/main" xmlns:r="http://schemas.openxmlformats.org/officeDocument/2006/relationships" xmlns:p="http://schemas.openxmlformats.org/presentationml/2006/main">
   <p:cSld>
     <p:spTree>
@@ -10232,6 +10867,58 @@
           </a:p>
         </p:txBody>
       </p:sp>
+      <p:sp>
+        <p:nvSpPr>
+          <p:cNvPr id="2" name="Slide Number Placeholder 1">
+            <a:extLst>
+              <a:ext uri="{FF2B5EF4-FFF2-40B4-BE49-F238E27FC236}">
+                <a16:creationId xmlns:a16="http://schemas.microsoft.com/office/drawing/2014/main" id="{ECF54312-725F-8348-94F4-66F711EE3687}"/>
+              </a:ext>
+            </a:extLst>
+          </p:cNvPr>
+          <p:cNvSpPr>
+            <a:spLocks noGrp="1"/>
+          </p:cNvSpPr>
+          <p:nvPr>
+            <p:ph type="sldNum" idx="12"/>
+          </p:nvPr>
+        </p:nvSpPr>
+        <p:spPr/>
+        <p:txBody>
+          <a:bodyPr/>
+          <a:lstStyle/>
+          <a:p>
+            <a:pPr marL="0" marR="0" lvl="0" indent="0" algn="r" rtl="0">
+              <a:spcBef>
+                <a:spcPts val="0"/>
+              </a:spcBef>
+              <a:buSzPct val="25000"/>
+              <a:buNone/>
+            </a:pPr>
+            <a:fld id="{00000000-1234-1234-1234-123412341234}" type="slidenum">
+              <a:rPr lang="en-US" sz="1200" smtClean="0">
+                <a:solidFill>
+                  <a:srgbClr val="888888"/>
+                </a:solidFill>
+                <a:latin typeface="Calibri"/>
+                <a:ea typeface="Calibri"/>
+                <a:cs typeface="Calibri"/>
+                <a:sym typeface="Calibri"/>
+              </a:rPr>
+              <a:t>18</a:t>
+            </a:fld>
+            <a:endParaRPr lang="en-US" sz="1200">
+              <a:solidFill>
+                <a:srgbClr val="888888"/>
+              </a:solidFill>
+              <a:latin typeface="Calibri"/>
+              <a:ea typeface="Calibri"/>
+              <a:cs typeface="Calibri"/>
+              <a:sym typeface="Calibri"/>
+            </a:endParaRPr>
+          </a:p>
+        </p:txBody>
+      </p:sp>
     </p:spTree>
   </p:cSld>
   <p:clrMapOvr>
@@ -10240,7 +10927,7 @@
 </p:sld>
 </file>
 
-<file path=ppt/slides/slide18.xml><?xml version="1.0" encoding="utf-8"?>
+<file path=ppt/slides/slide19.xml><?xml version="1.0" encoding="utf-8"?>
 <p:sld xmlns:a="http://schemas.openxmlformats.org/drawingml/2006/main" xmlns:r="http://schemas.openxmlformats.org/officeDocument/2006/relationships" xmlns:p="http://schemas.openxmlformats.org/presentationml/2006/main">
   <p:cSld>
     <p:spTree>
@@ -10711,134 +11398,38 @@
           </a:p>
         </p:txBody>
       </p:sp>
-    </p:spTree>
-  </p:cSld>
-  <p:clrMapOvr>
-    <a:masterClrMapping/>
-  </p:clrMapOvr>
-</p:sld>
-</file>
-
-<file path=ppt/slides/slide19.xml><?xml version="1.0" encoding="utf-8"?>
-<p:sld xmlns:a="http://schemas.openxmlformats.org/drawingml/2006/main" xmlns:r="http://schemas.openxmlformats.org/officeDocument/2006/relationships" xmlns:p="http://schemas.openxmlformats.org/presentationml/2006/main">
-  <p:cSld>
-    <p:spTree>
-      <p:nvGrpSpPr>
-        <p:cNvPr id="1" name="Shape 175"/>
-        <p:cNvGrpSpPr/>
-        <p:nvPr/>
-      </p:nvGrpSpPr>
-      <p:grpSpPr>
-        <a:xfrm>
-          <a:off x="0" y="0"/>
-          <a:ext cx="0" cy="0"/>
-          <a:chOff x="0" y="0"/>
-          <a:chExt cx="0" cy="0"/>
-        </a:xfrm>
-      </p:grpSpPr>
-      <p:sp>
-        <p:nvSpPr>
-          <p:cNvPr id="176" name="Shape 176"/>
-          <p:cNvSpPr txBox="1"/>
-          <p:nvPr/>
-        </p:nvSpPr>
-        <p:spPr>
-          <a:xfrm>
-            <a:off x="723481" y="2300298"/>
-            <a:ext cx="7411663" cy="2246769"/>
-          </a:xfrm>
-          <a:prstGeom prst="rect">
-            <a:avLst/>
-          </a:prstGeom>
-          <a:noFill/>
-          <a:ln>
-            <a:noFill/>
-          </a:ln>
-        </p:spPr>
+      <p:sp>
+        <p:nvSpPr>
+          <p:cNvPr id="2" name="Slide Number Placeholder 1">
+            <a:extLst>
+              <a:ext uri="{FF2B5EF4-FFF2-40B4-BE49-F238E27FC236}">
+                <a16:creationId xmlns:a16="http://schemas.microsoft.com/office/drawing/2014/main" id="{8485EFFE-6F79-F440-B543-FAF158042B23}"/>
+              </a:ext>
+            </a:extLst>
+          </p:cNvPr>
+          <p:cNvSpPr>
+            <a:spLocks noGrp="1"/>
+          </p:cNvSpPr>
+          <p:nvPr>
+            <p:ph type="sldNum" idx="12"/>
+          </p:nvPr>
+        </p:nvSpPr>
+        <p:spPr/>
         <p:txBody>
-          <a:bodyPr lIns="91425" tIns="45700" rIns="91425" bIns="45700" anchor="t" anchorCtr="0">
-            <a:noAutofit/>
-          </a:bodyPr>
+          <a:bodyPr/>
           <a:lstStyle/>
           <a:p>
-            <a:pPr marL="0" marR="0" lvl="0" indent="0" algn="l" rtl="0">
-              <a:spcBef>
-                <a:spcPts val="0"/>
-              </a:spcBef>
-              <a:buSzPct val="25000"/>
-              <a:buNone/>
-            </a:pPr>
-            <a:r>
-              <a:rPr lang="en-US" sz="2800">
-                <a:solidFill>
-                  <a:schemeClr val="dk1"/>
-                </a:solidFill>
-                <a:latin typeface="Calibri"/>
-                <a:ea typeface="Calibri"/>
-                <a:cs typeface="Calibri"/>
-                <a:sym typeface="Calibri"/>
-              </a:rPr>
-              <a:t> “I talked about the compilers project at almost every interview I've had. “</a:t>
-            </a:r>
-          </a:p>
-          <a:p>
-            <a:pPr marL="0" marR="0" lvl="0" indent="0" algn="l" rtl="0">
-              <a:spcBef>
-                <a:spcPts val="0"/>
-              </a:spcBef>
-              <a:buNone/>
-            </a:pPr>
-            <a:endParaRPr sz="2800">
-              <a:solidFill>
-                <a:schemeClr val="dk1"/>
-              </a:solidFill>
-              <a:latin typeface="Calibri"/>
-              <a:ea typeface="Calibri"/>
-              <a:cs typeface="Calibri"/>
-              <a:sym typeface="Calibri"/>
-            </a:endParaRPr>
-          </a:p>
-          <a:p>
-            <a:pPr marL="0" marR="0" lvl="0" indent="0" algn="l" rtl="0">
-              <a:spcBef>
-                <a:spcPts val="0"/>
-              </a:spcBef>
-              <a:buSzPct val="25000"/>
-              <a:buNone/>
-            </a:pPr>
-            <a:r>
-              <a:rPr lang="en-US" sz="2800">
-                <a:solidFill>
-                  <a:schemeClr val="dk1"/>
-                </a:solidFill>
-                <a:latin typeface="Calibri"/>
-                <a:ea typeface="Calibri"/>
-                <a:cs typeface="Calibri"/>
-                <a:sym typeface="Calibri"/>
-              </a:rPr>
-              <a:t>	-- Student who took CMPT 379 in Fall 2011</a:t>
-            </a:r>
-          </a:p>
-          <a:p>
-            <a:pPr marL="0" marR="0" lvl="0" indent="0" algn="l" rtl="0">
-              <a:spcBef>
-                <a:spcPts val="0"/>
-              </a:spcBef>
-              <a:buSzPct val="25000"/>
-              <a:buNone/>
-            </a:pPr>
-            <a:r>
-              <a:rPr lang="en-US" sz="2800">
-                <a:solidFill>
-                  <a:schemeClr val="dk1"/>
-                </a:solidFill>
-                <a:latin typeface="Calibri"/>
-                <a:ea typeface="Calibri"/>
-                <a:cs typeface="Calibri"/>
-                <a:sym typeface="Calibri"/>
-              </a:rPr>
-              <a:t>		(now employed in the Bay Area)</a:t>
-            </a:r>
+            <a:pPr lvl="0">
+              <a:spcBef>
+                <a:spcPts val="0"/>
+              </a:spcBef>
+              <a:buNone/>
+            </a:pPr>
+            <a:fld id="{00000000-1234-1234-1234-123412341234}" type="slidenum">
+              <a:rPr lang="en-US" smtClean="0"/>
+              <a:t>19</a:t>
+            </a:fld>
+            <a:endParaRPr lang="en-US"/>
           </a:p>
         </p:txBody>
       </p:sp>
@@ -11077,6 +11668,41 @@
           </a:p>
         </p:txBody>
       </p:sp>
+      <p:sp>
+        <p:nvSpPr>
+          <p:cNvPr id="2" name="Slide Number Placeholder 1">
+            <a:extLst>
+              <a:ext uri="{FF2B5EF4-FFF2-40B4-BE49-F238E27FC236}">
+                <a16:creationId xmlns:a16="http://schemas.microsoft.com/office/drawing/2014/main" id="{BD5DFFE1-455D-A34B-860A-8D19822AF976}"/>
+              </a:ext>
+            </a:extLst>
+          </p:cNvPr>
+          <p:cNvSpPr>
+            <a:spLocks noGrp="1"/>
+          </p:cNvSpPr>
+          <p:nvPr>
+            <p:ph type="sldNum" idx="12"/>
+          </p:nvPr>
+        </p:nvSpPr>
+        <p:spPr/>
+        <p:txBody>
+          <a:bodyPr/>
+          <a:lstStyle/>
+          <a:p>
+            <a:pPr lvl="0">
+              <a:spcBef>
+                <a:spcPts val="0"/>
+              </a:spcBef>
+              <a:buNone/>
+            </a:pPr>
+            <a:fld id="{00000000-1234-1234-1234-123412341234}" type="slidenum">
+              <a:rPr lang="en-US" smtClean="0"/>
+              <a:t>2</a:t>
+            </a:fld>
+            <a:endParaRPr lang="en-US"/>
+          </a:p>
+        </p:txBody>
+      </p:sp>
     </p:spTree>
   </p:cSld>
   <p:clrMapOvr>
@@ -11086,6 +11712,172 @@
 </file>
 
 <file path=ppt/slides/slide20.xml><?xml version="1.0" encoding="utf-8"?>
+<p:sld xmlns:a="http://schemas.openxmlformats.org/drawingml/2006/main" xmlns:r="http://schemas.openxmlformats.org/officeDocument/2006/relationships" xmlns:p="http://schemas.openxmlformats.org/presentationml/2006/main">
+  <p:cSld>
+    <p:spTree>
+      <p:nvGrpSpPr>
+        <p:cNvPr id="1" name="Shape 175"/>
+        <p:cNvGrpSpPr/>
+        <p:nvPr/>
+      </p:nvGrpSpPr>
+      <p:grpSpPr>
+        <a:xfrm>
+          <a:off x="0" y="0"/>
+          <a:ext cx="0" cy="0"/>
+          <a:chOff x="0" y="0"/>
+          <a:chExt cx="0" cy="0"/>
+        </a:xfrm>
+      </p:grpSpPr>
+      <p:sp>
+        <p:nvSpPr>
+          <p:cNvPr id="176" name="Shape 176"/>
+          <p:cNvSpPr txBox="1"/>
+          <p:nvPr/>
+        </p:nvSpPr>
+        <p:spPr>
+          <a:xfrm>
+            <a:off x="723481" y="2300298"/>
+            <a:ext cx="7411663" cy="2246769"/>
+          </a:xfrm>
+          <a:prstGeom prst="rect">
+            <a:avLst/>
+          </a:prstGeom>
+          <a:noFill/>
+          <a:ln>
+            <a:noFill/>
+          </a:ln>
+        </p:spPr>
+        <p:txBody>
+          <a:bodyPr lIns="91425" tIns="45700" rIns="91425" bIns="45700" anchor="t" anchorCtr="0">
+            <a:noAutofit/>
+          </a:bodyPr>
+          <a:lstStyle/>
+          <a:p>
+            <a:pPr marL="0" marR="0" lvl="0" indent="0" algn="l" rtl="0">
+              <a:spcBef>
+                <a:spcPts val="0"/>
+              </a:spcBef>
+              <a:buSzPct val="25000"/>
+              <a:buNone/>
+            </a:pPr>
+            <a:r>
+              <a:rPr lang="en-US" sz="2800">
+                <a:solidFill>
+                  <a:schemeClr val="dk1"/>
+                </a:solidFill>
+                <a:latin typeface="Calibri"/>
+                <a:ea typeface="Calibri"/>
+                <a:cs typeface="Calibri"/>
+                <a:sym typeface="Calibri"/>
+              </a:rPr>
+              <a:t> “I talked about the compilers project at almost every interview I've had. “</a:t>
+            </a:r>
+          </a:p>
+          <a:p>
+            <a:pPr marL="0" marR="0" lvl="0" indent="0" algn="l" rtl="0">
+              <a:spcBef>
+                <a:spcPts val="0"/>
+              </a:spcBef>
+              <a:buNone/>
+            </a:pPr>
+            <a:endParaRPr sz="2800">
+              <a:solidFill>
+                <a:schemeClr val="dk1"/>
+              </a:solidFill>
+              <a:latin typeface="Calibri"/>
+              <a:ea typeface="Calibri"/>
+              <a:cs typeface="Calibri"/>
+              <a:sym typeface="Calibri"/>
+            </a:endParaRPr>
+          </a:p>
+          <a:p>
+            <a:pPr marL="0" marR="0" lvl="0" indent="0" algn="l" rtl="0">
+              <a:spcBef>
+                <a:spcPts val="0"/>
+              </a:spcBef>
+              <a:buSzPct val="25000"/>
+              <a:buNone/>
+            </a:pPr>
+            <a:r>
+              <a:rPr lang="en-US" sz="2800">
+                <a:solidFill>
+                  <a:schemeClr val="dk1"/>
+                </a:solidFill>
+                <a:latin typeface="Calibri"/>
+                <a:ea typeface="Calibri"/>
+                <a:cs typeface="Calibri"/>
+                <a:sym typeface="Calibri"/>
+              </a:rPr>
+              <a:t>	-- Student who took CMPT 379 in Fall 2011</a:t>
+            </a:r>
+          </a:p>
+          <a:p>
+            <a:pPr marL="0" marR="0" lvl="0" indent="0" algn="l" rtl="0">
+              <a:spcBef>
+                <a:spcPts val="0"/>
+              </a:spcBef>
+              <a:buSzPct val="25000"/>
+              <a:buNone/>
+            </a:pPr>
+            <a:r>
+              <a:rPr lang="en-US" sz="2800">
+                <a:solidFill>
+                  <a:schemeClr val="dk1"/>
+                </a:solidFill>
+                <a:latin typeface="Calibri"/>
+                <a:ea typeface="Calibri"/>
+                <a:cs typeface="Calibri"/>
+                <a:sym typeface="Calibri"/>
+              </a:rPr>
+              <a:t>		(now employed in the Bay Area)</a:t>
+            </a:r>
+          </a:p>
+        </p:txBody>
+      </p:sp>
+      <p:sp>
+        <p:nvSpPr>
+          <p:cNvPr id="2" name="Slide Number Placeholder 1">
+            <a:extLst>
+              <a:ext uri="{FF2B5EF4-FFF2-40B4-BE49-F238E27FC236}">
+                <a16:creationId xmlns:a16="http://schemas.microsoft.com/office/drawing/2014/main" id="{2B28A067-1FA3-9548-8F4A-8602C0B0EFD8}"/>
+              </a:ext>
+            </a:extLst>
+          </p:cNvPr>
+          <p:cNvSpPr>
+            <a:spLocks noGrp="1"/>
+          </p:cNvSpPr>
+          <p:nvPr>
+            <p:ph type="sldNum" idx="12"/>
+          </p:nvPr>
+        </p:nvSpPr>
+        <p:spPr/>
+        <p:txBody>
+          <a:bodyPr/>
+          <a:lstStyle/>
+          <a:p>
+            <a:pPr lvl="0">
+              <a:spcBef>
+                <a:spcPts val="0"/>
+              </a:spcBef>
+              <a:buNone/>
+            </a:pPr>
+            <a:fld id="{00000000-1234-1234-1234-123412341234}" type="slidenum">
+              <a:rPr lang="en-US" smtClean="0"/>
+              <a:t>20</a:t>
+            </a:fld>
+            <a:endParaRPr lang="en-US"/>
+          </a:p>
+        </p:txBody>
+      </p:sp>
+    </p:spTree>
+  </p:cSld>
+  <p:clrMapOvr>
+    <a:masterClrMapping/>
+  </p:clrMapOvr>
+</p:sld>
+</file>
+
+<file path=ppt/slides/slide21.xml><?xml version="1.0" encoding="utf-8"?>
 <p:sld xmlns:a="http://schemas.openxmlformats.org/drawingml/2006/main" xmlns:r="http://schemas.openxmlformats.org/officeDocument/2006/relationships" xmlns:p="http://schemas.openxmlformats.org/presentationml/2006/main">
   <p:cSld>
     <p:spTree>
@@ -11365,6 +12157,41 @@
               </a:rPr>
               <a:t>”</a:t>
             </a:r>
+          </a:p>
+        </p:txBody>
+      </p:sp>
+      <p:sp>
+        <p:nvSpPr>
+          <p:cNvPr id="2" name="Slide Number Placeholder 1">
+            <a:extLst>
+              <a:ext uri="{FF2B5EF4-FFF2-40B4-BE49-F238E27FC236}">
+                <a16:creationId xmlns:a16="http://schemas.microsoft.com/office/drawing/2014/main" id="{B0FEDFCF-8D99-9843-94A0-4E9AEFDAB427}"/>
+              </a:ext>
+            </a:extLst>
+          </p:cNvPr>
+          <p:cNvSpPr>
+            <a:spLocks noGrp="1"/>
+          </p:cNvSpPr>
+          <p:nvPr>
+            <p:ph type="sldNum" idx="12"/>
+          </p:nvPr>
+        </p:nvSpPr>
+        <p:spPr/>
+        <p:txBody>
+          <a:bodyPr/>
+          <a:lstStyle/>
+          <a:p>
+            <a:pPr lvl="0">
+              <a:spcBef>
+                <a:spcPts val="0"/>
+              </a:spcBef>
+              <a:buNone/>
+            </a:pPr>
+            <a:fld id="{00000000-1234-1234-1234-123412341234}" type="slidenum">
+              <a:rPr lang="en-US" smtClean="0"/>
+              <a:t>21</a:t>
+            </a:fld>
+            <a:endParaRPr lang="en-US"/>
           </a:p>
         </p:txBody>
       </p:sp>
@@ -11567,6 +12394,41 @@
           </a:p>
         </p:txBody>
       </p:sp>
+      <p:sp>
+        <p:nvSpPr>
+          <p:cNvPr id="2" name="Slide Number Placeholder 1">
+            <a:extLst>
+              <a:ext uri="{FF2B5EF4-FFF2-40B4-BE49-F238E27FC236}">
+                <a16:creationId xmlns:a16="http://schemas.microsoft.com/office/drawing/2014/main" id="{E6F0DCD6-E2D1-0145-9190-EAE3E4BD2416}"/>
+              </a:ext>
+            </a:extLst>
+          </p:cNvPr>
+          <p:cNvSpPr>
+            <a:spLocks noGrp="1"/>
+          </p:cNvSpPr>
+          <p:nvPr>
+            <p:ph type="sldNum" idx="12"/>
+          </p:nvPr>
+        </p:nvSpPr>
+        <p:spPr/>
+        <p:txBody>
+          <a:bodyPr/>
+          <a:lstStyle/>
+          <a:p>
+            <a:pPr lvl="0">
+              <a:spcBef>
+                <a:spcPts val="0"/>
+              </a:spcBef>
+              <a:buNone/>
+            </a:pPr>
+            <a:fld id="{00000000-1234-1234-1234-123412341234}" type="slidenum">
+              <a:rPr lang="en-US" smtClean="0"/>
+              <a:t>3</a:t>
+            </a:fld>
+            <a:endParaRPr lang="en-US"/>
+          </a:p>
+        </p:txBody>
+      </p:sp>
     </p:spTree>
   </p:cSld>
   <p:clrMapOvr>
@@ -11600,8 +12462,8 @@
         </p:nvSpPr>
         <p:spPr>
           <a:xfrm>
-            <a:off x="791522" y="1626717"/>
-            <a:ext cx="7608617" cy="4401204"/>
+            <a:off x="396510" y="1545580"/>
+            <a:ext cx="8359072" cy="4719054"/>
           </a:xfrm>
           <a:prstGeom prst="rect">
             <a:avLst/>
@@ -11617,15 +12479,16 @@
           </a:bodyPr>
           <a:lstStyle/>
           <a:p>
-            <a:pPr marL="0" marR="0" lvl="0" indent="0" algn="l" rtl="0">
+            <a:pPr marL="457200" marR="0" lvl="0" indent="-457200" algn="l" rtl="0">
               <a:spcBef>
                 <a:spcPts val="0"/>
               </a:spcBef>
               <a:buSzPct val="25000"/>
-              <a:buNone/>
-            </a:pPr>
-            <a:r>
-              <a:rPr lang="en-US" sz="2800">
+              <a:buFont typeface="Arial" panose="020B0604020202020204" pitchFamily="34" charset="0"/>
+              <a:buChar char="•"/>
+            </a:pPr>
+            <a:r>
+              <a:rPr lang="en-US" sz="2800" dirty="0">
                 <a:solidFill>
                   <a:schemeClr val="dk1"/>
                 </a:solidFill>
@@ -11637,7 +12500,7 @@
               <a:t>“</a:t>
             </a:r>
             <a:r>
-              <a:rPr lang="en-US" sz="2800">
+              <a:rPr lang="en-US" sz="2800" dirty="0">
                 <a:solidFill>
                   <a:schemeClr val="dk2"/>
                 </a:solidFill>
@@ -11646,10 +12509,98 @@
                 <a:cs typeface="Calibri"/>
                 <a:sym typeface="Calibri"/>
               </a:rPr>
-              <a:t>I'm not saying other CS courses aren't important, incidentally. Operating Systems, Machine Learning, Distributed Computing and Algorithm Design are all arguably just as important as Compiler Construction. Except that you can take them all and still not know how computers work, which to me means that Compilers really needs to be a mandatory 300-level course. But it has so many prerequisites that you can't realistically make that happen at most schools</a:t>
-            </a:r>
-            <a:r>
-              <a:rPr lang="en-US" sz="2800">
+              <a:t>I'm not saying other CS courses aren't important, incidentally </a:t>
+            </a:r>
+          </a:p>
+          <a:p>
+            <a:pPr marL="457200" marR="0" lvl="0" indent="-457200" algn="l" rtl="0">
+              <a:spcBef>
+                <a:spcPts val="0"/>
+              </a:spcBef>
+              <a:buSzPct val="25000"/>
+              <a:buFont typeface="Arial" panose="020B0604020202020204" pitchFamily="34" charset="0"/>
+              <a:buChar char="•"/>
+            </a:pPr>
+            <a:r>
+              <a:rPr lang="en-US" sz="2800" dirty="0">
+                <a:solidFill>
+                  <a:schemeClr val="dk2"/>
+                </a:solidFill>
+                <a:latin typeface="Calibri"/>
+                <a:ea typeface="Calibri"/>
+                <a:cs typeface="Calibri"/>
+                <a:sym typeface="Calibri"/>
+              </a:rPr>
+              <a:t>Operating Systems, Machine Learning, Distributed Computing and Algorithm Design are all arguably just as important as Compiler Construction. </a:t>
+            </a:r>
+          </a:p>
+          <a:p>
+            <a:pPr marL="457200" marR="0" lvl="0" indent="-457200" algn="l" rtl="0">
+              <a:spcBef>
+                <a:spcPts val="0"/>
+              </a:spcBef>
+              <a:buSzPct val="25000"/>
+              <a:buFont typeface="Arial" panose="020B0604020202020204" pitchFamily="34" charset="0"/>
+              <a:buChar char="•"/>
+            </a:pPr>
+            <a:r>
+              <a:rPr lang="en-US" sz="2800" dirty="0">
+                <a:solidFill>
+                  <a:schemeClr val="dk2"/>
+                </a:solidFill>
+                <a:latin typeface="Calibri"/>
+                <a:ea typeface="Calibri"/>
+                <a:cs typeface="Calibri"/>
+                <a:sym typeface="Calibri"/>
+              </a:rPr>
+              <a:t>Except that you can take them all and still not know how computers work, </a:t>
+            </a:r>
+          </a:p>
+          <a:p>
+            <a:pPr marL="457200" marR="0" lvl="0" indent="-457200" algn="l" rtl="0">
+              <a:spcBef>
+                <a:spcPts val="0"/>
+              </a:spcBef>
+              <a:buSzPct val="25000"/>
+              <a:buFont typeface="Arial" panose="020B0604020202020204" pitchFamily="34" charset="0"/>
+              <a:buChar char="•"/>
+            </a:pPr>
+            <a:r>
+              <a:rPr lang="en-US" sz="2800" dirty="0">
+                <a:solidFill>
+                  <a:schemeClr val="dk2"/>
+                </a:solidFill>
+                <a:latin typeface="Calibri"/>
+                <a:ea typeface="Calibri"/>
+                <a:cs typeface="Calibri"/>
+                <a:sym typeface="Calibri"/>
+              </a:rPr>
+              <a:t>which to me means that Compilers really needs to be a mandatory 300-level course. </a:t>
+            </a:r>
+          </a:p>
+          <a:p>
+            <a:pPr marL="457200" marR="0" lvl="0" indent="-457200" algn="l" rtl="0">
+              <a:spcBef>
+                <a:spcPts val="0"/>
+              </a:spcBef>
+              <a:buSzPct val="25000"/>
+              <a:buFont typeface="Arial" panose="020B0604020202020204" pitchFamily="34" charset="0"/>
+              <a:buChar char="•"/>
+            </a:pPr>
+            <a:r>
+              <a:rPr lang="en-US" sz="2800" dirty="0">
+                <a:solidFill>
+                  <a:schemeClr val="dk2"/>
+                </a:solidFill>
+                <a:latin typeface="Calibri"/>
+                <a:ea typeface="Calibri"/>
+                <a:cs typeface="Calibri"/>
+                <a:sym typeface="Calibri"/>
+              </a:rPr>
+              <a:t>But it has so many prerequisites that you can't realistically make that happen at most schools</a:t>
+            </a:r>
+            <a:r>
+              <a:rPr lang="en-US" sz="2800" dirty="0">
                 <a:solidFill>
                   <a:schemeClr val="dk1"/>
                 </a:solidFill>
@@ -11718,15 +12669,1058 @@
           </a:p>
         </p:txBody>
       </p:sp>
+      <p:sp>
+        <p:nvSpPr>
+          <p:cNvPr id="2" name="Slide Number Placeholder 1">
+            <a:extLst>
+              <a:ext uri="{FF2B5EF4-FFF2-40B4-BE49-F238E27FC236}">
+                <a16:creationId xmlns:a16="http://schemas.microsoft.com/office/drawing/2014/main" id="{02C59FBD-39BE-C048-B719-AA8242D51B67}"/>
+              </a:ext>
+            </a:extLst>
+          </p:cNvPr>
+          <p:cNvSpPr>
+            <a:spLocks noGrp="1"/>
+          </p:cNvSpPr>
+          <p:nvPr>
+            <p:ph type="sldNum" idx="12"/>
+          </p:nvPr>
+        </p:nvSpPr>
+        <p:spPr/>
+        <p:txBody>
+          <a:bodyPr/>
+          <a:lstStyle/>
+          <a:p>
+            <a:pPr lvl="0">
+              <a:spcBef>
+                <a:spcPts val="0"/>
+              </a:spcBef>
+              <a:buNone/>
+            </a:pPr>
+            <a:fld id="{00000000-1234-1234-1234-123412341234}" type="slidenum">
+              <a:rPr lang="en-US" smtClean="0"/>
+              <a:t>4</a:t>
+            </a:fld>
+            <a:endParaRPr lang="en-US"/>
+          </a:p>
+        </p:txBody>
+      </p:sp>
     </p:spTree>
   </p:cSld>
   <p:clrMapOvr>
     <a:masterClrMapping/>
   </p:clrMapOvr>
+  <p:timing>
+    <p:tnLst>
+      <p:par>
+        <p:cTn id="1" dur="indefinite" restart="never" nodeType="tmRoot">
+          <p:childTnLst>
+            <p:seq concurrent="1" nextAc="seek">
+              <p:cTn id="2" dur="indefinite" nodeType="mainSeq">
+                <p:childTnLst>
+                  <p:par>
+                    <p:cTn id="3" fill="hold">
+                      <p:stCondLst>
+                        <p:cond delay="indefinite"/>
+                      </p:stCondLst>
+                      <p:childTnLst>
+                        <p:par>
+                          <p:cTn id="4" fill="hold">
+                            <p:stCondLst>
+                              <p:cond delay="0"/>
+                            </p:stCondLst>
+                            <p:childTnLst>
+                              <p:par>
+                                <p:cTn id="5" presetID="1" presetClass="entr" presetSubtype="0" fill="hold" grpId="0" nodeType="clickEffect">
+                                  <p:stCondLst>
+                                    <p:cond delay="0"/>
+                                  </p:stCondLst>
+                                  <p:childTnLst>
+                                    <p:set>
+                                      <p:cBhvr>
+                                        <p:cTn id="6" dur="1" fill="hold">
+                                          <p:stCondLst>
+                                            <p:cond delay="0"/>
+                                          </p:stCondLst>
+                                        </p:cTn>
+                                        <p:tgtEl>
+                                          <p:spTgt spid="84">
+                                            <p:txEl>
+                                              <p:pRg st="0" end="0"/>
+                                            </p:txEl>
+                                          </p:spTgt>
+                                        </p:tgtEl>
+                                        <p:attrNameLst>
+                                          <p:attrName>style.visibility</p:attrName>
+                                        </p:attrNameLst>
+                                      </p:cBhvr>
+                                      <p:to>
+                                        <p:strVal val="visible"/>
+                                      </p:to>
+                                    </p:set>
+                                  </p:childTnLst>
+                                </p:cTn>
+                              </p:par>
+                            </p:childTnLst>
+                          </p:cTn>
+                        </p:par>
+                      </p:childTnLst>
+                    </p:cTn>
+                  </p:par>
+                  <p:par>
+                    <p:cTn id="7" fill="hold">
+                      <p:stCondLst>
+                        <p:cond delay="indefinite"/>
+                      </p:stCondLst>
+                      <p:childTnLst>
+                        <p:par>
+                          <p:cTn id="8" fill="hold">
+                            <p:stCondLst>
+                              <p:cond delay="0"/>
+                            </p:stCondLst>
+                            <p:childTnLst>
+                              <p:par>
+                                <p:cTn id="9" presetID="1" presetClass="entr" presetSubtype="0" fill="hold" grpId="0" nodeType="clickEffect">
+                                  <p:stCondLst>
+                                    <p:cond delay="0"/>
+                                  </p:stCondLst>
+                                  <p:childTnLst>
+                                    <p:set>
+                                      <p:cBhvr>
+                                        <p:cTn id="10" dur="1" fill="hold">
+                                          <p:stCondLst>
+                                            <p:cond delay="0"/>
+                                          </p:stCondLst>
+                                        </p:cTn>
+                                        <p:tgtEl>
+                                          <p:spTgt spid="84">
+                                            <p:txEl>
+                                              <p:pRg st="1" end="1"/>
+                                            </p:txEl>
+                                          </p:spTgt>
+                                        </p:tgtEl>
+                                        <p:attrNameLst>
+                                          <p:attrName>style.visibility</p:attrName>
+                                        </p:attrNameLst>
+                                      </p:cBhvr>
+                                      <p:to>
+                                        <p:strVal val="visible"/>
+                                      </p:to>
+                                    </p:set>
+                                  </p:childTnLst>
+                                </p:cTn>
+                              </p:par>
+                            </p:childTnLst>
+                          </p:cTn>
+                        </p:par>
+                      </p:childTnLst>
+                    </p:cTn>
+                  </p:par>
+                  <p:par>
+                    <p:cTn id="11" fill="hold">
+                      <p:stCondLst>
+                        <p:cond delay="indefinite"/>
+                      </p:stCondLst>
+                      <p:childTnLst>
+                        <p:par>
+                          <p:cTn id="12" fill="hold">
+                            <p:stCondLst>
+                              <p:cond delay="0"/>
+                            </p:stCondLst>
+                            <p:childTnLst>
+                              <p:par>
+                                <p:cTn id="13" presetID="1" presetClass="entr" presetSubtype="0" fill="hold" grpId="0" nodeType="clickEffect">
+                                  <p:stCondLst>
+                                    <p:cond delay="0"/>
+                                  </p:stCondLst>
+                                  <p:childTnLst>
+                                    <p:set>
+                                      <p:cBhvr>
+                                        <p:cTn id="14" dur="1" fill="hold">
+                                          <p:stCondLst>
+                                            <p:cond delay="0"/>
+                                          </p:stCondLst>
+                                        </p:cTn>
+                                        <p:tgtEl>
+                                          <p:spTgt spid="84">
+                                            <p:txEl>
+                                              <p:pRg st="2" end="2"/>
+                                            </p:txEl>
+                                          </p:spTgt>
+                                        </p:tgtEl>
+                                        <p:attrNameLst>
+                                          <p:attrName>style.visibility</p:attrName>
+                                        </p:attrNameLst>
+                                      </p:cBhvr>
+                                      <p:to>
+                                        <p:strVal val="visible"/>
+                                      </p:to>
+                                    </p:set>
+                                  </p:childTnLst>
+                                </p:cTn>
+                              </p:par>
+                            </p:childTnLst>
+                          </p:cTn>
+                        </p:par>
+                      </p:childTnLst>
+                    </p:cTn>
+                  </p:par>
+                  <p:par>
+                    <p:cTn id="15" fill="hold">
+                      <p:stCondLst>
+                        <p:cond delay="indefinite"/>
+                      </p:stCondLst>
+                      <p:childTnLst>
+                        <p:par>
+                          <p:cTn id="16" fill="hold">
+                            <p:stCondLst>
+                              <p:cond delay="0"/>
+                            </p:stCondLst>
+                            <p:childTnLst>
+                              <p:par>
+                                <p:cTn id="17" presetID="1" presetClass="entr" presetSubtype="0" fill="hold" grpId="0" nodeType="clickEffect">
+                                  <p:stCondLst>
+                                    <p:cond delay="0"/>
+                                  </p:stCondLst>
+                                  <p:childTnLst>
+                                    <p:set>
+                                      <p:cBhvr>
+                                        <p:cTn id="18" dur="1" fill="hold">
+                                          <p:stCondLst>
+                                            <p:cond delay="0"/>
+                                          </p:stCondLst>
+                                        </p:cTn>
+                                        <p:tgtEl>
+                                          <p:spTgt spid="84">
+                                            <p:txEl>
+                                              <p:pRg st="3" end="3"/>
+                                            </p:txEl>
+                                          </p:spTgt>
+                                        </p:tgtEl>
+                                        <p:attrNameLst>
+                                          <p:attrName>style.visibility</p:attrName>
+                                        </p:attrNameLst>
+                                      </p:cBhvr>
+                                      <p:to>
+                                        <p:strVal val="visible"/>
+                                      </p:to>
+                                    </p:set>
+                                  </p:childTnLst>
+                                </p:cTn>
+                              </p:par>
+                            </p:childTnLst>
+                          </p:cTn>
+                        </p:par>
+                      </p:childTnLst>
+                    </p:cTn>
+                  </p:par>
+                  <p:par>
+                    <p:cTn id="19" fill="hold">
+                      <p:stCondLst>
+                        <p:cond delay="indefinite"/>
+                      </p:stCondLst>
+                      <p:childTnLst>
+                        <p:par>
+                          <p:cTn id="20" fill="hold">
+                            <p:stCondLst>
+                              <p:cond delay="0"/>
+                            </p:stCondLst>
+                            <p:childTnLst>
+                              <p:par>
+                                <p:cTn id="21" presetID="1" presetClass="entr" presetSubtype="0" fill="hold" grpId="0" nodeType="clickEffect">
+                                  <p:stCondLst>
+                                    <p:cond delay="0"/>
+                                  </p:stCondLst>
+                                  <p:childTnLst>
+                                    <p:set>
+                                      <p:cBhvr>
+                                        <p:cTn id="22" dur="1" fill="hold">
+                                          <p:stCondLst>
+                                            <p:cond delay="0"/>
+                                          </p:stCondLst>
+                                        </p:cTn>
+                                        <p:tgtEl>
+                                          <p:spTgt spid="84">
+                                            <p:txEl>
+                                              <p:pRg st="4" end="4"/>
+                                            </p:txEl>
+                                          </p:spTgt>
+                                        </p:tgtEl>
+                                        <p:attrNameLst>
+                                          <p:attrName>style.visibility</p:attrName>
+                                        </p:attrNameLst>
+                                      </p:cBhvr>
+                                      <p:to>
+                                        <p:strVal val="visible"/>
+                                      </p:to>
+                                    </p:set>
+                                  </p:childTnLst>
+                                </p:cTn>
+                              </p:par>
+                            </p:childTnLst>
+                          </p:cTn>
+                        </p:par>
+                      </p:childTnLst>
+                    </p:cTn>
+                  </p:par>
+                </p:childTnLst>
+              </p:cTn>
+              <p:prevCondLst>
+                <p:cond evt="onPrev" delay="0">
+                  <p:tgtEl>
+                    <p:sldTgt/>
+                  </p:tgtEl>
+                </p:cond>
+              </p:prevCondLst>
+              <p:nextCondLst>
+                <p:cond evt="onNext" delay="0">
+                  <p:tgtEl>
+                    <p:sldTgt/>
+                  </p:tgtEl>
+                </p:cond>
+              </p:nextCondLst>
+            </p:seq>
+          </p:childTnLst>
+        </p:cTn>
+      </p:par>
+    </p:tnLst>
+    <p:bldLst>
+      <p:bldP spid="84" grpId="0" build="p"/>
+    </p:bldLst>
+  </p:timing>
 </p:sld>
 </file>
 
 <file path=ppt/slides/slide5.xml><?xml version="1.0" encoding="utf-8"?>
+<p:sld xmlns:a="http://schemas.openxmlformats.org/drawingml/2006/main" xmlns:r="http://schemas.openxmlformats.org/officeDocument/2006/relationships" xmlns:p="http://schemas.openxmlformats.org/presentationml/2006/main">
+  <p:cSld>
+    <p:spTree>
+      <p:nvGrpSpPr>
+        <p:cNvPr id="1" name=""/>
+        <p:cNvGrpSpPr/>
+        <p:nvPr/>
+      </p:nvGrpSpPr>
+      <p:grpSpPr>
+        <a:xfrm>
+          <a:off x="0" y="0"/>
+          <a:ext cx="0" cy="0"/>
+          <a:chOff x="0" y="0"/>
+          <a:chExt cx="0" cy="0"/>
+        </a:xfrm>
+      </p:grpSpPr>
+      <p:sp>
+        <p:nvSpPr>
+          <p:cNvPr id="2" name="Title 1">
+            <a:extLst>
+              <a:ext uri="{FF2B5EF4-FFF2-40B4-BE49-F238E27FC236}">
+                <a16:creationId xmlns:a16="http://schemas.microsoft.com/office/drawing/2014/main" id="{6BEDCEF3-555D-744C-9CB1-9D5694563A03}"/>
+              </a:ext>
+            </a:extLst>
+          </p:cNvPr>
+          <p:cNvSpPr>
+            <a:spLocks noGrp="1"/>
+          </p:cNvSpPr>
+          <p:nvPr>
+            <p:ph type="title"/>
+          </p:nvPr>
+        </p:nvSpPr>
+        <p:spPr/>
+        <p:txBody>
+          <a:bodyPr/>
+          <a:lstStyle/>
+          <a:p>
+            <a:r>
+              <a:rPr lang="en-US" dirty="0"/>
+              <a:t>What do you learn?</a:t>
+            </a:r>
+          </a:p>
+        </p:txBody>
+      </p:sp>
+      <p:sp>
+        <p:nvSpPr>
+          <p:cNvPr id="3" name="Text Placeholder 2">
+            <a:extLst>
+              <a:ext uri="{FF2B5EF4-FFF2-40B4-BE49-F238E27FC236}">
+                <a16:creationId xmlns:a16="http://schemas.microsoft.com/office/drawing/2014/main" id="{2B41B729-1C1D-9C49-9461-61F91895FEFF}"/>
+              </a:ext>
+            </a:extLst>
+          </p:cNvPr>
+          <p:cNvSpPr>
+            <a:spLocks noGrp="1"/>
+          </p:cNvSpPr>
+          <p:nvPr>
+            <p:ph type="body" idx="1"/>
+          </p:nvPr>
+        </p:nvSpPr>
+        <p:spPr>
+          <a:xfrm>
+            <a:off x="457200" y="1417636"/>
+            <a:ext cx="8229600" cy="4938713"/>
+          </a:xfrm>
+        </p:spPr>
+        <p:txBody>
+          <a:bodyPr/>
+          <a:lstStyle/>
+          <a:p>
+            <a:r>
+              <a:rPr lang="en-US" dirty="0"/>
+              <a:t> </a:t>
+            </a:r>
+            <a:r>
+              <a:rPr lang="en-US" dirty="0" err="1"/>
+              <a:t>Lexing</a:t>
+            </a:r>
+            <a:r>
+              <a:rPr lang="en-US" dirty="0"/>
+              <a:t> – lexical analysis. Recognizing the tokens of the language.</a:t>
+            </a:r>
+          </a:p>
+          <a:p>
+            <a:r>
+              <a:rPr lang="en-US" dirty="0"/>
+              <a:t> Parsing – syntactic analysis, aka the structure of the program?</a:t>
+            </a:r>
+          </a:p>
+          <a:p>
+            <a:r>
+              <a:rPr lang="en-US" dirty="0"/>
+              <a:t> Type analysis – constraints on using the language.</a:t>
+            </a:r>
+          </a:p>
+          <a:p>
+            <a:r>
+              <a:rPr lang="en-US" dirty="0"/>
+              <a:t> Code generation and optimization.</a:t>
+            </a:r>
+          </a:p>
+        </p:txBody>
+      </p:sp>
+      <p:sp>
+        <p:nvSpPr>
+          <p:cNvPr id="4" name="Slide Number Placeholder 3">
+            <a:extLst>
+              <a:ext uri="{FF2B5EF4-FFF2-40B4-BE49-F238E27FC236}">
+                <a16:creationId xmlns:a16="http://schemas.microsoft.com/office/drawing/2014/main" id="{42DBB5E3-99A1-644B-BF94-DA6B29F44F98}"/>
+              </a:ext>
+            </a:extLst>
+          </p:cNvPr>
+          <p:cNvSpPr>
+            <a:spLocks noGrp="1"/>
+          </p:cNvSpPr>
+          <p:nvPr>
+            <p:ph type="sldNum" idx="12"/>
+          </p:nvPr>
+        </p:nvSpPr>
+        <p:spPr/>
+        <p:txBody>
+          <a:bodyPr/>
+          <a:lstStyle/>
+          <a:p>
+            <a:pPr marL="0" marR="0" lvl="0" indent="0" algn="r" rtl="0">
+              <a:spcBef>
+                <a:spcPts val="0"/>
+              </a:spcBef>
+              <a:buSzPct val="25000"/>
+              <a:buNone/>
+            </a:pPr>
+            <a:fld id="{00000000-1234-1234-1234-123412341234}" type="slidenum">
+              <a:rPr lang="en-US" sz="1200" smtClean="0">
+                <a:solidFill>
+                  <a:srgbClr val="888888"/>
+                </a:solidFill>
+                <a:latin typeface="Calibri"/>
+                <a:ea typeface="Calibri"/>
+                <a:cs typeface="Calibri"/>
+                <a:sym typeface="Calibri"/>
+              </a:rPr>
+              <a:t>5</a:t>
+            </a:fld>
+            <a:endParaRPr lang="en-US" sz="1200">
+              <a:solidFill>
+                <a:srgbClr val="888888"/>
+              </a:solidFill>
+              <a:latin typeface="Calibri"/>
+              <a:ea typeface="Calibri"/>
+              <a:cs typeface="Calibri"/>
+              <a:sym typeface="Calibri"/>
+            </a:endParaRPr>
+          </a:p>
+        </p:txBody>
+      </p:sp>
+      <p:sp>
+        <p:nvSpPr>
+          <p:cNvPr id="5" name="TextBox 4">
+            <a:extLst>
+              <a:ext uri="{FF2B5EF4-FFF2-40B4-BE49-F238E27FC236}">
+                <a16:creationId xmlns:a16="http://schemas.microsoft.com/office/drawing/2014/main" id="{8CB94947-6383-9540-8A14-603A243D5FF5}"/>
+              </a:ext>
+            </a:extLst>
+          </p:cNvPr>
+          <p:cNvSpPr txBox="1"/>
+          <p:nvPr/>
+        </p:nvSpPr>
+        <p:spPr>
+          <a:xfrm>
+            <a:off x="5185646" y="2266670"/>
+            <a:ext cx="3188263" cy="400110"/>
+          </a:xfrm>
+          <a:prstGeom prst="rect">
+            <a:avLst/>
+          </a:prstGeom>
+          <a:solidFill>
+            <a:srgbClr val="00B0F0"/>
+          </a:solidFill>
+        </p:spPr>
+        <p:txBody>
+          <a:bodyPr wrap="square" rtlCol="0">
+            <a:spAutoFit/>
+          </a:bodyPr>
+          <a:lstStyle/>
+          <a:p>
+            <a:r>
+              <a:rPr lang="en-US" sz="2000" dirty="0"/>
+              <a:t>Letters/Sounds and Words</a:t>
+            </a:r>
+          </a:p>
+        </p:txBody>
+      </p:sp>
+      <p:sp>
+        <p:nvSpPr>
+          <p:cNvPr id="6" name="TextBox 5">
+            <a:extLst>
+              <a:ext uri="{FF2B5EF4-FFF2-40B4-BE49-F238E27FC236}">
+                <a16:creationId xmlns:a16="http://schemas.microsoft.com/office/drawing/2014/main" id="{323DC70B-FEB9-0341-8C03-9B7B68AF57EF}"/>
+              </a:ext>
+            </a:extLst>
+          </p:cNvPr>
+          <p:cNvSpPr txBox="1"/>
+          <p:nvPr/>
+        </p:nvSpPr>
+        <p:spPr>
+          <a:xfrm>
+            <a:off x="6973986" y="3686938"/>
+            <a:ext cx="1399923" cy="400110"/>
+          </a:xfrm>
+          <a:prstGeom prst="rect">
+            <a:avLst/>
+          </a:prstGeom>
+          <a:solidFill>
+            <a:srgbClr val="00B0F0"/>
+          </a:solidFill>
+        </p:spPr>
+        <p:txBody>
+          <a:bodyPr wrap="square" rtlCol="0">
+            <a:spAutoFit/>
+          </a:bodyPr>
+          <a:lstStyle/>
+          <a:p>
+            <a:r>
+              <a:rPr lang="en-US" sz="2000" dirty="0"/>
+              <a:t>Sentences</a:t>
+            </a:r>
+          </a:p>
+        </p:txBody>
+      </p:sp>
+      <p:sp>
+        <p:nvSpPr>
+          <p:cNvPr id="7" name="TextBox 6">
+            <a:extLst>
+              <a:ext uri="{FF2B5EF4-FFF2-40B4-BE49-F238E27FC236}">
+                <a16:creationId xmlns:a16="http://schemas.microsoft.com/office/drawing/2014/main" id="{532E70D1-B73E-A946-B062-5BBE33C2DFC4}"/>
+              </a:ext>
+            </a:extLst>
+          </p:cNvPr>
+          <p:cNvSpPr txBox="1"/>
+          <p:nvPr/>
+        </p:nvSpPr>
+        <p:spPr>
+          <a:xfrm>
+            <a:off x="6990169" y="4969595"/>
+            <a:ext cx="1383740" cy="400110"/>
+          </a:xfrm>
+          <a:prstGeom prst="rect">
+            <a:avLst/>
+          </a:prstGeom>
+          <a:solidFill>
+            <a:srgbClr val="00B0F0"/>
+          </a:solidFill>
+        </p:spPr>
+        <p:txBody>
+          <a:bodyPr wrap="square" rtlCol="0">
+            <a:spAutoFit/>
+          </a:bodyPr>
+          <a:lstStyle/>
+          <a:p>
+            <a:r>
+              <a:rPr lang="en-US" sz="2000" dirty="0"/>
+              <a:t>Semantics</a:t>
+            </a:r>
+          </a:p>
+        </p:txBody>
+      </p:sp>
+      <p:sp>
+        <p:nvSpPr>
+          <p:cNvPr id="8" name="TextBox 7">
+            <a:extLst>
+              <a:ext uri="{FF2B5EF4-FFF2-40B4-BE49-F238E27FC236}">
+                <a16:creationId xmlns:a16="http://schemas.microsoft.com/office/drawing/2014/main" id="{6BBC57CC-FC09-E247-AF47-FDA966E01BB6}"/>
+              </a:ext>
+            </a:extLst>
+          </p:cNvPr>
+          <p:cNvSpPr txBox="1"/>
+          <p:nvPr/>
+        </p:nvSpPr>
+        <p:spPr>
+          <a:xfrm>
+            <a:off x="6990169" y="5817992"/>
+            <a:ext cx="1383740" cy="400110"/>
+          </a:xfrm>
+          <a:prstGeom prst="rect">
+            <a:avLst/>
+          </a:prstGeom>
+          <a:solidFill>
+            <a:srgbClr val="00B0F0"/>
+          </a:solidFill>
+        </p:spPr>
+        <p:txBody>
+          <a:bodyPr wrap="square" rtlCol="0">
+            <a:spAutoFit/>
+          </a:bodyPr>
+          <a:lstStyle/>
+          <a:p>
+            <a:r>
+              <a:rPr lang="en-US" sz="2000" dirty="0"/>
+              <a:t>”Meaning”</a:t>
+            </a:r>
+          </a:p>
+        </p:txBody>
+      </p:sp>
+    </p:spTree>
+    <p:extLst>
+      <p:ext uri="{BB962C8B-B14F-4D97-AF65-F5344CB8AC3E}">
+        <p14:creationId xmlns:p14="http://schemas.microsoft.com/office/powerpoint/2010/main" val="767551724"/>
+      </p:ext>
+    </p:extLst>
+  </p:cSld>
+  <p:clrMapOvr>
+    <a:masterClrMapping/>
+  </p:clrMapOvr>
+  <p:timing>
+    <p:tnLst>
+      <p:par>
+        <p:cTn id="1" dur="indefinite" restart="never" nodeType="tmRoot">
+          <p:childTnLst>
+            <p:seq concurrent="1" nextAc="seek">
+              <p:cTn id="2" dur="indefinite" nodeType="mainSeq">
+                <p:childTnLst>
+                  <p:par>
+                    <p:cTn id="3" fill="hold">
+                      <p:stCondLst>
+                        <p:cond delay="indefinite"/>
+                      </p:stCondLst>
+                      <p:childTnLst>
+                        <p:par>
+                          <p:cTn id="4" fill="hold">
+                            <p:stCondLst>
+                              <p:cond delay="0"/>
+                            </p:stCondLst>
+                            <p:childTnLst>
+                              <p:par>
+                                <p:cTn id="5" presetID="1" presetClass="entr" presetSubtype="0" fill="hold" grpId="0" nodeType="clickEffect">
+                                  <p:stCondLst>
+                                    <p:cond delay="0"/>
+                                  </p:stCondLst>
+                                  <p:childTnLst>
+                                    <p:set>
+                                      <p:cBhvr>
+                                        <p:cTn id="6" dur="1" fill="hold">
+                                          <p:stCondLst>
+                                            <p:cond delay="0"/>
+                                          </p:stCondLst>
+                                        </p:cTn>
+                                        <p:tgtEl>
+                                          <p:spTgt spid="3">
+                                            <p:txEl>
+                                              <p:pRg st="0" end="0"/>
+                                            </p:txEl>
+                                          </p:spTgt>
+                                        </p:tgtEl>
+                                        <p:attrNameLst>
+                                          <p:attrName>style.visibility</p:attrName>
+                                        </p:attrNameLst>
+                                      </p:cBhvr>
+                                      <p:to>
+                                        <p:strVal val="visible"/>
+                                      </p:to>
+                                    </p:set>
+                                  </p:childTnLst>
+                                </p:cTn>
+                              </p:par>
+                            </p:childTnLst>
+                          </p:cTn>
+                        </p:par>
+                      </p:childTnLst>
+                    </p:cTn>
+                  </p:par>
+                  <p:par>
+                    <p:cTn id="7" fill="hold">
+                      <p:stCondLst>
+                        <p:cond delay="indefinite"/>
+                      </p:stCondLst>
+                      <p:childTnLst>
+                        <p:par>
+                          <p:cTn id="8" fill="hold">
+                            <p:stCondLst>
+                              <p:cond delay="0"/>
+                            </p:stCondLst>
+                            <p:childTnLst>
+                              <p:par>
+                                <p:cTn id="9" presetID="1" presetClass="entr" presetSubtype="0" fill="hold" grpId="0" nodeType="clickEffect">
+                                  <p:stCondLst>
+                                    <p:cond delay="0"/>
+                                  </p:stCondLst>
+                                  <p:childTnLst>
+                                    <p:set>
+                                      <p:cBhvr>
+                                        <p:cTn id="10" dur="1" fill="hold">
+                                          <p:stCondLst>
+                                            <p:cond delay="0"/>
+                                          </p:stCondLst>
+                                        </p:cTn>
+                                        <p:tgtEl>
+                                          <p:spTgt spid="3">
+                                            <p:txEl>
+                                              <p:pRg st="1" end="1"/>
+                                            </p:txEl>
+                                          </p:spTgt>
+                                        </p:tgtEl>
+                                        <p:attrNameLst>
+                                          <p:attrName>style.visibility</p:attrName>
+                                        </p:attrNameLst>
+                                      </p:cBhvr>
+                                      <p:to>
+                                        <p:strVal val="visible"/>
+                                      </p:to>
+                                    </p:set>
+                                  </p:childTnLst>
+                                </p:cTn>
+                              </p:par>
+                            </p:childTnLst>
+                          </p:cTn>
+                        </p:par>
+                      </p:childTnLst>
+                    </p:cTn>
+                  </p:par>
+                  <p:par>
+                    <p:cTn id="11" fill="hold">
+                      <p:stCondLst>
+                        <p:cond delay="indefinite"/>
+                      </p:stCondLst>
+                      <p:childTnLst>
+                        <p:par>
+                          <p:cTn id="12" fill="hold">
+                            <p:stCondLst>
+                              <p:cond delay="0"/>
+                            </p:stCondLst>
+                            <p:childTnLst>
+                              <p:par>
+                                <p:cTn id="13" presetID="1" presetClass="entr" presetSubtype="0" fill="hold" grpId="0" nodeType="clickEffect">
+                                  <p:stCondLst>
+                                    <p:cond delay="0"/>
+                                  </p:stCondLst>
+                                  <p:childTnLst>
+                                    <p:set>
+                                      <p:cBhvr>
+                                        <p:cTn id="14" dur="1" fill="hold">
+                                          <p:stCondLst>
+                                            <p:cond delay="0"/>
+                                          </p:stCondLst>
+                                        </p:cTn>
+                                        <p:tgtEl>
+                                          <p:spTgt spid="3">
+                                            <p:txEl>
+                                              <p:pRg st="2" end="2"/>
+                                            </p:txEl>
+                                          </p:spTgt>
+                                        </p:tgtEl>
+                                        <p:attrNameLst>
+                                          <p:attrName>style.visibility</p:attrName>
+                                        </p:attrNameLst>
+                                      </p:cBhvr>
+                                      <p:to>
+                                        <p:strVal val="visible"/>
+                                      </p:to>
+                                    </p:set>
+                                  </p:childTnLst>
+                                </p:cTn>
+                              </p:par>
+                            </p:childTnLst>
+                          </p:cTn>
+                        </p:par>
+                      </p:childTnLst>
+                    </p:cTn>
+                  </p:par>
+                  <p:par>
+                    <p:cTn id="15" fill="hold">
+                      <p:stCondLst>
+                        <p:cond delay="indefinite"/>
+                      </p:stCondLst>
+                      <p:childTnLst>
+                        <p:par>
+                          <p:cTn id="16" fill="hold">
+                            <p:stCondLst>
+                              <p:cond delay="0"/>
+                            </p:stCondLst>
+                            <p:childTnLst>
+                              <p:par>
+                                <p:cTn id="17" presetID="1" presetClass="entr" presetSubtype="0" fill="hold" grpId="0" nodeType="clickEffect">
+                                  <p:stCondLst>
+                                    <p:cond delay="0"/>
+                                  </p:stCondLst>
+                                  <p:childTnLst>
+                                    <p:set>
+                                      <p:cBhvr>
+                                        <p:cTn id="18" dur="1" fill="hold">
+                                          <p:stCondLst>
+                                            <p:cond delay="0"/>
+                                          </p:stCondLst>
+                                        </p:cTn>
+                                        <p:tgtEl>
+                                          <p:spTgt spid="3">
+                                            <p:txEl>
+                                              <p:pRg st="3" end="3"/>
+                                            </p:txEl>
+                                          </p:spTgt>
+                                        </p:tgtEl>
+                                        <p:attrNameLst>
+                                          <p:attrName>style.visibility</p:attrName>
+                                        </p:attrNameLst>
+                                      </p:cBhvr>
+                                      <p:to>
+                                        <p:strVal val="visible"/>
+                                      </p:to>
+                                    </p:set>
+                                  </p:childTnLst>
+                                </p:cTn>
+                              </p:par>
+                            </p:childTnLst>
+                          </p:cTn>
+                        </p:par>
+                      </p:childTnLst>
+                    </p:cTn>
+                  </p:par>
+                  <p:par>
+                    <p:cTn id="19" fill="hold">
+                      <p:stCondLst>
+                        <p:cond delay="indefinite"/>
+                      </p:stCondLst>
+                      <p:childTnLst>
+                        <p:par>
+                          <p:cTn id="20" fill="hold">
+                            <p:stCondLst>
+                              <p:cond delay="0"/>
+                            </p:stCondLst>
+                            <p:childTnLst>
+                              <p:par>
+                                <p:cTn id="21" presetID="1" presetClass="entr" presetSubtype="0" fill="hold" grpId="0" nodeType="clickEffect">
+                                  <p:stCondLst>
+                                    <p:cond delay="0"/>
+                                  </p:stCondLst>
+                                  <p:childTnLst>
+                                    <p:set>
+                                      <p:cBhvr>
+                                        <p:cTn id="22" dur="1" fill="hold">
+                                          <p:stCondLst>
+                                            <p:cond delay="0"/>
+                                          </p:stCondLst>
+                                        </p:cTn>
+                                        <p:tgtEl>
+                                          <p:spTgt spid="5"/>
+                                        </p:tgtEl>
+                                        <p:attrNameLst>
+                                          <p:attrName>style.visibility</p:attrName>
+                                        </p:attrNameLst>
+                                      </p:cBhvr>
+                                      <p:to>
+                                        <p:strVal val="visible"/>
+                                      </p:to>
+                                    </p:set>
+                                  </p:childTnLst>
+                                </p:cTn>
+                              </p:par>
+                            </p:childTnLst>
+                          </p:cTn>
+                        </p:par>
+                      </p:childTnLst>
+                    </p:cTn>
+                  </p:par>
+                  <p:par>
+                    <p:cTn id="23" fill="hold">
+                      <p:stCondLst>
+                        <p:cond delay="indefinite"/>
+                      </p:stCondLst>
+                      <p:childTnLst>
+                        <p:par>
+                          <p:cTn id="24" fill="hold">
+                            <p:stCondLst>
+                              <p:cond delay="0"/>
+                            </p:stCondLst>
+                            <p:childTnLst>
+                              <p:par>
+                                <p:cTn id="25" presetID="1" presetClass="entr" presetSubtype="0" fill="hold" grpId="0" nodeType="clickEffect">
+                                  <p:stCondLst>
+                                    <p:cond delay="0"/>
+                                  </p:stCondLst>
+                                  <p:childTnLst>
+                                    <p:set>
+                                      <p:cBhvr>
+                                        <p:cTn id="26" dur="1" fill="hold">
+                                          <p:stCondLst>
+                                            <p:cond delay="0"/>
+                                          </p:stCondLst>
+                                        </p:cTn>
+                                        <p:tgtEl>
+                                          <p:spTgt spid="6"/>
+                                        </p:tgtEl>
+                                        <p:attrNameLst>
+                                          <p:attrName>style.visibility</p:attrName>
+                                        </p:attrNameLst>
+                                      </p:cBhvr>
+                                      <p:to>
+                                        <p:strVal val="visible"/>
+                                      </p:to>
+                                    </p:set>
+                                  </p:childTnLst>
+                                </p:cTn>
+                              </p:par>
+                            </p:childTnLst>
+                          </p:cTn>
+                        </p:par>
+                      </p:childTnLst>
+                    </p:cTn>
+                  </p:par>
+                  <p:par>
+                    <p:cTn id="27" fill="hold">
+                      <p:stCondLst>
+                        <p:cond delay="indefinite"/>
+                      </p:stCondLst>
+                      <p:childTnLst>
+                        <p:par>
+                          <p:cTn id="28" fill="hold">
+                            <p:stCondLst>
+                              <p:cond delay="0"/>
+                            </p:stCondLst>
+                            <p:childTnLst>
+                              <p:par>
+                                <p:cTn id="29" presetID="1" presetClass="entr" presetSubtype="0" fill="hold" grpId="0" nodeType="clickEffect">
+                                  <p:stCondLst>
+                                    <p:cond delay="0"/>
+                                  </p:stCondLst>
+                                  <p:childTnLst>
+                                    <p:set>
+                                      <p:cBhvr>
+                                        <p:cTn id="30" dur="1" fill="hold">
+                                          <p:stCondLst>
+                                            <p:cond delay="0"/>
+                                          </p:stCondLst>
+                                        </p:cTn>
+                                        <p:tgtEl>
+                                          <p:spTgt spid="7"/>
+                                        </p:tgtEl>
+                                        <p:attrNameLst>
+                                          <p:attrName>style.visibility</p:attrName>
+                                        </p:attrNameLst>
+                                      </p:cBhvr>
+                                      <p:to>
+                                        <p:strVal val="visible"/>
+                                      </p:to>
+                                    </p:set>
+                                  </p:childTnLst>
+                                </p:cTn>
+                              </p:par>
+                            </p:childTnLst>
+                          </p:cTn>
+                        </p:par>
+                      </p:childTnLst>
+                    </p:cTn>
+                  </p:par>
+                  <p:par>
+                    <p:cTn id="31" fill="hold">
+                      <p:stCondLst>
+                        <p:cond delay="indefinite"/>
+                      </p:stCondLst>
+                      <p:childTnLst>
+                        <p:par>
+                          <p:cTn id="32" fill="hold">
+                            <p:stCondLst>
+                              <p:cond delay="0"/>
+                            </p:stCondLst>
+                            <p:childTnLst>
+                              <p:par>
+                                <p:cTn id="33" presetID="1" presetClass="entr" presetSubtype="0" fill="hold" grpId="0" nodeType="clickEffect">
+                                  <p:stCondLst>
+                                    <p:cond delay="0"/>
+                                  </p:stCondLst>
+                                  <p:childTnLst>
+                                    <p:set>
+                                      <p:cBhvr>
+                                        <p:cTn id="34" dur="1" fill="hold">
+                                          <p:stCondLst>
+                                            <p:cond delay="0"/>
+                                          </p:stCondLst>
+                                        </p:cTn>
+                                        <p:tgtEl>
+                                          <p:spTgt spid="8"/>
+                                        </p:tgtEl>
+                                        <p:attrNameLst>
+                                          <p:attrName>style.visibility</p:attrName>
+                                        </p:attrNameLst>
+                                      </p:cBhvr>
+                                      <p:to>
+                                        <p:strVal val="visible"/>
+                                      </p:to>
+                                    </p:set>
+                                  </p:childTnLst>
+                                </p:cTn>
+                              </p:par>
+                            </p:childTnLst>
+                          </p:cTn>
+                        </p:par>
+                      </p:childTnLst>
+                    </p:cTn>
+                  </p:par>
+                </p:childTnLst>
+              </p:cTn>
+              <p:prevCondLst>
+                <p:cond evt="onPrev" delay="0">
+                  <p:tgtEl>
+                    <p:sldTgt/>
+                  </p:tgtEl>
+                </p:cond>
+              </p:prevCondLst>
+              <p:nextCondLst>
+                <p:cond evt="onNext" delay="0">
+                  <p:tgtEl>
+                    <p:sldTgt/>
+                  </p:tgtEl>
+                </p:cond>
+              </p:nextCondLst>
+            </p:seq>
+          </p:childTnLst>
+        </p:cTn>
+      </p:par>
+    </p:tnLst>
+    <p:bldLst>
+      <p:bldP spid="3" grpId="0" build="p"/>
+      <p:bldP spid="5" grpId="0" animBg="1"/>
+      <p:bldP spid="6" grpId="0" animBg="1"/>
+      <p:bldP spid="7" grpId="0" animBg="1"/>
+      <p:bldP spid="8" grpId="0" animBg="1"/>
+    </p:bldLst>
+  </p:timing>
+</p:sld>
+</file>
+
+<file path=ppt/slides/slide6.xml><?xml version="1.0" encoding="utf-8"?>
 <p:sld xmlns:a="http://schemas.openxmlformats.org/drawingml/2006/main" xmlns:r="http://schemas.openxmlformats.org/officeDocument/2006/relationships" xmlns:p="http://schemas.openxmlformats.org/presentationml/2006/main">
   <p:cSld>
     <p:spTree>
@@ -11921,6 +13915,58 @@
           </a:p>
         </p:txBody>
       </p:sp>
+      <p:sp>
+        <p:nvSpPr>
+          <p:cNvPr id="2" name="Slide Number Placeholder 1">
+            <a:extLst>
+              <a:ext uri="{FF2B5EF4-FFF2-40B4-BE49-F238E27FC236}">
+                <a16:creationId xmlns:a16="http://schemas.microsoft.com/office/drawing/2014/main" id="{7C43A16B-21EC-DF40-A024-7C72CC0531B5}"/>
+              </a:ext>
+            </a:extLst>
+          </p:cNvPr>
+          <p:cNvSpPr>
+            <a:spLocks noGrp="1"/>
+          </p:cNvSpPr>
+          <p:nvPr>
+            <p:ph type="sldNum" idx="12"/>
+          </p:nvPr>
+        </p:nvSpPr>
+        <p:spPr/>
+        <p:txBody>
+          <a:bodyPr/>
+          <a:lstStyle/>
+          <a:p>
+            <a:pPr marL="0" marR="0" lvl="0" indent="0" algn="r" rtl="0">
+              <a:spcBef>
+                <a:spcPts val="0"/>
+              </a:spcBef>
+              <a:buSzPct val="25000"/>
+              <a:buNone/>
+            </a:pPr>
+            <a:fld id="{00000000-1234-1234-1234-123412341234}" type="slidenum">
+              <a:rPr lang="en-US" sz="1200" smtClean="0">
+                <a:solidFill>
+                  <a:srgbClr val="888888"/>
+                </a:solidFill>
+                <a:latin typeface="Calibri"/>
+                <a:ea typeface="Calibri"/>
+                <a:cs typeface="Calibri"/>
+                <a:sym typeface="Calibri"/>
+              </a:rPr>
+              <a:t>6</a:t>
+            </a:fld>
+            <a:endParaRPr lang="en-US" sz="1200">
+              <a:solidFill>
+                <a:srgbClr val="888888"/>
+              </a:solidFill>
+              <a:latin typeface="Calibri"/>
+              <a:ea typeface="Calibri"/>
+              <a:cs typeface="Calibri"/>
+              <a:sym typeface="Calibri"/>
+            </a:endParaRPr>
+          </a:p>
+        </p:txBody>
+      </p:sp>
     </p:spTree>
   </p:cSld>
   <p:clrMapOvr>
@@ -11929,7 +13975,7 @@
 </p:sld>
 </file>
 
-<file path=ppt/slides/slide6.xml><?xml version="1.0" encoding="utf-8"?>
+<file path=ppt/slides/slide7.xml><?xml version="1.0" encoding="utf-8"?>
 <p:sld xmlns:a="http://schemas.openxmlformats.org/drawingml/2006/main" xmlns:r="http://schemas.openxmlformats.org/officeDocument/2006/relationships" xmlns:p="http://schemas.openxmlformats.org/presentationml/2006/main">
   <p:cSld>
     <p:spTree>
@@ -12124,6 +14170,58 @@
           </a:p>
         </p:txBody>
       </p:sp>
+      <p:sp>
+        <p:nvSpPr>
+          <p:cNvPr id="2" name="Slide Number Placeholder 1">
+            <a:extLst>
+              <a:ext uri="{FF2B5EF4-FFF2-40B4-BE49-F238E27FC236}">
+                <a16:creationId xmlns:a16="http://schemas.microsoft.com/office/drawing/2014/main" id="{9B7A854A-A5DF-5647-AF59-D7A5444C38D2}"/>
+              </a:ext>
+            </a:extLst>
+          </p:cNvPr>
+          <p:cNvSpPr>
+            <a:spLocks noGrp="1"/>
+          </p:cNvSpPr>
+          <p:nvPr>
+            <p:ph type="sldNum" idx="12"/>
+          </p:nvPr>
+        </p:nvSpPr>
+        <p:spPr/>
+        <p:txBody>
+          <a:bodyPr/>
+          <a:lstStyle/>
+          <a:p>
+            <a:pPr marL="0" marR="0" lvl="0" indent="0" algn="r" rtl="0">
+              <a:spcBef>
+                <a:spcPts val="0"/>
+              </a:spcBef>
+              <a:buSzPct val="25000"/>
+              <a:buNone/>
+            </a:pPr>
+            <a:fld id="{00000000-1234-1234-1234-123412341234}" type="slidenum">
+              <a:rPr lang="en-US" sz="1200" smtClean="0">
+                <a:solidFill>
+                  <a:srgbClr val="888888"/>
+                </a:solidFill>
+                <a:latin typeface="Calibri"/>
+                <a:ea typeface="Calibri"/>
+                <a:cs typeface="Calibri"/>
+                <a:sym typeface="Calibri"/>
+              </a:rPr>
+              <a:t>7</a:t>
+            </a:fld>
+            <a:endParaRPr lang="en-US" sz="1200">
+              <a:solidFill>
+                <a:srgbClr val="888888"/>
+              </a:solidFill>
+              <a:latin typeface="Calibri"/>
+              <a:ea typeface="Calibri"/>
+              <a:cs typeface="Calibri"/>
+              <a:sym typeface="Calibri"/>
+            </a:endParaRPr>
+          </a:p>
+        </p:txBody>
+      </p:sp>
     </p:spTree>
   </p:cSld>
   <p:clrMapOvr>
@@ -12132,7 +14230,7 @@
 </p:sld>
 </file>
 
-<file path=ppt/slides/slide7.xml><?xml version="1.0" encoding="utf-8"?>
+<file path=ppt/slides/slide8.xml><?xml version="1.0" encoding="utf-8"?>
 <p:sld xmlns:a="http://schemas.openxmlformats.org/drawingml/2006/main" xmlns:r="http://schemas.openxmlformats.org/officeDocument/2006/relationships" xmlns:p="http://schemas.openxmlformats.org/presentationml/2006/main">
   <p:cSld>
     <p:spTree>
@@ -12327,6 +14425,58 @@
           </a:p>
         </p:txBody>
       </p:sp>
+      <p:sp>
+        <p:nvSpPr>
+          <p:cNvPr id="2" name="Slide Number Placeholder 1">
+            <a:extLst>
+              <a:ext uri="{FF2B5EF4-FFF2-40B4-BE49-F238E27FC236}">
+                <a16:creationId xmlns:a16="http://schemas.microsoft.com/office/drawing/2014/main" id="{71071C89-B174-1D4E-9A44-5DA4F8747D0C}"/>
+              </a:ext>
+            </a:extLst>
+          </p:cNvPr>
+          <p:cNvSpPr>
+            <a:spLocks noGrp="1"/>
+          </p:cNvSpPr>
+          <p:nvPr>
+            <p:ph type="sldNum" idx="12"/>
+          </p:nvPr>
+        </p:nvSpPr>
+        <p:spPr/>
+        <p:txBody>
+          <a:bodyPr/>
+          <a:lstStyle/>
+          <a:p>
+            <a:pPr marL="0" marR="0" lvl="0" indent="0" algn="r" rtl="0">
+              <a:spcBef>
+                <a:spcPts val="0"/>
+              </a:spcBef>
+              <a:buSzPct val="25000"/>
+              <a:buNone/>
+            </a:pPr>
+            <a:fld id="{00000000-1234-1234-1234-123412341234}" type="slidenum">
+              <a:rPr lang="en-US" sz="1200" smtClean="0">
+                <a:solidFill>
+                  <a:srgbClr val="888888"/>
+                </a:solidFill>
+                <a:latin typeface="Calibri"/>
+                <a:ea typeface="Calibri"/>
+                <a:cs typeface="Calibri"/>
+                <a:sym typeface="Calibri"/>
+              </a:rPr>
+              <a:t>8</a:t>
+            </a:fld>
+            <a:endParaRPr lang="en-US" sz="1200">
+              <a:solidFill>
+                <a:srgbClr val="888888"/>
+              </a:solidFill>
+              <a:latin typeface="Calibri"/>
+              <a:ea typeface="Calibri"/>
+              <a:cs typeface="Calibri"/>
+              <a:sym typeface="Calibri"/>
+            </a:endParaRPr>
+          </a:p>
+        </p:txBody>
+      </p:sp>
     </p:spTree>
   </p:cSld>
   <p:clrMapOvr>
@@ -12335,7 +14485,7 @@
 </p:sld>
 </file>
 
-<file path=ppt/slides/slide8.xml><?xml version="1.0" encoding="utf-8"?>
+<file path=ppt/slides/slide9.xml><?xml version="1.0" encoding="utf-8"?>
 <p:sld xmlns:a="http://schemas.openxmlformats.org/drawingml/2006/main" xmlns:r="http://schemas.openxmlformats.org/officeDocument/2006/relationships" xmlns:p="http://schemas.openxmlformats.org/presentationml/2006/main">
   <p:cSld>
     <p:spTree>
@@ -12530,215 +14680,55 @@
           </a:p>
         </p:txBody>
       </p:sp>
-    </p:spTree>
-  </p:cSld>
-  <p:clrMapOvr>
-    <a:masterClrMapping/>
-  </p:clrMapOvr>
-</p:sld>
-</file>
-
-<file path=ppt/slides/slide9.xml><?xml version="1.0" encoding="utf-8"?>
-<p:sld xmlns:a="http://schemas.openxmlformats.org/drawingml/2006/main" xmlns:r="http://schemas.openxmlformats.org/officeDocument/2006/relationships" xmlns:p="http://schemas.openxmlformats.org/presentationml/2006/main">
-  <p:cSld>
-    <p:spTree>
-      <p:nvGrpSpPr>
-        <p:cNvPr id="1" name="Shape 113"/>
-        <p:cNvGrpSpPr/>
-        <p:nvPr/>
-      </p:nvGrpSpPr>
-      <p:grpSpPr>
-        <a:xfrm>
-          <a:off x="0" y="0"/>
-          <a:ext cx="0" cy="0"/>
-          <a:chOff x="0" y="0"/>
-          <a:chExt cx="0" cy="0"/>
-        </a:xfrm>
-      </p:grpSpPr>
-      <p:sp>
-        <p:nvSpPr>
-          <p:cNvPr id="114" name="Shape 114"/>
-          <p:cNvSpPr txBox="1">
+      <p:sp>
+        <p:nvSpPr>
+          <p:cNvPr id="2" name="Slide Number Placeholder 1">
+            <a:extLst>
+              <a:ext uri="{FF2B5EF4-FFF2-40B4-BE49-F238E27FC236}">
+                <a16:creationId xmlns:a16="http://schemas.microsoft.com/office/drawing/2014/main" id="{12240CCA-F600-C447-9D78-BA5D1F9A2754}"/>
+              </a:ext>
+            </a:extLst>
+          </p:cNvPr>
+          <p:cNvSpPr>
             <a:spLocks noGrp="1"/>
           </p:cNvSpPr>
           <p:nvPr>
-            <p:ph type="title"/>
+            <p:ph type="sldNum" idx="12"/>
           </p:nvPr>
         </p:nvSpPr>
-        <p:spPr>
-          <a:xfrm>
-            <a:off x="457200" y="274637"/>
-            <a:ext cx="8229600" cy="1143000"/>
-          </a:xfrm>
-          <a:prstGeom prst="rect">
-            <a:avLst/>
-          </a:prstGeom>
-          <a:noFill/>
-          <a:ln>
-            <a:noFill/>
-          </a:ln>
-        </p:spPr>
+        <p:spPr/>
         <p:txBody>
-          <a:bodyPr lIns="91425" tIns="45700" rIns="91425" bIns="45700" anchor="ctr" anchorCtr="0">
-            <a:noAutofit/>
-          </a:bodyPr>
+          <a:bodyPr/>
           <a:lstStyle/>
           <a:p>
-            <a:pPr marL="0" marR="0" lvl="0" indent="0" algn="ctr" rtl="0">
-              <a:spcBef>
-                <a:spcPts val="0"/>
-              </a:spcBef>
-              <a:buClr>
-                <a:schemeClr val="dk1"/>
-              </a:buClr>
+            <a:pPr marL="0" marR="0" lvl="0" indent="0" algn="r" rtl="0">
+              <a:spcBef>
+                <a:spcPts val="0"/>
+              </a:spcBef>
               <a:buSzPct val="25000"/>
-              <a:buFont typeface="Calibri"/>
-              <a:buNone/>
-            </a:pPr>
-            <a:r>
-              <a:rPr lang="en-US" sz="3959" b="0" i="0" u="none" strike="noStrike" cap="none">
-                <a:solidFill>
-                  <a:schemeClr val="dk1"/>
-                </a:solidFill>
-                <a:latin typeface="Calibri"/>
-                <a:ea typeface="Calibri"/>
-                <a:cs typeface="Calibri"/>
-                <a:sym typeface="Calibri"/>
-              </a:rPr>
-              <a:t>Rich Programmer Food, Steve Yegge</a:t>
-            </a:r>
-          </a:p>
-        </p:txBody>
-      </p:sp>
-      <p:sp>
-        <p:nvSpPr>
-          <p:cNvPr id="115" name="Shape 115"/>
-          <p:cNvSpPr txBox="1">
-            <a:spLocks noGrp="1"/>
-          </p:cNvSpPr>
-          <p:nvPr>
-            <p:ph type="body" idx="1"/>
-          </p:nvPr>
-        </p:nvSpPr>
-        <p:spPr>
-          <a:xfrm>
-            <a:off x="457200" y="1600200"/>
-            <a:ext cx="8229600" cy="4525963"/>
-          </a:xfrm>
-          <a:prstGeom prst="rect">
-            <a:avLst/>
-          </a:prstGeom>
-          <a:noFill/>
-          <a:ln>
-            <a:noFill/>
-          </a:ln>
-        </p:spPr>
-        <p:txBody>
-          <a:bodyPr lIns="91425" tIns="45700" rIns="91425" bIns="45700" anchor="t" anchorCtr="0">
-            <a:noAutofit/>
-          </a:bodyPr>
-          <a:lstStyle/>
-          <a:p>
-            <a:pPr marL="342900" marR="0" lvl="0" indent="-342900" algn="l" rtl="0">
-              <a:lnSpc>
-                <a:spcPct val="90000"/>
-              </a:lnSpc>
-              <a:spcBef>
-                <a:spcPts val="0"/>
-              </a:spcBef>
-              <a:spcAft>
-                <a:spcPts val="0"/>
-              </a:spcAft>
-              <a:buClr>
-                <a:schemeClr val="dk1"/>
-              </a:buClr>
-              <a:buSzPct val="100000"/>
-              <a:buFont typeface="Arial"/>
-              <a:buChar char="•"/>
-            </a:pPr>
-            <a:r>
-              <a:rPr lang="en-US" sz="3200" b="0" i="0" u="none" strike="noStrike" cap="none">
-                <a:solidFill>
-                  <a:schemeClr val="dk1"/>
-                </a:solidFill>
-                <a:latin typeface="Calibri"/>
-                <a:ea typeface="Calibri"/>
-                <a:cs typeface="Calibri"/>
-                <a:sym typeface="Calibri"/>
-              </a:rPr>
-              <a:t>Situation 5: You have to communicate with a new router that has a telnet interface and a proprietary command language. You need to parse the responses in this language and look for patterns and produce new commands.</a:t>
-            </a:r>
-          </a:p>
-          <a:p>
-            <a:pPr marL="742950" marR="0" lvl="1" indent="-285750" algn="l" rtl="0">
-              <a:lnSpc>
-                <a:spcPct val="90000"/>
-              </a:lnSpc>
-              <a:spcBef>
-                <a:spcPts val="560"/>
-              </a:spcBef>
-              <a:spcAft>
-                <a:spcPts val="0"/>
-              </a:spcAft>
-              <a:buClr>
-                <a:srgbClr val="000000"/>
-              </a:buClr>
-              <a:buSzPct val="100000"/>
-              <a:buFont typeface="Arial"/>
-              <a:buChar char="–"/>
-            </a:pPr>
-            <a:r>
-              <a:rPr lang="en-US" sz="2800" b="0" i="0" u="none" strike="noStrike" cap="none">
-                <a:solidFill>
-                  <a:srgbClr val="000000"/>
-                </a:solidFill>
-                <a:latin typeface="Calibri"/>
-                <a:ea typeface="Calibri"/>
-                <a:cs typeface="Calibri"/>
-                <a:sym typeface="Calibri"/>
-              </a:rPr>
-              <a:t>Steve’s answer: </a:t>
-            </a:r>
-            <a:r>
-              <a:rPr lang="en-US" sz="2800" b="0" i="0" u="none" strike="noStrike" cap="none">
-                <a:solidFill>
-                  <a:srgbClr val="1F497D"/>
-                </a:solidFill>
-                <a:latin typeface="Calibri"/>
-                <a:ea typeface="Calibri"/>
-                <a:cs typeface="Calibri"/>
-                <a:sym typeface="Calibri"/>
-              </a:rPr>
-              <a:t>Perl. It's a swiss army knife. You can use it to sidestep this problem with honor, by disemboweling yourself.</a:t>
-            </a:r>
-          </a:p>
-          <a:p>
-            <a:pPr marL="742950" marR="0" lvl="1" indent="-285750" algn="l" rtl="0">
-              <a:lnSpc>
-                <a:spcPct val="90000"/>
-              </a:lnSpc>
-              <a:spcBef>
-                <a:spcPts val="560"/>
-              </a:spcBef>
-              <a:buClr>
-                <a:schemeClr val="dk1"/>
-              </a:buClr>
-              <a:buSzPct val="100000"/>
-              <a:buFont typeface="Arial"/>
-              <a:buChar char="–"/>
-            </a:pPr>
-            <a:r>
-              <a:rPr lang="en-US" sz="2800" b="0" i="0" u="none" strike="noStrike" cap="none">
-                <a:solidFill>
-                  <a:schemeClr val="dk1"/>
-                </a:solidFill>
-                <a:latin typeface="Calibri"/>
-                <a:ea typeface="Calibri"/>
-                <a:cs typeface="Calibri"/>
-                <a:sym typeface="Calibri"/>
-              </a:rPr>
-              <a:t>Steve’s real answer: Lexing and parsing and codegen</a:t>
-            </a:r>
+              <a:buNone/>
+            </a:pPr>
+            <a:fld id="{00000000-1234-1234-1234-123412341234}" type="slidenum">
+              <a:rPr lang="en-US" sz="1200" smtClean="0">
+                <a:solidFill>
+                  <a:srgbClr val="888888"/>
+                </a:solidFill>
+                <a:latin typeface="Calibri"/>
+                <a:ea typeface="Calibri"/>
+                <a:cs typeface="Calibri"/>
+                <a:sym typeface="Calibri"/>
+              </a:rPr>
+              <a:t>9</a:t>
+            </a:fld>
+            <a:endParaRPr lang="en-US" sz="1200">
+              <a:solidFill>
+                <a:srgbClr val="888888"/>
+              </a:solidFill>
+              <a:latin typeface="Calibri"/>
+              <a:ea typeface="Calibri"/>
+              <a:cs typeface="Calibri"/>
+              <a:sym typeface="Calibri"/>
+            </a:endParaRPr>
           </a:p>
         </p:txBody>
       </p:sp>

--- a/assets/ppt/intro/in1-evangelize-compilers.pptx
+++ b/assets/ppt/intro/in1-evangelize-compilers.pptx
@@ -13,7 +13,7 @@
     <p:sldId id="278" r:id="rId4"/>
     <p:sldId id="279" r:id="rId5"/>
     <p:sldId id="280" r:id="rId6"/>
-    <p:sldId id="281" r:id="rId7"/>
+    <p:sldId id="294" r:id="rId7"/>
     <p:sldId id="282" r:id="rId8"/>
     <p:sldId id="283" r:id="rId9"/>
     <p:sldId id="284" r:id="rId10"/>
@@ -11202,7 +11202,7 @@
           <p:cNvPr id="2" name="Title 1">
             <a:extLst>
               <a:ext uri="{FF2B5EF4-FFF2-40B4-BE49-F238E27FC236}">
-                <a16:creationId xmlns:a16="http://schemas.microsoft.com/office/drawing/2014/main" id="{E631FF38-765E-994D-819C-EB74771BC79E}"/>
+                <a16:creationId xmlns:a16="http://schemas.microsoft.com/office/drawing/2014/main" id="{F0196C73-3791-194F-8A47-4B9B464432A8}"/>
               </a:ext>
             </a:extLst>
           </p:cNvPr>
@@ -11215,9 +11215,7 @@
         </p:nvSpPr>
         <p:spPr/>
         <p:txBody>
-          <a:bodyPr>
-            <a:normAutofit/>
-          </a:bodyPr>
+          <a:bodyPr/>
           <a:lstStyle/>
           <a:p>
             <a:r>
@@ -11237,10 +11235,10 @@
       </p:sp>
       <p:sp>
         <p:nvSpPr>
-          <p:cNvPr id="3" name="Text Placeholder 2">
+          <p:cNvPr id="3" name="Content Placeholder 2">
             <a:extLst>
               <a:ext uri="{FF2B5EF4-FFF2-40B4-BE49-F238E27FC236}">
-                <a16:creationId xmlns:a16="http://schemas.microsoft.com/office/drawing/2014/main" id="{48DA3C79-6656-CF45-8DF5-CF03A8EB0A42}"/>
+                <a16:creationId xmlns:a16="http://schemas.microsoft.com/office/drawing/2014/main" id="{349D96A4-E513-F74B-A203-3B36F4CE4C13}"/>
               </a:ext>
             </a:extLst>
           </p:cNvPr>
@@ -11253,18 +11251,42 @@
         </p:nvSpPr>
         <p:spPr/>
         <p:txBody>
-          <a:bodyPr anchor="ctr"/>
+          <a:bodyPr/>
           <a:lstStyle/>
           <a:p>
             <a:r>
               <a:rPr lang="en-US" dirty="0"/>
-              <a:t> Situation 1: How do you auto-format source code of a huge Java library?</a:t>
-            </a:r>
-          </a:p>
-          <a:p>
+              <a:t> </a:t>
+            </a:r>
+            <a:r>
+              <a:rPr lang="en-US" dirty="0">
+                <a:solidFill>
+                  <a:schemeClr val="accent1"/>
+                </a:solidFill>
+              </a:rPr>
+              <a:t>Situation 1</a:t>
+            </a:r>
             <a:r>
               <a:rPr lang="en-US" dirty="0"/>
-              <a:t> Situation 2: Your company decides to do automatic documentation extraction from </a:t>
+              <a:t>: How do you auto-format source code of a huge Java library?</a:t>
+            </a:r>
+          </a:p>
+          <a:p>
+            <a:r>
+              <a:rPr lang="en-US" dirty="0"/>
+              <a:t> </a:t>
+            </a:r>
+            <a:r>
+              <a:rPr lang="en-US" dirty="0">
+                <a:solidFill>
+                  <a:schemeClr val="accent1"/>
+                </a:solidFill>
+              </a:rPr>
+              <a:t>Situation 2</a:t>
+            </a:r>
+            <a:r>
+              <a:rPr lang="en-US" dirty="0"/>
+              <a:t>: Your company decides to do automatic documentation extraction from </a:t>
             </a:r>
             <a:r>
               <a:rPr lang="en-US" dirty="0" err="1"/>
@@ -11286,14 +11308,17 @@
           <a:p>
             <a:endParaRPr lang="en-US" dirty="0"/>
           </a:p>
-        </p:txBody>
-      </p:sp>
-      <p:sp>
-        <p:nvSpPr>
-          <p:cNvPr id="5" name="Slide Number Placeholder 4">
+          <a:p>
+            <a:endParaRPr lang="en-US" dirty="0"/>
+          </a:p>
+        </p:txBody>
+      </p:sp>
+      <p:sp>
+        <p:nvSpPr>
+          <p:cNvPr id="4" name="Slide Number Placeholder 3">
             <a:extLst>
               <a:ext uri="{FF2B5EF4-FFF2-40B4-BE49-F238E27FC236}">
-                <a16:creationId xmlns:a16="http://schemas.microsoft.com/office/drawing/2014/main" id="{093417F2-E8C6-E746-9367-B118701FB9FA}"/>
+                <a16:creationId xmlns:a16="http://schemas.microsoft.com/office/drawing/2014/main" id="{FD8F610C-8240-814F-B8C2-60F77F7DFF8C}"/>
               </a:ext>
             </a:extLst>
           </p:cNvPr>
@@ -11304,190 +11329,29 @@
             <p:ph type="sldNum" sz="quarter" idx="12"/>
           </p:nvPr>
         </p:nvSpPr>
-        <p:spPr>
-          <a:xfrm>
-            <a:off x="6553200" y="4767263"/>
-            <a:ext cx="2133600" cy="273825"/>
-          </a:xfrm>
-          <a:prstGeom prst="rect">
-            <a:avLst/>
-          </a:prstGeom>
-        </p:spPr>
+        <p:spPr/>
         <p:txBody>
           <a:bodyPr/>
           <a:lstStyle/>
           <a:p>
-            <a:pPr algn="r">
-              <a:buSzPct val="25000"/>
-            </a:pPr>
-            <a:fld id="{00000000-1234-1234-1234-123412341234}" type="slidenum">
-              <a:rPr lang="en-US" sz="900" smtClean="0">
-                <a:solidFill>
-                  <a:srgbClr val="888888"/>
-                </a:solidFill>
-                <a:latin typeface="Calibri"/>
-                <a:ea typeface="Calibri"/>
-                <a:cs typeface="Calibri"/>
-                <a:sym typeface="Calibri"/>
-              </a:rPr>
-              <a:pPr algn="r">
-                <a:buSzPct val="25000"/>
-              </a:pPr>
+            <a:fld id="{7B252BF6-6A9C-D04A-BBE8-37A07D64A1C3}" type="slidenum">
+              <a:rPr lang="en-US" smtClean="0"/>
               <a:t>6</a:t>
             </a:fld>
-            <a:endParaRPr lang="en-US" sz="900">
-              <a:solidFill>
-                <a:srgbClr val="888888"/>
-              </a:solidFill>
-              <a:latin typeface="Calibri"/>
-              <a:ea typeface="Calibri"/>
-              <a:cs typeface="Calibri"/>
-              <a:sym typeface="Calibri"/>
-            </a:endParaRPr>
+            <a:endParaRPr lang="en-US"/>
           </a:p>
         </p:txBody>
       </p:sp>
     </p:spTree>
     <p:extLst>
       <p:ext uri="{BB962C8B-B14F-4D97-AF65-F5344CB8AC3E}">
-        <p14:creationId xmlns:p14="http://schemas.microsoft.com/office/powerpoint/2010/main" val="2908866198"/>
+        <p14:creationId xmlns:p14="http://schemas.microsoft.com/office/powerpoint/2010/main" val="4180010528"/>
       </p:ext>
     </p:extLst>
   </p:cSld>
   <p:clrMapOvr>
     <a:masterClrMapping/>
   </p:clrMapOvr>
-  <p:timing>
-    <p:tnLst>
-      <p:par>
-        <p:cTn id="1" dur="indefinite" restart="never" nodeType="tmRoot">
-          <p:childTnLst>
-            <p:seq concurrent="1" nextAc="seek">
-              <p:cTn id="2" dur="indefinite" nodeType="mainSeq">
-                <p:childTnLst>
-                  <p:par>
-                    <p:cTn id="3" fill="hold">
-                      <p:stCondLst>
-                        <p:cond delay="indefinite"/>
-                      </p:stCondLst>
-                      <p:childTnLst>
-                        <p:par>
-                          <p:cTn id="4" fill="hold">
-                            <p:stCondLst>
-                              <p:cond delay="0"/>
-                            </p:stCondLst>
-                            <p:childTnLst>
-                              <p:par>
-                                <p:cTn id="5" presetID="1" presetClass="entr" presetSubtype="0" fill="hold" grpId="0" nodeType="clickEffect">
-                                  <p:stCondLst>
-                                    <p:cond delay="0"/>
-                                  </p:stCondLst>
-                                  <p:childTnLst>
-                                    <p:set>
-                                      <p:cBhvr>
-                                        <p:cTn id="6" dur="1" fill="hold">
-                                          <p:stCondLst>
-                                            <p:cond delay="0"/>
-                                          </p:stCondLst>
-                                        </p:cTn>
-                                        <p:tgtEl>
-                                          <p:spTgt spid="3">
-                                            <p:txEl>
-                                              <p:pRg st="0" end="0"/>
-                                            </p:txEl>
-                                          </p:spTgt>
-                                        </p:tgtEl>
-                                        <p:attrNameLst>
-                                          <p:attrName>style.visibility</p:attrName>
-                                        </p:attrNameLst>
-                                      </p:cBhvr>
-                                      <p:to>
-                                        <p:strVal val="visible"/>
-                                      </p:to>
-                                    </p:set>
-                                  </p:childTnLst>
-                                </p:cTn>
-                              </p:par>
-                            </p:childTnLst>
-                          </p:cTn>
-                        </p:par>
-                      </p:childTnLst>
-                    </p:cTn>
-                  </p:par>
-                  <p:par>
-                    <p:cTn id="7" fill="hold">
-                      <p:stCondLst>
-                        <p:cond delay="indefinite"/>
-                      </p:stCondLst>
-                      <p:childTnLst>
-                        <p:par>
-                          <p:cTn id="8" fill="hold">
-                            <p:stCondLst>
-                              <p:cond delay="0"/>
-                            </p:stCondLst>
-                            <p:childTnLst>
-                              <p:par>
-                                <p:cTn id="9" presetID="1" presetClass="entr" presetSubtype="0" fill="hold" grpId="0" nodeType="clickEffect">
-                                  <p:stCondLst>
-                                    <p:cond delay="0"/>
-                                  </p:stCondLst>
-                                  <p:childTnLst>
-                                    <p:set>
-                                      <p:cBhvr>
-                                        <p:cTn id="10" dur="1" fill="hold">
-                                          <p:stCondLst>
-                                            <p:cond delay="0"/>
-                                          </p:stCondLst>
-                                        </p:cTn>
-                                        <p:tgtEl>
-                                          <p:spTgt spid="3">
-                                            <p:txEl>
-                                              <p:pRg st="1" end="1"/>
-                                            </p:txEl>
-                                          </p:spTgt>
-                                        </p:tgtEl>
-                                        <p:attrNameLst>
-                                          <p:attrName>style.visibility</p:attrName>
-                                        </p:attrNameLst>
-                                      </p:cBhvr>
-                                      <p:to>
-                                        <p:strVal val="visible"/>
-                                      </p:to>
-                                    </p:set>
-                                  </p:childTnLst>
-                                </p:cTn>
-                              </p:par>
-                            </p:childTnLst>
-                          </p:cTn>
-                        </p:par>
-                      </p:childTnLst>
-                    </p:cTn>
-                  </p:par>
-                </p:childTnLst>
-              </p:cTn>
-              <p:prevCondLst>
-                <p:cond evt="onPrev" delay="0">
-                  <p:tgtEl>
-                    <p:sldTgt/>
-                  </p:tgtEl>
-                </p:cond>
-              </p:prevCondLst>
-              <p:nextCondLst>
-                <p:cond evt="onNext" delay="0">
-                  <p:tgtEl>
-                    <p:sldTgt/>
-                  </p:tgtEl>
-                </p:cond>
-              </p:nextCondLst>
-            </p:seq>
-          </p:childTnLst>
-        </p:cTn>
-      </p:par>
-    </p:tnLst>
-    <p:bldLst>
-      <p:bldP spid="3" grpId="0" build="p"/>
-    </p:bldLst>
-  </p:timing>
 </p:sld>
 </file>
 
@@ -11576,19 +11440,55 @@
           <a:p>
             <a:r>
               <a:rPr lang="en-US" dirty="0"/>
-              <a:t> Situation 3: You must refactor a massive codebase in C++ in a non-trivial way, e.g. go from 32-bit to 64-bit. What do you do?</a:t>
-            </a:r>
-          </a:p>
-          <a:p>
+              <a:t> </a:t>
+            </a:r>
+            <a:r>
+              <a:rPr lang="en-US" dirty="0">
+                <a:solidFill>
+                  <a:schemeClr val="accent1"/>
+                </a:solidFill>
+              </a:rPr>
+              <a:t>Situation 3</a:t>
+            </a:r>
             <a:r>
               <a:rPr lang="en-US" dirty="0"/>
-              <a:t> Situation 4: You must write a syntax highlighter for a web tool that deals with 5-8 programming languages.</a:t>
+              <a:t>: You must refactor a massive codebase in C++ in a non-trivial way, e.g. go from 32-bit to 64-bit. What do you do?</a:t>
             </a:r>
           </a:p>
           <a:p>
             <a:r>
               <a:rPr lang="en-US" dirty="0"/>
-              <a:t> Situation 5: You must communicate with a new router that has a telnet interface and a proprietary command language. You need to parse the responses and produce new commands.</a:t>
+              <a:t> </a:t>
+            </a:r>
+            <a:r>
+              <a:rPr lang="en-US" dirty="0">
+                <a:solidFill>
+                  <a:schemeClr val="accent1"/>
+                </a:solidFill>
+              </a:rPr>
+              <a:t>Situation 4</a:t>
+            </a:r>
+            <a:r>
+              <a:rPr lang="en-US" dirty="0"/>
+              <a:t>: You must write a syntax highlighter for a web tool that deals with 5-8 programming languages.</a:t>
+            </a:r>
+          </a:p>
+          <a:p>
+            <a:r>
+              <a:rPr lang="en-US" dirty="0"/>
+              <a:t> </a:t>
+            </a:r>
+            <a:r>
+              <a:rPr lang="en-US" dirty="0">
+                <a:solidFill>
+                  <a:schemeClr val="accent1"/>
+                </a:solidFill>
+              </a:rPr>
+              <a:t>Situation 5</a:t>
+            </a:r>
+            <a:r>
+              <a:rPr lang="en-US" dirty="0"/>
+              <a:t>: You must communicate with a new router that has a telnet interface and a proprietary command language. You need to parse the responses and produce new commands.</a:t>
             </a:r>
           </a:p>
         </p:txBody>
@@ -11930,13 +11830,37 @@
           <a:p>
             <a:r>
               <a:rPr lang="en-US" dirty="0"/>
-              <a:t> Situation 6: The “software engineers” at your company have decided to redesign the entire code base to make it easier to add to the codebase. You have to write them a tool to ensure code maintenance does not get worse?</a:t>
-            </a:r>
-          </a:p>
-          <a:p>
+              <a:t> </a:t>
+            </a:r>
+            <a:r>
+              <a:rPr lang="en-US" dirty="0">
+                <a:solidFill>
+                  <a:schemeClr val="accent1"/>
+                </a:solidFill>
+              </a:rPr>
+              <a:t>Situation 6</a:t>
+            </a:r>
             <a:r>
               <a:rPr lang="en-US" dirty="0"/>
-              <a:t> Situation 7: In order to remove a security hole you must make a set of non-trivial changes to the code to replace one idiom with another in your entire codebase. (Look up </a:t>
+              <a:t>: The “software engineers” at your company have decided to redesign the entire code base to make it easier to add to the codebase. You have to write them a tool to ensure code maintenance does not get worse?</a:t>
+            </a:r>
+          </a:p>
+          <a:p>
+            <a:r>
+              <a:rPr lang="en-US" dirty="0"/>
+              <a:t> </a:t>
+            </a:r>
+            <a:r>
+              <a:rPr lang="en-US" dirty="0">
+                <a:solidFill>
+                  <a:schemeClr val="accent1"/>
+                </a:solidFill>
+              </a:rPr>
+              <a:t>Situation 7</a:t>
+            </a:r>
+            <a:r>
+              <a:rPr lang="en-US" dirty="0"/>
+              <a:t>: In order to remove a security hole you must make a set of non-trivial changes to the code to replace one idiom with another in your entire codebase. (Look up </a:t>
             </a:r>
             <a:r>
               <a:rPr lang="en-US" dirty="0">

--- a/assets/ppt/intro/in1-evangelize-compilers.pptx
+++ b/assets/ppt/intro/in1-evangelize-compilers.pptx
@@ -11268,8 +11268,13 @@
             </a:r>
             <a:r>
               <a:rPr lang="en-US" dirty="0"/>
-              <a:t>: How do you auto-format source code of a huge Java library?</a:t>
-            </a:r>
+              <a:t>: How do you auto-format source code of a Java library</a:t>
+            </a:r>
+            <a:r>
+              <a:rPr lang="en-CA" dirty="0"/>
+              <a:t> with &gt;1M lines of code using your company’s formatting guidelines?</a:t>
+            </a:r>
+            <a:endParaRPr lang="en-US" dirty="0"/>
           </a:p>
           <a:p>
             <a:r>
@@ -11352,6 +11357,137 @@
   <p:clrMapOvr>
     <a:masterClrMapping/>
   </p:clrMapOvr>
+  <p:timing>
+    <p:tnLst>
+      <p:par>
+        <p:cTn id="1" dur="indefinite" restart="never" nodeType="tmRoot">
+          <p:childTnLst>
+            <p:seq concurrent="1" nextAc="seek">
+              <p:cTn id="2" dur="indefinite" nodeType="mainSeq">
+                <p:childTnLst>
+                  <p:par>
+                    <p:cTn id="3" fill="hold">
+                      <p:stCondLst>
+                        <p:cond delay="indefinite"/>
+                      </p:stCondLst>
+                      <p:childTnLst>
+                        <p:par>
+                          <p:cTn id="4" fill="hold">
+                            <p:stCondLst>
+                              <p:cond delay="0"/>
+                            </p:stCondLst>
+                            <p:childTnLst>
+                              <p:par>
+                                <p:cTn id="5" presetID="1" presetClass="entr" presetSubtype="0" fill="hold" grpId="0" nodeType="clickEffect">
+                                  <p:stCondLst>
+                                    <p:cond delay="0"/>
+                                  </p:stCondLst>
+                                  <p:childTnLst>
+                                    <p:set>
+                                      <p:cBhvr>
+                                        <p:cTn id="6" dur="1" fill="hold">
+                                          <p:stCondLst>
+                                            <p:cond delay="0"/>
+                                          </p:stCondLst>
+                                        </p:cTn>
+                                        <p:tgtEl>
+                                          <p:spTgt spid="3">
+                                            <p:txEl>
+                                              <p:pRg st="0" end="0"/>
+                                            </p:txEl>
+                                          </p:spTgt>
+                                        </p:tgtEl>
+                                        <p:attrNameLst>
+                                          <p:attrName>style.visibility</p:attrName>
+                                        </p:attrNameLst>
+                                      </p:cBhvr>
+                                      <p:to>
+                                        <p:strVal val="visible"/>
+                                      </p:to>
+                                    </p:set>
+                                  </p:childTnLst>
+                                </p:cTn>
+                              </p:par>
+                            </p:childTnLst>
+                          </p:cTn>
+                        </p:par>
+                      </p:childTnLst>
+                    </p:cTn>
+                  </p:par>
+                  <p:par>
+                    <p:cTn id="7" fill="hold">
+                      <p:stCondLst>
+                        <p:cond delay="indefinite"/>
+                      </p:stCondLst>
+                      <p:childTnLst>
+                        <p:par>
+                          <p:cTn id="8" fill="hold">
+                            <p:stCondLst>
+                              <p:cond delay="0"/>
+                            </p:stCondLst>
+                            <p:childTnLst>
+                              <p:par>
+                                <p:cTn id="9" presetID="1" presetClass="entr" presetSubtype="0" fill="hold" grpId="0" nodeType="clickEffect">
+                                  <p:stCondLst>
+                                    <p:cond delay="0"/>
+                                  </p:stCondLst>
+                                  <p:childTnLst>
+                                    <p:set>
+                                      <p:cBhvr>
+                                        <p:cTn id="10" dur="1" fill="hold">
+                                          <p:stCondLst>
+                                            <p:cond delay="0"/>
+                                          </p:stCondLst>
+                                        </p:cTn>
+                                        <p:tgtEl>
+                                          <p:spTgt spid="3">
+                                            <p:txEl>
+                                              <p:pRg st="1" end="1"/>
+                                            </p:txEl>
+                                          </p:spTgt>
+                                        </p:tgtEl>
+                                        <p:attrNameLst>
+                                          <p:attrName>style.visibility</p:attrName>
+                                        </p:attrNameLst>
+                                      </p:cBhvr>
+                                      <p:to>
+                                        <p:strVal val="visible"/>
+                                      </p:to>
+                                    </p:set>
+                                  </p:childTnLst>
+                                </p:cTn>
+                              </p:par>
+                            </p:childTnLst>
+                          </p:cTn>
+                        </p:par>
+                      </p:childTnLst>
+                    </p:cTn>
+                  </p:par>
+                </p:childTnLst>
+              </p:cTn>
+              <p:prevCondLst>
+                <p:cond evt="onPrev" delay="0">
+                  <p:tgtEl>
+                    <p:sldTgt/>
+                  </p:tgtEl>
+                </p:cond>
+              </p:prevCondLst>
+              <p:nextCondLst>
+                <p:cond evt="onNext" delay="0">
+                  <p:tgtEl>
+                    <p:sldTgt/>
+                  </p:tgtEl>
+                </p:cond>
+              </p:nextCondLst>
+            </p:seq>
+          </p:childTnLst>
+        </p:cTn>
+      </p:par>
+    </p:tnLst>
+    <p:bldLst>
+      <p:bldP spid="3" grpId="0" build="p"/>
+    </p:bldLst>
+  </p:timing>
 </p:sld>
 </file>
 
@@ -11842,8 +11978,13 @@
             </a:r>
             <a:r>
               <a:rPr lang="en-US" dirty="0"/>
-              <a:t>: The “software engineers” at your company have decided to redesign the entire code base to make it easier to add to the codebase. You have to write them a tool to ensure code maintenance does not get worse?</a:t>
-            </a:r>
+              <a:t>: The “software engineers” at your company have decided to redesign the entire code base to make it easier to add to the codebase. You have to write them a tool to ensure code maintenance does not get worse</a:t>
+            </a:r>
+            <a:r>
+              <a:rPr lang="en-CA" dirty="0"/>
+              <a:t>.</a:t>
+            </a:r>
+            <a:endParaRPr lang="en-US" dirty="0"/>
           </a:p>
           <a:p>
             <a:r>

--- a/assets/ppt/intro/in1-evangelize-compilers.pptx
+++ b/assets/ppt/intro/in1-evangelize-compilers.pptx
@@ -1593,7 +1593,7 @@
           <a:p>
             <a:fld id="{031950AD-E443-1743-A459-21F1AAF6F81A}" type="datetime1">
               <a:rPr lang="en-CA" smtClean="0"/>
-              <a:t>2020-09-07</a:t>
+              <a:t>2020-09-10</a:t>
             </a:fld>
             <a:endParaRPr lang="en-US"/>
           </a:p>
@@ -1791,7 +1791,7 @@
           <a:p>
             <a:fld id="{06378DE7-32B7-DE46-BFEF-C88F96B6CB46}" type="datetime1">
               <a:rPr lang="en-CA" smtClean="0"/>
-              <a:t>2020-09-07</a:t>
+              <a:t>2020-09-10</a:t>
             </a:fld>
             <a:endParaRPr lang="en-US"/>
           </a:p>
@@ -1999,7 +1999,7 @@
           <a:p>
             <a:fld id="{E9DA3F3E-97D7-E44B-928F-428312F41925}" type="datetime1">
               <a:rPr lang="en-CA" smtClean="0"/>
-              <a:t>2020-09-07</a:t>
+              <a:t>2020-09-10</a:t>
             </a:fld>
             <a:endParaRPr lang="en-US"/>
           </a:p>
@@ -2349,7 +2349,7 @@
           <a:p>
             <a:fld id="{B8239F57-6224-5A48-B5A0-8B41CBC82DE5}" type="datetime1">
               <a:rPr lang="en-CA" smtClean="0"/>
-              <a:t>2020-09-07</a:t>
+              <a:t>2020-09-10</a:t>
             </a:fld>
             <a:endParaRPr lang="en-US"/>
           </a:p>
@@ -2624,7 +2624,7 @@
           <a:p>
             <a:fld id="{82B3F797-7154-BC4F-9D0E-5EAD5AEED6D6}" type="datetime1">
               <a:rPr lang="en-CA" smtClean="0"/>
-              <a:t>2020-09-07</a:t>
+              <a:t>2020-09-10</a:t>
             </a:fld>
             <a:endParaRPr lang="en-US"/>
           </a:p>
@@ -2889,7 +2889,7 @@
           <a:p>
             <a:fld id="{3097AE3F-C575-B946-9624-8F064FF29641}" type="datetime1">
               <a:rPr lang="en-CA" smtClean="0"/>
-              <a:t>2020-09-07</a:t>
+              <a:t>2020-09-10</a:t>
             </a:fld>
             <a:endParaRPr lang="en-US"/>
           </a:p>
@@ -3301,7 +3301,7 @@
           <a:p>
             <a:fld id="{FCF57352-CE81-D949-8615-D94A6D43C5AB}" type="datetime1">
               <a:rPr lang="en-CA" smtClean="0"/>
-              <a:t>2020-09-07</a:t>
+              <a:t>2020-09-10</a:t>
             </a:fld>
             <a:endParaRPr lang="en-US"/>
           </a:p>
@@ -3442,7 +3442,7 @@
           <a:p>
             <a:fld id="{5644584D-0879-4C43-9A33-9262212C8909}" type="datetime1">
               <a:rPr lang="en-CA" smtClean="0"/>
-              <a:t>2020-09-07</a:t>
+              <a:t>2020-09-10</a:t>
             </a:fld>
             <a:endParaRPr lang="en-US"/>
           </a:p>
@@ -3555,7 +3555,7 @@
           <a:p>
             <a:fld id="{1EF55C8E-3F84-9742-9F0E-FF66F4EE05BA}" type="datetime1">
               <a:rPr lang="en-CA" smtClean="0"/>
-              <a:t>2020-09-07</a:t>
+              <a:t>2020-09-10</a:t>
             </a:fld>
             <a:endParaRPr lang="en-US"/>
           </a:p>
@@ -3866,7 +3866,7 @@
           <a:p>
             <a:fld id="{9F487085-DD22-E94F-A745-BA3BAACACBF9}" type="datetime1">
               <a:rPr lang="en-CA" smtClean="0"/>
-              <a:t>2020-09-07</a:t>
+              <a:t>2020-09-10</a:t>
             </a:fld>
             <a:endParaRPr lang="en-US"/>
           </a:p>
@@ -4154,7 +4154,7 @@
           <a:p>
             <a:fld id="{DF553C96-34AC-1447-87E6-A53840AE668C}" type="datetime1">
               <a:rPr lang="en-CA" smtClean="0"/>
-              <a:t>2020-09-07</a:t>
+              <a:t>2020-09-10</a:t>
             </a:fld>
             <a:endParaRPr lang="en-US"/>
           </a:p>
@@ -4395,7 +4395,7 @@
           <a:p>
             <a:fld id="{478D0DE7-FBBE-9D43-9800-3DF9B4EF63B2}" type="datetime1">
               <a:rPr lang="en-CA" smtClean="0"/>
-              <a:t>2020-09-07</a:t>
+              <a:t>2020-09-10</a:t>
             </a:fld>
             <a:endParaRPr lang="en-US"/>
           </a:p>

--- a/assets/ppt/intro/in1-evangelize-compilers.pptx
+++ b/assets/ppt/intro/in1-evangelize-compilers.pptx
@@ -1593,7 +1593,7 @@
           <a:p>
             <a:fld id="{031950AD-E443-1743-A459-21F1AAF6F81A}" type="datetime1">
               <a:rPr lang="en-CA" smtClean="0"/>
-              <a:t>2020-09-10</a:t>
+              <a:t>2021-09-26</a:t>
             </a:fld>
             <a:endParaRPr lang="en-US"/>
           </a:p>
@@ -1791,7 +1791,7 @@
           <a:p>
             <a:fld id="{06378DE7-32B7-DE46-BFEF-C88F96B6CB46}" type="datetime1">
               <a:rPr lang="en-CA" smtClean="0"/>
-              <a:t>2020-09-10</a:t>
+              <a:t>2021-09-26</a:t>
             </a:fld>
             <a:endParaRPr lang="en-US"/>
           </a:p>
@@ -1999,7 +1999,7 @@
           <a:p>
             <a:fld id="{E9DA3F3E-97D7-E44B-928F-428312F41925}" type="datetime1">
               <a:rPr lang="en-CA" smtClean="0"/>
-              <a:t>2020-09-10</a:t>
+              <a:t>2021-09-26</a:t>
             </a:fld>
             <a:endParaRPr lang="en-US"/>
           </a:p>
@@ -2349,7 +2349,7 @@
           <a:p>
             <a:fld id="{B8239F57-6224-5A48-B5A0-8B41CBC82DE5}" type="datetime1">
               <a:rPr lang="en-CA" smtClean="0"/>
-              <a:t>2020-09-10</a:t>
+              <a:t>2021-09-26</a:t>
             </a:fld>
             <a:endParaRPr lang="en-US"/>
           </a:p>
@@ -2624,7 +2624,7 @@
           <a:p>
             <a:fld id="{82B3F797-7154-BC4F-9D0E-5EAD5AEED6D6}" type="datetime1">
               <a:rPr lang="en-CA" smtClean="0"/>
-              <a:t>2020-09-10</a:t>
+              <a:t>2021-09-26</a:t>
             </a:fld>
             <a:endParaRPr lang="en-US"/>
           </a:p>
@@ -2889,7 +2889,7 @@
           <a:p>
             <a:fld id="{3097AE3F-C575-B946-9624-8F064FF29641}" type="datetime1">
               <a:rPr lang="en-CA" smtClean="0"/>
-              <a:t>2020-09-10</a:t>
+              <a:t>2021-09-26</a:t>
             </a:fld>
             <a:endParaRPr lang="en-US"/>
           </a:p>
@@ -3301,7 +3301,7 @@
           <a:p>
             <a:fld id="{FCF57352-CE81-D949-8615-D94A6D43C5AB}" type="datetime1">
               <a:rPr lang="en-CA" smtClean="0"/>
-              <a:t>2020-09-10</a:t>
+              <a:t>2021-09-26</a:t>
             </a:fld>
             <a:endParaRPr lang="en-US"/>
           </a:p>
@@ -3442,7 +3442,7 @@
           <a:p>
             <a:fld id="{5644584D-0879-4C43-9A33-9262212C8909}" type="datetime1">
               <a:rPr lang="en-CA" smtClean="0"/>
-              <a:t>2020-09-10</a:t>
+              <a:t>2021-09-26</a:t>
             </a:fld>
             <a:endParaRPr lang="en-US"/>
           </a:p>
@@ -3555,7 +3555,7 @@
           <a:p>
             <a:fld id="{1EF55C8E-3F84-9742-9F0E-FF66F4EE05BA}" type="datetime1">
               <a:rPr lang="en-CA" smtClean="0"/>
-              <a:t>2020-09-10</a:t>
+              <a:t>2021-09-26</a:t>
             </a:fld>
             <a:endParaRPr lang="en-US"/>
           </a:p>
@@ -3866,7 +3866,7 @@
           <a:p>
             <a:fld id="{9F487085-DD22-E94F-A745-BA3BAACACBF9}" type="datetime1">
               <a:rPr lang="en-CA" smtClean="0"/>
-              <a:t>2020-09-10</a:t>
+              <a:t>2021-09-26</a:t>
             </a:fld>
             <a:endParaRPr lang="en-US"/>
           </a:p>
@@ -4154,7 +4154,7 @@
           <a:p>
             <a:fld id="{DF553C96-34AC-1447-87E6-A53840AE668C}" type="datetime1">
               <a:rPr lang="en-CA" smtClean="0"/>
-              <a:t>2020-09-10</a:t>
+              <a:t>2021-09-26</a:t>
             </a:fld>
             <a:endParaRPr lang="en-US"/>
           </a:p>
@@ -4395,7 +4395,7 @@
           <a:p>
             <a:fld id="{478D0DE7-FBBE-9D43-9800-3DF9B4EF63B2}" type="datetime1">
               <a:rPr lang="en-CA" smtClean="0"/>
-              <a:t>2020-09-10</a:t>
+              <a:t>2021-09-26</a:t>
             </a:fld>
             <a:endParaRPr lang="en-US"/>
           </a:p>
@@ -5083,7 +5083,7 @@
         <p:spPr>
           <a:xfrm>
             <a:off x="709404" y="150998"/>
-            <a:ext cx="7725192" cy="4708981"/>
+            <a:ext cx="6955750" cy="4708981"/>
           </a:xfrm>
           <a:prstGeom prst="rect">
             <a:avLst/>
@@ -5435,6 +5435,1084 @@
                 </a:solidFill>
                 <a:latin typeface="Courier-Bold" pitchFamily="2" charset="0"/>
               </a:rPr>
+              <a:t>do </a:t>
+            </a:r>
+            <a:r>
+              <a:rPr lang="en-US" sz="2000" dirty="0">
+                <a:solidFill>
+                  <a:prstClr val="black"/>
+                </a:solidFill>
+                <a:latin typeface="Courier" pitchFamily="2" charset="0"/>
+              </a:rPr>
+              <a:t>{ </a:t>
+            </a:r>
+            <a:r>
+              <a:rPr lang="en-US" sz="2000" dirty="0">
+                <a:solidFill>
+                  <a:srgbClr val="666666"/>
+                </a:solidFill>
+                <a:latin typeface="Courier" pitchFamily="2" charset="0"/>
+              </a:rPr>
+              <a:t>*</a:t>
+            </a:r>
+            <a:r>
+              <a:rPr lang="en-US" sz="2000" dirty="0">
+                <a:solidFill>
+                  <a:prstClr val="black"/>
+                </a:solidFill>
+                <a:latin typeface="Courier" pitchFamily="2" charset="0"/>
+              </a:rPr>
+              <a:t>to</a:t>
+            </a:r>
+            <a:r>
+              <a:rPr lang="en-US" sz="2000" dirty="0">
+                <a:solidFill>
+                  <a:srgbClr val="666666"/>
+                </a:solidFill>
+                <a:latin typeface="Courier" pitchFamily="2" charset="0"/>
+              </a:rPr>
+              <a:t>++</a:t>
+            </a:r>
+            <a:r>
+              <a:rPr lang="en-US" sz="2000" dirty="0">
+                <a:solidFill>
+                  <a:prstClr val="black"/>
+                </a:solidFill>
+                <a:latin typeface="Courier" pitchFamily="2" charset="0"/>
+              </a:rPr>
+              <a:t> </a:t>
+            </a:r>
+            <a:r>
+              <a:rPr lang="en-US" sz="2000" dirty="0">
+                <a:solidFill>
+                  <a:srgbClr val="666666"/>
+                </a:solidFill>
+                <a:latin typeface="Courier" pitchFamily="2" charset="0"/>
+              </a:rPr>
+              <a:t>=</a:t>
+            </a:r>
+            <a:r>
+              <a:rPr lang="en-US" sz="2000" dirty="0">
+                <a:solidFill>
+                  <a:prstClr val="black"/>
+                </a:solidFill>
+                <a:latin typeface="Courier" pitchFamily="2" charset="0"/>
+              </a:rPr>
+              <a:t> </a:t>
+            </a:r>
+            <a:r>
+              <a:rPr lang="en-US" sz="2000" dirty="0">
+                <a:solidFill>
+                  <a:srgbClr val="666666"/>
+                </a:solidFill>
+                <a:latin typeface="Courier" pitchFamily="2" charset="0"/>
+              </a:rPr>
+              <a:t>*</a:t>
+            </a:r>
+            <a:r>
+              <a:rPr lang="en-US" sz="2000" dirty="0">
+                <a:solidFill>
+                  <a:prstClr val="black"/>
+                </a:solidFill>
+                <a:latin typeface="Courier" pitchFamily="2" charset="0"/>
+              </a:rPr>
+              <a:t>from</a:t>
+            </a:r>
+            <a:r>
+              <a:rPr lang="en-US" sz="2000" dirty="0">
+                <a:solidFill>
+                  <a:srgbClr val="666666"/>
+                </a:solidFill>
+                <a:latin typeface="Courier" pitchFamily="2" charset="0"/>
+              </a:rPr>
+              <a:t>++</a:t>
+            </a:r>
+            <a:r>
+              <a:rPr lang="en-US" sz="2000" dirty="0">
+                <a:solidFill>
+                  <a:prstClr val="black"/>
+                </a:solidFill>
+                <a:latin typeface="Courier" pitchFamily="2" charset="0"/>
+              </a:rPr>
+              <a:t>;  </a:t>
+            </a:r>
+          </a:p>
+          <a:p>
+            <a:r>
+              <a:rPr lang="en-US" sz="2000" b="1" dirty="0">
+                <a:solidFill>
+                  <a:prstClr val="black"/>
+                </a:solidFill>
+                <a:latin typeface="Courier" pitchFamily="2" charset="0"/>
+              </a:rPr>
+              <a:t>	</a:t>
+            </a:r>
+            <a:r>
+              <a:rPr lang="en-US" sz="2000" b="1" dirty="0">
+                <a:solidFill>
+                  <a:srgbClr val="008000"/>
+                </a:solidFill>
+                <a:latin typeface="Courier-Bold" pitchFamily="2" charset="0"/>
+              </a:rPr>
+              <a:t>case</a:t>
+            </a:r>
+            <a:r>
+              <a:rPr lang="en-US" sz="2000" dirty="0">
+                <a:solidFill>
+                  <a:prstClr val="black"/>
+                </a:solidFill>
+                <a:latin typeface="Courier" pitchFamily="2" charset="0"/>
+              </a:rPr>
+              <a:t> </a:t>
+            </a:r>
+            <a:r>
+              <a:rPr lang="en-US" sz="2000" dirty="0">
+                <a:solidFill>
+                  <a:srgbClr val="666666"/>
+                </a:solidFill>
+                <a:latin typeface="Courier" pitchFamily="2" charset="0"/>
+              </a:rPr>
+              <a:t>7:</a:t>
+            </a:r>
+            <a:r>
+              <a:rPr lang="en-US" sz="2000" dirty="0">
+                <a:solidFill>
+                  <a:prstClr val="black"/>
+                </a:solidFill>
+                <a:latin typeface="Courier" pitchFamily="2" charset="0"/>
+              </a:rPr>
+              <a:t>      </a:t>
+            </a:r>
+            <a:r>
+              <a:rPr lang="en-US" sz="2000" dirty="0">
+                <a:solidFill>
+                  <a:srgbClr val="666666"/>
+                </a:solidFill>
+                <a:latin typeface="Courier" pitchFamily="2" charset="0"/>
+              </a:rPr>
+              <a:t>*</a:t>
+            </a:r>
+            <a:r>
+              <a:rPr lang="en-US" sz="2000" dirty="0">
+                <a:solidFill>
+                  <a:prstClr val="black"/>
+                </a:solidFill>
+                <a:latin typeface="Courier" pitchFamily="2" charset="0"/>
+              </a:rPr>
+              <a:t>to</a:t>
+            </a:r>
+            <a:r>
+              <a:rPr lang="en-US" sz="2000" dirty="0">
+                <a:solidFill>
+                  <a:srgbClr val="666666"/>
+                </a:solidFill>
+                <a:latin typeface="Courier" pitchFamily="2" charset="0"/>
+              </a:rPr>
+              <a:t>++</a:t>
+            </a:r>
+            <a:r>
+              <a:rPr lang="en-US" sz="2000" dirty="0">
+                <a:solidFill>
+                  <a:prstClr val="black"/>
+                </a:solidFill>
+                <a:latin typeface="Courier" pitchFamily="2" charset="0"/>
+              </a:rPr>
+              <a:t> </a:t>
+            </a:r>
+            <a:r>
+              <a:rPr lang="en-US" sz="2000" dirty="0">
+                <a:solidFill>
+                  <a:srgbClr val="666666"/>
+                </a:solidFill>
+                <a:latin typeface="Courier" pitchFamily="2" charset="0"/>
+              </a:rPr>
+              <a:t>=</a:t>
+            </a:r>
+            <a:r>
+              <a:rPr lang="en-US" sz="2000" dirty="0">
+                <a:solidFill>
+                  <a:prstClr val="black"/>
+                </a:solidFill>
+                <a:latin typeface="Courier" pitchFamily="2" charset="0"/>
+              </a:rPr>
+              <a:t> </a:t>
+            </a:r>
+            <a:r>
+              <a:rPr lang="en-US" sz="2000" dirty="0">
+                <a:solidFill>
+                  <a:srgbClr val="666666"/>
+                </a:solidFill>
+                <a:latin typeface="Courier" pitchFamily="2" charset="0"/>
+              </a:rPr>
+              <a:t>*</a:t>
+            </a:r>
+            <a:r>
+              <a:rPr lang="en-US" sz="2000" dirty="0">
+                <a:solidFill>
+                  <a:prstClr val="black"/>
+                </a:solidFill>
+                <a:latin typeface="Courier" pitchFamily="2" charset="0"/>
+              </a:rPr>
+              <a:t>from</a:t>
+            </a:r>
+            <a:r>
+              <a:rPr lang="en-US" sz="2000" dirty="0">
+                <a:solidFill>
+                  <a:srgbClr val="666666"/>
+                </a:solidFill>
+                <a:latin typeface="Courier" pitchFamily="2" charset="0"/>
+              </a:rPr>
+              <a:t>++</a:t>
+            </a:r>
+            <a:r>
+              <a:rPr lang="en-US" sz="2000" dirty="0">
+                <a:solidFill>
+                  <a:prstClr val="black"/>
+                </a:solidFill>
+                <a:latin typeface="Courier" pitchFamily="2" charset="0"/>
+              </a:rPr>
+              <a:t>;  </a:t>
+            </a:r>
+          </a:p>
+          <a:p>
+            <a:r>
+              <a:rPr lang="en-US" sz="2000" b="1" dirty="0">
+                <a:solidFill>
+                  <a:prstClr val="black"/>
+                </a:solidFill>
+                <a:latin typeface="Courier" pitchFamily="2" charset="0"/>
+              </a:rPr>
+              <a:t>	</a:t>
+            </a:r>
+            <a:r>
+              <a:rPr lang="en-US" sz="2000" b="1" dirty="0">
+                <a:solidFill>
+                  <a:srgbClr val="008000"/>
+                </a:solidFill>
+                <a:latin typeface="Courier-Bold" pitchFamily="2" charset="0"/>
+              </a:rPr>
+              <a:t>case</a:t>
+            </a:r>
+            <a:r>
+              <a:rPr lang="en-US" sz="2000" dirty="0">
+                <a:solidFill>
+                  <a:prstClr val="black"/>
+                </a:solidFill>
+                <a:latin typeface="Courier" pitchFamily="2" charset="0"/>
+              </a:rPr>
+              <a:t> </a:t>
+            </a:r>
+            <a:r>
+              <a:rPr lang="en-US" sz="2000" dirty="0">
+                <a:solidFill>
+                  <a:srgbClr val="666666"/>
+                </a:solidFill>
+                <a:latin typeface="Courier" pitchFamily="2" charset="0"/>
+              </a:rPr>
+              <a:t>6:</a:t>
+            </a:r>
+            <a:r>
+              <a:rPr lang="en-US" sz="2000" dirty="0">
+                <a:solidFill>
+                  <a:prstClr val="black"/>
+                </a:solidFill>
+                <a:latin typeface="Courier" pitchFamily="2" charset="0"/>
+              </a:rPr>
+              <a:t>      </a:t>
+            </a:r>
+            <a:r>
+              <a:rPr lang="en-US" sz="2000" dirty="0">
+                <a:solidFill>
+                  <a:srgbClr val="666666"/>
+                </a:solidFill>
+                <a:latin typeface="Courier" pitchFamily="2" charset="0"/>
+              </a:rPr>
+              <a:t>*</a:t>
+            </a:r>
+            <a:r>
+              <a:rPr lang="en-US" sz="2000" dirty="0">
+                <a:solidFill>
+                  <a:prstClr val="black"/>
+                </a:solidFill>
+                <a:latin typeface="Courier" pitchFamily="2" charset="0"/>
+              </a:rPr>
+              <a:t>to</a:t>
+            </a:r>
+            <a:r>
+              <a:rPr lang="en-US" sz="2000" dirty="0">
+                <a:solidFill>
+                  <a:srgbClr val="666666"/>
+                </a:solidFill>
+                <a:latin typeface="Courier" pitchFamily="2" charset="0"/>
+              </a:rPr>
+              <a:t>++</a:t>
+            </a:r>
+            <a:r>
+              <a:rPr lang="en-US" sz="2000" dirty="0">
+                <a:solidFill>
+                  <a:prstClr val="black"/>
+                </a:solidFill>
+                <a:latin typeface="Courier" pitchFamily="2" charset="0"/>
+              </a:rPr>
+              <a:t> </a:t>
+            </a:r>
+            <a:r>
+              <a:rPr lang="en-US" sz="2000" dirty="0">
+                <a:solidFill>
+                  <a:srgbClr val="666666"/>
+                </a:solidFill>
+                <a:latin typeface="Courier" pitchFamily="2" charset="0"/>
+              </a:rPr>
+              <a:t>=</a:t>
+            </a:r>
+            <a:r>
+              <a:rPr lang="en-US" sz="2000" dirty="0">
+                <a:solidFill>
+                  <a:prstClr val="black"/>
+                </a:solidFill>
+                <a:latin typeface="Courier" pitchFamily="2" charset="0"/>
+              </a:rPr>
+              <a:t> </a:t>
+            </a:r>
+            <a:r>
+              <a:rPr lang="en-US" sz="2000" dirty="0">
+                <a:solidFill>
+                  <a:srgbClr val="666666"/>
+                </a:solidFill>
+                <a:latin typeface="Courier" pitchFamily="2" charset="0"/>
+              </a:rPr>
+              <a:t>*</a:t>
+            </a:r>
+            <a:r>
+              <a:rPr lang="en-US" sz="2000" dirty="0">
+                <a:solidFill>
+                  <a:prstClr val="black"/>
+                </a:solidFill>
+                <a:latin typeface="Courier" pitchFamily="2" charset="0"/>
+              </a:rPr>
+              <a:t>from</a:t>
+            </a:r>
+            <a:r>
+              <a:rPr lang="en-US" sz="2000" dirty="0">
+                <a:solidFill>
+                  <a:srgbClr val="666666"/>
+                </a:solidFill>
+                <a:latin typeface="Courier" pitchFamily="2" charset="0"/>
+              </a:rPr>
+              <a:t>++</a:t>
+            </a:r>
+            <a:r>
+              <a:rPr lang="en-US" sz="2000" dirty="0">
+                <a:solidFill>
+                  <a:prstClr val="black"/>
+                </a:solidFill>
+                <a:latin typeface="Courier" pitchFamily="2" charset="0"/>
+              </a:rPr>
+              <a:t>;  </a:t>
+            </a:r>
+          </a:p>
+          <a:p>
+            <a:r>
+              <a:rPr lang="en-US" sz="2000" b="1" dirty="0">
+                <a:solidFill>
+                  <a:prstClr val="black"/>
+                </a:solidFill>
+                <a:latin typeface="Courier" pitchFamily="2" charset="0"/>
+              </a:rPr>
+              <a:t>	</a:t>
+            </a:r>
+            <a:r>
+              <a:rPr lang="en-US" sz="2000" b="1" dirty="0">
+                <a:solidFill>
+                  <a:srgbClr val="008000"/>
+                </a:solidFill>
+                <a:latin typeface="Courier-Bold" pitchFamily="2" charset="0"/>
+              </a:rPr>
+              <a:t>case</a:t>
+            </a:r>
+            <a:r>
+              <a:rPr lang="en-US" sz="2000" dirty="0">
+                <a:solidFill>
+                  <a:prstClr val="black"/>
+                </a:solidFill>
+                <a:latin typeface="Courier" pitchFamily="2" charset="0"/>
+              </a:rPr>
+              <a:t> </a:t>
+            </a:r>
+            <a:r>
+              <a:rPr lang="en-US" sz="2000" dirty="0">
+                <a:solidFill>
+                  <a:srgbClr val="666666"/>
+                </a:solidFill>
+                <a:latin typeface="Courier" pitchFamily="2" charset="0"/>
+              </a:rPr>
+              <a:t>5:</a:t>
+            </a:r>
+            <a:r>
+              <a:rPr lang="en-US" sz="2000" dirty="0">
+                <a:solidFill>
+                  <a:prstClr val="black"/>
+                </a:solidFill>
+                <a:latin typeface="Courier" pitchFamily="2" charset="0"/>
+              </a:rPr>
+              <a:t>      </a:t>
+            </a:r>
+            <a:r>
+              <a:rPr lang="en-US" sz="2000" dirty="0">
+                <a:solidFill>
+                  <a:srgbClr val="666666"/>
+                </a:solidFill>
+                <a:latin typeface="Courier" pitchFamily="2" charset="0"/>
+              </a:rPr>
+              <a:t>*</a:t>
+            </a:r>
+            <a:r>
+              <a:rPr lang="en-US" sz="2000" dirty="0">
+                <a:solidFill>
+                  <a:prstClr val="black"/>
+                </a:solidFill>
+                <a:latin typeface="Courier" pitchFamily="2" charset="0"/>
+              </a:rPr>
+              <a:t>to</a:t>
+            </a:r>
+            <a:r>
+              <a:rPr lang="en-US" sz="2000" dirty="0">
+                <a:solidFill>
+                  <a:srgbClr val="666666"/>
+                </a:solidFill>
+                <a:latin typeface="Courier" pitchFamily="2" charset="0"/>
+              </a:rPr>
+              <a:t>++</a:t>
+            </a:r>
+            <a:r>
+              <a:rPr lang="en-US" sz="2000" dirty="0">
+                <a:solidFill>
+                  <a:prstClr val="black"/>
+                </a:solidFill>
+                <a:latin typeface="Courier" pitchFamily="2" charset="0"/>
+              </a:rPr>
+              <a:t> </a:t>
+            </a:r>
+            <a:r>
+              <a:rPr lang="en-US" sz="2000" dirty="0">
+                <a:solidFill>
+                  <a:srgbClr val="666666"/>
+                </a:solidFill>
+                <a:latin typeface="Courier" pitchFamily="2" charset="0"/>
+              </a:rPr>
+              <a:t>=</a:t>
+            </a:r>
+            <a:r>
+              <a:rPr lang="en-US" sz="2000" dirty="0">
+                <a:solidFill>
+                  <a:prstClr val="black"/>
+                </a:solidFill>
+                <a:latin typeface="Courier" pitchFamily="2" charset="0"/>
+              </a:rPr>
+              <a:t> </a:t>
+            </a:r>
+            <a:r>
+              <a:rPr lang="en-US" sz="2000" dirty="0">
+                <a:solidFill>
+                  <a:srgbClr val="666666"/>
+                </a:solidFill>
+                <a:latin typeface="Courier" pitchFamily="2" charset="0"/>
+              </a:rPr>
+              <a:t>*</a:t>
+            </a:r>
+            <a:r>
+              <a:rPr lang="en-US" sz="2000" dirty="0">
+                <a:solidFill>
+                  <a:prstClr val="black"/>
+                </a:solidFill>
+                <a:latin typeface="Courier" pitchFamily="2" charset="0"/>
+              </a:rPr>
+              <a:t>from</a:t>
+            </a:r>
+            <a:r>
+              <a:rPr lang="en-US" sz="2000" dirty="0">
+                <a:solidFill>
+                  <a:srgbClr val="666666"/>
+                </a:solidFill>
+                <a:latin typeface="Courier" pitchFamily="2" charset="0"/>
+              </a:rPr>
+              <a:t>++</a:t>
+            </a:r>
+            <a:r>
+              <a:rPr lang="en-US" sz="2000" dirty="0">
+                <a:solidFill>
+                  <a:prstClr val="black"/>
+                </a:solidFill>
+                <a:latin typeface="Courier" pitchFamily="2" charset="0"/>
+              </a:rPr>
+              <a:t>;  </a:t>
+            </a:r>
+          </a:p>
+          <a:p>
+            <a:r>
+              <a:rPr lang="en-US" sz="2000" b="1" dirty="0">
+                <a:solidFill>
+                  <a:prstClr val="black"/>
+                </a:solidFill>
+                <a:latin typeface="Courier" pitchFamily="2" charset="0"/>
+              </a:rPr>
+              <a:t>	</a:t>
+            </a:r>
+            <a:r>
+              <a:rPr lang="en-US" sz="2000" b="1" dirty="0">
+                <a:solidFill>
+                  <a:srgbClr val="008000"/>
+                </a:solidFill>
+                <a:latin typeface="Courier-Bold" pitchFamily="2" charset="0"/>
+              </a:rPr>
+              <a:t>case</a:t>
+            </a:r>
+            <a:r>
+              <a:rPr lang="en-US" sz="2000" dirty="0">
+                <a:solidFill>
+                  <a:prstClr val="black"/>
+                </a:solidFill>
+                <a:latin typeface="Courier" pitchFamily="2" charset="0"/>
+              </a:rPr>
+              <a:t> </a:t>
+            </a:r>
+            <a:r>
+              <a:rPr lang="en-US" sz="2000" dirty="0">
+                <a:solidFill>
+                  <a:srgbClr val="666666"/>
+                </a:solidFill>
+                <a:latin typeface="Courier" pitchFamily="2" charset="0"/>
+              </a:rPr>
+              <a:t>4:</a:t>
+            </a:r>
+            <a:r>
+              <a:rPr lang="en-US" sz="2000" dirty="0">
+                <a:solidFill>
+                  <a:prstClr val="black"/>
+                </a:solidFill>
+                <a:latin typeface="Courier" pitchFamily="2" charset="0"/>
+              </a:rPr>
+              <a:t>      </a:t>
+            </a:r>
+            <a:r>
+              <a:rPr lang="en-US" sz="2000" dirty="0">
+                <a:solidFill>
+                  <a:srgbClr val="666666"/>
+                </a:solidFill>
+                <a:latin typeface="Courier" pitchFamily="2" charset="0"/>
+              </a:rPr>
+              <a:t>*</a:t>
+            </a:r>
+            <a:r>
+              <a:rPr lang="en-US" sz="2000" dirty="0">
+                <a:solidFill>
+                  <a:prstClr val="black"/>
+                </a:solidFill>
+                <a:latin typeface="Courier" pitchFamily="2" charset="0"/>
+              </a:rPr>
+              <a:t>to</a:t>
+            </a:r>
+            <a:r>
+              <a:rPr lang="en-US" sz="2000" dirty="0">
+                <a:solidFill>
+                  <a:srgbClr val="666666"/>
+                </a:solidFill>
+                <a:latin typeface="Courier" pitchFamily="2" charset="0"/>
+              </a:rPr>
+              <a:t>++</a:t>
+            </a:r>
+            <a:r>
+              <a:rPr lang="en-US" sz="2000" dirty="0">
+                <a:solidFill>
+                  <a:prstClr val="black"/>
+                </a:solidFill>
+                <a:latin typeface="Courier" pitchFamily="2" charset="0"/>
+              </a:rPr>
+              <a:t> </a:t>
+            </a:r>
+            <a:r>
+              <a:rPr lang="en-US" sz="2000" dirty="0">
+                <a:solidFill>
+                  <a:srgbClr val="666666"/>
+                </a:solidFill>
+                <a:latin typeface="Courier" pitchFamily="2" charset="0"/>
+              </a:rPr>
+              <a:t>=</a:t>
+            </a:r>
+            <a:r>
+              <a:rPr lang="en-US" sz="2000" dirty="0">
+                <a:solidFill>
+                  <a:prstClr val="black"/>
+                </a:solidFill>
+                <a:latin typeface="Courier" pitchFamily="2" charset="0"/>
+              </a:rPr>
+              <a:t> </a:t>
+            </a:r>
+            <a:r>
+              <a:rPr lang="en-US" sz="2000" dirty="0">
+                <a:solidFill>
+                  <a:srgbClr val="666666"/>
+                </a:solidFill>
+                <a:latin typeface="Courier" pitchFamily="2" charset="0"/>
+              </a:rPr>
+              <a:t>*</a:t>
+            </a:r>
+            <a:r>
+              <a:rPr lang="en-US" sz="2000" dirty="0">
+                <a:solidFill>
+                  <a:prstClr val="black"/>
+                </a:solidFill>
+                <a:latin typeface="Courier" pitchFamily="2" charset="0"/>
+              </a:rPr>
+              <a:t>from</a:t>
+            </a:r>
+            <a:r>
+              <a:rPr lang="en-US" sz="2000" dirty="0">
+                <a:solidFill>
+                  <a:srgbClr val="666666"/>
+                </a:solidFill>
+                <a:latin typeface="Courier" pitchFamily="2" charset="0"/>
+              </a:rPr>
+              <a:t>++</a:t>
+            </a:r>
+            <a:r>
+              <a:rPr lang="en-US" sz="2000" dirty="0">
+                <a:solidFill>
+                  <a:prstClr val="black"/>
+                </a:solidFill>
+                <a:latin typeface="Courier" pitchFamily="2" charset="0"/>
+              </a:rPr>
+              <a:t>;  </a:t>
+            </a:r>
+          </a:p>
+          <a:p>
+            <a:r>
+              <a:rPr lang="en-US" sz="2000" b="1" dirty="0">
+                <a:solidFill>
+                  <a:prstClr val="black"/>
+                </a:solidFill>
+                <a:latin typeface="Courier" pitchFamily="2" charset="0"/>
+              </a:rPr>
+              <a:t>	</a:t>
+            </a:r>
+            <a:r>
+              <a:rPr lang="en-US" sz="2000" b="1" dirty="0">
+                <a:solidFill>
+                  <a:srgbClr val="008000"/>
+                </a:solidFill>
+                <a:latin typeface="Courier-Bold" pitchFamily="2" charset="0"/>
+              </a:rPr>
+              <a:t>case</a:t>
+            </a:r>
+            <a:r>
+              <a:rPr lang="en-US" sz="2000" dirty="0">
+                <a:solidFill>
+                  <a:prstClr val="black"/>
+                </a:solidFill>
+                <a:latin typeface="Courier" pitchFamily="2" charset="0"/>
+              </a:rPr>
+              <a:t> </a:t>
+            </a:r>
+            <a:r>
+              <a:rPr lang="en-US" sz="2000" dirty="0">
+                <a:solidFill>
+                  <a:srgbClr val="666666"/>
+                </a:solidFill>
+                <a:latin typeface="Courier" pitchFamily="2" charset="0"/>
+              </a:rPr>
+              <a:t>3:</a:t>
+            </a:r>
+            <a:r>
+              <a:rPr lang="en-US" sz="2000" dirty="0">
+                <a:solidFill>
+                  <a:prstClr val="black"/>
+                </a:solidFill>
+                <a:latin typeface="Courier" pitchFamily="2" charset="0"/>
+              </a:rPr>
+              <a:t>      </a:t>
+            </a:r>
+            <a:r>
+              <a:rPr lang="en-US" sz="2000" dirty="0">
+                <a:solidFill>
+                  <a:srgbClr val="666666"/>
+                </a:solidFill>
+                <a:latin typeface="Courier" pitchFamily="2" charset="0"/>
+              </a:rPr>
+              <a:t>*</a:t>
+            </a:r>
+            <a:r>
+              <a:rPr lang="en-US" sz="2000" dirty="0">
+                <a:solidFill>
+                  <a:prstClr val="black"/>
+                </a:solidFill>
+                <a:latin typeface="Courier" pitchFamily="2" charset="0"/>
+              </a:rPr>
+              <a:t>to</a:t>
+            </a:r>
+            <a:r>
+              <a:rPr lang="en-US" sz="2000" dirty="0">
+                <a:solidFill>
+                  <a:srgbClr val="666666"/>
+                </a:solidFill>
+                <a:latin typeface="Courier" pitchFamily="2" charset="0"/>
+              </a:rPr>
+              <a:t>++</a:t>
+            </a:r>
+            <a:r>
+              <a:rPr lang="en-US" sz="2000" dirty="0">
+                <a:solidFill>
+                  <a:prstClr val="black"/>
+                </a:solidFill>
+                <a:latin typeface="Courier" pitchFamily="2" charset="0"/>
+              </a:rPr>
+              <a:t> </a:t>
+            </a:r>
+            <a:r>
+              <a:rPr lang="en-US" sz="2000" dirty="0">
+                <a:solidFill>
+                  <a:srgbClr val="666666"/>
+                </a:solidFill>
+                <a:latin typeface="Courier" pitchFamily="2" charset="0"/>
+              </a:rPr>
+              <a:t>=</a:t>
+            </a:r>
+            <a:r>
+              <a:rPr lang="en-US" sz="2000" dirty="0">
+                <a:solidFill>
+                  <a:prstClr val="black"/>
+                </a:solidFill>
+                <a:latin typeface="Courier" pitchFamily="2" charset="0"/>
+              </a:rPr>
+              <a:t> </a:t>
+            </a:r>
+            <a:r>
+              <a:rPr lang="en-US" sz="2000" dirty="0">
+                <a:solidFill>
+                  <a:srgbClr val="666666"/>
+                </a:solidFill>
+                <a:latin typeface="Courier" pitchFamily="2" charset="0"/>
+              </a:rPr>
+              <a:t>*</a:t>
+            </a:r>
+            <a:r>
+              <a:rPr lang="en-US" sz="2000" dirty="0">
+                <a:solidFill>
+                  <a:prstClr val="black"/>
+                </a:solidFill>
+                <a:latin typeface="Courier" pitchFamily="2" charset="0"/>
+              </a:rPr>
+              <a:t>from</a:t>
+            </a:r>
+            <a:r>
+              <a:rPr lang="en-US" sz="2000" dirty="0">
+                <a:solidFill>
+                  <a:srgbClr val="666666"/>
+                </a:solidFill>
+                <a:latin typeface="Courier" pitchFamily="2" charset="0"/>
+              </a:rPr>
+              <a:t>++</a:t>
+            </a:r>
+            <a:r>
+              <a:rPr lang="en-US" sz="2000" dirty="0">
+                <a:solidFill>
+                  <a:prstClr val="black"/>
+                </a:solidFill>
+                <a:latin typeface="Courier" pitchFamily="2" charset="0"/>
+              </a:rPr>
+              <a:t>;  </a:t>
+            </a:r>
+          </a:p>
+          <a:p>
+            <a:r>
+              <a:rPr lang="en-US" sz="2000" b="1" dirty="0">
+                <a:solidFill>
+                  <a:prstClr val="black"/>
+                </a:solidFill>
+                <a:latin typeface="Courier" pitchFamily="2" charset="0"/>
+              </a:rPr>
+              <a:t>	</a:t>
+            </a:r>
+            <a:r>
+              <a:rPr lang="en-US" sz="2000" b="1" dirty="0">
+                <a:solidFill>
+                  <a:srgbClr val="008000"/>
+                </a:solidFill>
+                <a:latin typeface="Courier-Bold" pitchFamily="2" charset="0"/>
+              </a:rPr>
+              <a:t>case</a:t>
+            </a:r>
+            <a:r>
+              <a:rPr lang="en-US" sz="2000" dirty="0">
+                <a:solidFill>
+                  <a:prstClr val="black"/>
+                </a:solidFill>
+                <a:latin typeface="Courier" pitchFamily="2" charset="0"/>
+              </a:rPr>
+              <a:t> </a:t>
+            </a:r>
+            <a:r>
+              <a:rPr lang="en-US" sz="2000" dirty="0">
+                <a:solidFill>
+                  <a:srgbClr val="666666"/>
+                </a:solidFill>
+                <a:latin typeface="Courier" pitchFamily="2" charset="0"/>
+              </a:rPr>
+              <a:t>2:</a:t>
+            </a:r>
+            <a:r>
+              <a:rPr lang="en-US" sz="2000" dirty="0">
+                <a:solidFill>
+                  <a:prstClr val="black"/>
+                </a:solidFill>
+                <a:latin typeface="Courier" pitchFamily="2" charset="0"/>
+              </a:rPr>
+              <a:t>      </a:t>
+            </a:r>
+            <a:r>
+              <a:rPr lang="en-US" sz="2000" dirty="0">
+                <a:solidFill>
+                  <a:srgbClr val="666666"/>
+                </a:solidFill>
+                <a:latin typeface="Courier" pitchFamily="2" charset="0"/>
+              </a:rPr>
+              <a:t>*</a:t>
+            </a:r>
+            <a:r>
+              <a:rPr lang="en-US" sz="2000" dirty="0">
+                <a:solidFill>
+                  <a:prstClr val="black"/>
+                </a:solidFill>
+                <a:latin typeface="Courier" pitchFamily="2" charset="0"/>
+              </a:rPr>
+              <a:t>to</a:t>
+            </a:r>
+            <a:r>
+              <a:rPr lang="en-US" sz="2000" dirty="0">
+                <a:solidFill>
+                  <a:srgbClr val="666666"/>
+                </a:solidFill>
+                <a:latin typeface="Courier" pitchFamily="2" charset="0"/>
+              </a:rPr>
+              <a:t>++</a:t>
+            </a:r>
+            <a:r>
+              <a:rPr lang="en-US" sz="2000" dirty="0">
+                <a:solidFill>
+                  <a:prstClr val="black"/>
+                </a:solidFill>
+                <a:latin typeface="Courier" pitchFamily="2" charset="0"/>
+              </a:rPr>
+              <a:t> </a:t>
+            </a:r>
+            <a:r>
+              <a:rPr lang="en-US" sz="2000" dirty="0">
+                <a:solidFill>
+                  <a:srgbClr val="666666"/>
+                </a:solidFill>
+                <a:latin typeface="Courier" pitchFamily="2" charset="0"/>
+              </a:rPr>
+              <a:t>=</a:t>
+            </a:r>
+            <a:r>
+              <a:rPr lang="en-US" sz="2000" dirty="0">
+                <a:solidFill>
+                  <a:prstClr val="black"/>
+                </a:solidFill>
+                <a:latin typeface="Courier" pitchFamily="2" charset="0"/>
+              </a:rPr>
+              <a:t> </a:t>
+            </a:r>
+            <a:r>
+              <a:rPr lang="en-US" sz="2000" dirty="0">
+                <a:solidFill>
+                  <a:srgbClr val="666666"/>
+                </a:solidFill>
+                <a:latin typeface="Courier" pitchFamily="2" charset="0"/>
+              </a:rPr>
+              <a:t>*</a:t>
+            </a:r>
+            <a:r>
+              <a:rPr lang="en-US" sz="2000" dirty="0">
+                <a:solidFill>
+                  <a:prstClr val="black"/>
+                </a:solidFill>
+                <a:latin typeface="Courier" pitchFamily="2" charset="0"/>
+              </a:rPr>
+              <a:t>from</a:t>
+            </a:r>
+            <a:r>
+              <a:rPr lang="en-US" sz="2000" dirty="0">
+                <a:solidFill>
+                  <a:srgbClr val="666666"/>
+                </a:solidFill>
+                <a:latin typeface="Courier" pitchFamily="2" charset="0"/>
+              </a:rPr>
+              <a:t>++</a:t>
+            </a:r>
+            <a:r>
+              <a:rPr lang="en-US" sz="2000" dirty="0">
+                <a:solidFill>
+                  <a:prstClr val="black"/>
+                </a:solidFill>
+                <a:latin typeface="Courier" pitchFamily="2" charset="0"/>
+              </a:rPr>
+              <a:t>;  </a:t>
+            </a:r>
+          </a:p>
+          <a:p>
+            <a:r>
+              <a:rPr lang="en-US" sz="2000" b="1" dirty="0">
+                <a:solidFill>
+                  <a:prstClr val="black"/>
+                </a:solidFill>
+                <a:latin typeface="Courier" pitchFamily="2" charset="0"/>
+              </a:rPr>
+              <a:t>	</a:t>
+            </a:r>
+            <a:r>
+              <a:rPr lang="en-US" sz="2000" b="1" dirty="0">
+                <a:solidFill>
+                  <a:srgbClr val="008000"/>
+                </a:solidFill>
+                <a:latin typeface="Courier-Bold" pitchFamily="2" charset="0"/>
+              </a:rPr>
+              <a:t>case</a:t>
+            </a:r>
+            <a:r>
+              <a:rPr lang="en-US" sz="2000" dirty="0">
+                <a:solidFill>
+                  <a:prstClr val="black"/>
+                </a:solidFill>
+                <a:latin typeface="Courier" pitchFamily="2" charset="0"/>
+              </a:rPr>
+              <a:t> </a:t>
+            </a:r>
+            <a:r>
+              <a:rPr lang="en-US" sz="2000" dirty="0">
+                <a:solidFill>
+                  <a:srgbClr val="666666"/>
+                </a:solidFill>
+                <a:latin typeface="Courier" pitchFamily="2" charset="0"/>
+              </a:rPr>
+              <a:t>1:</a:t>
+            </a:r>
+            <a:r>
+              <a:rPr lang="en-US" sz="2000" dirty="0">
+                <a:solidFill>
+                  <a:prstClr val="black"/>
+                </a:solidFill>
+                <a:latin typeface="Courier" pitchFamily="2" charset="0"/>
+              </a:rPr>
+              <a:t>      </a:t>
+            </a:r>
+            <a:r>
+              <a:rPr lang="en-US" sz="2000" dirty="0">
+                <a:solidFill>
+                  <a:srgbClr val="666666"/>
+                </a:solidFill>
+                <a:latin typeface="Courier" pitchFamily="2" charset="0"/>
+              </a:rPr>
+              <a:t>*</a:t>
+            </a:r>
+            <a:r>
+              <a:rPr lang="en-US" sz="2000" dirty="0">
+                <a:solidFill>
+                  <a:prstClr val="black"/>
+                </a:solidFill>
+                <a:latin typeface="Courier" pitchFamily="2" charset="0"/>
+              </a:rPr>
+              <a:t>to</a:t>
+            </a:r>
+            <a:r>
+              <a:rPr lang="en-US" sz="2000" dirty="0">
+                <a:solidFill>
+                  <a:srgbClr val="666666"/>
+                </a:solidFill>
+                <a:latin typeface="Courier" pitchFamily="2" charset="0"/>
+              </a:rPr>
+              <a:t>++</a:t>
+            </a:r>
+            <a:r>
+              <a:rPr lang="en-US" sz="2000" dirty="0">
+                <a:solidFill>
+                  <a:prstClr val="black"/>
+                </a:solidFill>
+                <a:latin typeface="Courier" pitchFamily="2" charset="0"/>
+              </a:rPr>
+              <a:t> </a:t>
+            </a:r>
+            <a:r>
+              <a:rPr lang="en-US" sz="2000" dirty="0">
+                <a:solidFill>
+                  <a:srgbClr val="666666"/>
+                </a:solidFill>
+                <a:latin typeface="Courier" pitchFamily="2" charset="0"/>
+              </a:rPr>
+              <a:t>=</a:t>
+            </a:r>
+            <a:r>
+              <a:rPr lang="en-US" sz="2000" dirty="0">
+                <a:solidFill>
+                  <a:prstClr val="black"/>
+                </a:solidFill>
+                <a:latin typeface="Courier" pitchFamily="2" charset="0"/>
+              </a:rPr>
+              <a:t> </a:t>
+            </a:r>
+            <a:r>
+              <a:rPr lang="en-US" sz="2000" dirty="0">
+                <a:solidFill>
+                  <a:srgbClr val="666666"/>
+                </a:solidFill>
+                <a:latin typeface="Courier" pitchFamily="2" charset="0"/>
+              </a:rPr>
+              <a:t>*</a:t>
+            </a:r>
+            <a:r>
+              <a:rPr lang="en-US" sz="2000" dirty="0">
+                <a:solidFill>
+                  <a:prstClr val="black"/>
+                </a:solidFill>
+                <a:latin typeface="Courier" pitchFamily="2" charset="0"/>
+              </a:rPr>
+              <a:t>from</a:t>
+            </a:r>
+            <a:r>
+              <a:rPr lang="en-US" sz="2000" dirty="0">
+                <a:solidFill>
+                  <a:srgbClr val="666666"/>
+                </a:solidFill>
+                <a:latin typeface="Courier" pitchFamily="2" charset="0"/>
+              </a:rPr>
+              <a:t>++</a:t>
+            </a:r>
+            <a:r>
+              <a:rPr lang="en-US" sz="2000" dirty="0">
+                <a:solidFill>
+                  <a:prstClr val="black"/>
+                </a:solidFill>
+                <a:latin typeface="Courier" pitchFamily="2" charset="0"/>
+              </a:rPr>
+              <a:t>;</a:t>
+            </a:r>
+          </a:p>
+          <a:p>
+            <a:r>
+              <a:rPr lang="en-US" sz="2000" dirty="0">
+                <a:solidFill>
+                  <a:prstClr val="black"/>
+                </a:solidFill>
+                <a:latin typeface="Courier" pitchFamily="2" charset="0"/>
+              </a:rPr>
+              <a:t>		  } </a:t>
+            </a:r>
+            <a:r>
+              <a:rPr lang="en-US" sz="2000" b="1" dirty="0">
+                <a:solidFill>
+                  <a:srgbClr val="008000"/>
+                </a:solidFill>
+                <a:latin typeface="Courier-Bold" pitchFamily="2" charset="0"/>
+              </a:rPr>
               <a:t>while</a:t>
             </a:r>
             <a:r>
@@ -5444,7 +6522,7 @@
                 </a:solidFill>
                 <a:latin typeface="Courier" pitchFamily="2" charset="0"/>
               </a:rPr>
-              <a:t>(n</a:t>
+              <a:t>(--n </a:t>
             </a:r>
             <a:r>
               <a:rPr lang="en-US" sz="2000" dirty="0">
@@ -5453,7 +6531,7 @@
                 </a:solidFill>
                 <a:latin typeface="Courier" pitchFamily="2" charset="0"/>
               </a:rPr>
-              <a:t>--</a:t>
+              <a:t>&gt;</a:t>
             </a:r>
             <a:r>
               <a:rPr lang="en-US" sz="2000" dirty="0">
@@ -5471,7 +6549,7 @@
                 </a:solidFill>
                 <a:latin typeface="Courier" pitchFamily="2" charset="0"/>
               </a:rPr>
-              <a:t>&gt;</a:t>
+              <a:t>0</a:t>
             </a:r>
             <a:r>
               <a:rPr lang="en-US" sz="2000" dirty="0">
@@ -5480,1085 +6558,7 @@
                 </a:solidFill>
                 <a:latin typeface="Courier" pitchFamily="2" charset="0"/>
               </a:rPr>
-              <a:t> </a:t>
-            </a:r>
-            <a:r>
-              <a:rPr lang="en-US" sz="2000" dirty="0">
-                <a:solidFill>
-                  <a:srgbClr val="666666"/>
-                </a:solidFill>
-                <a:latin typeface="Courier" pitchFamily="2" charset="0"/>
-              </a:rPr>
-              <a:t>0</a:t>
-            </a:r>
-            <a:r>
-              <a:rPr lang="en-US" sz="2000" dirty="0">
-                <a:solidFill>
-                  <a:prstClr val="black"/>
-                </a:solidFill>
-                <a:latin typeface="Courier" pitchFamily="2" charset="0"/>
-              </a:rPr>
-              <a:t>) { </a:t>
-            </a:r>
-            <a:r>
-              <a:rPr lang="en-US" sz="2000" dirty="0">
-                <a:solidFill>
-                  <a:srgbClr val="666666"/>
-                </a:solidFill>
-                <a:latin typeface="Courier" pitchFamily="2" charset="0"/>
-              </a:rPr>
-              <a:t>*</a:t>
-            </a:r>
-            <a:r>
-              <a:rPr lang="en-US" sz="2000" dirty="0">
-                <a:solidFill>
-                  <a:prstClr val="black"/>
-                </a:solidFill>
-                <a:latin typeface="Courier" pitchFamily="2" charset="0"/>
-              </a:rPr>
-              <a:t>to</a:t>
-            </a:r>
-            <a:r>
-              <a:rPr lang="en-US" sz="2000" dirty="0">
-                <a:solidFill>
-                  <a:srgbClr val="666666"/>
-                </a:solidFill>
-                <a:latin typeface="Courier" pitchFamily="2" charset="0"/>
-              </a:rPr>
-              <a:t>++</a:t>
-            </a:r>
-            <a:r>
-              <a:rPr lang="en-US" sz="2000" dirty="0">
-                <a:solidFill>
-                  <a:prstClr val="black"/>
-                </a:solidFill>
-                <a:latin typeface="Courier" pitchFamily="2" charset="0"/>
-              </a:rPr>
-              <a:t> </a:t>
-            </a:r>
-            <a:r>
-              <a:rPr lang="en-US" sz="2000" dirty="0">
-                <a:solidFill>
-                  <a:srgbClr val="666666"/>
-                </a:solidFill>
-                <a:latin typeface="Courier" pitchFamily="2" charset="0"/>
-              </a:rPr>
-              <a:t>=</a:t>
-            </a:r>
-            <a:r>
-              <a:rPr lang="en-US" sz="2000" dirty="0">
-                <a:solidFill>
-                  <a:prstClr val="black"/>
-                </a:solidFill>
-                <a:latin typeface="Courier" pitchFamily="2" charset="0"/>
-              </a:rPr>
-              <a:t> </a:t>
-            </a:r>
-            <a:r>
-              <a:rPr lang="en-US" sz="2000" dirty="0">
-                <a:solidFill>
-                  <a:srgbClr val="666666"/>
-                </a:solidFill>
-                <a:latin typeface="Courier" pitchFamily="2" charset="0"/>
-              </a:rPr>
-              <a:t>*</a:t>
-            </a:r>
-            <a:r>
-              <a:rPr lang="en-US" sz="2000" dirty="0">
-                <a:solidFill>
-                  <a:prstClr val="black"/>
-                </a:solidFill>
-                <a:latin typeface="Courier" pitchFamily="2" charset="0"/>
-              </a:rPr>
-              <a:t>from</a:t>
-            </a:r>
-            <a:r>
-              <a:rPr lang="en-US" sz="2000" dirty="0">
-                <a:solidFill>
-                  <a:srgbClr val="666666"/>
-                </a:solidFill>
-                <a:latin typeface="Courier" pitchFamily="2" charset="0"/>
-              </a:rPr>
-              <a:t>++</a:t>
-            </a:r>
-            <a:r>
-              <a:rPr lang="en-US" sz="2000" dirty="0">
-                <a:solidFill>
-                  <a:prstClr val="black"/>
-                </a:solidFill>
-                <a:latin typeface="Courier" pitchFamily="2" charset="0"/>
-              </a:rPr>
-              <a:t>;  </a:t>
-            </a:r>
-          </a:p>
-          <a:p>
-            <a:r>
-              <a:rPr lang="en-US" sz="2000" b="1" dirty="0">
-                <a:solidFill>
-                  <a:prstClr val="black"/>
-                </a:solidFill>
-                <a:latin typeface="Courier" pitchFamily="2" charset="0"/>
-              </a:rPr>
-              <a:t>	</a:t>
-            </a:r>
-            <a:r>
-              <a:rPr lang="en-US" sz="2000" b="1" dirty="0">
-                <a:solidFill>
-                  <a:srgbClr val="008000"/>
-                </a:solidFill>
-                <a:latin typeface="Courier-Bold" pitchFamily="2" charset="0"/>
-              </a:rPr>
-              <a:t>case</a:t>
-            </a:r>
-            <a:r>
-              <a:rPr lang="en-US" sz="2000" dirty="0">
-                <a:solidFill>
-                  <a:prstClr val="black"/>
-                </a:solidFill>
-                <a:latin typeface="Courier" pitchFamily="2" charset="0"/>
-              </a:rPr>
-              <a:t> </a:t>
-            </a:r>
-            <a:r>
-              <a:rPr lang="en-US" sz="2000" dirty="0">
-                <a:solidFill>
-                  <a:srgbClr val="666666"/>
-                </a:solidFill>
-                <a:latin typeface="Courier" pitchFamily="2" charset="0"/>
-              </a:rPr>
-              <a:t>7:</a:t>
-            </a:r>
-            <a:r>
-              <a:rPr lang="en-US" sz="2000" dirty="0">
-                <a:solidFill>
-                  <a:prstClr val="black"/>
-                </a:solidFill>
-                <a:latin typeface="Courier" pitchFamily="2" charset="0"/>
-              </a:rPr>
-              <a:t>                  </a:t>
-            </a:r>
-            <a:r>
-              <a:rPr lang="en-US" sz="2000" dirty="0">
-                <a:solidFill>
-                  <a:srgbClr val="666666"/>
-                </a:solidFill>
-                <a:latin typeface="Courier" pitchFamily="2" charset="0"/>
-              </a:rPr>
-              <a:t>*</a:t>
-            </a:r>
-            <a:r>
-              <a:rPr lang="en-US" sz="2000" dirty="0">
-                <a:solidFill>
-                  <a:prstClr val="black"/>
-                </a:solidFill>
-                <a:latin typeface="Courier" pitchFamily="2" charset="0"/>
-              </a:rPr>
-              <a:t>to</a:t>
-            </a:r>
-            <a:r>
-              <a:rPr lang="en-US" sz="2000" dirty="0">
-                <a:solidFill>
-                  <a:srgbClr val="666666"/>
-                </a:solidFill>
-                <a:latin typeface="Courier" pitchFamily="2" charset="0"/>
-              </a:rPr>
-              <a:t>++</a:t>
-            </a:r>
-            <a:r>
-              <a:rPr lang="en-US" sz="2000" dirty="0">
-                <a:solidFill>
-                  <a:prstClr val="black"/>
-                </a:solidFill>
-                <a:latin typeface="Courier" pitchFamily="2" charset="0"/>
-              </a:rPr>
-              <a:t> </a:t>
-            </a:r>
-            <a:r>
-              <a:rPr lang="en-US" sz="2000" dirty="0">
-                <a:solidFill>
-                  <a:srgbClr val="666666"/>
-                </a:solidFill>
-                <a:latin typeface="Courier" pitchFamily="2" charset="0"/>
-              </a:rPr>
-              <a:t>=</a:t>
-            </a:r>
-            <a:r>
-              <a:rPr lang="en-US" sz="2000" dirty="0">
-                <a:solidFill>
-                  <a:prstClr val="black"/>
-                </a:solidFill>
-                <a:latin typeface="Courier" pitchFamily="2" charset="0"/>
-              </a:rPr>
-              <a:t> </a:t>
-            </a:r>
-            <a:r>
-              <a:rPr lang="en-US" sz="2000" dirty="0">
-                <a:solidFill>
-                  <a:srgbClr val="666666"/>
-                </a:solidFill>
-                <a:latin typeface="Courier" pitchFamily="2" charset="0"/>
-              </a:rPr>
-              <a:t>*</a:t>
-            </a:r>
-            <a:r>
-              <a:rPr lang="en-US" sz="2000" dirty="0">
-                <a:solidFill>
-                  <a:prstClr val="black"/>
-                </a:solidFill>
-                <a:latin typeface="Courier" pitchFamily="2" charset="0"/>
-              </a:rPr>
-              <a:t>from</a:t>
-            </a:r>
-            <a:r>
-              <a:rPr lang="en-US" sz="2000" dirty="0">
-                <a:solidFill>
-                  <a:srgbClr val="666666"/>
-                </a:solidFill>
-                <a:latin typeface="Courier" pitchFamily="2" charset="0"/>
-              </a:rPr>
-              <a:t>++</a:t>
-            </a:r>
-            <a:r>
-              <a:rPr lang="en-US" sz="2000" dirty="0">
-                <a:solidFill>
-                  <a:prstClr val="black"/>
-                </a:solidFill>
-                <a:latin typeface="Courier" pitchFamily="2" charset="0"/>
-              </a:rPr>
-              <a:t>;  </a:t>
-            </a:r>
-          </a:p>
-          <a:p>
-            <a:r>
-              <a:rPr lang="en-US" sz="2000" b="1" dirty="0">
-                <a:solidFill>
-                  <a:prstClr val="black"/>
-                </a:solidFill>
-                <a:latin typeface="Courier" pitchFamily="2" charset="0"/>
-              </a:rPr>
-              <a:t>	</a:t>
-            </a:r>
-            <a:r>
-              <a:rPr lang="en-US" sz="2000" b="1" dirty="0">
-                <a:solidFill>
-                  <a:srgbClr val="008000"/>
-                </a:solidFill>
-                <a:latin typeface="Courier-Bold" pitchFamily="2" charset="0"/>
-              </a:rPr>
-              <a:t>case</a:t>
-            </a:r>
-            <a:r>
-              <a:rPr lang="en-US" sz="2000" dirty="0">
-                <a:solidFill>
-                  <a:prstClr val="black"/>
-                </a:solidFill>
-                <a:latin typeface="Courier" pitchFamily="2" charset="0"/>
-              </a:rPr>
-              <a:t> </a:t>
-            </a:r>
-            <a:r>
-              <a:rPr lang="en-US" sz="2000" dirty="0">
-                <a:solidFill>
-                  <a:srgbClr val="666666"/>
-                </a:solidFill>
-                <a:latin typeface="Courier" pitchFamily="2" charset="0"/>
-              </a:rPr>
-              <a:t>6:</a:t>
-            </a:r>
-            <a:r>
-              <a:rPr lang="en-US" sz="2000" dirty="0">
-                <a:solidFill>
-                  <a:prstClr val="black"/>
-                </a:solidFill>
-                <a:latin typeface="Courier" pitchFamily="2" charset="0"/>
-              </a:rPr>
-              <a:t>                  </a:t>
-            </a:r>
-            <a:r>
-              <a:rPr lang="en-US" sz="2000" dirty="0">
-                <a:solidFill>
-                  <a:srgbClr val="666666"/>
-                </a:solidFill>
-                <a:latin typeface="Courier" pitchFamily="2" charset="0"/>
-              </a:rPr>
-              <a:t>*</a:t>
-            </a:r>
-            <a:r>
-              <a:rPr lang="en-US" sz="2000" dirty="0">
-                <a:solidFill>
-                  <a:prstClr val="black"/>
-                </a:solidFill>
-                <a:latin typeface="Courier" pitchFamily="2" charset="0"/>
-              </a:rPr>
-              <a:t>to</a:t>
-            </a:r>
-            <a:r>
-              <a:rPr lang="en-US" sz="2000" dirty="0">
-                <a:solidFill>
-                  <a:srgbClr val="666666"/>
-                </a:solidFill>
-                <a:latin typeface="Courier" pitchFamily="2" charset="0"/>
-              </a:rPr>
-              <a:t>++</a:t>
-            </a:r>
-            <a:r>
-              <a:rPr lang="en-US" sz="2000" dirty="0">
-                <a:solidFill>
-                  <a:prstClr val="black"/>
-                </a:solidFill>
-                <a:latin typeface="Courier" pitchFamily="2" charset="0"/>
-              </a:rPr>
-              <a:t> </a:t>
-            </a:r>
-            <a:r>
-              <a:rPr lang="en-US" sz="2000" dirty="0">
-                <a:solidFill>
-                  <a:srgbClr val="666666"/>
-                </a:solidFill>
-                <a:latin typeface="Courier" pitchFamily="2" charset="0"/>
-              </a:rPr>
-              <a:t>=</a:t>
-            </a:r>
-            <a:r>
-              <a:rPr lang="en-US" sz="2000" dirty="0">
-                <a:solidFill>
-                  <a:prstClr val="black"/>
-                </a:solidFill>
-                <a:latin typeface="Courier" pitchFamily="2" charset="0"/>
-              </a:rPr>
-              <a:t> </a:t>
-            </a:r>
-            <a:r>
-              <a:rPr lang="en-US" sz="2000" dirty="0">
-                <a:solidFill>
-                  <a:srgbClr val="666666"/>
-                </a:solidFill>
-                <a:latin typeface="Courier" pitchFamily="2" charset="0"/>
-              </a:rPr>
-              <a:t>*</a:t>
-            </a:r>
-            <a:r>
-              <a:rPr lang="en-US" sz="2000" dirty="0">
-                <a:solidFill>
-                  <a:prstClr val="black"/>
-                </a:solidFill>
-                <a:latin typeface="Courier" pitchFamily="2" charset="0"/>
-              </a:rPr>
-              <a:t>from</a:t>
-            </a:r>
-            <a:r>
-              <a:rPr lang="en-US" sz="2000" dirty="0">
-                <a:solidFill>
-                  <a:srgbClr val="666666"/>
-                </a:solidFill>
-                <a:latin typeface="Courier" pitchFamily="2" charset="0"/>
-              </a:rPr>
-              <a:t>++</a:t>
-            </a:r>
-            <a:r>
-              <a:rPr lang="en-US" sz="2000" dirty="0">
-                <a:solidFill>
-                  <a:prstClr val="black"/>
-                </a:solidFill>
-                <a:latin typeface="Courier" pitchFamily="2" charset="0"/>
-              </a:rPr>
-              <a:t>;  </a:t>
-            </a:r>
-          </a:p>
-          <a:p>
-            <a:r>
-              <a:rPr lang="en-US" sz="2000" b="1" dirty="0">
-                <a:solidFill>
-                  <a:prstClr val="black"/>
-                </a:solidFill>
-                <a:latin typeface="Courier" pitchFamily="2" charset="0"/>
-              </a:rPr>
-              <a:t>	</a:t>
-            </a:r>
-            <a:r>
-              <a:rPr lang="en-US" sz="2000" b="1" dirty="0">
-                <a:solidFill>
-                  <a:srgbClr val="008000"/>
-                </a:solidFill>
-                <a:latin typeface="Courier-Bold" pitchFamily="2" charset="0"/>
-              </a:rPr>
-              <a:t>case</a:t>
-            </a:r>
-            <a:r>
-              <a:rPr lang="en-US" sz="2000" dirty="0">
-                <a:solidFill>
-                  <a:prstClr val="black"/>
-                </a:solidFill>
-                <a:latin typeface="Courier" pitchFamily="2" charset="0"/>
-              </a:rPr>
-              <a:t> </a:t>
-            </a:r>
-            <a:r>
-              <a:rPr lang="en-US" sz="2000" dirty="0">
-                <a:solidFill>
-                  <a:srgbClr val="666666"/>
-                </a:solidFill>
-                <a:latin typeface="Courier" pitchFamily="2" charset="0"/>
-              </a:rPr>
-              <a:t>5:</a:t>
-            </a:r>
-            <a:r>
-              <a:rPr lang="en-US" sz="2000" dirty="0">
-                <a:solidFill>
-                  <a:prstClr val="black"/>
-                </a:solidFill>
-                <a:latin typeface="Courier" pitchFamily="2" charset="0"/>
-              </a:rPr>
-              <a:t>                  </a:t>
-            </a:r>
-            <a:r>
-              <a:rPr lang="en-US" sz="2000" dirty="0">
-                <a:solidFill>
-                  <a:srgbClr val="666666"/>
-                </a:solidFill>
-                <a:latin typeface="Courier" pitchFamily="2" charset="0"/>
-              </a:rPr>
-              <a:t>*</a:t>
-            </a:r>
-            <a:r>
-              <a:rPr lang="en-US" sz="2000" dirty="0">
-                <a:solidFill>
-                  <a:prstClr val="black"/>
-                </a:solidFill>
-                <a:latin typeface="Courier" pitchFamily="2" charset="0"/>
-              </a:rPr>
-              <a:t>to</a:t>
-            </a:r>
-            <a:r>
-              <a:rPr lang="en-US" sz="2000" dirty="0">
-                <a:solidFill>
-                  <a:srgbClr val="666666"/>
-                </a:solidFill>
-                <a:latin typeface="Courier" pitchFamily="2" charset="0"/>
-              </a:rPr>
-              <a:t>++</a:t>
-            </a:r>
-            <a:r>
-              <a:rPr lang="en-US" sz="2000" dirty="0">
-                <a:solidFill>
-                  <a:prstClr val="black"/>
-                </a:solidFill>
-                <a:latin typeface="Courier" pitchFamily="2" charset="0"/>
-              </a:rPr>
-              <a:t> </a:t>
-            </a:r>
-            <a:r>
-              <a:rPr lang="en-US" sz="2000" dirty="0">
-                <a:solidFill>
-                  <a:srgbClr val="666666"/>
-                </a:solidFill>
-                <a:latin typeface="Courier" pitchFamily="2" charset="0"/>
-              </a:rPr>
-              <a:t>=</a:t>
-            </a:r>
-            <a:r>
-              <a:rPr lang="en-US" sz="2000" dirty="0">
-                <a:solidFill>
-                  <a:prstClr val="black"/>
-                </a:solidFill>
-                <a:latin typeface="Courier" pitchFamily="2" charset="0"/>
-              </a:rPr>
-              <a:t> </a:t>
-            </a:r>
-            <a:r>
-              <a:rPr lang="en-US" sz="2000" dirty="0">
-                <a:solidFill>
-                  <a:srgbClr val="666666"/>
-                </a:solidFill>
-                <a:latin typeface="Courier" pitchFamily="2" charset="0"/>
-              </a:rPr>
-              <a:t>*</a:t>
-            </a:r>
-            <a:r>
-              <a:rPr lang="en-US" sz="2000" dirty="0">
-                <a:solidFill>
-                  <a:prstClr val="black"/>
-                </a:solidFill>
-                <a:latin typeface="Courier" pitchFamily="2" charset="0"/>
-              </a:rPr>
-              <a:t>from</a:t>
-            </a:r>
-            <a:r>
-              <a:rPr lang="en-US" sz="2000" dirty="0">
-                <a:solidFill>
-                  <a:srgbClr val="666666"/>
-                </a:solidFill>
-                <a:latin typeface="Courier" pitchFamily="2" charset="0"/>
-              </a:rPr>
-              <a:t>++</a:t>
-            </a:r>
-            <a:r>
-              <a:rPr lang="en-US" sz="2000" dirty="0">
-                <a:solidFill>
-                  <a:prstClr val="black"/>
-                </a:solidFill>
-                <a:latin typeface="Courier" pitchFamily="2" charset="0"/>
-              </a:rPr>
-              <a:t>;  </a:t>
-            </a:r>
-          </a:p>
-          <a:p>
-            <a:r>
-              <a:rPr lang="en-US" sz="2000" b="1" dirty="0">
-                <a:solidFill>
-                  <a:prstClr val="black"/>
-                </a:solidFill>
-                <a:latin typeface="Courier" pitchFamily="2" charset="0"/>
-              </a:rPr>
-              <a:t>	</a:t>
-            </a:r>
-            <a:r>
-              <a:rPr lang="en-US" sz="2000" b="1" dirty="0">
-                <a:solidFill>
-                  <a:srgbClr val="008000"/>
-                </a:solidFill>
-                <a:latin typeface="Courier-Bold" pitchFamily="2" charset="0"/>
-              </a:rPr>
-              <a:t>case</a:t>
-            </a:r>
-            <a:r>
-              <a:rPr lang="en-US" sz="2000" dirty="0">
-                <a:solidFill>
-                  <a:prstClr val="black"/>
-                </a:solidFill>
-                <a:latin typeface="Courier" pitchFamily="2" charset="0"/>
-              </a:rPr>
-              <a:t> </a:t>
-            </a:r>
-            <a:r>
-              <a:rPr lang="en-US" sz="2000" dirty="0">
-                <a:solidFill>
-                  <a:srgbClr val="666666"/>
-                </a:solidFill>
-                <a:latin typeface="Courier" pitchFamily="2" charset="0"/>
-              </a:rPr>
-              <a:t>4:</a:t>
-            </a:r>
-            <a:r>
-              <a:rPr lang="en-US" sz="2000" dirty="0">
-                <a:solidFill>
-                  <a:prstClr val="black"/>
-                </a:solidFill>
-                <a:latin typeface="Courier" pitchFamily="2" charset="0"/>
-              </a:rPr>
-              <a:t>                  </a:t>
-            </a:r>
-            <a:r>
-              <a:rPr lang="en-US" sz="2000" dirty="0">
-                <a:solidFill>
-                  <a:srgbClr val="666666"/>
-                </a:solidFill>
-                <a:latin typeface="Courier" pitchFamily="2" charset="0"/>
-              </a:rPr>
-              <a:t>*</a:t>
-            </a:r>
-            <a:r>
-              <a:rPr lang="en-US" sz="2000" dirty="0">
-                <a:solidFill>
-                  <a:prstClr val="black"/>
-                </a:solidFill>
-                <a:latin typeface="Courier" pitchFamily="2" charset="0"/>
-              </a:rPr>
-              <a:t>to</a:t>
-            </a:r>
-            <a:r>
-              <a:rPr lang="en-US" sz="2000" dirty="0">
-                <a:solidFill>
-                  <a:srgbClr val="666666"/>
-                </a:solidFill>
-                <a:latin typeface="Courier" pitchFamily="2" charset="0"/>
-              </a:rPr>
-              <a:t>++</a:t>
-            </a:r>
-            <a:r>
-              <a:rPr lang="en-US" sz="2000" dirty="0">
-                <a:solidFill>
-                  <a:prstClr val="black"/>
-                </a:solidFill>
-                <a:latin typeface="Courier" pitchFamily="2" charset="0"/>
-              </a:rPr>
-              <a:t> </a:t>
-            </a:r>
-            <a:r>
-              <a:rPr lang="en-US" sz="2000" dirty="0">
-                <a:solidFill>
-                  <a:srgbClr val="666666"/>
-                </a:solidFill>
-                <a:latin typeface="Courier" pitchFamily="2" charset="0"/>
-              </a:rPr>
-              <a:t>=</a:t>
-            </a:r>
-            <a:r>
-              <a:rPr lang="en-US" sz="2000" dirty="0">
-                <a:solidFill>
-                  <a:prstClr val="black"/>
-                </a:solidFill>
-                <a:latin typeface="Courier" pitchFamily="2" charset="0"/>
-              </a:rPr>
-              <a:t> </a:t>
-            </a:r>
-            <a:r>
-              <a:rPr lang="en-US" sz="2000" dirty="0">
-                <a:solidFill>
-                  <a:srgbClr val="666666"/>
-                </a:solidFill>
-                <a:latin typeface="Courier" pitchFamily="2" charset="0"/>
-              </a:rPr>
-              <a:t>*</a:t>
-            </a:r>
-            <a:r>
-              <a:rPr lang="en-US" sz="2000" dirty="0">
-                <a:solidFill>
-                  <a:prstClr val="black"/>
-                </a:solidFill>
-                <a:latin typeface="Courier" pitchFamily="2" charset="0"/>
-              </a:rPr>
-              <a:t>from</a:t>
-            </a:r>
-            <a:r>
-              <a:rPr lang="en-US" sz="2000" dirty="0">
-                <a:solidFill>
-                  <a:srgbClr val="666666"/>
-                </a:solidFill>
-                <a:latin typeface="Courier" pitchFamily="2" charset="0"/>
-              </a:rPr>
-              <a:t>++</a:t>
-            </a:r>
-            <a:r>
-              <a:rPr lang="en-US" sz="2000" dirty="0">
-                <a:solidFill>
-                  <a:prstClr val="black"/>
-                </a:solidFill>
-                <a:latin typeface="Courier" pitchFamily="2" charset="0"/>
-              </a:rPr>
-              <a:t>;  </a:t>
-            </a:r>
-          </a:p>
-          <a:p>
-            <a:r>
-              <a:rPr lang="en-US" sz="2000" b="1" dirty="0">
-                <a:solidFill>
-                  <a:prstClr val="black"/>
-                </a:solidFill>
-                <a:latin typeface="Courier" pitchFamily="2" charset="0"/>
-              </a:rPr>
-              <a:t>	</a:t>
-            </a:r>
-            <a:r>
-              <a:rPr lang="en-US" sz="2000" b="1" dirty="0">
-                <a:solidFill>
-                  <a:srgbClr val="008000"/>
-                </a:solidFill>
-                <a:latin typeface="Courier-Bold" pitchFamily="2" charset="0"/>
-              </a:rPr>
-              <a:t>case</a:t>
-            </a:r>
-            <a:r>
-              <a:rPr lang="en-US" sz="2000" dirty="0">
-                <a:solidFill>
-                  <a:prstClr val="black"/>
-                </a:solidFill>
-                <a:latin typeface="Courier" pitchFamily="2" charset="0"/>
-              </a:rPr>
-              <a:t> </a:t>
-            </a:r>
-            <a:r>
-              <a:rPr lang="en-US" sz="2000" dirty="0">
-                <a:solidFill>
-                  <a:srgbClr val="666666"/>
-                </a:solidFill>
-                <a:latin typeface="Courier" pitchFamily="2" charset="0"/>
-              </a:rPr>
-              <a:t>3:</a:t>
-            </a:r>
-            <a:r>
-              <a:rPr lang="en-US" sz="2000" dirty="0">
-                <a:solidFill>
-                  <a:prstClr val="black"/>
-                </a:solidFill>
-                <a:latin typeface="Courier" pitchFamily="2" charset="0"/>
-              </a:rPr>
-              <a:t>                  </a:t>
-            </a:r>
-            <a:r>
-              <a:rPr lang="en-US" sz="2000" dirty="0">
-                <a:solidFill>
-                  <a:srgbClr val="666666"/>
-                </a:solidFill>
-                <a:latin typeface="Courier" pitchFamily="2" charset="0"/>
-              </a:rPr>
-              <a:t>*</a:t>
-            </a:r>
-            <a:r>
-              <a:rPr lang="en-US" sz="2000" dirty="0">
-                <a:solidFill>
-                  <a:prstClr val="black"/>
-                </a:solidFill>
-                <a:latin typeface="Courier" pitchFamily="2" charset="0"/>
-              </a:rPr>
-              <a:t>to</a:t>
-            </a:r>
-            <a:r>
-              <a:rPr lang="en-US" sz="2000" dirty="0">
-                <a:solidFill>
-                  <a:srgbClr val="666666"/>
-                </a:solidFill>
-                <a:latin typeface="Courier" pitchFamily="2" charset="0"/>
-              </a:rPr>
-              <a:t>++</a:t>
-            </a:r>
-            <a:r>
-              <a:rPr lang="en-US" sz="2000" dirty="0">
-                <a:solidFill>
-                  <a:prstClr val="black"/>
-                </a:solidFill>
-                <a:latin typeface="Courier" pitchFamily="2" charset="0"/>
-              </a:rPr>
-              <a:t> </a:t>
-            </a:r>
-            <a:r>
-              <a:rPr lang="en-US" sz="2000" dirty="0">
-                <a:solidFill>
-                  <a:srgbClr val="666666"/>
-                </a:solidFill>
-                <a:latin typeface="Courier" pitchFamily="2" charset="0"/>
-              </a:rPr>
-              <a:t>=</a:t>
-            </a:r>
-            <a:r>
-              <a:rPr lang="en-US" sz="2000" dirty="0">
-                <a:solidFill>
-                  <a:prstClr val="black"/>
-                </a:solidFill>
-                <a:latin typeface="Courier" pitchFamily="2" charset="0"/>
-              </a:rPr>
-              <a:t> </a:t>
-            </a:r>
-            <a:r>
-              <a:rPr lang="en-US" sz="2000" dirty="0">
-                <a:solidFill>
-                  <a:srgbClr val="666666"/>
-                </a:solidFill>
-                <a:latin typeface="Courier" pitchFamily="2" charset="0"/>
-              </a:rPr>
-              <a:t>*</a:t>
-            </a:r>
-            <a:r>
-              <a:rPr lang="en-US" sz="2000" dirty="0">
-                <a:solidFill>
-                  <a:prstClr val="black"/>
-                </a:solidFill>
-                <a:latin typeface="Courier" pitchFamily="2" charset="0"/>
-              </a:rPr>
-              <a:t>from</a:t>
-            </a:r>
-            <a:r>
-              <a:rPr lang="en-US" sz="2000" dirty="0">
-                <a:solidFill>
-                  <a:srgbClr val="666666"/>
-                </a:solidFill>
-                <a:latin typeface="Courier" pitchFamily="2" charset="0"/>
-              </a:rPr>
-              <a:t>++</a:t>
-            </a:r>
-            <a:r>
-              <a:rPr lang="en-US" sz="2000" dirty="0">
-                <a:solidFill>
-                  <a:prstClr val="black"/>
-                </a:solidFill>
-                <a:latin typeface="Courier" pitchFamily="2" charset="0"/>
-              </a:rPr>
-              <a:t>;  </a:t>
-            </a:r>
-          </a:p>
-          <a:p>
-            <a:r>
-              <a:rPr lang="en-US" sz="2000" b="1" dirty="0">
-                <a:solidFill>
-                  <a:prstClr val="black"/>
-                </a:solidFill>
-                <a:latin typeface="Courier" pitchFamily="2" charset="0"/>
-              </a:rPr>
-              <a:t>	</a:t>
-            </a:r>
-            <a:r>
-              <a:rPr lang="en-US" sz="2000" b="1" dirty="0">
-                <a:solidFill>
-                  <a:srgbClr val="008000"/>
-                </a:solidFill>
-                <a:latin typeface="Courier-Bold" pitchFamily="2" charset="0"/>
-              </a:rPr>
-              <a:t>case</a:t>
-            </a:r>
-            <a:r>
-              <a:rPr lang="en-US" sz="2000" dirty="0">
-                <a:solidFill>
-                  <a:prstClr val="black"/>
-                </a:solidFill>
-                <a:latin typeface="Courier" pitchFamily="2" charset="0"/>
-              </a:rPr>
-              <a:t> </a:t>
-            </a:r>
-            <a:r>
-              <a:rPr lang="en-US" sz="2000" dirty="0">
-                <a:solidFill>
-                  <a:srgbClr val="666666"/>
-                </a:solidFill>
-                <a:latin typeface="Courier" pitchFamily="2" charset="0"/>
-              </a:rPr>
-              <a:t>2:</a:t>
-            </a:r>
-            <a:r>
-              <a:rPr lang="en-US" sz="2000" dirty="0">
-                <a:solidFill>
-                  <a:prstClr val="black"/>
-                </a:solidFill>
-                <a:latin typeface="Courier" pitchFamily="2" charset="0"/>
-              </a:rPr>
-              <a:t>                  </a:t>
-            </a:r>
-            <a:r>
-              <a:rPr lang="en-US" sz="2000" dirty="0">
-                <a:solidFill>
-                  <a:srgbClr val="666666"/>
-                </a:solidFill>
-                <a:latin typeface="Courier" pitchFamily="2" charset="0"/>
-              </a:rPr>
-              <a:t>*</a:t>
-            </a:r>
-            <a:r>
-              <a:rPr lang="en-US" sz="2000" dirty="0">
-                <a:solidFill>
-                  <a:prstClr val="black"/>
-                </a:solidFill>
-                <a:latin typeface="Courier" pitchFamily="2" charset="0"/>
-              </a:rPr>
-              <a:t>to</a:t>
-            </a:r>
-            <a:r>
-              <a:rPr lang="en-US" sz="2000" dirty="0">
-                <a:solidFill>
-                  <a:srgbClr val="666666"/>
-                </a:solidFill>
-                <a:latin typeface="Courier" pitchFamily="2" charset="0"/>
-              </a:rPr>
-              <a:t>++</a:t>
-            </a:r>
-            <a:r>
-              <a:rPr lang="en-US" sz="2000" dirty="0">
-                <a:solidFill>
-                  <a:prstClr val="black"/>
-                </a:solidFill>
-                <a:latin typeface="Courier" pitchFamily="2" charset="0"/>
-              </a:rPr>
-              <a:t> </a:t>
-            </a:r>
-            <a:r>
-              <a:rPr lang="en-US" sz="2000" dirty="0">
-                <a:solidFill>
-                  <a:srgbClr val="666666"/>
-                </a:solidFill>
-                <a:latin typeface="Courier" pitchFamily="2" charset="0"/>
-              </a:rPr>
-              <a:t>=</a:t>
-            </a:r>
-            <a:r>
-              <a:rPr lang="en-US" sz="2000" dirty="0">
-                <a:solidFill>
-                  <a:prstClr val="black"/>
-                </a:solidFill>
-                <a:latin typeface="Courier" pitchFamily="2" charset="0"/>
-              </a:rPr>
-              <a:t> </a:t>
-            </a:r>
-            <a:r>
-              <a:rPr lang="en-US" sz="2000" dirty="0">
-                <a:solidFill>
-                  <a:srgbClr val="666666"/>
-                </a:solidFill>
-                <a:latin typeface="Courier" pitchFamily="2" charset="0"/>
-              </a:rPr>
-              <a:t>*</a:t>
-            </a:r>
-            <a:r>
-              <a:rPr lang="en-US" sz="2000" dirty="0">
-                <a:solidFill>
-                  <a:prstClr val="black"/>
-                </a:solidFill>
-                <a:latin typeface="Courier" pitchFamily="2" charset="0"/>
-              </a:rPr>
-              <a:t>from</a:t>
-            </a:r>
-            <a:r>
-              <a:rPr lang="en-US" sz="2000" dirty="0">
-                <a:solidFill>
-                  <a:srgbClr val="666666"/>
-                </a:solidFill>
-                <a:latin typeface="Courier" pitchFamily="2" charset="0"/>
-              </a:rPr>
-              <a:t>++</a:t>
-            </a:r>
-            <a:r>
-              <a:rPr lang="en-US" sz="2000" dirty="0">
-                <a:solidFill>
-                  <a:prstClr val="black"/>
-                </a:solidFill>
-                <a:latin typeface="Courier" pitchFamily="2" charset="0"/>
-              </a:rPr>
-              <a:t>;  </a:t>
-            </a:r>
-          </a:p>
-          <a:p>
-            <a:r>
-              <a:rPr lang="en-US" sz="2000" b="1" dirty="0">
-                <a:solidFill>
-                  <a:prstClr val="black"/>
-                </a:solidFill>
-                <a:latin typeface="Courier" pitchFamily="2" charset="0"/>
-              </a:rPr>
-              <a:t>	</a:t>
-            </a:r>
-            <a:r>
-              <a:rPr lang="en-US" sz="2000" b="1" dirty="0">
-                <a:solidFill>
-                  <a:srgbClr val="008000"/>
-                </a:solidFill>
-                <a:latin typeface="Courier-Bold" pitchFamily="2" charset="0"/>
-              </a:rPr>
-              <a:t>case</a:t>
-            </a:r>
-            <a:r>
-              <a:rPr lang="en-US" sz="2000" dirty="0">
-                <a:solidFill>
-                  <a:prstClr val="black"/>
-                </a:solidFill>
-                <a:latin typeface="Courier" pitchFamily="2" charset="0"/>
-              </a:rPr>
-              <a:t> </a:t>
-            </a:r>
-            <a:r>
-              <a:rPr lang="en-US" sz="2000" dirty="0">
-                <a:solidFill>
-                  <a:srgbClr val="666666"/>
-                </a:solidFill>
-                <a:latin typeface="Courier" pitchFamily="2" charset="0"/>
-              </a:rPr>
-              <a:t>1:</a:t>
-            </a:r>
-            <a:r>
-              <a:rPr lang="en-US" sz="2000" dirty="0">
-                <a:solidFill>
-                  <a:prstClr val="black"/>
-                </a:solidFill>
-                <a:latin typeface="Courier" pitchFamily="2" charset="0"/>
-              </a:rPr>
-              <a:t>                  </a:t>
-            </a:r>
-            <a:r>
-              <a:rPr lang="en-US" sz="2000" dirty="0">
-                <a:solidFill>
-                  <a:srgbClr val="666666"/>
-                </a:solidFill>
-                <a:latin typeface="Courier" pitchFamily="2" charset="0"/>
-              </a:rPr>
-              <a:t>*</a:t>
-            </a:r>
-            <a:r>
-              <a:rPr lang="en-US" sz="2000" dirty="0">
-                <a:solidFill>
-                  <a:prstClr val="black"/>
-                </a:solidFill>
-                <a:latin typeface="Courier" pitchFamily="2" charset="0"/>
-              </a:rPr>
-              <a:t>to</a:t>
-            </a:r>
-            <a:r>
-              <a:rPr lang="en-US" sz="2000" dirty="0">
-                <a:solidFill>
-                  <a:srgbClr val="666666"/>
-                </a:solidFill>
-                <a:latin typeface="Courier" pitchFamily="2" charset="0"/>
-              </a:rPr>
-              <a:t>++</a:t>
-            </a:r>
-            <a:r>
-              <a:rPr lang="en-US" sz="2000" dirty="0">
-                <a:solidFill>
-                  <a:prstClr val="black"/>
-                </a:solidFill>
-                <a:latin typeface="Courier" pitchFamily="2" charset="0"/>
-              </a:rPr>
-              <a:t> </a:t>
-            </a:r>
-            <a:r>
-              <a:rPr lang="en-US" sz="2000" dirty="0">
-                <a:solidFill>
-                  <a:srgbClr val="666666"/>
-                </a:solidFill>
-                <a:latin typeface="Courier" pitchFamily="2" charset="0"/>
-              </a:rPr>
-              <a:t>=</a:t>
-            </a:r>
-            <a:r>
-              <a:rPr lang="en-US" sz="2000" dirty="0">
-                <a:solidFill>
-                  <a:prstClr val="black"/>
-                </a:solidFill>
-                <a:latin typeface="Courier" pitchFamily="2" charset="0"/>
-              </a:rPr>
-              <a:t> </a:t>
-            </a:r>
-            <a:r>
-              <a:rPr lang="en-US" sz="2000" dirty="0">
-                <a:solidFill>
-                  <a:srgbClr val="666666"/>
-                </a:solidFill>
-                <a:latin typeface="Courier" pitchFamily="2" charset="0"/>
-              </a:rPr>
-              <a:t>*</a:t>
-            </a:r>
-            <a:r>
-              <a:rPr lang="en-US" sz="2000" dirty="0">
-                <a:solidFill>
-                  <a:prstClr val="black"/>
-                </a:solidFill>
-                <a:latin typeface="Courier" pitchFamily="2" charset="0"/>
-              </a:rPr>
-              <a:t>from</a:t>
-            </a:r>
-            <a:r>
-              <a:rPr lang="en-US" sz="2000" dirty="0">
-                <a:solidFill>
-                  <a:srgbClr val="666666"/>
-                </a:solidFill>
-                <a:latin typeface="Courier" pitchFamily="2" charset="0"/>
-              </a:rPr>
-              <a:t>++</a:t>
-            </a:r>
-            <a:r>
-              <a:rPr lang="en-US" sz="2000" dirty="0">
-                <a:solidFill>
-                  <a:prstClr val="black"/>
-                </a:solidFill>
-                <a:latin typeface="Courier" pitchFamily="2" charset="0"/>
-              </a:rPr>
-              <a:t>;</a:t>
-            </a:r>
-          </a:p>
-          <a:p>
-            <a:r>
-              <a:rPr lang="en-US" sz="2000" dirty="0">
-                <a:solidFill>
-                  <a:prstClr val="black"/>
-                </a:solidFill>
-                <a:latin typeface="Courier" pitchFamily="2" charset="0"/>
-              </a:rPr>
-              <a:t>		  }  </a:t>
+              <a:t>);  </a:t>
             </a:r>
           </a:p>
           <a:p>
